--- a/06_CinematiquePoint/Cours/png/Figures.pptx
+++ b/06_CinematiquePoint/Cours/png/Figures.pptx
@@ -288,7 +288,7 @@
           <a:p>
             <a:fld id="{AA309A6D-C09C-4548-B29A-6CF363A7E532}" type="datetimeFigureOut">
               <a:rPr lang="fr-FR" smtClean="0"/>
-              <a:t>15/12/2013</a:t>
+              <a:t>17/12/2013</a:t>
             </a:fld>
             <a:endParaRPr lang="fr-BE"/>
           </a:p>
@@ -453,7 +453,7 @@
           <a:p>
             <a:fld id="{AA309A6D-C09C-4548-B29A-6CF363A7E532}" type="datetimeFigureOut">
               <a:rPr lang="fr-FR" smtClean="0"/>
-              <a:t>15/12/2013</a:t>
+              <a:t>17/12/2013</a:t>
             </a:fld>
             <a:endParaRPr lang="fr-BE"/>
           </a:p>
@@ -628,7 +628,7 @@
           <a:p>
             <a:fld id="{AA309A6D-C09C-4548-B29A-6CF363A7E532}" type="datetimeFigureOut">
               <a:rPr lang="fr-FR" smtClean="0"/>
-              <a:t>15/12/2013</a:t>
+              <a:t>17/12/2013</a:t>
             </a:fld>
             <a:endParaRPr lang="fr-BE"/>
           </a:p>
@@ -793,7 +793,7 @@
           <a:p>
             <a:fld id="{AA309A6D-C09C-4548-B29A-6CF363A7E532}" type="datetimeFigureOut">
               <a:rPr lang="fr-FR" smtClean="0"/>
-              <a:t>15/12/2013</a:t>
+              <a:t>17/12/2013</a:t>
             </a:fld>
             <a:endParaRPr lang="fr-BE"/>
           </a:p>
@@ -1034,7 +1034,7 @@
           <a:p>
             <a:fld id="{AA309A6D-C09C-4548-B29A-6CF363A7E532}" type="datetimeFigureOut">
               <a:rPr lang="fr-FR" smtClean="0"/>
-              <a:t>15/12/2013</a:t>
+              <a:t>17/12/2013</a:t>
             </a:fld>
             <a:endParaRPr lang="fr-BE"/>
           </a:p>
@@ -1317,7 +1317,7 @@
           <a:p>
             <a:fld id="{AA309A6D-C09C-4548-B29A-6CF363A7E532}" type="datetimeFigureOut">
               <a:rPr lang="fr-FR" smtClean="0"/>
-              <a:t>15/12/2013</a:t>
+              <a:t>17/12/2013</a:t>
             </a:fld>
             <a:endParaRPr lang="fr-BE"/>
           </a:p>
@@ -1734,7 +1734,7 @@
           <a:p>
             <a:fld id="{AA309A6D-C09C-4548-B29A-6CF363A7E532}" type="datetimeFigureOut">
               <a:rPr lang="fr-FR" smtClean="0"/>
-              <a:t>15/12/2013</a:t>
+              <a:t>17/12/2013</a:t>
             </a:fld>
             <a:endParaRPr lang="fr-BE"/>
           </a:p>
@@ -1847,7 +1847,7 @@
           <a:p>
             <a:fld id="{AA309A6D-C09C-4548-B29A-6CF363A7E532}" type="datetimeFigureOut">
               <a:rPr lang="fr-FR" smtClean="0"/>
-              <a:t>15/12/2013</a:t>
+              <a:t>17/12/2013</a:t>
             </a:fld>
             <a:endParaRPr lang="fr-BE"/>
           </a:p>
@@ -1937,7 +1937,7 @@
           <a:p>
             <a:fld id="{AA309A6D-C09C-4548-B29A-6CF363A7E532}" type="datetimeFigureOut">
               <a:rPr lang="fr-FR" smtClean="0"/>
-              <a:t>15/12/2013</a:t>
+              <a:t>17/12/2013</a:t>
             </a:fld>
             <a:endParaRPr lang="fr-BE"/>
           </a:p>
@@ -2209,7 +2209,7 @@
           <a:p>
             <a:fld id="{AA309A6D-C09C-4548-B29A-6CF363A7E532}" type="datetimeFigureOut">
               <a:rPr lang="fr-FR" smtClean="0"/>
-              <a:t>15/12/2013</a:t>
+              <a:t>17/12/2013</a:t>
             </a:fld>
             <a:endParaRPr lang="fr-BE"/>
           </a:p>
@@ -2457,7 +2457,7 @@
           <a:p>
             <a:fld id="{AA309A6D-C09C-4548-B29A-6CF363A7E532}" type="datetimeFigureOut">
               <a:rPr lang="fr-FR" smtClean="0"/>
-              <a:t>15/12/2013</a:t>
+              <a:t>17/12/2013</a:t>
             </a:fld>
             <a:endParaRPr lang="fr-BE"/>
           </a:p>
@@ -2665,7 +2665,7 @@
           <a:p>
             <a:fld id="{AA309A6D-C09C-4548-B29A-6CF363A7E532}" type="datetimeFigureOut">
               <a:rPr lang="fr-FR" smtClean="0"/>
-              <a:t>15/12/2013</a:t>
+              <a:t>17/12/2013</a:t>
             </a:fld>
             <a:endParaRPr lang="fr-BE"/>
           </a:p>
@@ -3603,8 +3603,8 @@
           </a:p>
         </p:txBody>
       </p:sp>
-      <mc:AlternateContent xmlns:mc="http://schemas.openxmlformats.org/markup-compatibility/2006">
-        <mc:Choice xmlns:a14="http://schemas.microsoft.com/office/drawing/2010/main" Requires="a14">
+      <mc:AlternateContent xmlns:mc="http://schemas.openxmlformats.org/markup-compatibility/2006" xmlns:a14="http://schemas.microsoft.com/office/drawing/2010/main">
+        <mc:Choice Requires="a14">
           <p:sp>
             <p:nvSpPr>
               <p:cNvPr id="47" name="ZoneTexte 46"/>
@@ -3627,6 +3627,7 @@
               </a:bodyPr>
               <a:lstStyle/>
               <a:p>
+                <a:pPr/>
                 <a14:m>
                   <m:oMathPara xmlns:m="http://schemas.openxmlformats.org/officeDocument/2006/math">
                     <m:oMathParaPr>
@@ -3647,7 +3648,7 @@
             </p:txBody>
           </p:sp>
         </mc:Choice>
-        <mc:Fallback>
+        <mc:Fallback xmlns="">
           <p:sp>
             <p:nvSpPr>
               <p:cNvPr id="47" name="ZoneTexte 46"/>
@@ -3686,8 +3687,8 @@
           </p:sp>
         </mc:Fallback>
       </mc:AlternateContent>
-      <mc:AlternateContent xmlns:mc="http://schemas.openxmlformats.org/markup-compatibility/2006">
-        <mc:Choice xmlns:a14="http://schemas.microsoft.com/office/drawing/2010/main" Requires="a14">
+      <mc:AlternateContent xmlns:mc="http://schemas.openxmlformats.org/markup-compatibility/2006" xmlns:a14="http://schemas.microsoft.com/office/drawing/2010/main">
+        <mc:Choice Requires="a14">
           <p:sp>
             <p:nvSpPr>
               <p:cNvPr id="48" name="ZoneTexte 47"/>
@@ -3710,6 +3711,7 @@
               </a:bodyPr>
               <a:lstStyle/>
               <a:p>
+                <a:pPr/>
                 <a14:m>
                   <m:oMathPara xmlns:m="http://schemas.openxmlformats.org/officeDocument/2006/math">
                     <m:oMathParaPr>
@@ -3730,7 +3732,7 @@
             </p:txBody>
           </p:sp>
         </mc:Choice>
-        <mc:Fallback>
+        <mc:Fallback xmlns="">
           <p:sp>
             <p:nvSpPr>
               <p:cNvPr id="48" name="ZoneTexte 47"/>
@@ -3769,8 +3771,8 @@
           </p:sp>
         </mc:Fallback>
       </mc:AlternateContent>
-      <mc:AlternateContent xmlns:mc="http://schemas.openxmlformats.org/markup-compatibility/2006">
-        <mc:Choice xmlns:a14="http://schemas.microsoft.com/office/drawing/2010/main" Requires="a14">
+      <mc:AlternateContent xmlns:mc="http://schemas.openxmlformats.org/markup-compatibility/2006" xmlns:a14="http://schemas.microsoft.com/office/drawing/2010/main">
+        <mc:Choice Requires="a14">
           <p:sp>
             <p:nvSpPr>
               <p:cNvPr id="49" name="ZoneTexte 48"/>
@@ -3793,6 +3795,7 @@
               </a:bodyPr>
               <a:lstStyle/>
               <a:p>
+                <a:pPr/>
                 <a14:m>
                   <m:oMathPara xmlns:m="http://schemas.openxmlformats.org/officeDocument/2006/math">
                     <m:oMathParaPr>
@@ -3813,7 +3816,7 @@
             </p:txBody>
           </p:sp>
         </mc:Choice>
-        <mc:Fallback>
+        <mc:Fallback xmlns="">
           <p:sp>
             <p:nvSpPr>
               <p:cNvPr id="49" name="ZoneTexte 48"/>
@@ -3852,8 +3855,8 @@
           </p:sp>
         </mc:Fallback>
       </mc:AlternateContent>
-      <mc:AlternateContent xmlns:mc="http://schemas.openxmlformats.org/markup-compatibility/2006">
-        <mc:Choice xmlns:a14="http://schemas.microsoft.com/office/drawing/2010/main" Requires="a14">
+      <mc:AlternateContent xmlns:mc="http://schemas.openxmlformats.org/markup-compatibility/2006" xmlns:a14="http://schemas.microsoft.com/office/drawing/2010/main">
+        <mc:Choice Requires="a14">
           <p:sp>
             <p:nvSpPr>
               <p:cNvPr id="57" name="ZoneTexte 56"/>
@@ -3876,6 +3879,7 @@
               </a:bodyPr>
               <a:lstStyle/>
               <a:p>
+                <a:pPr/>
                 <a14:m>
                   <m:oMathPara xmlns:m="http://schemas.openxmlformats.org/officeDocument/2006/math">
                     <m:oMathParaPr>
@@ -3896,7 +3900,7 @@
             </p:txBody>
           </p:sp>
         </mc:Choice>
-        <mc:Fallback>
+        <mc:Fallback xmlns="">
           <p:sp>
             <p:nvSpPr>
               <p:cNvPr id="57" name="ZoneTexte 56"/>
@@ -4022,8 +4026,8 @@
           </p:style>
         </p:cxnSp>
       </p:grpSp>
-      <mc:AlternateContent xmlns:mc="http://schemas.openxmlformats.org/markup-compatibility/2006">
-        <mc:Choice xmlns:a14="http://schemas.microsoft.com/office/drawing/2010/main" Requires="a14">
+      <mc:AlternateContent xmlns:mc="http://schemas.openxmlformats.org/markup-compatibility/2006" xmlns:a14="http://schemas.microsoft.com/office/drawing/2010/main">
+        <mc:Choice Requires="a14">
           <p:sp>
             <p:nvSpPr>
               <p:cNvPr id="61" name="ZoneTexte 60"/>
@@ -4046,6 +4050,7 @@
               </a:bodyPr>
               <a:lstStyle/>
               <a:p>
+                <a:pPr/>
                 <a14:m>
                   <m:oMathPara xmlns:m="http://schemas.openxmlformats.org/officeDocument/2006/math">
                     <m:oMathParaPr>
@@ -4097,7 +4102,7 @@
             </p:txBody>
           </p:sp>
         </mc:Choice>
-        <mc:Fallback>
+        <mc:Fallback xmlns="">
           <p:sp>
             <p:nvSpPr>
               <p:cNvPr id="61" name="ZoneTexte 60"/>
@@ -4136,8 +4141,8 @@
           </p:sp>
         </mc:Fallback>
       </mc:AlternateContent>
-      <mc:AlternateContent xmlns:mc="http://schemas.openxmlformats.org/markup-compatibility/2006">
-        <mc:Choice xmlns:a14="http://schemas.microsoft.com/office/drawing/2010/main" Requires="a14">
+      <mc:AlternateContent xmlns:mc="http://schemas.openxmlformats.org/markup-compatibility/2006" xmlns:a14="http://schemas.microsoft.com/office/drawing/2010/main">
+        <mc:Choice Requires="a14">
           <p:sp>
             <p:nvSpPr>
               <p:cNvPr id="62" name="ZoneTexte 61"/>
@@ -4160,6 +4165,7 @@
               </a:bodyPr>
               <a:lstStyle/>
               <a:p>
+                <a:pPr/>
                 <a14:m>
                   <m:oMathPara xmlns:m="http://schemas.openxmlformats.org/officeDocument/2006/math">
                     <m:oMathParaPr>
@@ -4211,7 +4217,7 @@
             </p:txBody>
           </p:sp>
         </mc:Choice>
-        <mc:Fallback>
+        <mc:Fallback xmlns="">
           <p:sp>
             <p:nvSpPr>
               <p:cNvPr id="62" name="ZoneTexte 61"/>
@@ -4286,8 +4292,8 @@
           </a:fontRef>
         </p:style>
       </p:cxnSp>
-      <mc:AlternateContent xmlns:mc="http://schemas.openxmlformats.org/markup-compatibility/2006">
-        <mc:Choice xmlns:a14="http://schemas.microsoft.com/office/drawing/2010/main" Requires="a14">
+      <mc:AlternateContent xmlns:mc="http://schemas.openxmlformats.org/markup-compatibility/2006" xmlns:a14="http://schemas.microsoft.com/office/drawing/2010/main">
+        <mc:Choice Requires="a14">
           <p:sp>
             <p:nvSpPr>
               <p:cNvPr id="65" name="ZoneTexte 64"/>
@@ -4310,6 +4316,7 @@
               </a:bodyPr>
               <a:lstStyle/>
               <a:p>
+                <a:pPr/>
                 <a14:m>
                   <m:oMathPara xmlns:m="http://schemas.openxmlformats.org/officeDocument/2006/math">
                     <m:oMathParaPr>
@@ -4348,7 +4355,7 @@
             </p:txBody>
           </p:sp>
         </mc:Choice>
-        <mc:Fallback>
+        <mc:Fallback xmlns="">
           <p:sp>
             <p:nvSpPr>
               <p:cNvPr id="65" name="ZoneTexte 64"/>
@@ -4474,8 +4481,8 @@
           </p:style>
         </p:cxnSp>
       </p:grpSp>
-      <mc:AlternateContent xmlns:mc="http://schemas.openxmlformats.org/markup-compatibility/2006">
-        <mc:Choice xmlns:a14="http://schemas.microsoft.com/office/drawing/2010/main" Requires="a14">
+      <mc:AlternateContent xmlns:mc="http://schemas.openxmlformats.org/markup-compatibility/2006" xmlns:a14="http://schemas.microsoft.com/office/drawing/2010/main">
+        <mc:Choice Requires="a14">
           <p:sp>
             <p:nvSpPr>
               <p:cNvPr id="70" name="ZoneTexte 69"/>
@@ -4498,6 +4505,7 @@
               </a:bodyPr>
               <a:lstStyle/>
               <a:p>
+                <a:pPr/>
                 <a14:m>
                   <m:oMathPara xmlns:m="http://schemas.openxmlformats.org/officeDocument/2006/math">
                     <m:oMathParaPr>
@@ -4549,7 +4557,7 @@
             </p:txBody>
           </p:sp>
         </mc:Choice>
-        <mc:Fallback>
+        <mc:Fallback xmlns="">
           <p:sp>
             <p:nvSpPr>
               <p:cNvPr id="70" name="ZoneTexte 69"/>
@@ -4588,8 +4596,8 @@
           </p:sp>
         </mc:Fallback>
       </mc:AlternateContent>
-      <mc:AlternateContent xmlns:mc="http://schemas.openxmlformats.org/markup-compatibility/2006">
-        <mc:Choice xmlns:a14="http://schemas.microsoft.com/office/drawing/2010/main" Requires="a14">
+      <mc:AlternateContent xmlns:mc="http://schemas.openxmlformats.org/markup-compatibility/2006" xmlns:a14="http://schemas.microsoft.com/office/drawing/2010/main">
+        <mc:Choice Requires="a14">
           <p:sp>
             <p:nvSpPr>
               <p:cNvPr id="71" name="ZoneTexte 70"/>
@@ -4612,6 +4620,7 @@
               </a:bodyPr>
               <a:lstStyle/>
               <a:p>
+                <a:pPr/>
                 <a14:m>
                   <m:oMathPara xmlns:m="http://schemas.openxmlformats.org/officeDocument/2006/math">
                     <m:oMathParaPr>
@@ -4663,7 +4672,7 @@
             </p:txBody>
           </p:sp>
         </mc:Choice>
-        <mc:Fallback>
+        <mc:Fallback xmlns="">
           <p:sp>
             <p:nvSpPr>
               <p:cNvPr id="71" name="ZoneTexte 70"/>
@@ -4702,8 +4711,8 @@
           </p:sp>
         </mc:Fallback>
       </mc:AlternateContent>
-      <mc:AlternateContent xmlns:mc="http://schemas.openxmlformats.org/markup-compatibility/2006">
-        <mc:Choice xmlns:a14="http://schemas.microsoft.com/office/drawing/2010/main" Requires="a14">
+      <mc:AlternateContent xmlns:mc="http://schemas.openxmlformats.org/markup-compatibility/2006" xmlns:a14="http://schemas.microsoft.com/office/drawing/2010/main">
+        <mc:Choice Requires="a14">
           <p:sp>
             <p:nvSpPr>
               <p:cNvPr id="72" name="ZoneTexte 71"/>
@@ -4726,6 +4735,7 @@
               </a:bodyPr>
               <a:lstStyle/>
               <a:p>
+                <a:pPr/>
                 <a14:m>
                   <m:oMathPara xmlns:m="http://schemas.openxmlformats.org/officeDocument/2006/math">
                     <m:oMathParaPr>
@@ -4820,7 +4830,7 @@
             </p:txBody>
           </p:sp>
         </mc:Choice>
-        <mc:Fallback>
+        <mc:Fallback xmlns="">
           <p:sp>
             <p:nvSpPr>
               <p:cNvPr id="72" name="ZoneTexte 71"/>
@@ -4870,7 +4880,7 @@
             <p:spPr>
               <a:xfrm>
                 <a:off x="4152360" y="1854320"/>
-                <a:ext cx="1181734" cy="312073"/>
+                <a:ext cx="1141082" cy="312073"/>
               </a:xfrm>
               <a:prstGeom prst="rect">
                 <a:avLst/>
@@ -4883,6 +4893,7 @@
               </a:bodyPr>
               <a:lstStyle/>
               <a:p>
+                <a:pPr/>
                 <a14:m>
                   <m:oMathPara xmlns:m="http://schemas.openxmlformats.org/officeDocument/2006/math">
                     <m:oMathParaPr>
@@ -4931,7 +4942,7 @@
                                     <a:rPr lang="fr-FR" sz="1200" b="0" i="1" smtClean="0">
                                       <a:latin typeface="Cambria Math"/>
                                     </a:rPr>
-                                    <m:t>2</m:t>
+                                    <m:t>1</m:t>
                                   </m:r>
                                 </m:num>
                                 <m:den>
@@ -5028,7 +5039,7 @@
             <p:spPr>
               <a:xfrm>
                 <a:off x="4152360" y="1854320"/>
-                <a:ext cx="1181734" cy="312073"/>
+                <a:ext cx="1141082" cy="312073"/>
               </a:xfrm>
               <a:prstGeom prst="rect">
                 <a:avLst/>
@@ -5055,8 +5066,8 @@
           </p:sp>
         </mc:Fallback>
       </mc:AlternateContent>
-      <mc:AlternateContent xmlns:mc="http://schemas.openxmlformats.org/markup-compatibility/2006">
-        <mc:Choice xmlns:a14="http://schemas.microsoft.com/office/drawing/2010/main" Requires="a14">
+      <mc:AlternateContent xmlns:mc="http://schemas.openxmlformats.org/markup-compatibility/2006" xmlns:a14="http://schemas.microsoft.com/office/drawing/2010/main">
+        <mc:Choice Requires="a14">
           <p:sp>
             <p:nvSpPr>
               <p:cNvPr id="74" name="ZoneTexte 73"/>
@@ -5079,6 +5090,7 @@
               </a:bodyPr>
               <a:lstStyle/>
               <a:p>
+                <a:pPr/>
                 <a14:m>
                   <m:oMathPara xmlns:m="http://schemas.openxmlformats.org/officeDocument/2006/math">
                     <m:oMathParaPr>
@@ -5163,7 +5175,7 @@
             </p:txBody>
           </p:sp>
         </mc:Choice>
-        <mc:Fallback>
+        <mc:Fallback xmlns="">
           <p:sp>
             <p:nvSpPr>
               <p:cNvPr id="74" name="ZoneTexte 73"/>
@@ -5202,8 +5214,8 @@
           </p:sp>
         </mc:Fallback>
       </mc:AlternateContent>
-      <mc:AlternateContent xmlns:mc="http://schemas.openxmlformats.org/markup-compatibility/2006">
-        <mc:Choice xmlns:a14="http://schemas.microsoft.com/office/drawing/2010/main" Requires="a14">
+      <mc:AlternateContent xmlns:mc="http://schemas.openxmlformats.org/markup-compatibility/2006" xmlns:a14="http://schemas.microsoft.com/office/drawing/2010/main">
+        <mc:Choice Requires="a14">
           <p:sp>
             <p:nvSpPr>
               <p:cNvPr id="75" name="ZoneTexte 74"/>
@@ -5226,6 +5238,7 @@
               </a:bodyPr>
               <a:lstStyle/>
               <a:p>
+                <a:pPr/>
                 <a14:m>
                   <m:oMathPara xmlns:m="http://schemas.openxmlformats.org/officeDocument/2006/math">
                     <m:oMathParaPr>
@@ -5313,7 +5326,7 @@
             </p:txBody>
           </p:sp>
         </mc:Choice>
-        <mc:Fallback>
+        <mc:Fallback xmlns="">
           <p:sp>
             <p:nvSpPr>
               <p:cNvPr id="75" name="ZoneTexte 74"/>
@@ -5352,8 +5365,8 @@
           </p:sp>
         </mc:Fallback>
       </mc:AlternateContent>
-      <mc:AlternateContent xmlns:mc="http://schemas.openxmlformats.org/markup-compatibility/2006">
-        <mc:Choice xmlns:a14="http://schemas.microsoft.com/office/drawing/2010/main" Requires="a14">
+      <mc:AlternateContent xmlns:mc="http://schemas.openxmlformats.org/markup-compatibility/2006" xmlns:a14="http://schemas.microsoft.com/office/drawing/2010/main">
+        <mc:Choice Requires="a14">
           <p:sp>
             <p:nvSpPr>
               <p:cNvPr id="76" name="ZoneTexte 75"/>
@@ -5376,6 +5389,7 @@
               </a:bodyPr>
               <a:lstStyle/>
               <a:p>
+                <a:pPr/>
                 <a14:m>
                   <m:oMathPara xmlns:m="http://schemas.openxmlformats.org/officeDocument/2006/math">
                     <m:oMathParaPr>
@@ -5478,7 +5492,7 @@
             </p:txBody>
           </p:sp>
         </mc:Choice>
-        <mc:Fallback>
+        <mc:Fallback xmlns="">
           <p:sp>
             <p:nvSpPr>
               <p:cNvPr id="76" name="ZoneTexte 75"/>
@@ -5604,8 +5618,8 @@
           </p:style>
         </p:cxnSp>
       </p:grpSp>
-      <mc:AlternateContent xmlns:mc="http://schemas.openxmlformats.org/markup-compatibility/2006">
-        <mc:Choice xmlns:a14="http://schemas.microsoft.com/office/drawing/2010/main" Requires="a14">
+      <mc:AlternateContent xmlns:mc="http://schemas.openxmlformats.org/markup-compatibility/2006" xmlns:a14="http://schemas.microsoft.com/office/drawing/2010/main">
+        <mc:Choice Requires="a14">
           <p:sp>
             <p:nvSpPr>
               <p:cNvPr id="82" name="ZoneTexte 81"/>
@@ -5628,6 +5642,7 @@
               </a:bodyPr>
               <a:lstStyle/>
               <a:p>
+                <a:pPr/>
                 <a14:m>
                   <m:oMathPara xmlns:m="http://schemas.openxmlformats.org/officeDocument/2006/math">
                     <m:oMathParaPr>
@@ -5679,7 +5694,7 @@
             </p:txBody>
           </p:sp>
         </mc:Choice>
-        <mc:Fallback>
+        <mc:Fallback xmlns="">
           <p:sp>
             <p:nvSpPr>
               <p:cNvPr id="82" name="ZoneTexte 81"/>
@@ -5756,8 +5771,8 @@
           </a:fontRef>
         </p:style>
       </p:cxnSp>
-      <mc:AlternateContent xmlns:mc="http://schemas.openxmlformats.org/markup-compatibility/2006">
-        <mc:Choice xmlns:a14="http://schemas.microsoft.com/office/drawing/2010/main" Requires="a14">
+      <mc:AlternateContent xmlns:mc="http://schemas.openxmlformats.org/markup-compatibility/2006" xmlns:a14="http://schemas.microsoft.com/office/drawing/2010/main">
+        <mc:Choice Requires="a14">
           <p:sp>
             <p:nvSpPr>
               <p:cNvPr id="88" name="ZoneTexte 87"/>
@@ -5780,6 +5795,7 @@
               </a:bodyPr>
               <a:lstStyle/>
               <a:p>
+                <a:pPr/>
                 <a14:m>
                   <m:oMathPara xmlns:m="http://schemas.openxmlformats.org/officeDocument/2006/math">
                     <m:oMathParaPr>
@@ -5831,7 +5847,7 @@
             </p:txBody>
           </p:sp>
         </mc:Choice>
-        <mc:Fallback>
+        <mc:Fallback xmlns="">
           <p:sp>
             <p:nvSpPr>
               <p:cNvPr id="88" name="ZoneTexte 87"/>
@@ -5870,8 +5886,8 @@
           </p:sp>
         </mc:Fallback>
       </mc:AlternateContent>
-      <mc:AlternateContent xmlns:mc="http://schemas.openxmlformats.org/markup-compatibility/2006">
-        <mc:Choice xmlns:a14="http://schemas.microsoft.com/office/drawing/2010/main" Requires="a14">
+      <mc:AlternateContent xmlns:mc="http://schemas.openxmlformats.org/markup-compatibility/2006" xmlns:a14="http://schemas.microsoft.com/office/drawing/2010/main">
+        <mc:Choice Requires="a14">
           <p:sp>
             <p:nvSpPr>
               <p:cNvPr id="89" name="ZoneTexte 88"/>
@@ -5894,6 +5910,7 @@
               </a:bodyPr>
               <a:lstStyle/>
               <a:p>
+                <a:pPr/>
                 <a14:m>
                   <m:oMathPara xmlns:m="http://schemas.openxmlformats.org/officeDocument/2006/math">
                     <m:oMathParaPr>
@@ -5945,7 +5962,7 @@
             </p:txBody>
           </p:sp>
         </mc:Choice>
-        <mc:Fallback>
+        <mc:Fallback xmlns="">
           <p:sp>
             <p:nvSpPr>
               <p:cNvPr id="89" name="ZoneTexte 88"/>
@@ -6029,8 +6046,8 @@
           </a:p>
         </p:txBody>
       </p:sp>
-      <mc:AlternateContent xmlns:mc="http://schemas.openxmlformats.org/markup-compatibility/2006">
-        <mc:Choice xmlns:a14="http://schemas.microsoft.com/office/drawing/2010/main" Requires="a14">
+      <mc:AlternateContent xmlns:mc="http://schemas.openxmlformats.org/markup-compatibility/2006" xmlns:a14="http://schemas.microsoft.com/office/drawing/2010/main">
+        <mc:Choice Requires="a14">
           <p:sp>
             <p:nvSpPr>
               <p:cNvPr id="91" name="ZoneTexte 90"/>
@@ -6053,6 +6070,7 @@
               </a:bodyPr>
               <a:lstStyle/>
               <a:p>
+                <a:pPr/>
                 <a14:m>
                   <m:oMathPara xmlns:m="http://schemas.openxmlformats.org/officeDocument/2006/math">
                     <m:oMathParaPr>
@@ -6091,7 +6109,7 @@
             </p:txBody>
           </p:sp>
         </mc:Choice>
-        <mc:Fallback>
+        <mc:Fallback xmlns="">
           <p:sp>
             <p:nvSpPr>
               <p:cNvPr id="91" name="ZoneTexte 90"/>

--- a/06_CinematiquePoint/Cours/png/Figures.pptx
+++ b/06_CinematiquePoint/Cours/png/Figures.pptx
@@ -6,6 +6,8 @@
   </p:sldMasterIdLst>
   <p:sldIdLst>
     <p:sldId id="256" r:id="rId2"/>
+    <p:sldId id="257" r:id="rId3"/>
+    <p:sldId id="258" r:id="rId4"/>
   </p:sldIdLst>
   <p:sldSz cx="9144000" cy="6858000" type="screen4x3"/>
   <p:notesSz cx="6858000" cy="9144000"/>
@@ -288,7 +290,7 @@
           <a:p>
             <a:fld id="{AA309A6D-C09C-4548-B29A-6CF363A7E532}" type="datetimeFigureOut">
               <a:rPr lang="fr-FR" smtClean="0"/>
-              <a:t>17/12/2013</a:t>
+              <a:t>19/12/2013</a:t>
             </a:fld>
             <a:endParaRPr lang="fr-BE"/>
           </a:p>
@@ -453,7 +455,7 @@
           <a:p>
             <a:fld id="{AA309A6D-C09C-4548-B29A-6CF363A7E532}" type="datetimeFigureOut">
               <a:rPr lang="fr-FR" smtClean="0"/>
-              <a:t>17/12/2013</a:t>
+              <a:t>19/12/2013</a:t>
             </a:fld>
             <a:endParaRPr lang="fr-BE"/>
           </a:p>
@@ -628,7 +630,7 @@
           <a:p>
             <a:fld id="{AA309A6D-C09C-4548-B29A-6CF363A7E532}" type="datetimeFigureOut">
               <a:rPr lang="fr-FR" smtClean="0"/>
-              <a:t>17/12/2013</a:t>
+              <a:t>19/12/2013</a:t>
             </a:fld>
             <a:endParaRPr lang="fr-BE"/>
           </a:p>
@@ -793,7 +795,7 @@
           <a:p>
             <a:fld id="{AA309A6D-C09C-4548-B29A-6CF363A7E532}" type="datetimeFigureOut">
               <a:rPr lang="fr-FR" smtClean="0"/>
-              <a:t>17/12/2013</a:t>
+              <a:t>19/12/2013</a:t>
             </a:fld>
             <a:endParaRPr lang="fr-BE"/>
           </a:p>
@@ -1034,7 +1036,7 @@
           <a:p>
             <a:fld id="{AA309A6D-C09C-4548-B29A-6CF363A7E532}" type="datetimeFigureOut">
               <a:rPr lang="fr-FR" smtClean="0"/>
-              <a:t>17/12/2013</a:t>
+              <a:t>19/12/2013</a:t>
             </a:fld>
             <a:endParaRPr lang="fr-BE"/>
           </a:p>
@@ -1317,7 +1319,7 @@
           <a:p>
             <a:fld id="{AA309A6D-C09C-4548-B29A-6CF363A7E532}" type="datetimeFigureOut">
               <a:rPr lang="fr-FR" smtClean="0"/>
-              <a:t>17/12/2013</a:t>
+              <a:t>19/12/2013</a:t>
             </a:fld>
             <a:endParaRPr lang="fr-BE"/>
           </a:p>
@@ -1734,7 +1736,7 @@
           <a:p>
             <a:fld id="{AA309A6D-C09C-4548-B29A-6CF363A7E532}" type="datetimeFigureOut">
               <a:rPr lang="fr-FR" smtClean="0"/>
-              <a:t>17/12/2013</a:t>
+              <a:t>19/12/2013</a:t>
             </a:fld>
             <a:endParaRPr lang="fr-BE"/>
           </a:p>
@@ -1847,7 +1849,7 @@
           <a:p>
             <a:fld id="{AA309A6D-C09C-4548-B29A-6CF363A7E532}" type="datetimeFigureOut">
               <a:rPr lang="fr-FR" smtClean="0"/>
-              <a:t>17/12/2013</a:t>
+              <a:t>19/12/2013</a:t>
             </a:fld>
             <a:endParaRPr lang="fr-BE"/>
           </a:p>
@@ -1937,7 +1939,7 @@
           <a:p>
             <a:fld id="{AA309A6D-C09C-4548-B29A-6CF363A7E532}" type="datetimeFigureOut">
               <a:rPr lang="fr-FR" smtClean="0"/>
-              <a:t>17/12/2013</a:t>
+              <a:t>19/12/2013</a:t>
             </a:fld>
             <a:endParaRPr lang="fr-BE"/>
           </a:p>
@@ -2209,7 +2211,7 @@
           <a:p>
             <a:fld id="{AA309A6D-C09C-4548-B29A-6CF363A7E532}" type="datetimeFigureOut">
               <a:rPr lang="fr-FR" smtClean="0"/>
-              <a:t>17/12/2013</a:t>
+              <a:t>19/12/2013</a:t>
             </a:fld>
             <a:endParaRPr lang="fr-BE"/>
           </a:p>
@@ -2457,7 +2459,7 @@
           <a:p>
             <a:fld id="{AA309A6D-C09C-4548-B29A-6CF363A7E532}" type="datetimeFigureOut">
               <a:rPr lang="fr-FR" smtClean="0"/>
-              <a:t>17/12/2013</a:t>
+              <a:t>19/12/2013</a:t>
             </a:fld>
             <a:endParaRPr lang="fr-BE"/>
           </a:p>
@@ -2665,7 +2667,7 @@
           <a:p>
             <a:fld id="{AA309A6D-C09C-4548-B29A-6CF363A7E532}" type="datetimeFigureOut">
               <a:rPr lang="fr-FR" smtClean="0"/>
-              <a:t>17/12/2013</a:t>
+              <a:t>19/12/2013</a:t>
             </a:fld>
             <a:endParaRPr lang="fr-BE"/>
           </a:p>
@@ -3939,323 +3941,6 @@
           </p:sp>
         </mc:Fallback>
       </mc:AlternateContent>
-      <p:grpSp>
-        <p:nvGrpSpPr>
-          <p:cNvPr id="66" name="Groupe 65"/>
-          <p:cNvGrpSpPr/>
-          <p:nvPr/>
-        </p:nvGrpSpPr>
-        <p:grpSpPr>
-          <a:xfrm>
-            <a:off x="971600" y="1969039"/>
-            <a:ext cx="728597" cy="728598"/>
-            <a:chOff x="971600" y="1969039"/>
-            <a:chExt cx="728597" cy="728598"/>
-          </a:xfrm>
-        </p:grpSpPr>
-        <p:cxnSp>
-          <p:nvCxnSpPr>
-            <p:cNvPr id="59" name="Connecteur droit avec flèche 58"/>
-            <p:cNvCxnSpPr/>
-            <p:nvPr/>
-          </p:nvCxnSpPr>
-          <p:spPr>
-            <a:xfrm flipV="1">
-              <a:off x="971600" y="1969039"/>
-              <a:ext cx="0" cy="728597"/>
-            </a:xfrm>
-            <a:prstGeom prst="straightConnector1">
-              <a:avLst/>
-            </a:prstGeom>
-            <a:ln w="19050">
-              <a:solidFill>
-                <a:srgbClr val="7030A0"/>
-              </a:solidFill>
-              <a:tailEnd type="stealth" w="med" len="lg"/>
-            </a:ln>
-          </p:spPr>
-          <p:style>
-            <a:lnRef idx="1">
-              <a:schemeClr val="accent1"/>
-            </a:lnRef>
-            <a:fillRef idx="0">
-              <a:schemeClr val="accent1"/>
-            </a:fillRef>
-            <a:effectRef idx="0">
-              <a:schemeClr val="accent1"/>
-            </a:effectRef>
-            <a:fontRef idx="minor">
-              <a:schemeClr val="tx1"/>
-            </a:fontRef>
-          </p:style>
-        </p:cxnSp>
-        <p:cxnSp>
-          <p:nvCxnSpPr>
-            <p:cNvPr id="60" name="Connecteur droit avec flèche 59"/>
-            <p:cNvCxnSpPr/>
-            <p:nvPr/>
-          </p:nvCxnSpPr>
-          <p:spPr>
-            <a:xfrm rot="5400000" flipV="1">
-              <a:off x="1335899" y="2333338"/>
-              <a:ext cx="0" cy="728597"/>
-            </a:xfrm>
-            <a:prstGeom prst="straightConnector1">
-              <a:avLst/>
-            </a:prstGeom>
-            <a:ln w="19050">
-              <a:solidFill>
-                <a:srgbClr val="7030A0"/>
-              </a:solidFill>
-              <a:tailEnd type="stealth" w="med" len="lg"/>
-            </a:ln>
-          </p:spPr>
-          <p:style>
-            <a:lnRef idx="1">
-              <a:schemeClr val="accent1"/>
-            </a:lnRef>
-            <a:fillRef idx="0">
-              <a:schemeClr val="accent1"/>
-            </a:fillRef>
-            <a:effectRef idx="0">
-              <a:schemeClr val="accent1"/>
-            </a:effectRef>
-            <a:fontRef idx="minor">
-              <a:schemeClr val="tx1"/>
-            </a:fontRef>
-          </p:style>
-        </p:cxnSp>
-      </p:grpSp>
-      <mc:AlternateContent xmlns:mc="http://schemas.openxmlformats.org/markup-compatibility/2006" xmlns:a14="http://schemas.microsoft.com/office/drawing/2010/main">
-        <mc:Choice Requires="a14">
-          <p:sp>
-            <p:nvSpPr>
-              <p:cNvPr id="61" name="ZoneTexte 60"/>
-              <p:cNvSpPr txBox="1"/>
-              <p:nvPr/>
-            </p:nvSpPr>
-            <p:spPr>
-              <a:xfrm>
-                <a:off x="1470826" y="2280777"/>
-                <a:ext cx="368754" cy="276999"/>
-              </a:xfrm>
-              <a:prstGeom prst="rect">
-                <a:avLst/>
-              </a:prstGeom>
-              <a:noFill/>
-            </p:spPr>
-            <p:txBody>
-              <a:bodyPr wrap="none" rtlCol="0">
-                <a:spAutoFit/>
-              </a:bodyPr>
-              <a:lstStyle/>
-              <a:p>
-                <a:pPr/>
-                <a14:m>
-                  <m:oMathPara xmlns:m="http://schemas.openxmlformats.org/officeDocument/2006/math">
-                    <m:oMathParaPr>
-                      <m:jc m:val="centerGroup"/>
-                    </m:oMathParaPr>
-                    <m:oMath xmlns:m="http://schemas.openxmlformats.org/officeDocument/2006/math">
-                      <m:acc>
-                        <m:accPr>
-                          <m:chr m:val="⃗"/>
-                          <m:ctrlPr>
-                            <a:rPr lang="fr-FR" sz="1200" b="0" i="1" smtClean="0">
-                              <a:latin typeface="Cambria Math"/>
-                            </a:rPr>
-                          </m:ctrlPr>
-                        </m:accPr>
-                        <m:e>
-                          <m:sSub>
-                            <m:sSubPr>
-                              <m:ctrlPr>
-                                <a:rPr lang="fr-FR" sz="1200" i="1">
-                                  <a:latin typeface="Cambria Math"/>
-                                </a:rPr>
-                              </m:ctrlPr>
-                            </m:sSubPr>
-                            <m:e>
-                              <m:r>
-                                <a:rPr lang="fr-FR" sz="1200" i="1">
-                                  <a:latin typeface="Cambria Math"/>
-                                </a:rPr>
-                                <m:t>𝑥</m:t>
-                              </m:r>
-                            </m:e>
-                            <m:sub>
-                              <m:r>
-                                <a:rPr lang="fr-FR" sz="1200" b="0" i="1" smtClean="0">
-                                  <a:latin typeface="Cambria Math"/>
-                                </a:rPr>
-                                <m:t>1</m:t>
-                              </m:r>
-                            </m:sub>
-                          </m:sSub>
-                        </m:e>
-                      </m:acc>
-                    </m:oMath>
-                  </m:oMathPara>
-                </a14:m>
-                <a:endParaRPr lang="fr-FR" sz="1200" dirty="0"/>
-              </a:p>
-            </p:txBody>
-          </p:sp>
-        </mc:Choice>
-        <mc:Fallback xmlns="">
-          <p:sp>
-            <p:nvSpPr>
-              <p:cNvPr id="61" name="ZoneTexte 60"/>
-              <p:cNvSpPr txBox="1">
-                <a:spLocks noRot="1" noChangeAspect="1" noMove="1" noResize="1" noEditPoints="1" noAdjustHandles="1" noChangeArrowheads="1" noChangeShapeType="1" noTextEdit="1"/>
-              </p:cNvSpPr>
-              <p:nvPr/>
-            </p:nvSpPr>
-            <p:spPr>
-              <a:xfrm>
-                <a:off x="1470826" y="2280777"/>
-                <a:ext cx="368754" cy="276999"/>
-              </a:xfrm>
-              <a:prstGeom prst="rect">
-                <a:avLst/>
-              </a:prstGeom>
-              <a:blipFill rotWithShape="1">
-                <a:blip r:embed="rId6"/>
-                <a:stretch>
-                  <a:fillRect/>
-                </a:stretch>
-              </a:blipFill>
-            </p:spPr>
-            <p:txBody>
-              <a:bodyPr/>
-              <a:lstStyle/>
-              <a:p>
-                <a:r>
-                  <a:rPr lang="fr-FR">
-                    <a:noFill/>
-                  </a:rPr>
-                  <a:t> </a:t>
-                </a:r>
-              </a:p>
-            </p:txBody>
-          </p:sp>
-        </mc:Fallback>
-      </mc:AlternateContent>
-      <mc:AlternateContent xmlns:mc="http://schemas.openxmlformats.org/markup-compatibility/2006" xmlns:a14="http://schemas.microsoft.com/office/drawing/2010/main">
-        <mc:Choice Requires="a14">
-          <p:sp>
-            <p:nvSpPr>
-              <p:cNvPr id="62" name="ZoneTexte 61"/>
-              <p:cNvSpPr txBox="1"/>
-              <p:nvPr/>
-            </p:nvSpPr>
-            <p:spPr>
-              <a:xfrm>
-                <a:off x="974002" y="1830538"/>
-                <a:ext cx="373949" cy="276999"/>
-              </a:xfrm>
-              <a:prstGeom prst="rect">
-                <a:avLst/>
-              </a:prstGeom>
-              <a:noFill/>
-            </p:spPr>
-            <p:txBody>
-              <a:bodyPr wrap="none" rtlCol="0">
-                <a:spAutoFit/>
-              </a:bodyPr>
-              <a:lstStyle/>
-              <a:p>
-                <a:pPr/>
-                <a14:m>
-                  <m:oMathPara xmlns:m="http://schemas.openxmlformats.org/officeDocument/2006/math">
-                    <m:oMathParaPr>
-                      <m:jc m:val="centerGroup"/>
-                    </m:oMathParaPr>
-                    <m:oMath xmlns:m="http://schemas.openxmlformats.org/officeDocument/2006/math">
-                      <m:acc>
-                        <m:accPr>
-                          <m:chr m:val="⃗"/>
-                          <m:ctrlPr>
-                            <a:rPr lang="fr-FR" sz="1200" b="0" i="1" smtClean="0">
-                              <a:latin typeface="Cambria Math"/>
-                            </a:rPr>
-                          </m:ctrlPr>
-                        </m:accPr>
-                        <m:e>
-                          <m:sSub>
-                            <m:sSubPr>
-                              <m:ctrlPr>
-                                <a:rPr lang="fr-FR" sz="1200" i="1">
-                                  <a:latin typeface="Cambria Math"/>
-                                </a:rPr>
-                              </m:ctrlPr>
-                            </m:sSubPr>
-                            <m:e>
-                              <m:r>
-                                <a:rPr lang="fr-FR" sz="1200" b="0" i="1" smtClean="0">
-                                  <a:latin typeface="Cambria Math"/>
-                                </a:rPr>
-                                <m:t>𝑦</m:t>
-                              </m:r>
-                            </m:e>
-                            <m:sub>
-                              <m:r>
-                                <a:rPr lang="fr-FR" sz="1200" i="1">
-                                  <a:latin typeface="Cambria Math"/>
-                                </a:rPr>
-                                <m:t>0</m:t>
-                              </m:r>
-                            </m:sub>
-                          </m:sSub>
-                        </m:e>
-                      </m:acc>
-                    </m:oMath>
-                  </m:oMathPara>
-                </a14:m>
-                <a:endParaRPr lang="fr-FR" sz="1200" dirty="0"/>
-              </a:p>
-            </p:txBody>
-          </p:sp>
-        </mc:Choice>
-        <mc:Fallback xmlns="">
-          <p:sp>
-            <p:nvSpPr>
-              <p:cNvPr id="62" name="ZoneTexte 61"/>
-              <p:cNvSpPr txBox="1">
-                <a:spLocks noRot="1" noChangeAspect="1" noMove="1" noResize="1" noEditPoints="1" noAdjustHandles="1" noChangeArrowheads="1" noChangeShapeType="1" noTextEdit="1"/>
-              </p:cNvSpPr>
-              <p:nvPr/>
-            </p:nvSpPr>
-            <p:spPr>
-              <a:xfrm>
-                <a:off x="974002" y="1830538"/>
-                <a:ext cx="373949" cy="276999"/>
-              </a:xfrm>
-              <a:prstGeom prst="rect">
-                <a:avLst/>
-              </a:prstGeom>
-              <a:blipFill rotWithShape="1">
-                <a:blip r:embed="rId7"/>
-                <a:stretch>
-                  <a:fillRect/>
-                </a:stretch>
-              </a:blipFill>
-            </p:spPr>
-            <p:txBody>
-              <a:bodyPr/>
-              <a:lstStyle/>
-              <a:p>
-                <a:r>
-                  <a:rPr lang="fr-FR">
-                    <a:noFill/>
-                  </a:rPr>
-                  <a:t> </a:t>
-                </a:r>
-              </a:p>
-            </p:txBody>
-          </p:sp>
-        </mc:Fallback>
-      </mc:AlternateContent>
       <p:cxnSp>
         <p:nvCxnSpPr>
           <p:cNvPr id="63" name="Connecteur droit avec flèche 62"/>
@@ -4394,93 +4079,6 @@
           </p:sp>
         </mc:Fallback>
       </mc:AlternateContent>
-      <p:grpSp>
-        <p:nvGrpSpPr>
-          <p:cNvPr id="67" name="Groupe 66"/>
-          <p:cNvGrpSpPr/>
-          <p:nvPr/>
-        </p:nvGrpSpPr>
-        <p:grpSpPr>
-          <a:xfrm rot="20700000">
-            <a:off x="867301" y="1887165"/>
-            <a:ext cx="728597" cy="728598"/>
-            <a:chOff x="971600" y="1969039"/>
-            <a:chExt cx="728597" cy="728598"/>
-          </a:xfrm>
-        </p:grpSpPr>
-        <p:cxnSp>
-          <p:nvCxnSpPr>
-            <p:cNvPr id="68" name="Connecteur droit avec flèche 67"/>
-            <p:cNvCxnSpPr/>
-            <p:nvPr/>
-          </p:nvCxnSpPr>
-          <p:spPr>
-            <a:xfrm flipV="1">
-              <a:off x="971600" y="1969039"/>
-              <a:ext cx="0" cy="728597"/>
-            </a:xfrm>
-            <a:prstGeom prst="straightConnector1">
-              <a:avLst/>
-            </a:prstGeom>
-            <a:ln w="19050">
-              <a:solidFill>
-                <a:srgbClr val="0070C0"/>
-              </a:solidFill>
-              <a:tailEnd type="stealth" w="med" len="lg"/>
-            </a:ln>
-          </p:spPr>
-          <p:style>
-            <a:lnRef idx="1">
-              <a:schemeClr val="accent1"/>
-            </a:lnRef>
-            <a:fillRef idx="0">
-              <a:schemeClr val="accent1"/>
-            </a:fillRef>
-            <a:effectRef idx="0">
-              <a:schemeClr val="accent1"/>
-            </a:effectRef>
-            <a:fontRef idx="minor">
-              <a:schemeClr val="tx1"/>
-            </a:fontRef>
-          </p:style>
-        </p:cxnSp>
-        <p:cxnSp>
-          <p:nvCxnSpPr>
-            <p:cNvPr id="69" name="Connecteur droit avec flèche 68"/>
-            <p:cNvCxnSpPr/>
-            <p:nvPr/>
-          </p:nvCxnSpPr>
-          <p:spPr>
-            <a:xfrm rot="5400000" flipV="1">
-              <a:off x="1335899" y="2333338"/>
-              <a:ext cx="0" cy="728597"/>
-            </a:xfrm>
-            <a:prstGeom prst="straightConnector1">
-              <a:avLst/>
-            </a:prstGeom>
-            <a:ln w="19050">
-              <a:solidFill>
-                <a:srgbClr val="0070C0"/>
-              </a:solidFill>
-              <a:tailEnd type="stealth" w="med" len="lg"/>
-            </a:ln>
-          </p:spPr>
-          <p:style>
-            <a:lnRef idx="1">
-              <a:schemeClr val="accent1"/>
-            </a:lnRef>
-            <a:fillRef idx="0">
-              <a:schemeClr val="accent1"/>
-            </a:fillRef>
-            <a:effectRef idx="0">
-              <a:schemeClr val="accent1"/>
-            </a:effectRef>
-            <a:fontRef idx="minor">
-              <a:schemeClr val="tx1"/>
-            </a:fontRef>
-          </p:style>
-        </p:cxnSp>
-      </p:grpSp>
       <mc:AlternateContent xmlns:mc="http://schemas.openxmlformats.org/markup-compatibility/2006" xmlns:a14="http://schemas.microsoft.com/office/drawing/2010/main">
         <mc:Choice Requires="a14">
           <p:sp>
@@ -4598,279 +4196,6 @@
       </mc:AlternateContent>
       <mc:AlternateContent xmlns:mc="http://schemas.openxmlformats.org/markup-compatibility/2006" xmlns:a14="http://schemas.microsoft.com/office/drawing/2010/main">
         <mc:Choice Requires="a14">
-          <p:sp>
-            <p:nvSpPr>
-              <p:cNvPr id="71" name="ZoneTexte 70"/>
-              <p:cNvSpPr txBox="1"/>
-              <p:nvPr/>
-            </p:nvSpPr>
-            <p:spPr>
-              <a:xfrm>
-                <a:off x="461644" y="1855365"/>
-                <a:ext cx="370358" cy="276999"/>
-              </a:xfrm>
-              <a:prstGeom prst="rect">
-                <a:avLst/>
-              </a:prstGeom>
-              <a:noFill/>
-            </p:spPr>
-            <p:txBody>
-              <a:bodyPr wrap="none" rtlCol="0">
-                <a:spAutoFit/>
-              </a:bodyPr>
-              <a:lstStyle/>
-              <a:p>
-                <a:pPr/>
-                <a14:m>
-                  <m:oMathPara xmlns:m="http://schemas.openxmlformats.org/officeDocument/2006/math">
-                    <m:oMathParaPr>
-                      <m:jc m:val="centerGroup"/>
-                    </m:oMathParaPr>
-                    <m:oMath xmlns:m="http://schemas.openxmlformats.org/officeDocument/2006/math">
-                      <m:acc>
-                        <m:accPr>
-                          <m:chr m:val="⃗"/>
-                          <m:ctrlPr>
-                            <a:rPr lang="fr-FR" sz="1200" b="0" i="1" smtClean="0">
-                              <a:latin typeface="Cambria Math"/>
-                            </a:rPr>
-                          </m:ctrlPr>
-                        </m:accPr>
-                        <m:e>
-                          <m:sSub>
-                            <m:sSubPr>
-                              <m:ctrlPr>
-                                <a:rPr lang="fr-FR" sz="1200" i="1">
-                                  <a:latin typeface="Cambria Math"/>
-                                </a:rPr>
-                              </m:ctrlPr>
-                            </m:sSubPr>
-                            <m:e>
-                              <m:r>
-                                <a:rPr lang="fr-FR" sz="1200" b="0" i="1" smtClean="0">
-                                  <a:latin typeface="Cambria Math"/>
-                                </a:rPr>
-                                <m:t>𝑦</m:t>
-                              </m:r>
-                            </m:e>
-                            <m:sub>
-                              <m:r>
-                                <a:rPr lang="fr-FR" sz="1200" b="0" i="1" smtClean="0">
-                                  <a:latin typeface="Cambria Math"/>
-                                </a:rPr>
-                                <m:t>1</m:t>
-                              </m:r>
-                            </m:sub>
-                          </m:sSub>
-                        </m:e>
-                      </m:acc>
-                    </m:oMath>
-                  </m:oMathPara>
-                </a14:m>
-                <a:endParaRPr lang="fr-FR" sz="1200" dirty="0"/>
-              </a:p>
-            </p:txBody>
-          </p:sp>
-        </mc:Choice>
-        <mc:Fallback xmlns="">
-          <p:sp>
-            <p:nvSpPr>
-              <p:cNvPr id="71" name="ZoneTexte 70"/>
-              <p:cNvSpPr txBox="1">
-                <a:spLocks noRot="1" noChangeAspect="1" noMove="1" noResize="1" noEditPoints="1" noAdjustHandles="1" noChangeArrowheads="1" noChangeShapeType="1" noTextEdit="1"/>
-              </p:cNvSpPr>
-              <p:nvPr/>
-            </p:nvSpPr>
-            <p:spPr>
-              <a:xfrm>
-                <a:off x="461644" y="1855365"/>
-                <a:ext cx="370358" cy="276999"/>
-              </a:xfrm>
-              <a:prstGeom prst="rect">
-                <a:avLst/>
-              </a:prstGeom>
-              <a:blipFill rotWithShape="1">
-                <a:blip r:embed="rId10"/>
-                <a:stretch>
-                  <a:fillRect/>
-                </a:stretch>
-              </a:blipFill>
-            </p:spPr>
-            <p:txBody>
-              <a:bodyPr/>
-              <a:lstStyle/>
-              <a:p>
-                <a:r>
-                  <a:rPr lang="fr-FR">
-                    <a:noFill/>
-                  </a:rPr>
-                  <a:t> </a:t>
-                </a:r>
-              </a:p>
-            </p:txBody>
-          </p:sp>
-        </mc:Fallback>
-      </mc:AlternateContent>
-      <mc:AlternateContent xmlns:mc="http://schemas.openxmlformats.org/markup-compatibility/2006" xmlns:a14="http://schemas.microsoft.com/office/drawing/2010/main">
-        <mc:Choice Requires="a14">
-          <p:sp>
-            <p:nvSpPr>
-              <p:cNvPr id="72" name="ZoneTexte 71"/>
-              <p:cNvSpPr txBox="1"/>
-              <p:nvPr/>
-            </p:nvSpPr>
-            <p:spPr>
-              <a:xfrm>
-                <a:off x="620863" y="2722141"/>
-                <a:ext cx="701474" cy="276999"/>
-              </a:xfrm>
-              <a:prstGeom prst="rect">
-                <a:avLst/>
-              </a:prstGeom>
-              <a:noFill/>
-            </p:spPr>
-            <p:txBody>
-              <a:bodyPr wrap="none" rtlCol="0">
-                <a:spAutoFit/>
-              </a:bodyPr>
-              <a:lstStyle/>
-              <a:p>
-                <a:pPr/>
-                <a14:m>
-                  <m:oMathPara xmlns:m="http://schemas.openxmlformats.org/officeDocument/2006/math">
-                    <m:oMathParaPr>
-                      <m:jc m:val="centerGroup"/>
-                    </m:oMathParaPr>
-                    <m:oMath xmlns:m="http://schemas.openxmlformats.org/officeDocument/2006/math">
-                      <m:acc>
-                        <m:accPr>
-                          <m:chr m:val="⃗"/>
-                          <m:ctrlPr>
-                            <a:rPr lang="fr-FR" sz="1200" b="0" i="1" smtClean="0">
-                              <a:latin typeface="Cambria Math"/>
-                            </a:rPr>
-                          </m:ctrlPr>
-                        </m:accPr>
-                        <m:e>
-                          <m:sSub>
-                            <m:sSubPr>
-                              <m:ctrlPr>
-                                <a:rPr lang="fr-FR" sz="1200" i="1">
-                                  <a:latin typeface="Cambria Math"/>
-                                </a:rPr>
-                              </m:ctrlPr>
-                            </m:sSubPr>
-                            <m:e>
-                              <m:r>
-                                <a:rPr lang="fr-FR" sz="1200" b="0" i="1" smtClean="0">
-                                  <a:latin typeface="Cambria Math"/>
-                                </a:rPr>
-                                <m:t>𝑧</m:t>
-                              </m:r>
-                            </m:e>
-                            <m:sub>
-                              <m:r>
-                                <a:rPr lang="fr-FR" sz="1200" i="1">
-                                  <a:latin typeface="Cambria Math"/>
-                                </a:rPr>
-                                <m:t>0</m:t>
-                              </m:r>
-                            </m:sub>
-                          </m:sSub>
-                        </m:e>
-                      </m:acc>
-                      <m:r>
-                        <a:rPr lang="fr-FR" sz="1200" b="0" i="1" smtClean="0">
-                          <a:latin typeface="Cambria Math"/>
-                        </a:rPr>
-                        <m:t>=</m:t>
-                      </m:r>
-                      <m:acc>
-                        <m:accPr>
-                          <m:chr m:val="⃗"/>
-                          <m:ctrlPr>
-                            <a:rPr lang="fr-FR" sz="1200" i="1">
-                              <a:latin typeface="Cambria Math"/>
-                            </a:rPr>
-                          </m:ctrlPr>
-                        </m:accPr>
-                        <m:e>
-                          <m:sSub>
-                            <m:sSubPr>
-                              <m:ctrlPr>
-                                <a:rPr lang="fr-FR" sz="1200" i="1" smtClean="0">
-                                  <a:latin typeface="Cambria Math"/>
-                                </a:rPr>
-                              </m:ctrlPr>
-                            </m:sSubPr>
-                            <m:e>
-                              <m:r>
-                                <a:rPr lang="fr-FR" sz="1200" b="0" i="1" smtClean="0">
-                                  <a:latin typeface="Cambria Math"/>
-                                </a:rPr>
-                                <m:t>𝑧</m:t>
-                              </m:r>
-                            </m:e>
-                            <m:sub>
-                              <m:r>
-                                <a:rPr lang="fr-FR" sz="1200" b="0" i="1" smtClean="0">
-                                  <a:latin typeface="Cambria Math"/>
-                                </a:rPr>
-                                <m:t>1</m:t>
-                              </m:r>
-                            </m:sub>
-                          </m:sSub>
-                        </m:e>
-                      </m:acc>
-                    </m:oMath>
-                  </m:oMathPara>
-                </a14:m>
-                <a:endParaRPr lang="fr-FR" sz="1200" dirty="0"/>
-              </a:p>
-            </p:txBody>
-          </p:sp>
-        </mc:Choice>
-        <mc:Fallback xmlns="">
-          <p:sp>
-            <p:nvSpPr>
-              <p:cNvPr id="72" name="ZoneTexte 71"/>
-              <p:cNvSpPr txBox="1">
-                <a:spLocks noRot="1" noChangeAspect="1" noMove="1" noResize="1" noEditPoints="1" noAdjustHandles="1" noChangeArrowheads="1" noChangeShapeType="1" noTextEdit="1"/>
-              </p:cNvSpPr>
-              <p:nvPr/>
-            </p:nvSpPr>
-            <p:spPr>
-              <a:xfrm>
-                <a:off x="620863" y="2722141"/>
-                <a:ext cx="701474" cy="276999"/>
-              </a:xfrm>
-              <a:prstGeom prst="rect">
-                <a:avLst/>
-              </a:prstGeom>
-              <a:blipFill rotWithShape="1">
-                <a:blip r:embed="rId11"/>
-                <a:stretch>
-                  <a:fillRect/>
-                </a:stretch>
-              </a:blipFill>
-            </p:spPr>
-            <p:txBody>
-              <a:bodyPr/>
-              <a:lstStyle/>
-              <a:p>
-                <a:r>
-                  <a:rPr lang="fr-FR">
-                    <a:noFill/>
-                  </a:rPr>
-                  <a:t> </a:t>
-                </a:r>
-              </a:p>
-            </p:txBody>
-          </p:sp>
-        </mc:Fallback>
-      </mc:AlternateContent>
-      <mc:AlternateContent xmlns:mc="http://schemas.openxmlformats.org/markup-compatibility/2006">
-        <mc:Choice xmlns:a14="http://schemas.microsoft.com/office/drawing/2010/main" Requires="a14">
           <p:sp>
             <p:nvSpPr>
               <p:cNvPr id="73" name="ZoneTexte 72"/>
@@ -5027,7 +4352,7 @@
             </p:txBody>
           </p:sp>
         </mc:Choice>
-        <mc:Fallback>
+        <mc:Fallback xmlns="">
           <p:sp>
             <p:nvSpPr>
               <p:cNvPr id="73" name="ZoneTexte 72"/>
@@ -5886,268 +5211,960 @@
           </p:sp>
         </mc:Fallback>
       </mc:AlternateContent>
-      <mc:AlternateContent xmlns:mc="http://schemas.openxmlformats.org/markup-compatibility/2006" xmlns:a14="http://schemas.microsoft.com/office/drawing/2010/main">
-        <mc:Choice Requires="a14">
-          <p:sp>
-            <p:nvSpPr>
-              <p:cNvPr id="89" name="ZoneTexte 88"/>
-              <p:cNvSpPr txBox="1"/>
+      <p:grpSp>
+        <p:nvGrpSpPr>
+          <p:cNvPr id="2" name="Groupe 1"/>
+          <p:cNvGrpSpPr/>
+          <p:nvPr/>
+        </p:nvGrpSpPr>
+        <p:grpSpPr>
+          <a:xfrm>
+            <a:off x="400340" y="1830538"/>
+            <a:ext cx="1439240" cy="1440760"/>
+            <a:chOff x="400340" y="1830538"/>
+            <a:chExt cx="1439240" cy="1440760"/>
+          </a:xfrm>
+        </p:grpSpPr>
+        <p:grpSp>
+          <p:nvGrpSpPr>
+            <p:cNvPr id="66" name="Groupe 65"/>
+            <p:cNvGrpSpPr/>
+            <p:nvPr/>
+          </p:nvGrpSpPr>
+          <p:grpSpPr>
+            <a:xfrm>
+              <a:off x="971600" y="1969039"/>
+              <a:ext cx="728597" cy="728598"/>
+              <a:chOff x="971600" y="1969039"/>
+              <a:chExt cx="728597" cy="728598"/>
+            </a:xfrm>
+          </p:grpSpPr>
+          <p:cxnSp>
+            <p:nvCxnSpPr>
+              <p:cNvPr id="59" name="Connecteur droit avec flèche 58"/>
+              <p:cNvCxnSpPr/>
               <p:nvPr/>
-            </p:nvSpPr>
+            </p:nvCxnSpPr>
             <p:spPr>
-              <a:xfrm>
-                <a:off x="1467235" y="2698471"/>
-                <a:ext cx="372345" cy="276999"/>
+              <a:xfrm flipV="1">
+                <a:off x="971600" y="1969039"/>
+                <a:ext cx="0" cy="728597"/>
               </a:xfrm>
-              <a:prstGeom prst="rect">
+              <a:prstGeom prst="straightConnector1">
                 <a:avLst/>
               </a:prstGeom>
-              <a:noFill/>
+              <a:ln w="19050">
+                <a:solidFill>
+                  <a:srgbClr val="7030A0"/>
+                </a:solidFill>
+                <a:tailEnd type="stealth" w="med" len="lg"/>
+              </a:ln>
             </p:spPr>
-            <p:txBody>
-              <a:bodyPr wrap="none" rtlCol="0">
-                <a:spAutoFit/>
-              </a:bodyPr>
-              <a:lstStyle/>
-              <a:p>
-                <a:pPr/>
-                <a14:m>
-                  <m:oMathPara xmlns:m="http://schemas.openxmlformats.org/officeDocument/2006/math">
-                    <m:oMathParaPr>
-                      <m:jc m:val="centerGroup"/>
-                    </m:oMathParaPr>
-                    <m:oMath xmlns:m="http://schemas.openxmlformats.org/officeDocument/2006/math">
-                      <m:acc>
-                        <m:accPr>
-                          <m:chr m:val="⃗"/>
-                          <m:ctrlPr>
-                            <a:rPr lang="fr-FR" sz="1200" b="0" i="1" smtClean="0">
-                              <a:latin typeface="Cambria Math"/>
-                            </a:rPr>
-                          </m:ctrlPr>
-                        </m:accPr>
-                        <m:e>
-                          <m:sSub>
-                            <m:sSubPr>
-                              <m:ctrlPr>
-                                <a:rPr lang="fr-FR" sz="1200" i="1">
-                                  <a:latin typeface="Cambria Math"/>
-                                </a:rPr>
-                              </m:ctrlPr>
-                            </m:sSubPr>
-                            <m:e>
-                              <m:r>
-                                <a:rPr lang="fr-FR" sz="1200" i="1">
-                                  <a:latin typeface="Cambria Math"/>
-                                </a:rPr>
-                                <m:t>𝑥</m:t>
-                              </m:r>
-                            </m:e>
-                            <m:sub>
-                              <m:r>
-                                <a:rPr lang="fr-FR" sz="1200" i="1">
-                                  <a:latin typeface="Cambria Math"/>
-                                </a:rPr>
-                                <m:t>0</m:t>
-                              </m:r>
-                            </m:sub>
-                          </m:sSub>
-                        </m:e>
-                      </m:acc>
-                    </m:oMath>
-                  </m:oMathPara>
-                </a14:m>
-                <a:endParaRPr lang="fr-FR" sz="1200" dirty="0"/>
-              </a:p>
-            </p:txBody>
-          </p:sp>
-        </mc:Choice>
-        <mc:Fallback xmlns="">
-          <p:sp>
-            <p:nvSpPr>
-              <p:cNvPr id="89" name="ZoneTexte 88"/>
-              <p:cNvSpPr txBox="1">
-                <a:spLocks noRot="1" noChangeAspect="1" noMove="1" noResize="1" noEditPoints="1" noAdjustHandles="1" noChangeArrowheads="1" noChangeShapeType="1" noTextEdit="1"/>
-              </p:cNvSpPr>
+            <p:style>
+              <a:lnRef idx="1">
+                <a:schemeClr val="accent1"/>
+              </a:lnRef>
+              <a:fillRef idx="0">
+                <a:schemeClr val="accent1"/>
+              </a:fillRef>
+              <a:effectRef idx="0">
+                <a:schemeClr val="accent1"/>
+              </a:effectRef>
+              <a:fontRef idx="minor">
+                <a:schemeClr val="tx1"/>
+              </a:fontRef>
+            </p:style>
+          </p:cxnSp>
+          <p:cxnSp>
+            <p:nvCxnSpPr>
+              <p:cNvPr id="60" name="Connecteur droit avec flèche 59"/>
+              <p:cNvCxnSpPr/>
               <p:nvPr/>
-            </p:nvSpPr>
+            </p:nvCxnSpPr>
             <p:spPr>
-              <a:xfrm>
-                <a:off x="1467235" y="2698471"/>
-                <a:ext cx="372345" cy="276999"/>
+              <a:xfrm rot="5400000" flipV="1">
+                <a:off x="1335899" y="2333338"/>
+                <a:ext cx="0" cy="728597"/>
               </a:xfrm>
-              <a:prstGeom prst="rect">
+              <a:prstGeom prst="straightConnector1">
                 <a:avLst/>
               </a:prstGeom>
-              <a:blipFill rotWithShape="1">
-                <a:blip r:embed="rId18"/>
-                <a:stretch>
-                  <a:fillRect/>
-                </a:stretch>
-              </a:blipFill>
+              <a:ln w="19050">
+                <a:solidFill>
+                  <a:srgbClr val="7030A0"/>
+                </a:solidFill>
+                <a:tailEnd type="stealth" w="med" len="lg"/>
+              </a:ln>
             </p:spPr>
-            <p:txBody>
-              <a:bodyPr/>
-              <a:lstStyle/>
-              <a:p>
-                <a:r>
-                  <a:rPr lang="fr-FR">
-                    <a:noFill/>
-                  </a:rPr>
-                  <a:t> </a:t>
-                </a:r>
-              </a:p>
-            </p:txBody>
-          </p:sp>
-        </mc:Fallback>
-      </mc:AlternateContent>
-      <p:sp>
-        <p:nvSpPr>
-          <p:cNvPr id="90" name="Arc 89"/>
-          <p:cNvSpPr/>
-          <p:nvPr/>
-        </p:nvSpPr>
-        <p:spPr>
-          <a:xfrm>
-            <a:off x="400340" y="2123974"/>
-            <a:ext cx="1147324" cy="1147324"/>
-          </a:xfrm>
-          <a:prstGeom prst="arc">
-            <a:avLst>
-              <a:gd name="adj1" fmla="val 20706472"/>
-              <a:gd name="adj2" fmla="val 21541531"/>
-            </a:avLst>
-          </a:prstGeom>
-          <a:ln>
-            <a:headEnd type="stealth" w="sm" len="med"/>
-            <a:tailEnd type="none"/>
-          </a:ln>
-        </p:spPr>
-        <p:style>
-          <a:lnRef idx="1">
-            <a:schemeClr val="accent1"/>
-          </a:lnRef>
-          <a:fillRef idx="0">
-            <a:schemeClr val="accent1"/>
-          </a:fillRef>
-          <a:effectRef idx="0">
-            <a:schemeClr val="accent1"/>
-          </a:effectRef>
-          <a:fontRef idx="minor">
-            <a:schemeClr val="tx1"/>
-          </a:fontRef>
-        </p:style>
-        <p:txBody>
-          <a:bodyPr rtlCol="0" anchor="ctr"/>
-          <a:lstStyle/>
-          <a:p>
-            <a:pPr algn="ctr"/>
-            <a:endParaRPr lang="fr-FR"/>
-          </a:p>
-        </p:txBody>
-      </p:sp>
-      <mc:AlternateContent xmlns:mc="http://schemas.openxmlformats.org/markup-compatibility/2006" xmlns:a14="http://schemas.microsoft.com/office/drawing/2010/main">
-        <mc:Choice Requires="a14">
-          <p:sp>
-            <p:nvSpPr>
-              <p:cNvPr id="91" name="ZoneTexte 90"/>
-              <p:cNvSpPr txBox="1"/>
+            <p:style>
+              <a:lnRef idx="1">
+                <a:schemeClr val="accent1"/>
+              </a:lnRef>
+              <a:fillRef idx="0">
+                <a:schemeClr val="accent1"/>
+              </a:fillRef>
+              <a:effectRef idx="0">
+                <a:schemeClr val="accent1"/>
+              </a:effectRef>
+              <a:fontRef idx="minor">
+                <a:schemeClr val="tx1"/>
+              </a:fontRef>
+            </p:style>
+          </p:cxnSp>
+        </p:grpSp>
+        <mc:AlternateContent xmlns:mc="http://schemas.openxmlformats.org/markup-compatibility/2006" xmlns:a14="http://schemas.microsoft.com/office/drawing/2010/main">
+          <mc:Choice Requires="a14">
+            <p:sp>
+              <p:nvSpPr>
+                <p:cNvPr id="61" name="ZoneTexte 60"/>
+                <p:cNvSpPr txBox="1"/>
+                <p:nvPr/>
+              </p:nvSpPr>
+              <p:spPr>
+                <a:xfrm>
+                  <a:off x="1470826" y="2280777"/>
+                  <a:ext cx="368754" cy="276999"/>
+                </a:xfrm>
+                <a:prstGeom prst="rect">
+                  <a:avLst/>
+                </a:prstGeom>
+                <a:noFill/>
+              </p:spPr>
+              <p:txBody>
+                <a:bodyPr wrap="none" rtlCol="0">
+                  <a:spAutoFit/>
+                </a:bodyPr>
+                <a:lstStyle/>
+                <a:p>
+                  <a:pPr/>
+                  <a14:m>
+                    <m:oMathPara xmlns:m="http://schemas.openxmlformats.org/officeDocument/2006/math">
+                      <m:oMathParaPr>
+                        <m:jc m:val="centerGroup"/>
+                      </m:oMathParaPr>
+                      <m:oMath xmlns:m="http://schemas.openxmlformats.org/officeDocument/2006/math">
+                        <m:acc>
+                          <m:accPr>
+                            <m:chr m:val="⃗"/>
+                            <m:ctrlPr>
+                              <a:rPr lang="fr-FR" sz="1200" b="0" i="1" smtClean="0">
+                                <a:latin typeface="Cambria Math"/>
+                              </a:rPr>
+                            </m:ctrlPr>
+                          </m:accPr>
+                          <m:e>
+                            <m:sSub>
+                              <m:sSubPr>
+                                <m:ctrlPr>
+                                  <a:rPr lang="fr-FR" sz="1200" i="1">
+                                    <a:latin typeface="Cambria Math"/>
+                                  </a:rPr>
+                                </m:ctrlPr>
+                              </m:sSubPr>
+                              <m:e>
+                                <m:r>
+                                  <a:rPr lang="fr-FR" sz="1200" i="1">
+                                    <a:latin typeface="Cambria Math"/>
+                                  </a:rPr>
+                                  <m:t>𝑥</m:t>
+                                </m:r>
+                              </m:e>
+                              <m:sub>
+                                <m:r>
+                                  <a:rPr lang="fr-FR" sz="1200" b="0" i="1" smtClean="0">
+                                    <a:latin typeface="Cambria Math"/>
+                                  </a:rPr>
+                                  <m:t>1</m:t>
+                                </m:r>
+                              </m:sub>
+                            </m:sSub>
+                          </m:e>
+                        </m:acc>
+                      </m:oMath>
+                    </m:oMathPara>
+                  </a14:m>
+                  <a:endParaRPr lang="fr-FR" sz="1200" dirty="0"/>
+                </a:p>
+              </p:txBody>
+            </p:sp>
+          </mc:Choice>
+          <mc:Fallback xmlns="">
+            <p:sp>
+              <p:nvSpPr>
+                <p:cNvPr id="61" name="ZoneTexte 60"/>
+                <p:cNvSpPr txBox="1">
+                  <a:spLocks noRot="1" noChangeAspect="1" noMove="1" noResize="1" noEditPoints="1" noAdjustHandles="1" noChangeArrowheads="1" noChangeShapeType="1" noTextEdit="1"/>
+                </p:cNvSpPr>
+                <p:nvPr/>
+              </p:nvSpPr>
+              <p:spPr>
+                <a:xfrm>
+                  <a:off x="1470826" y="2280777"/>
+                  <a:ext cx="368754" cy="276999"/>
+                </a:xfrm>
+                <a:prstGeom prst="rect">
+                  <a:avLst/>
+                </a:prstGeom>
+                <a:blipFill rotWithShape="1">
+                  <a:blip r:embed="rId6"/>
+                  <a:stretch>
+                    <a:fillRect/>
+                  </a:stretch>
+                </a:blipFill>
+              </p:spPr>
+              <p:txBody>
+                <a:bodyPr/>
+                <a:lstStyle/>
+                <a:p>
+                  <a:r>
+                    <a:rPr lang="fr-FR">
+                      <a:noFill/>
+                    </a:rPr>
+                    <a:t> </a:t>
+                  </a:r>
+                </a:p>
+              </p:txBody>
+            </p:sp>
+          </mc:Fallback>
+        </mc:AlternateContent>
+        <mc:AlternateContent xmlns:mc="http://schemas.openxmlformats.org/markup-compatibility/2006" xmlns:a14="http://schemas.microsoft.com/office/drawing/2010/main">
+          <mc:Choice Requires="a14">
+            <p:sp>
+              <p:nvSpPr>
+                <p:cNvPr id="62" name="ZoneTexte 61"/>
+                <p:cNvSpPr txBox="1"/>
+                <p:nvPr/>
+              </p:nvSpPr>
+              <p:spPr>
+                <a:xfrm>
+                  <a:off x="974002" y="1830538"/>
+                  <a:ext cx="373949" cy="276999"/>
+                </a:xfrm>
+                <a:prstGeom prst="rect">
+                  <a:avLst/>
+                </a:prstGeom>
+                <a:noFill/>
+              </p:spPr>
+              <p:txBody>
+                <a:bodyPr wrap="none" rtlCol="0">
+                  <a:spAutoFit/>
+                </a:bodyPr>
+                <a:lstStyle/>
+                <a:p>
+                  <a:pPr/>
+                  <a14:m>
+                    <m:oMathPara xmlns:m="http://schemas.openxmlformats.org/officeDocument/2006/math">
+                      <m:oMathParaPr>
+                        <m:jc m:val="centerGroup"/>
+                      </m:oMathParaPr>
+                      <m:oMath xmlns:m="http://schemas.openxmlformats.org/officeDocument/2006/math">
+                        <m:acc>
+                          <m:accPr>
+                            <m:chr m:val="⃗"/>
+                            <m:ctrlPr>
+                              <a:rPr lang="fr-FR" sz="1200" b="0" i="1" smtClean="0">
+                                <a:latin typeface="Cambria Math"/>
+                              </a:rPr>
+                            </m:ctrlPr>
+                          </m:accPr>
+                          <m:e>
+                            <m:sSub>
+                              <m:sSubPr>
+                                <m:ctrlPr>
+                                  <a:rPr lang="fr-FR" sz="1200" i="1">
+                                    <a:latin typeface="Cambria Math"/>
+                                  </a:rPr>
+                                </m:ctrlPr>
+                              </m:sSubPr>
+                              <m:e>
+                                <m:r>
+                                  <a:rPr lang="fr-FR" sz="1200" b="0" i="1" smtClean="0">
+                                    <a:latin typeface="Cambria Math"/>
+                                  </a:rPr>
+                                  <m:t>𝑦</m:t>
+                                </m:r>
+                              </m:e>
+                              <m:sub>
+                                <m:r>
+                                  <a:rPr lang="fr-FR" sz="1200" i="1">
+                                    <a:latin typeface="Cambria Math"/>
+                                  </a:rPr>
+                                  <m:t>0</m:t>
+                                </m:r>
+                              </m:sub>
+                            </m:sSub>
+                          </m:e>
+                        </m:acc>
+                      </m:oMath>
+                    </m:oMathPara>
+                  </a14:m>
+                  <a:endParaRPr lang="fr-FR" sz="1200" dirty="0"/>
+                </a:p>
+              </p:txBody>
+            </p:sp>
+          </mc:Choice>
+          <mc:Fallback xmlns="">
+            <p:sp>
+              <p:nvSpPr>
+                <p:cNvPr id="62" name="ZoneTexte 61"/>
+                <p:cNvSpPr txBox="1">
+                  <a:spLocks noRot="1" noChangeAspect="1" noMove="1" noResize="1" noEditPoints="1" noAdjustHandles="1" noChangeArrowheads="1" noChangeShapeType="1" noTextEdit="1"/>
+                </p:cNvSpPr>
+                <p:nvPr/>
+              </p:nvSpPr>
+              <p:spPr>
+                <a:xfrm>
+                  <a:off x="974002" y="1830538"/>
+                  <a:ext cx="373949" cy="276999"/>
+                </a:xfrm>
+                <a:prstGeom prst="rect">
+                  <a:avLst/>
+                </a:prstGeom>
+                <a:blipFill rotWithShape="1">
+                  <a:blip r:embed="rId7"/>
+                  <a:stretch>
+                    <a:fillRect/>
+                  </a:stretch>
+                </a:blipFill>
+              </p:spPr>
+              <p:txBody>
+                <a:bodyPr/>
+                <a:lstStyle/>
+                <a:p>
+                  <a:r>
+                    <a:rPr lang="fr-FR">
+                      <a:noFill/>
+                    </a:rPr>
+                    <a:t> </a:t>
+                  </a:r>
+                </a:p>
+              </p:txBody>
+            </p:sp>
+          </mc:Fallback>
+        </mc:AlternateContent>
+        <p:grpSp>
+          <p:nvGrpSpPr>
+            <p:cNvPr id="67" name="Groupe 66"/>
+            <p:cNvGrpSpPr/>
+            <p:nvPr/>
+          </p:nvGrpSpPr>
+          <p:grpSpPr>
+            <a:xfrm rot="20700000">
+              <a:off x="867301" y="1887165"/>
+              <a:ext cx="728597" cy="728598"/>
+              <a:chOff x="971600" y="1969039"/>
+              <a:chExt cx="728597" cy="728598"/>
+            </a:xfrm>
+          </p:grpSpPr>
+          <p:cxnSp>
+            <p:nvCxnSpPr>
+              <p:cNvPr id="68" name="Connecteur droit avec flèche 67"/>
+              <p:cNvCxnSpPr/>
               <p:nvPr/>
-            </p:nvSpPr>
+            </p:nvCxnSpPr>
             <p:spPr>
-              <a:xfrm>
-                <a:off x="1151282" y="2333337"/>
-                <a:ext cx="479170" cy="261610"/>
+              <a:xfrm flipV="1">
+                <a:off x="971600" y="1969039"/>
+                <a:ext cx="0" cy="728597"/>
               </a:xfrm>
-              <a:prstGeom prst="rect">
+              <a:prstGeom prst="straightConnector1">
                 <a:avLst/>
               </a:prstGeom>
-              <a:noFill/>
+              <a:ln w="19050">
+                <a:solidFill>
+                  <a:srgbClr val="0070C0"/>
+                </a:solidFill>
+                <a:tailEnd type="stealth" w="med" len="lg"/>
+              </a:ln>
             </p:spPr>
-            <p:txBody>
-              <a:bodyPr wrap="none" rtlCol="0">
-                <a:spAutoFit/>
-              </a:bodyPr>
-              <a:lstStyle/>
-              <a:p>
-                <a:pPr/>
-                <a14:m>
-                  <m:oMathPara xmlns:m="http://schemas.openxmlformats.org/officeDocument/2006/math">
-                    <m:oMathParaPr>
-                      <m:jc m:val="centerGroup"/>
-                    </m:oMathParaPr>
-                    <m:oMath xmlns:m="http://schemas.openxmlformats.org/officeDocument/2006/math">
-                      <m:r>
-                        <a:rPr lang="fr-FR" sz="1100" b="0" i="1" smtClean="0">
-                          <a:latin typeface="Cambria Math"/>
-                        </a:rPr>
-                        <m:t>𝜃</m:t>
-                      </m:r>
-                      <m:r>
-                        <a:rPr lang="fr-FR" sz="1100" b="0" i="1" smtClean="0">
-                          <a:latin typeface="Cambria Math"/>
-                        </a:rPr>
-                        <m:t>(</m:t>
-                      </m:r>
-                      <m:r>
-                        <a:rPr lang="fr-FR" sz="1100" b="0" i="1" smtClean="0">
-                          <a:latin typeface="Cambria Math"/>
-                        </a:rPr>
-                        <m:t>𝑡</m:t>
-                      </m:r>
-                      <m:r>
-                        <a:rPr lang="fr-FR" sz="1100" b="0" i="1" smtClean="0">
-                          <a:latin typeface="Cambria Math"/>
-                        </a:rPr>
-                        <m:t>)</m:t>
-                      </m:r>
-                    </m:oMath>
-                  </m:oMathPara>
-                </a14:m>
-                <a:endParaRPr lang="fr-FR" sz="1100" dirty="0"/>
-              </a:p>
-            </p:txBody>
-          </p:sp>
-        </mc:Choice>
-        <mc:Fallback xmlns="">
-          <p:sp>
-            <p:nvSpPr>
-              <p:cNvPr id="91" name="ZoneTexte 90"/>
-              <p:cNvSpPr txBox="1">
-                <a:spLocks noRot="1" noChangeAspect="1" noMove="1" noResize="1" noEditPoints="1" noAdjustHandles="1" noChangeArrowheads="1" noChangeShapeType="1" noTextEdit="1"/>
-              </p:cNvSpPr>
+            <p:style>
+              <a:lnRef idx="1">
+                <a:schemeClr val="accent1"/>
+              </a:lnRef>
+              <a:fillRef idx="0">
+                <a:schemeClr val="accent1"/>
+              </a:fillRef>
+              <a:effectRef idx="0">
+                <a:schemeClr val="accent1"/>
+              </a:effectRef>
+              <a:fontRef idx="minor">
+                <a:schemeClr val="tx1"/>
+              </a:fontRef>
+            </p:style>
+          </p:cxnSp>
+          <p:cxnSp>
+            <p:nvCxnSpPr>
+              <p:cNvPr id="69" name="Connecteur droit avec flèche 68"/>
+              <p:cNvCxnSpPr/>
               <p:nvPr/>
-            </p:nvSpPr>
+            </p:nvCxnSpPr>
             <p:spPr>
-              <a:xfrm>
-                <a:off x="1151282" y="2333337"/>
-                <a:ext cx="479170" cy="261610"/>
+              <a:xfrm rot="5400000" flipV="1">
+                <a:off x="1335899" y="2333338"/>
+                <a:ext cx="0" cy="728597"/>
               </a:xfrm>
-              <a:prstGeom prst="rect">
+              <a:prstGeom prst="straightConnector1">
                 <a:avLst/>
               </a:prstGeom>
-              <a:blipFill rotWithShape="1">
-                <a:blip r:embed="rId19"/>
-                <a:stretch>
-                  <a:fillRect b="-4651"/>
-                </a:stretch>
-              </a:blipFill>
+              <a:ln w="19050">
+                <a:solidFill>
+                  <a:srgbClr val="0070C0"/>
+                </a:solidFill>
+                <a:tailEnd type="stealth" w="med" len="lg"/>
+              </a:ln>
             </p:spPr>
-            <p:txBody>
-              <a:bodyPr/>
-              <a:lstStyle/>
-              <a:p>
-                <a:r>
-                  <a:rPr lang="fr-FR">
-                    <a:noFill/>
-                  </a:rPr>
-                  <a:t> </a:t>
-                </a:r>
-              </a:p>
-            </p:txBody>
-          </p:sp>
-        </mc:Fallback>
-      </mc:AlternateContent>
+            <p:style>
+              <a:lnRef idx="1">
+                <a:schemeClr val="accent1"/>
+              </a:lnRef>
+              <a:fillRef idx="0">
+                <a:schemeClr val="accent1"/>
+              </a:fillRef>
+              <a:effectRef idx="0">
+                <a:schemeClr val="accent1"/>
+              </a:effectRef>
+              <a:fontRef idx="minor">
+                <a:schemeClr val="tx1"/>
+              </a:fontRef>
+            </p:style>
+          </p:cxnSp>
+        </p:grpSp>
+        <mc:AlternateContent xmlns:mc="http://schemas.openxmlformats.org/markup-compatibility/2006" xmlns:a14="http://schemas.microsoft.com/office/drawing/2010/main">
+          <mc:Choice Requires="a14">
+            <p:sp>
+              <p:nvSpPr>
+                <p:cNvPr id="71" name="ZoneTexte 70"/>
+                <p:cNvSpPr txBox="1"/>
+                <p:nvPr/>
+              </p:nvSpPr>
+              <p:spPr>
+                <a:xfrm>
+                  <a:off x="461644" y="1855365"/>
+                  <a:ext cx="370358" cy="276999"/>
+                </a:xfrm>
+                <a:prstGeom prst="rect">
+                  <a:avLst/>
+                </a:prstGeom>
+                <a:noFill/>
+              </p:spPr>
+              <p:txBody>
+                <a:bodyPr wrap="none" rtlCol="0">
+                  <a:spAutoFit/>
+                </a:bodyPr>
+                <a:lstStyle/>
+                <a:p>
+                  <a:pPr/>
+                  <a14:m>
+                    <m:oMathPara xmlns:m="http://schemas.openxmlformats.org/officeDocument/2006/math">
+                      <m:oMathParaPr>
+                        <m:jc m:val="centerGroup"/>
+                      </m:oMathParaPr>
+                      <m:oMath xmlns:m="http://schemas.openxmlformats.org/officeDocument/2006/math">
+                        <m:acc>
+                          <m:accPr>
+                            <m:chr m:val="⃗"/>
+                            <m:ctrlPr>
+                              <a:rPr lang="fr-FR" sz="1200" b="0" i="1" smtClean="0">
+                                <a:latin typeface="Cambria Math"/>
+                              </a:rPr>
+                            </m:ctrlPr>
+                          </m:accPr>
+                          <m:e>
+                            <m:sSub>
+                              <m:sSubPr>
+                                <m:ctrlPr>
+                                  <a:rPr lang="fr-FR" sz="1200" i="1">
+                                    <a:latin typeface="Cambria Math"/>
+                                  </a:rPr>
+                                </m:ctrlPr>
+                              </m:sSubPr>
+                              <m:e>
+                                <m:r>
+                                  <a:rPr lang="fr-FR" sz="1200" b="0" i="1" smtClean="0">
+                                    <a:latin typeface="Cambria Math"/>
+                                  </a:rPr>
+                                  <m:t>𝑦</m:t>
+                                </m:r>
+                              </m:e>
+                              <m:sub>
+                                <m:r>
+                                  <a:rPr lang="fr-FR" sz="1200" b="0" i="1" smtClean="0">
+                                    <a:latin typeface="Cambria Math"/>
+                                  </a:rPr>
+                                  <m:t>1</m:t>
+                                </m:r>
+                              </m:sub>
+                            </m:sSub>
+                          </m:e>
+                        </m:acc>
+                      </m:oMath>
+                    </m:oMathPara>
+                  </a14:m>
+                  <a:endParaRPr lang="fr-FR" sz="1200" dirty="0"/>
+                </a:p>
+              </p:txBody>
+            </p:sp>
+          </mc:Choice>
+          <mc:Fallback xmlns="">
+            <p:sp>
+              <p:nvSpPr>
+                <p:cNvPr id="71" name="ZoneTexte 70"/>
+                <p:cNvSpPr txBox="1">
+                  <a:spLocks noRot="1" noChangeAspect="1" noMove="1" noResize="1" noEditPoints="1" noAdjustHandles="1" noChangeArrowheads="1" noChangeShapeType="1" noTextEdit="1"/>
+                </p:cNvSpPr>
+                <p:nvPr/>
+              </p:nvSpPr>
+              <p:spPr>
+                <a:xfrm>
+                  <a:off x="461644" y="1855365"/>
+                  <a:ext cx="370358" cy="276999"/>
+                </a:xfrm>
+                <a:prstGeom prst="rect">
+                  <a:avLst/>
+                </a:prstGeom>
+                <a:blipFill rotWithShape="1">
+                  <a:blip r:embed="rId10"/>
+                  <a:stretch>
+                    <a:fillRect/>
+                  </a:stretch>
+                </a:blipFill>
+              </p:spPr>
+              <p:txBody>
+                <a:bodyPr/>
+                <a:lstStyle/>
+                <a:p>
+                  <a:r>
+                    <a:rPr lang="fr-FR">
+                      <a:noFill/>
+                    </a:rPr>
+                    <a:t> </a:t>
+                  </a:r>
+                </a:p>
+              </p:txBody>
+            </p:sp>
+          </mc:Fallback>
+        </mc:AlternateContent>
+        <mc:AlternateContent xmlns:mc="http://schemas.openxmlformats.org/markup-compatibility/2006" xmlns:a14="http://schemas.microsoft.com/office/drawing/2010/main">
+          <mc:Choice Requires="a14">
+            <p:sp>
+              <p:nvSpPr>
+                <p:cNvPr id="72" name="ZoneTexte 71"/>
+                <p:cNvSpPr txBox="1"/>
+                <p:nvPr/>
+              </p:nvSpPr>
+              <p:spPr>
+                <a:xfrm>
+                  <a:off x="620863" y="2722141"/>
+                  <a:ext cx="701474" cy="276999"/>
+                </a:xfrm>
+                <a:prstGeom prst="rect">
+                  <a:avLst/>
+                </a:prstGeom>
+                <a:noFill/>
+              </p:spPr>
+              <p:txBody>
+                <a:bodyPr wrap="none" rtlCol="0">
+                  <a:spAutoFit/>
+                </a:bodyPr>
+                <a:lstStyle/>
+                <a:p>
+                  <a:pPr/>
+                  <a14:m>
+                    <m:oMathPara xmlns:m="http://schemas.openxmlformats.org/officeDocument/2006/math">
+                      <m:oMathParaPr>
+                        <m:jc m:val="centerGroup"/>
+                      </m:oMathParaPr>
+                      <m:oMath xmlns:m="http://schemas.openxmlformats.org/officeDocument/2006/math">
+                        <m:acc>
+                          <m:accPr>
+                            <m:chr m:val="⃗"/>
+                            <m:ctrlPr>
+                              <a:rPr lang="fr-FR" sz="1200" b="0" i="1" smtClean="0">
+                                <a:latin typeface="Cambria Math"/>
+                              </a:rPr>
+                            </m:ctrlPr>
+                          </m:accPr>
+                          <m:e>
+                            <m:sSub>
+                              <m:sSubPr>
+                                <m:ctrlPr>
+                                  <a:rPr lang="fr-FR" sz="1200" i="1">
+                                    <a:latin typeface="Cambria Math"/>
+                                  </a:rPr>
+                                </m:ctrlPr>
+                              </m:sSubPr>
+                              <m:e>
+                                <m:r>
+                                  <a:rPr lang="fr-FR" sz="1200" b="0" i="1" smtClean="0">
+                                    <a:latin typeface="Cambria Math"/>
+                                  </a:rPr>
+                                  <m:t>𝑧</m:t>
+                                </m:r>
+                              </m:e>
+                              <m:sub>
+                                <m:r>
+                                  <a:rPr lang="fr-FR" sz="1200" i="1">
+                                    <a:latin typeface="Cambria Math"/>
+                                  </a:rPr>
+                                  <m:t>0</m:t>
+                                </m:r>
+                              </m:sub>
+                            </m:sSub>
+                          </m:e>
+                        </m:acc>
+                        <m:r>
+                          <a:rPr lang="fr-FR" sz="1200" b="0" i="1" smtClean="0">
+                            <a:latin typeface="Cambria Math"/>
+                          </a:rPr>
+                          <m:t>=</m:t>
+                        </m:r>
+                        <m:acc>
+                          <m:accPr>
+                            <m:chr m:val="⃗"/>
+                            <m:ctrlPr>
+                              <a:rPr lang="fr-FR" sz="1200" i="1">
+                                <a:latin typeface="Cambria Math"/>
+                              </a:rPr>
+                            </m:ctrlPr>
+                          </m:accPr>
+                          <m:e>
+                            <m:sSub>
+                              <m:sSubPr>
+                                <m:ctrlPr>
+                                  <a:rPr lang="fr-FR" sz="1200" i="1" smtClean="0">
+                                    <a:latin typeface="Cambria Math"/>
+                                  </a:rPr>
+                                </m:ctrlPr>
+                              </m:sSubPr>
+                              <m:e>
+                                <m:r>
+                                  <a:rPr lang="fr-FR" sz="1200" b="0" i="1" smtClean="0">
+                                    <a:latin typeface="Cambria Math"/>
+                                  </a:rPr>
+                                  <m:t>𝑧</m:t>
+                                </m:r>
+                              </m:e>
+                              <m:sub>
+                                <m:r>
+                                  <a:rPr lang="fr-FR" sz="1200" b="0" i="1" smtClean="0">
+                                    <a:latin typeface="Cambria Math"/>
+                                  </a:rPr>
+                                  <m:t>1</m:t>
+                                </m:r>
+                              </m:sub>
+                            </m:sSub>
+                          </m:e>
+                        </m:acc>
+                      </m:oMath>
+                    </m:oMathPara>
+                  </a14:m>
+                  <a:endParaRPr lang="fr-FR" sz="1200" dirty="0"/>
+                </a:p>
+              </p:txBody>
+            </p:sp>
+          </mc:Choice>
+          <mc:Fallback xmlns="">
+            <p:sp>
+              <p:nvSpPr>
+                <p:cNvPr id="72" name="ZoneTexte 71"/>
+                <p:cNvSpPr txBox="1">
+                  <a:spLocks noRot="1" noChangeAspect="1" noMove="1" noResize="1" noEditPoints="1" noAdjustHandles="1" noChangeArrowheads="1" noChangeShapeType="1" noTextEdit="1"/>
+                </p:cNvSpPr>
+                <p:nvPr/>
+              </p:nvSpPr>
+              <p:spPr>
+                <a:xfrm>
+                  <a:off x="620863" y="2722141"/>
+                  <a:ext cx="701474" cy="276999"/>
+                </a:xfrm>
+                <a:prstGeom prst="rect">
+                  <a:avLst/>
+                </a:prstGeom>
+                <a:blipFill rotWithShape="1">
+                  <a:blip r:embed="rId11"/>
+                  <a:stretch>
+                    <a:fillRect/>
+                  </a:stretch>
+                </a:blipFill>
+              </p:spPr>
+              <p:txBody>
+                <a:bodyPr/>
+                <a:lstStyle/>
+                <a:p>
+                  <a:r>
+                    <a:rPr lang="fr-FR">
+                      <a:noFill/>
+                    </a:rPr>
+                    <a:t> </a:t>
+                  </a:r>
+                </a:p>
+              </p:txBody>
+            </p:sp>
+          </mc:Fallback>
+        </mc:AlternateContent>
+        <mc:AlternateContent xmlns:mc="http://schemas.openxmlformats.org/markup-compatibility/2006" xmlns:a14="http://schemas.microsoft.com/office/drawing/2010/main">
+          <mc:Choice Requires="a14">
+            <p:sp>
+              <p:nvSpPr>
+                <p:cNvPr id="89" name="ZoneTexte 88"/>
+                <p:cNvSpPr txBox="1"/>
+                <p:nvPr/>
+              </p:nvSpPr>
+              <p:spPr>
+                <a:xfrm>
+                  <a:off x="1467235" y="2698471"/>
+                  <a:ext cx="372345" cy="276999"/>
+                </a:xfrm>
+                <a:prstGeom prst="rect">
+                  <a:avLst/>
+                </a:prstGeom>
+                <a:noFill/>
+              </p:spPr>
+              <p:txBody>
+                <a:bodyPr wrap="none" rtlCol="0">
+                  <a:spAutoFit/>
+                </a:bodyPr>
+                <a:lstStyle/>
+                <a:p>
+                  <a:pPr/>
+                  <a14:m>
+                    <m:oMathPara xmlns:m="http://schemas.openxmlformats.org/officeDocument/2006/math">
+                      <m:oMathParaPr>
+                        <m:jc m:val="centerGroup"/>
+                      </m:oMathParaPr>
+                      <m:oMath xmlns:m="http://schemas.openxmlformats.org/officeDocument/2006/math">
+                        <m:acc>
+                          <m:accPr>
+                            <m:chr m:val="⃗"/>
+                            <m:ctrlPr>
+                              <a:rPr lang="fr-FR" sz="1200" b="0" i="1" smtClean="0">
+                                <a:latin typeface="Cambria Math"/>
+                              </a:rPr>
+                            </m:ctrlPr>
+                          </m:accPr>
+                          <m:e>
+                            <m:sSub>
+                              <m:sSubPr>
+                                <m:ctrlPr>
+                                  <a:rPr lang="fr-FR" sz="1200" i="1">
+                                    <a:latin typeface="Cambria Math"/>
+                                  </a:rPr>
+                                </m:ctrlPr>
+                              </m:sSubPr>
+                              <m:e>
+                                <m:r>
+                                  <a:rPr lang="fr-FR" sz="1200" i="1">
+                                    <a:latin typeface="Cambria Math"/>
+                                  </a:rPr>
+                                  <m:t>𝑥</m:t>
+                                </m:r>
+                              </m:e>
+                              <m:sub>
+                                <m:r>
+                                  <a:rPr lang="fr-FR" sz="1200" i="1">
+                                    <a:latin typeface="Cambria Math"/>
+                                  </a:rPr>
+                                  <m:t>0</m:t>
+                                </m:r>
+                              </m:sub>
+                            </m:sSub>
+                          </m:e>
+                        </m:acc>
+                      </m:oMath>
+                    </m:oMathPara>
+                  </a14:m>
+                  <a:endParaRPr lang="fr-FR" sz="1200" dirty="0"/>
+                </a:p>
+              </p:txBody>
+            </p:sp>
+          </mc:Choice>
+          <mc:Fallback xmlns="">
+            <p:sp>
+              <p:nvSpPr>
+                <p:cNvPr id="89" name="ZoneTexte 88"/>
+                <p:cNvSpPr txBox="1">
+                  <a:spLocks noRot="1" noChangeAspect="1" noMove="1" noResize="1" noEditPoints="1" noAdjustHandles="1" noChangeArrowheads="1" noChangeShapeType="1" noTextEdit="1"/>
+                </p:cNvSpPr>
+                <p:nvPr/>
+              </p:nvSpPr>
+              <p:spPr>
+                <a:xfrm>
+                  <a:off x="1467235" y="2698471"/>
+                  <a:ext cx="372345" cy="276999"/>
+                </a:xfrm>
+                <a:prstGeom prst="rect">
+                  <a:avLst/>
+                </a:prstGeom>
+                <a:blipFill rotWithShape="1">
+                  <a:blip r:embed="rId18"/>
+                  <a:stretch>
+                    <a:fillRect/>
+                  </a:stretch>
+                </a:blipFill>
+              </p:spPr>
+              <p:txBody>
+                <a:bodyPr/>
+                <a:lstStyle/>
+                <a:p>
+                  <a:r>
+                    <a:rPr lang="fr-FR">
+                      <a:noFill/>
+                    </a:rPr>
+                    <a:t> </a:t>
+                  </a:r>
+                </a:p>
+              </p:txBody>
+            </p:sp>
+          </mc:Fallback>
+        </mc:AlternateContent>
+        <p:sp>
+          <p:nvSpPr>
+            <p:cNvPr id="90" name="Arc 89"/>
+            <p:cNvSpPr/>
+            <p:nvPr/>
+          </p:nvSpPr>
+          <p:spPr>
+            <a:xfrm>
+              <a:off x="400340" y="2123974"/>
+              <a:ext cx="1147324" cy="1147324"/>
+            </a:xfrm>
+            <a:prstGeom prst="arc">
+              <a:avLst>
+                <a:gd name="adj1" fmla="val 20706472"/>
+                <a:gd name="adj2" fmla="val 21541531"/>
+              </a:avLst>
+            </a:prstGeom>
+            <a:ln>
+              <a:headEnd type="stealth" w="sm" len="med"/>
+              <a:tailEnd type="none"/>
+            </a:ln>
+          </p:spPr>
+          <p:style>
+            <a:lnRef idx="1">
+              <a:schemeClr val="accent1"/>
+            </a:lnRef>
+            <a:fillRef idx="0">
+              <a:schemeClr val="accent1"/>
+            </a:fillRef>
+            <a:effectRef idx="0">
+              <a:schemeClr val="accent1"/>
+            </a:effectRef>
+            <a:fontRef idx="minor">
+              <a:schemeClr val="tx1"/>
+            </a:fontRef>
+          </p:style>
+          <p:txBody>
+            <a:bodyPr rtlCol="0" anchor="ctr"/>
+            <a:lstStyle/>
+            <a:p>
+              <a:pPr algn="ctr"/>
+              <a:endParaRPr lang="fr-FR"/>
+            </a:p>
+          </p:txBody>
+        </p:sp>
+        <mc:AlternateContent xmlns:mc="http://schemas.openxmlformats.org/markup-compatibility/2006" xmlns:a14="http://schemas.microsoft.com/office/drawing/2010/main">
+          <mc:Choice Requires="a14">
+            <p:sp>
+              <p:nvSpPr>
+                <p:cNvPr id="91" name="ZoneTexte 90"/>
+                <p:cNvSpPr txBox="1"/>
+                <p:nvPr/>
+              </p:nvSpPr>
+              <p:spPr>
+                <a:xfrm>
+                  <a:off x="1151282" y="2333337"/>
+                  <a:ext cx="479170" cy="261610"/>
+                </a:xfrm>
+                <a:prstGeom prst="rect">
+                  <a:avLst/>
+                </a:prstGeom>
+                <a:noFill/>
+              </p:spPr>
+              <p:txBody>
+                <a:bodyPr wrap="none" rtlCol="0">
+                  <a:spAutoFit/>
+                </a:bodyPr>
+                <a:lstStyle/>
+                <a:p>
+                  <a:pPr/>
+                  <a14:m>
+                    <m:oMathPara xmlns:m="http://schemas.openxmlformats.org/officeDocument/2006/math">
+                      <m:oMathParaPr>
+                        <m:jc m:val="centerGroup"/>
+                      </m:oMathParaPr>
+                      <m:oMath xmlns:m="http://schemas.openxmlformats.org/officeDocument/2006/math">
+                        <m:r>
+                          <a:rPr lang="fr-FR" sz="1100" b="0" i="1" smtClean="0">
+                            <a:latin typeface="Cambria Math"/>
+                          </a:rPr>
+                          <m:t>𝜃</m:t>
+                        </m:r>
+                        <m:r>
+                          <a:rPr lang="fr-FR" sz="1100" b="0" i="1" smtClean="0">
+                            <a:latin typeface="Cambria Math"/>
+                          </a:rPr>
+                          <m:t>(</m:t>
+                        </m:r>
+                        <m:r>
+                          <a:rPr lang="fr-FR" sz="1100" b="0" i="1" smtClean="0">
+                            <a:latin typeface="Cambria Math"/>
+                          </a:rPr>
+                          <m:t>𝑡</m:t>
+                        </m:r>
+                        <m:r>
+                          <a:rPr lang="fr-FR" sz="1100" b="0" i="1" smtClean="0">
+                            <a:latin typeface="Cambria Math"/>
+                          </a:rPr>
+                          <m:t>)</m:t>
+                        </m:r>
+                      </m:oMath>
+                    </m:oMathPara>
+                  </a14:m>
+                  <a:endParaRPr lang="fr-FR" sz="1100" dirty="0"/>
+                </a:p>
+              </p:txBody>
+            </p:sp>
+          </mc:Choice>
+          <mc:Fallback xmlns="">
+            <p:sp>
+              <p:nvSpPr>
+                <p:cNvPr id="91" name="ZoneTexte 90"/>
+                <p:cNvSpPr txBox="1">
+                  <a:spLocks noRot="1" noChangeAspect="1" noMove="1" noResize="1" noEditPoints="1" noAdjustHandles="1" noChangeArrowheads="1" noChangeShapeType="1" noTextEdit="1"/>
+                </p:cNvSpPr>
+                <p:nvPr/>
+              </p:nvSpPr>
+              <p:spPr>
+                <a:xfrm>
+                  <a:off x="1151282" y="2333337"/>
+                  <a:ext cx="479170" cy="261610"/>
+                </a:xfrm>
+                <a:prstGeom prst="rect">
+                  <a:avLst/>
+                </a:prstGeom>
+                <a:blipFill rotWithShape="1">
+                  <a:blip r:embed="rId19"/>
+                  <a:stretch>
+                    <a:fillRect b="-4651"/>
+                  </a:stretch>
+                </a:blipFill>
+              </p:spPr>
+              <p:txBody>
+                <a:bodyPr/>
+                <a:lstStyle/>
+                <a:p>
+                  <a:r>
+                    <a:rPr lang="fr-FR">
+                      <a:noFill/>
+                    </a:rPr>
+                    <a:t> </a:t>
+                  </a:r>
+                </a:p>
+              </p:txBody>
+            </p:sp>
+          </mc:Fallback>
+        </mc:AlternateContent>
+      </p:grpSp>
       <p:sp>
         <p:nvSpPr>
           <p:cNvPr id="92" name="Ellipse 91"/>
@@ -6332,6 +6349,7264 @@
     <p:extLst>
       <p:ext uri="{BB962C8B-B14F-4D97-AF65-F5344CB8AC3E}">
         <p14:creationId xmlns:p14="http://schemas.microsoft.com/office/powerpoint/2010/main" val="3888340342"/>
+      </p:ext>
+    </p:extLst>
+  </p:cSld>
+  <p:clrMapOvr>
+    <a:masterClrMapping/>
+  </p:clrMapOvr>
+</p:sld>
+</file>
+
+<file path=ppt/slides/slide2.xml><?xml version="1.0" encoding="utf-8"?>
+<p:sld xmlns:a="http://schemas.openxmlformats.org/drawingml/2006/main" xmlns:r="http://schemas.openxmlformats.org/officeDocument/2006/relationships" xmlns:p="http://schemas.openxmlformats.org/presentationml/2006/main">
+  <p:cSld>
+    <p:spTree>
+      <p:nvGrpSpPr>
+        <p:cNvPr id="1" name=""/>
+        <p:cNvGrpSpPr/>
+        <p:nvPr/>
+      </p:nvGrpSpPr>
+      <p:grpSpPr>
+        <a:xfrm>
+          <a:off x="0" y="0"/>
+          <a:ext cx="0" cy="0"/>
+          <a:chOff x="0" y="0"/>
+          <a:chExt cx="0" cy="0"/>
+        </a:xfrm>
+      </p:grpSpPr>
+      <p:cxnSp>
+        <p:nvCxnSpPr>
+          <p:cNvPr id="90" name="Connecteur droit 89"/>
+          <p:cNvCxnSpPr>
+            <a:stCxn id="70" idx="7"/>
+          </p:cNvCxnSpPr>
+          <p:nvPr/>
+        </p:nvCxnSpPr>
+        <p:spPr>
+          <a:xfrm flipV="1">
+            <a:off x="3433476" y="3429000"/>
+            <a:ext cx="778484" cy="626600"/>
+          </a:xfrm>
+          <a:prstGeom prst="line">
+            <a:avLst/>
+          </a:prstGeom>
+          <a:ln w="28575">
+            <a:solidFill>
+              <a:schemeClr val="tx1"/>
+            </a:solidFill>
+          </a:ln>
+        </p:spPr>
+        <p:style>
+          <a:lnRef idx="1">
+            <a:schemeClr val="accent1"/>
+          </a:lnRef>
+          <a:fillRef idx="0">
+            <a:schemeClr val="accent1"/>
+          </a:fillRef>
+          <a:effectRef idx="0">
+            <a:schemeClr val="accent1"/>
+          </a:effectRef>
+          <a:fontRef idx="minor">
+            <a:schemeClr val="tx1"/>
+          </a:fontRef>
+        </p:style>
+      </p:cxnSp>
+      <p:pic>
+        <p:nvPicPr>
+          <p:cNvPr id="1026" name="Picture 2" descr="D:\GitHub\CI_03_EtudeCinematique\06_CinematiquePoint\Cours\png\fig9_col.png"/>
+          <p:cNvPicPr>
+            <a:picLocks noChangeAspect="1" noChangeArrowheads="1"/>
+          </p:cNvPicPr>
+          <p:nvPr/>
+        </p:nvPicPr>
+        <p:blipFill>
+          <a:blip r:embed="rId2" cstate="print">
+            <a:extLst>
+              <a:ext uri="{28A0092B-C50C-407E-A947-70E740481C1C}">
+                <a14:useLocalDpi xmlns:a14="http://schemas.microsoft.com/office/drawing/2010/main" val="0"/>
+              </a:ext>
+            </a:extLst>
+          </a:blip>
+          <a:srcRect/>
+          <a:stretch>
+            <a:fillRect/>
+          </a:stretch>
+        </p:blipFill>
+        <p:spPr bwMode="auto">
+          <a:xfrm>
+            <a:off x="4582396" y="1445307"/>
+            <a:ext cx="4454187" cy="5347866"/>
+          </a:xfrm>
+          <a:prstGeom prst="rect">
+            <a:avLst/>
+          </a:prstGeom>
+          <a:noFill/>
+          <a:extLst>
+            <a:ext uri="{909E8E84-426E-40DD-AFC4-6F175D3DCCD1}">
+              <a14:hiddenFill xmlns:a14="http://schemas.microsoft.com/office/drawing/2010/main">
+                <a:solidFill>
+                  <a:srgbClr val="FFFFFF"/>
+                </a:solidFill>
+              </a14:hiddenFill>
+            </a:ext>
+          </a:extLst>
+        </p:spPr>
+      </p:pic>
+      <p:sp>
+        <p:nvSpPr>
+          <p:cNvPr id="52" name="Rectangle 51"/>
+          <p:cNvSpPr/>
+          <p:nvPr/>
+        </p:nvSpPr>
+        <p:spPr>
+          <a:xfrm>
+            <a:off x="4572000" y="1445307"/>
+            <a:ext cx="4464583" cy="5347866"/>
+          </a:xfrm>
+          <a:prstGeom prst="rect">
+            <a:avLst/>
+          </a:prstGeom>
+          <a:solidFill>
+            <a:schemeClr val="bg1">
+              <a:alpha val="63000"/>
+            </a:schemeClr>
+          </a:solidFill>
+          <a:ln>
+            <a:noFill/>
+          </a:ln>
+        </p:spPr>
+        <p:style>
+          <a:lnRef idx="2">
+            <a:schemeClr val="accent1">
+              <a:shade val="50000"/>
+            </a:schemeClr>
+          </a:lnRef>
+          <a:fillRef idx="1">
+            <a:schemeClr val="accent1"/>
+          </a:fillRef>
+          <a:effectRef idx="0">
+            <a:schemeClr val="accent1"/>
+          </a:effectRef>
+          <a:fontRef idx="minor">
+            <a:schemeClr val="lt1"/>
+          </a:fontRef>
+        </p:style>
+        <p:txBody>
+          <a:bodyPr rtlCol="0" anchor="ctr"/>
+          <a:lstStyle/>
+          <a:p>
+            <a:pPr algn="ctr"/>
+            <a:endParaRPr lang="fr-FR"/>
+          </a:p>
+        </p:txBody>
+      </p:sp>
+      <p:cxnSp>
+        <p:nvCxnSpPr>
+          <p:cNvPr id="5" name="Connecteur droit 4"/>
+          <p:cNvCxnSpPr/>
+          <p:nvPr/>
+        </p:nvCxnSpPr>
+        <p:spPr>
+          <a:xfrm>
+            <a:off x="5220072" y="2996952"/>
+            <a:ext cx="432048" cy="0"/>
+          </a:xfrm>
+          <a:prstGeom prst="line">
+            <a:avLst/>
+          </a:prstGeom>
+          <a:ln w="28575">
+            <a:solidFill>
+              <a:srgbClr val="7030A0"/>
+            </a:solidFill>
+          </a:ln>
+        </p:spPr>
+        <p:style>
+          <a:lnRef idx="1">
+            <a:schemeClr val="accent1"/>
+          </a:lnRef>
+          <a:fillRef idx="0">
+            <a:schemeClr val="accent1"/>
+          </a:fillRef>
+          <a:effectRef idx="0">
+            <a:schemeClr val="accent1"/>
+          </a:effectRef>
+          <a:fontRef idx="minor">
+            <a:schemeClr val="tx1"/>
+          </a:fontRef>
+        </p:style>
+      </p:cxnSp>
+      <p:sp>
+        <p:nvSpPr>
+          <p:cNvPr id="8" name="Rectangle 7"/>
+          <p:cNvSpPr/>
+          <p:nvPr/>
+        </p:nvSpPr>
+        <p:spPr>
+          <a:xfrm>
+            <a:off x="5256096" y="3249000"/>
+            <a:ext cx="360000" cy="180000"/>
+          </a:xfrm>
+          <a:prstGeom prst="rect">
+            <a:avLst/>
+          </a:prstGeom>
+          <a:noFill/>
+          <a:ln w="28575">
+            <a:solidFill>
+              <a:srgbClr val="7030A0"/>
+            </a:solidFill>
+          </a:ln>
+        </p:spPr>
+        <p:style>
+          <a:lnRef idx="2">
+            <a:schemeClr val="accent1">
+              <a:shade val="50000"/>
+            </a:schemeClr>
+          </a:lnRef>
+          <a:fillRef idx="1">
+            <a:schemeClr val="accent1"/>
+          </a:fillRef>
+          <a:effectRef idx="0">
+            <a:schemeClr val="accent1"/>
+          </a:effectRef>
+          <a:fontRef idx="minor">
+            <a:schemeClr val="lt1"/>
+          </a:fontRef>
+        </p:style>
+        <p:txBody>
+          <a:bodyPr rtlCol="0" anchor="ctr"/>
+          <a:lstStyle/>
+          <a:p>
+            <a:pPr algn="ctr"/>
+            <a:endParaRPr lang="fr-FR"/>
+          </a:p>
+        </p:txBody>
+      </p:sp>
+      <p:cxnSp>
+        <p:nvCxnSpPr>
+          <p:cNvPr id="9" name="Connecteur droit 8"/>
+          <p:cNvCxnSpPr>
+            <a:endCxn id="8" idx="0"/>
+          </p:cNvCxnSpPr>
+          <p:nvPr/>
+        </p:nvCxnSpPr>
+        <p:spPr>
+          <a:xfrm>
+            <a:off x="5436096" y="2996952"/>
+            <a:ext cx="0" cy="252048"/>
+          </a:xfrm>
+          <a:prstGeom prst="line">
+            <a:avLst/>
+          </a:prstGeom>
+          <a:ln w="28575">
+            <a:solidFill>
+              <a:srgbClr val="7030A0"/>
+            </a:solidFill>
+          </a:ln>
+        </p:spPr>
+        <p:style>
+          <a:lnRef idx="1">
+            <a:schemeClr val="accent1"/>
+          </a:lnRef>
+          <a:fillRef idx="0">
+            <a:schemeClr val="accent1"/>
+          </a:fillRef>
+          <a:effectRef idx="0">
+            <a:schemeClr val="accent1"/>
+          </a:effectRef>
+          <a:fontRef idx="minor">
+            <a:schemeClr val="tx1"/>
+          </a:fontRef>
+        </p:style>
+      </p:cxnSp>
+      <p:cxnSp>
+        <p:nvCxnSpPr>
+          <p:cNvPr id="12" name="Connecteur droit 11"/>
+          <p:cNvCxnSpPr>
+            <a:stCxn id="8" idx="2"/>
+          </p:cNvCxnSpPr>
+          <p:nvPr/>
+        </p:nvCxnSpPr>
+        <p:spPr>
+          <a:xfrm>
+            <a:off x="5436096" y="3429000"/>
+            <a:ext cx="0" cy="216024"/>
+          </a:xfrm>
+          <a:prstGeom prst="line">
+            <a:avLst/>
+          </a:prstGeom>
+          <a:ln w="28575">
+            <a:solidFill>
+              <a:srgbClr val="7030A0"/>
+            </a:solidFill>
+          </a:ln>
+        </p:spPr>
+        <p:style>
+          <a:lnRef idx="1">
+            <a:schemeClr val="accent1"/>
+          </a:lnRef>
+          <a:fillRef idx="0">
+            <a:schemeClr val="accent1"/>
+          </a:fillRef>
+          <a:effectRef idx="0">
+            <a:schemeClr val="accent1"/>
+          </a:effectRef>
+          <a:fontRef idx="minor">
+            <a:schemeClr val="tx1"/>
+          </a:fontRef>
+        </p:style>
+      </p:cxnSp>
+      <p:cxnSp>
+        <p:nvCxnSpPr>
+          <p:cNvPr id="15" name="Connecteur droit 14"/>
+          <p:cNvCxnSpPr/>
+          <p:nvPr/>
+        </p:nvCxnSpPr>
+        <p:spPr>
+          <a:xfrm>
+            <a:off x="5220072" y="3249000"/>
+            <a:ext cx="0" cy="180000"/>
+          </a:xfrm>
+          <a:prstGeom prst="line">
+            <a:avLst/>
+          </a:prstGeom>
+          <a:ln w="28575">
+            <a:solidFill>
+              <a:srgbClr val="0070C0"/>
+            </a:solidFill>
+          </a:ln>
+        </p:spPr>
+        <p:style>
+          <a:lnRef idx="1">
+            <a:schemeClr val="accent1"/>
+          </a:lnRef>
+          <a:fillRef idx="0">
+            <a:schemeClr val="accent1"/>
+          </a:fillRef>
+          <a:effectRef idx="0">
+            <a:schemeClr val="accent1"/>
+          </a:effectRef>
+          <a:fontRef idx="minor">
+            <a:schemeClr val="tx1"/>
+          </a:fontRef>
+        </p:style>
+      </p:cxnSp>
+      <p:cxnSp>
+        <p:nvCxnSpPr>
+          <p:cNvPr id="18" name="Connecteur droit 17"/>
+          <p:cNvCxnSpPr/>
+          <p:nvPr/>
+        </p:nvCxnSpPr>
+        <p:spPr>
+          <a:xfrm>
+            <a:off x="5655248" y="3249000"/>
+            <a:ext cx="0" cy="180000"/>
+          </a:xfrm>
+          <a:prstGeom prst="line">
+            <a:avLst/>
+          </a:prstGeom>
+          <a:ln w="28575">
+            <a:solidFill>
+              <a:srgbClr val="0070C0"/>
+            </a:solidFill>
+          </a:ln>
+        </p:spPr>
+        <p:style>
+          <a:lnRef idx="1">
+            <a:schemeClr val="accent1"/>
+          </a:lnRef>
+          <a:fillRef idx="0">
+            <a:schemeClr val="accent1"/>
+          </a:fillRef>
+          <a:effectRef idx="0">
+            <a:schemeClr val="accent1"/>
+          </a:effectRef>
+          <a:fontRef idx="minor">
+            <a:schemeClr val="tx1"/>
+          </a:fontRef>
+        </p:style>
+      </p:cxnSp>
+      <p:cxnSp>
+        <p:nvCxnSpPr>
+          <p:cNvPr id="19" name="Connecteur droit 18"/>
+          <p:cNvCxnSpPr/>
+          <p:nvPr/>
+        </p:nvCxnSpPr>
+        <p:spPr>
+          <a:xfrm>
+            <a:off x="5148064" y="3339000"/>
+            <a:ext cx="659584" cy="0"/>
+          </a:xfrm>
+          <a:prstGeom prst="line">
+            <a:avLst/>
+          </a:prstGeom>
+          <a:ln w="28575">
+            <a:solidFill>
+              <a:srgbClr val="0070C0"/>
+            </a:solidFill>
+          </a:ln>
+        </p:spPr>
+        <p:style>
+          <a:lnRef idx="1">
+            <a:schemeClr val="accent1"/>
+          </a:lnRef>
+          <a:fillRef idx="0">
+            <a:schemeClr val="accent1"/>
+          </a:fillRef>
+          <a:effectRef idx="0">
+            <a:schemeClr val="accent1"/>
+          </a:effectRef>
+          <a:fontRef idx="minor">
+            <a:schemeClr val="tx1"/>
+          </a:fontRef>
+        </p:style>
+      </p:cxnSp>
+      <p:cxnSp>
+        <p:nvCxnSpPr>
+          <p:cNvPr id="22" name="Connecteur droit 21"/>
+          <p:cNvCxnSpPr/>
+          <p:nvPr/>
+        </p:nvCxnSpPr>
+        <p:spPr>
+          <a:xfrm>
+            <a:off x="5807648" y="3339000"/>
+            <a:ext cx="0" cy="780240"/>
+          </a:xfrm>
+          <a:prstGeom prst="line">
+            <a:avLst/>
+          </a:prstGeom>
+          <a:ln w="28575">
+            <a:solidFill>
+              <a:srgbClr val="0070C0"/>
+            </a:solidFill>
+          </a:ln>
+        </p:spPr>
+        <p:style>
+          <a:lnRef idx="1">
+            <a:schemeClr val="accent1"/>
+          </a:lnRef>
+          <a:fillRef idx="0">
+            <a:schemeClr val="accent1"/>
+          </a:fillRef>
+          <a:effectRef idx="0">
+            <a:schemeClr val="accent1"/>
+          </a:effectRef>
+          <a:fontRef idx="minor">
+            <a:schemeClr val="tx1"/>
+          </a:fontRef>
+        </p:style>
+      </p:cxnSp>
+      <p:cxnSp>
+        <p:nvCxnSpPr>
+          <p:cNvPr id="27" name="Connecteur droit 26"/>
+          <p:cNvCxnSpPr/>
+          <p:nvPr/>
+        </p:nvCxnSpPr>
+        <p:spPr>
+          <a:xfrm>
+            <a:off x="6120152" y="4029240"/>
+            <a:ext cx="0" cy="180000"/>
+          </a:xfrm>
+          <a:prstGeom prst="line">
+            <a:avLst/>
+          </a:prstGeom>
+          <a:ln w="28575">
+            <a:solidFill>
+              <a:srgbClr val="0070C0"/>
+            </a:solidFill>
+          </a:ln>
+        </p:spPr>
+        <p:style>
+          <a:lnRef idx="1">
+            <a:schemeClr val="accent1"/>
+          </a:lnRef>
+          <a:fillRef idx="0">
+            <a:schemeClr val="accent1"/>
+          </a:fillRef>
+          <a:effectRef idx="0">
+            <a:schemeClr val="accent1"/>
+          </a:effectRef>
+          <a:fontRef idx="minor">
+            <a:schemeClr val="tx1"/>
+          </a:fontRef>
+        </p:style>
+      </p:cxnSp>
+      <p:cxnSp>
+        <p:nvCxnSpPr>
+          <p:cNvPr id="28" name="Connecteur droit 27"/>
+          <p:cNvCxnSpPr/>
+          <p:nvPr/>
+        </p:nvCxnSpPr>
+        <p:spPr>
+          <a:xfrm>
+            <a:off x="6555328" y="4029240"/>
+            <a:ext cx="0" cy="180000"/>
+          </a:xfrm>
+          <a:prstGeom prst="line">
+            <a:avLst/>
+          </a:prstGeom>
+          <a:ln w="28575">
+            <a:solidFill>
+              <a:srgbClr val="0070C0"/>
+            </a:solidFill>
+          </a:ln>
+        </p:spPr>
+        <p:style>
+          <a:lnRef idx="1">
+            <a:schemeClr val="accent1"/>
+          </a:lnRef>
+          <a:fillRef idx="0">
+            <a:schemeClr val="accent1"/>
+          </a:fillRef>
+          <a:effectRef idx="0">
+            <a:schemeClr val="accent1"/>
+          </a:effectRef>
+          <a:fontRef idx="minor">
+            <a:schemeClr val="tx1"/>
+          </a:fontRef>
+        </p:style>
+      </p:cxnSp>
+      <p:sp>
+        <p:nvSpPr>
+          <p:cNvPr id="26" name="Rectangle 25"/>
+          <p:cNvSpPr/>
+          <p:nvPr/>
+        </p:nvSpPr>
+        <p:spPr>
+          <a:xfrm>
+            <a:off x="6156176" y="4029240"/>
+            <a:ext cx="360000" cy="180000"/>
+          </a:xfrm>
+          <a:prstGeom prst="rect">
+            <a:avLst/>
+          </a:prstGeom>
+          <a:noFill/>
+          <a:ln w="28575">
+            <a:solidFill>
+              <a:schemeClr val="tx1"/>
+            </a:solidFill>
+          </a:ln>
+        </p:spPr>
+        <p:style>
+          <a:lnRef idx="2">
+            <a:schemeClr val="accent1">
+              <a:shade val="50000"/>
+            </a:schemeClr>
+          </a:lnRef>
+          <a:fillRef idx="1">
+            <a:schemeClr val="accent1"/>
+          </a:fillRef>
+          <a:effectRef idx="0">
+            <a:schemeClr val="accent1"/>
+          </a:effectRef>
+          <a:fontRef idx="minor">
+            <a:schemeClr val="lt1"/>
+          </a:fontRef>
+        </p:style>
+        <p:txBody>
+          <a:bodyPr rtlCol="0" anchor="ctr"/>
+          <a:lstStyle/>
+          <a:p>
+            <a:pPr algn="ctr"/>
+            <a:endParaRPr lang="fr-FR"/>
+          </a:p>
+        </p:txBody>
+      </p:sp>
+      <p:cxnSp>
+        <p:nvCxnSpPr>
+          <p:cNvPr id="24" name="Connecteur droit 23"/>
+          <p:cNvCxnSpPr/>
+          <p:nvPr/>
+        </p:nvCxnSpPr>
+        <p:spPr>
+          <a:xfrm>
+            <a:off x="5807648" y="4119240"/>
+            <a:ext cx="1140616" cy="0"/>
+          </a:xfrm>
+          <a:prstGeom prst="line">
+            <a:avLst/>
+          </a:prstGeom>
+          <a:ln w="28575">
+            <a:solidFill>
+              <a:srgbClr val="0070C0"/>
+            </a:solidFill>
+          </a:ln>
+        </p:spPr>
+        <p:style>
+          <a:lnRef idx="1">
+            <a:schemeClr val="accent1"/>
+          </a:lnRef>
+          <a:fillRef idx="0">
+            <a:schemeClr val="accent1"/>
+          </a:fillRef>
+          <a:effectRef idx="0">
+            <a:schemeClr val="accent1"/>
+          </a:effectRef>
+          <a:fontRef idx="minor">
+            <a:schemeClr val="tx1"/>
+          </a:fontRef>
+        </p:style>
+      </p:cxnSp>
+      <p:cxnSp>
+        <p:nvCxnSpPr>
+          <p:cNvPr id="29" name="Connecteur droit 28"/>
+          <p:cNvCxnSpPr>
+            <a:stCxn id="1026" idx="1"/>
+          </p:cNvCxnSpPr>
+          <p:nvPr/>
+        </p:nvCxnSpPr>
+        <p:spPr>
+          <a:xfrm>
+            <a:off x="4582396" y="4119240"/>
+            <a:ext cx="853700" cy="0"/>
+          </a:xfrm>
+          <a:prstGeom prst="line">
+            <a:avLst/>
+          </a:prstGeom>
+          <a:ln w="28575">
+            <a:solidFill>
+              <a:srgbClr val="00B050"/>
+            </a:solidFill>
+          </a:ln>
+        </p:spPr>
+        <p:style>
+          <a:lnRef idx="1">
+            <a:schemeClr val="accent1"/>
+          </a:lnRef>
+          <a:fillRef idx="0">
+            <a:schemeClr val="accent1"/>
+          </a:fillRef>
+          <a:effectRef idx="0">
+            <a:schemeClr val="accent1"/>
+          </a:effectRef>
+          <a:fontRef idx="minor">
+            <a:schemeClr val="tx1"/>
+          </a:fontRef>
+        </p:style>
+      </p:cxnSp>
+      <p:cxnSp>
+        <p:nvCxnSpPr>
+          <p:cNvPr id="30" name="Connecteur droit 29"/>
+          <p:cNvCxnSpPr/>
+          <p:nvPr/>
+        </p:nvCxnSpPr>
+        <p:spPr>
+          <a:xfrm flipV="1">
+            <a:off x="5436096" y="3645024"/>
+            <a:ext cx="0" cy="936104"/>
+          </a:xfrm>
+          <a:prstGeom prst="line">
+            <a:avLst/>
+          </a:prstGeom>
+          <a:ln w="28575">
+            <a:solidFill>
+              <a:srgbClr val="00B050"/>
+            </a:solidFill>
+          </a:ln>
+        </p:spPr>
+        <p:style>
+          <a:lnRef idx="1">
+            <a:schemeClr val="accent1"/>
+          </a:lnRef>
+          <a:fillRef idx="0">
+            <a:schemeClr val="accent1"/>
+          </a:fillRef>
+          <a:effectRef idx="0">
+            <a:schemeClr val="accent1"/>
+          </a:effectRef>
+          <a:fontRef idx="minor">
+            <a:schemeClr val="tx1"/>
+          </a:fontRef>
+        </p:style>
+      </p:cxnSp>
+      <p:cxnSp>
+        <p:nvCxnSpPr>
+          <p:cNvPr id="7" name="Connecteur droit 6"/>
+          <p:cNvCxnSpPr/>
+          <p:nvPr/>
+        </p:nvCxnSpPr>
+        <p:spPr>
+          <a:xfrm>
+            <a:off x="5220072" y="3645024"/>
+            <a:ext cx="432048" cy="0"/>
+          </a:xfrm>
+          <a:prstGeom prst="line">
+            <a:avLst/>
+          </a:prstGeom>
+          <a:ln w="28575">
+            <a:solidFill>
+              <a:srgbClr val="7030A0"/>
+            </a:solidFill>
+          </a:ln>
+        </p:spPr>
+        <p:style>
+          <a:lnRef idx="1">
+            <a:schemeClr val="accent1"/>
+          </a:lnRef>
+          <a:fillRef idx="0">
+            <a:schemeClr val="accent1"/>
+          </a:fillRef>
+          <a:effectRef idx="0">
+            <a:schemeClr val="accent1"/>
+          </a:effectRef>
+          <a:fontRef idx="minor">
+            <a:schemeClr val="tx1"/>
+          </a:fontRef>
+        </p:style>
+      </p:cxnSp>
+      <p:cxnSp>
+        <p:nvCxnSpPr>
+          <p:cNvPr id="33" name="Connecteur droit 32"/>
+          <p:cNvCxnSpPr/>
+          <p:nvPr/>
+        </p:nvCxnSpPr>
+        <p:spPr>
+          <a:xfrm>
+            <a:off x="5148064" y="4581128"/>
+            <a:ext cx="507184" cy="0"/>
+          </a:xfrm>
+          <a:prstGeom prst="line">
+            <a:avLst/>
+          </a:prstGeom>
+          <a:ln w="28575">
+            <a:solidFill>
+              <a:srgbClr val="00B050"/>
+            </a:solidFill>
+          </a:ln>
+        </p:spPr>
+        <p:style>
+          <a:lnRef idx="1">
+            <a:schemeClr val="accent1"/>
+          </a:lnRef>
+          <a:fillRef idx="0">
+            <a:schemeClr val="accent1"/>
+          </a:fillRef>
+          <a:effectRef idx="0">
+            <a:schemeClr val="accent1"/>
+          </a:effectRef>
+          <a:fontRef idx="minor">
+            <a:schemeClr val="tx1"/>
+          </a:fontRef>
+        </p:style>
+      </p:cxnSp>
+      <p:sp>
+        <p:nvSpPr>
+          <p:cNvPr id="35" name="Rectangle 34"/>
+          <p:cNvSpPr/>
+          <p:nvPr/>
+        </p:nvSpPr>
+        <p:spPr>
+          <a:xfrm>
+            <a:off x="4746304" y="4029240"/>
+            <a:ext cx="360000" cy="180000"/>
+          </a:xfrm>
+          <a:prstGeom prst="rect">
+            <a:avLst/>
+          </a:prstGeom>
+          <a:noFill/>
+          <a:ln w="28575">
+            <a:solidFill>
+              <a:schemeClr val="tx1"/>
+            </a:solidFill>
+          </a:ln>
+        </p:spPr>
+        <p:style>
+          <a:lnRef idx="2">
+            <a:schemeClr val="accent1">
+              <a:shade val="50000"/>
+            </a:schemeClr>
+          </a:lnRef>
+          <a:fillRef idx="1">
+            <a:schemeClr val="accent1"/>
+          </a:fillRef>
+          <a:effectRef idx="0">
+            <a:schemeClr val="accent1"/>
+          </a:effectRef>
+          <a:fontRef idx="minor">
+            <a:schemeClr val="lt1"/>
+          </a:fontRef>
+        </p:style>
+        <p:txBody>
+          <a:bodyPr rtlCol="0" anchor="ctr"/>
+          <a:lstStyle/>
+          <a:p>
+            <a:pPr algn="ctr"/>
+            <a:endParaRPr lang="fr-FR"/>
+          </a:p>
+        </p:txBody>
+      </p:sp>
+      <p:cxnSp>
+        <p:nvCxnSpPr>
+          <p:cNvPr id="37" name="Connecteur droit 36"/>
+          <p:cNvCxnSpPr/>
+          <p:nvPr/>
+        </p:nvCxnSpPr>
+        <p:spPr>
+          <a:xfrm>
+            <a:off x="4708731" y="4029240"/>
+            <a:ext cx="0" cy="180000"/>
+          </a:xfrm>
+          <a:prstGeom prst="line">
+            <a:avLst/>
+          </a:prstGeom>
+          <a:ln w="28575">
+            <a:solidFill>
+              <a:srgbClr val="00B050"/>
+            </a:solidFill>
+          </a:ln>
+        </p:spPr>
+        <p:style>
+          <a:lnRef idx="1">
+            <a:schemeClr val="accent1"/>
+          </a:lnRef>
+          <a:fillRef idx="0">
+            <a:schemeClr val="accent1"/>
+          </a:fillRef>
+          <a:effectRef idx="0">
+            <a:schemeClr val="accent1"/>
+          </a:effectRef>
+          <a:fontRef idx="minor">
+            <a:schemeClr val="tx1"/>
+          </a:fontRef>
+        </p:style>
+      </p:cxnSp>
+      <p:cxnSp>
+        <p:nvCxnSpPr>
+          <p:cNvPr id="38" name="Connecteur droit 37"/>
+          <p:cNvCxnSpPr/>
+          <p:nvPr/>
+        </p:nvCxnSpPr>
+        <p:spPr>
+          <a:xfrm>
+            <a:off x="5143907" y="4029240"/>
+            <a:ext cx="0" cy="180000"/>
+          </a:xfrm>
+          <a:prstGeom prst="line">
+            <a:avLst/>
+          </a:prstGeom>
+          <a:ln w="28575">
+            <a:solidFill>
+              <a:srgbClr val="00B050"/>
+            </a:solidFill>
+          </a:ln>
+        </p:spPr>
+        <p:style>
+          <a:lnRef idx="1">
+            <a:schemeClr val="accent1"/>
+          </a:lnRef>
+          <a:fillRef idx="0">
+            <a:schemeClr val="accent1"/>
+          </a:fillRef>
+          <a:effectRef idx="0">
+            <a:schemeClr val="accent1"/>
+          </a:effectRef>
+          <a:fontRef idx="minor">
+            <a:schemeClr val="tx1"/>
+          </a:fontRef>
+        </p:style>
+      </p:cxnSp>
+      <p:cxnSp>
+        <p:nvCxnSpPr>
+          <p:cNvPr id="39" name="Connecteur droit 38"/>
+          <p:cNvCxnSpPr/>
+          <p:nvPr/>
+        </p:nvCxnSpPr>
+        <p:spPr>
+          <a:xfrm>
+            <a:off x="5155892" y="5229200"/>
+            <a:ext cx="507184" cy="0"/>
+          </a:xfrm>
+          <a:prstGeom prst="line">
+            <a:avLst/>
+          </a:prstGeom>
+          <a:ln w="28575">
+            <a:solidFill>
+              <a:schemeClr val="tx1"/>
+            </a:solidFill>
+          </a:ln>
+        </p:spPr>
+        <p:style>
+          <a:lnRef idx="1">
+            <a:schemeClr val="accent1"/>
+          </a:lnRef>
+          <a:fillRef idx="0">
+            <a:schemeClr val="accent1"/>
+          </a:fillRef>
+          <a:effectRef idx="0">
+            <a:schemeClr val="accent1"/>
+          </a:effectRef>
+          <a:fontRef idx="minor">
+            <a:schemeClr val="tx1"/>
+          </a:fontRef>
+        </p:style>
+      </p:cxnSp>
+      <p:cxnSp>
+        <p:nvCxnSpPr>
+          <p:cNvPr id="40" name="Connecteur droit 39"/>
+          <p:cNvCxnSpPr/>
+          <p:nvPr/>
+        </p:nvCxnSpPr>
+        <p:spPr>
+          <a:xfrm flipV="1">
+            <a:off x="5436096" y="5229200"/>
+            <a:ext cx="0" cy="216024"/>
+          </a:xfrm>
+          <a:prstGeom prst="line">
+            <a:avLst/>
+          </a:prstGeom>
+          <a:ln w="28575">
+            <a:solidFill>
+              <a:schemeClr val="tx1"/>
+            </a:solidFill>
+          </a:ln>
+        </p:spPr>
+        <p:style>
+          <a:lnRef idx="1">
+            <a:schemeClr val="accent1"/>
+          </a:lnRef>
+          <a:fillRef idx="0">
+            <a:schemeClr val="accent1"/>
+          </a:fillRef>
+          <a:effectRef idx="0">
+            <a:schemeClr val="accent1"/>
+          </a:effectRef>
+          <a:fontRef idx="minor">
+            <a:schemeClr val="tx1"/>
+          </a:fontRef>
+        </p:style>
+      </p:cxnSp>
+      <p:cxnSp>
+        <p:nvCxnSpPr>
+          <p:cNvPr id="43" name="Connecteur droit 42"/>
+          <p:cNvCxnSpPr/>
+          <p:nvPr/>
+        </p:nvCxnSpPr>
+        <p:spPr>
+          <a:xfrm flipV="1">
+            <a:off x="5428310" y="2756986"/>
+            <a:ext cx="0" cy="216024"/>
+          </a:xfrm>
+          <a:prstGeom prst="line">
+            <a:avLst/>
+          </a:prstGeom>
+          <a:ln w="28575">
+            <a:solidFill>
+              <a:schemeClr val="tx1"/>
+            </a:solidFill>
+          </a:ln>
+        </p:spPr>
+        <p:style>
+          <a:lnRef idx="1">
+            <a:schemeClr val="accent1"/>
+          </a:lnRef>
+          <a:fillRef idx="0">
+            <a:schemeClr val="accent1"/>
+          </a:fillRef>
+          <a:effectRef idx="0">
+            <a:schemeClr val="accent1"/>
+          </a:effectRef>
+          <a:fontRef idx="minor">
+            <a:schemeClr val="tx1"/>
+          </a:fontRef>
+        </p:style>
+      </p:cxnSp>
+      <p:cxnSp>
+        <p:nvCxnSpPr>
+          <p:cNvPr id="44" name="Connecteur droit 43"/>
+          <p:cNvCxnSpPr/>
+          <p:nvPr/>
+        </p:nvCxnSpPr>
+        <p:spPr>
+          <a:xfrm flipV="1">
+            <a:off x="6336176" y="4195004"/>
+            <a:ext cx="0" cy="1250220"/>
+          </a:xfrm>
+          <a:prstGeom prst="line">
+            <a:avLst/>
+          </a:prstGeom>
+          <a:ln w="28575">
+            <a:solidFill>
+              <a:schemeClr val="tx1"/>
+            </a:solidFill>
+          </a:ln>
+        </p:spPr>
+        <p:style>
+          <a:lnRef idx="1">
+            <a:schemeClr val="accent1"/>
+          </a:lnRef>
+          <a:fillRef idx="0">
+            <a:schemeClr val="accent1"/>
+          </a:fillRef>
+          <a:effectRef idx="0">
+            <a:schemeClr val="accent1"/>
+          </a:effectRef>
+          <a:fontRef idx="minor">
+            <a:schemeClr val="tx1"/>
+          </a:fontRef>
+        </p:style>
+      </p:cxnSp>
+      <p:cxnSp>
+        <p:nvCxnSpPr>
+          <p:cNvPr id="46" name="Connecteur droit 45"/>
+          <p:cNvCxnSpPr/>
+          <p:nvPr/>
+        </p:nvCxnSpPr>
+        <p:spPr>
+          <a:xfrm>
+            <a:off x="4926304" y="5445224"/>
+            <a:ext cx="1409872" cy="0"/>
+          </a:xfrm>
+          <a:prstGeom prst="line">
+            <a:avLst/>
+          </a:prstGeom>
+          <a:ln w="28575">
+            <a:solidFill>
+              <a:schemeClr val="tx1"/>
+            </a:solidFill>
+          </a:ln>
+        </p:spPr>
+        <p:style>
+          <a:lnRef idx="1">
+            <a:schemeClr val="accent1"/>
+          </a:lnRef>
+          <a:fillRef idx="0">
+            <a:schemeClr val="accent1"/>
+          </a:fillRef>
+          <a:effectRef idx="0">
+            <a:schemeClr val="accent1"/>
+          </a:effectRef>
+          <a:fontRef idx="minor">
+            <a:schemeClr val="tx1"/>
+          </a:fontRef>
+        </p:style>
+      </p:cxnSp>
+      <p:cxnSp>
+        <p:nvCxnSpPr>
+          <p:cNvPr id="50" name="Connecteur droit 49"/>
+          <p:cNvCxnSpPr/>
+          <p:nvPr/>
+        </p:nvCxnSpPr>
+        <p:spPr>
+          <a:xfrm flipV="1">
+            <a:off x="6328390" y="2756986"/>
+            <a:ext cx="0" cy="1272254"/>
+          </a:xfrm>
+          <a:prstGeom prst="line">
+            <a:avLst/>
+          </a:prstGeom>
+          <a:ln w="28575">
+            <a:solidFill>
+              <a:schemeClr val="tx1"/>
+            </a:solidFill>
+          </a:ln>
+        </p:spPr>
+        <p:style>
+          <a:lnRef idx="1">
+            <a:schemeClr val="accent1"/>
+          </a:lnRef>
+          <a:fillRef idx="0">
+            <a:schemeClr val="accent1"/>
+          </a:fillRef>
+          <a:effectRef idx="0">
+            <a:schemeClr val="accent1"/>
+          </a:effectRef>
+          <a:fontRef idx="minor">
+            <a:schemeClr val="tx1"/>
+          </a:fontRef>
+        </p:style>
+      </p:cxnSp>
+      <p:cxnSp>
+        <p:nvCxnSpPr>
+          <p:cNvPr id="51" name="Connecteur droit 50"/>
+          <p:cNvCxnSpPr/>
+          <p:nvPr/>
+        </p:nvCxnSpPr>
+        <p:spPr>
+          <a:xfrm>
+            <a:off x="5428310" y="2756986"/>
+            <a:ext cx="900080" cy="0"/>
+          </a:xfrm>
+          <a:prstGeom prst="line">
+            <a:avLst/>
+          </a:prstGeom>
+          <a:ln w="28575">
+            <a:solidFill>
+              <a:schemeClr val="tx1"/>
+            </a:solidFill>
+          </a:ln>
+        </p:spPr>
+        <p:style>
+          <a:lnRef idx="1">
+            <a:schemeClr val="accent1"/>
+          </a:lnRef>
+          <a:fillRef idx="0">
+            <a:schemeClr val="accent1"/>
+          </a:fillRef>
+          <a:effectRef idx="0">
+            <a:schemeClr val="accent1"/>
+          </a:effectRef>
+          <a:fontRef idx="minor">
+            <a:schemeClr val="tx1"/>
+          </a:fontRef>
+        </p:style>
+      </p:cxnSp>
+      <p:sp>
+        <p:nvSpPr>
+          <p:cNvPr id="54" name="Rectangle 53"/>
+          <p:cNvSpPr/>
+          <p:nvPr/>
+        </p:nvSpPr>
+        <p:spPr>
+          <a:xfrm rot="5400000">
+            <a:off x="5796136" y="5499240"/>
+            <a:ext cx="180000" cy="360000"/>
+          </a:xfrm>
+          <a:prstGeom prst="rect">
+            <a:avLst/>
+          </a:prstGeom>
+          <a:pattFill prst="dkUpDiag">
+            <a:fgClr>
+              <a:schemeClr val="tx1"/>
+            </a:fgClr>
+            <a:bgClr>
+              <a:schemeClr val="bg1"/>
+            </a:bgClr>
+          </a:pattFill>
+          <a:ln w="28575">
+            <a:noFill/>
+          </a:ln>
+        </p:spPr>
+        <p:style>
+          <a:lnRef idx="2">
+            <a:schemeClr val="accent1">
+              <a:shade val="50000"/>
+            </a:schemeClr>
+          </a:lnRef>
+          <a:fillRef idx="1">
+            <a:schemeClr val="accent1"/>
+          </a:fillRef>
+          <a:effectRef idx="0">
+            <a:schemeClr val="accent1"/>
+          </a:effectRef>
+          <a:fontRef idx="minor">
+            <a:schemeClr val="lt1"/>
+          </a:fontRef>
+        </p:style>
+        <p:txBody>
+          <a:bodyPr rtlCol="0" anchor="ctr"/>
+          <a:lstStyle/>
+          <a:p>
+            <a:pPr algn="ctr"/>
+            <a:endParaRPr lang="fr-FR"/>
+          </a:p>
+        </p:txBody>
+      </p:sp>
+      <p:cxnSp>
+        <p:nvCxnSpPr>
+          <p:cNvPr id="55" name="Connecteur droit 54"/>
+          <p:cNvCxnSpPr/>
+          <p:nvPr/>
+        </p:nvCxnSpPr>
+        <p:spPr>
+          <a:xfrm>
+            <a:off x="5706136" y="5589240"/>
+            <a:ext cx="360000" cy="0"/>
+          </a:xfrm>
+          <a:prstGeom prst="line">
+            <a:avLst/>
+          </a:prstGeom>
+          <a:ln w="28575">
+            <a:solidFill>
+              <a:schemeClr val="tx1"/>
+            </a:solidFill>
+          </a:ln>
+        </p:spPr>
+        <p:style>
+          <a:lnRef idx="1">
+            <a:schemeClr val="accent1"/>
+          </a:lnRef>
+          <a:fillRef idx="0">
+            <a:schemeClr val="accent1"/>
+          </a:fillRef>
+          <a:effectRef idx="0">
+            <a:schemeClr val="accent1"/>
+          </a:effectRef>
+          <a:fontRef idx="minor">
+            <a:schemeClr val="tx1"/>
+          </a:fontRef>
+        </p:style>
+      </p:cxnSp>
+      <p:cxnSp>
+        <p:nvCxnSpPr>
+          <p:cNvPr id="56" name="Connecteur droit 55"/>
+          <p:cNvCxnSpPr/>
+          <p:nvPr/>
+        </p:nvCxnSpPr>
+        <p:spPr>
+          <a:xfrm>
+            <a:off x="5886136" y="5445224"/>
+            <a:ext cx="0" cy="144016"/>
+          </a:xfrm>
+          <a:prstGeom prst="line">
+            <a:avLst/>
+          </a:prstGeom>
+          <a:ln w="28575">
+            <a:solidFill>
+              <a:schemeClr val="tx1"/>
+            </a:solidFill>
+          </a:ln>
+        </p:spPr>
+        <p:style>
+          <a:lnRef idx="1">
+            <a:schemeClr val="accent1"/>
+          </a:lnRef>
+          <a:fillRef idx="0">
+            <a:schemeClr val="accent1"/>
+          </a:fillRef>
+          <a:effectRef idx="0">
+            <a:schemeClr val="accent1"/>
+          </a:effectRef>
+          <a:fontRef idx="minor">
+            <a:schemeClr val="tx1"/>
+          </a:fontRef>
+        </p:style>
+      </p:cxnSp>
+      <p:cxnSp>
+        <p:nvCxnSpPr>
+          <p:cNvPr id="60" name="Connecteur droit 59"/>
+          <p:cNvCxnSpPr/>
+          <p:nvPr/>
+        </p:nvCxnSpPr>
+        <p:spPr>
+          <a:xfrm flipV="1">
+            <a:off x="4926304" y="4209240"/>
+            <a:ext cx="0" cy="1235984"/>
+          </a:xfrm>
+          <a:prstGeom prst="line">
+            <a:avLst/>
+          </a:prstGeom>
+          <a:ln w="28575">
+            <a:solidFill>
+              <a:schemeClr val="tx1"/>
+            </a:solidFill>
+          </a:ln>
+        </p:spPr>
+        <p:style>
+          <a:lnRef idx="1">
+            <a:schemeClr val="accent1"/>
+          </a:lnRef>
+          <a:fillRef idx="0">
+            <a:schemeClr val="accent1"/>
+          </a:fillRef>
+          <a:effectRef idx="0">
+            <a:schemeClr val="accent1"/>
+          </a:effectRef>
+          <a:fontRef idx="minor">
+            <a:schemeClr val="tx1"/>
+          </a:fontRef>
+        </p:style>
+      </p:cxnSp>
+      <p:sp>
+        <p:nvSpPr>
+          <p:cNvPr id="63" name="Ellipse 62"/>
+          <p:cNvSpPr/>
+          <p:nvPr/>
+        </p:nvSpPr>
+        <p:spPr>
+          <a:xfrm>
+            <a:off x="2267744" y="3010984"/>
+            <a:ext cx="2204184" cy="2204184"/>
+          </a:xfrm>
+          <a:prstGeom prst="ellipse">
+            <a:avLst/>
+          </a:prstGeom>
+          <a:noFill/>
+          <a:ln w="28575">
+            <a:solidFill>
+              <a:schemeClr val="tx1"/>
+            </a:solidFill>
+          </a:ln>
+        </p:spPr>
+        <p:style>
+          <a:lnRef idx="2">
+            <a:schemeClr val="accent1">
+              <a:shade val="50000"/>
+            </a:schemeClr>
+          </a:lnRef>
+          <a:fillRef idx="1">
+            <a:schemeClr val="accent1"/>
+          </a:fillRef>
+          <a:effectRef idx="0">
+            <a:schemeClr val="accent1"/>
+          </a:effectRef>
+          <a:fontRef idx="minor">
+            <a:schemeClr val="lt1"/>
+          </a:fontRef>
+        </p:style>
+        <p:txBody>
+          <a:bodyPr rtlCol="0" anchor="ctr"/>
+          <a:lstStyle/>
+          <a:p>
+            <a:pPr algn="ctr"/>
+            <a:endParaRPr lang="fr-FR"/>
+          </a:p>
+        </p:txBody>
+      </p:sp>
+      <p:sp>
+        <p:nvSpPr>
+          <p:cNvPr id="65" name="Ellipse 64"/>
+          <p:cNvSpPr/>
+          <p:nvPr/>
+        </p:nvSpPr>
+        <p:spPr>
+          <a:xfrm>
+            <a:off x="3045800" y="3010984"/>
+            <a:ext cx="648072" cy="648072"/>
+          </a:xfrm>
+          <a:prstGeom prst="ellipse">
+            <a:avLst/>
+          </a:prstGeom>
+          <a:noFill/>
+          <a:ln w="28575">
+            <a:solidFill>
+              <a:srgbClr val="7030A0"/>
+            </a:solidFill>
+          </a:ln>
+        </p:spPr>
+        <p:style>
+          <a:lnRef idx="2">
+            <a:schemeClr val="accent1">
+              <a:shade val="50000"/>
+            </a:schemeClr>
+          </a:lnRef>
+          <a:fillRef idx="1">
+            <a:schemeClr val="accent1"/>
+          </a:fillRef>
+          <a:effectRef idx="0">
+            <a:schemeClr val="accent1"/>
+          </a:effectRef>
+          <a:fontRef idx="minor">
+            <a:schemeClr val="lt1"/>
+          </a:fontRef>
+        </p:style>
+        <p:txBody>
+          <a:bodyPr rtlCol="0" anchor="ctr"/>
+          <a:lstStyle/>
+          <a:p>
+            <a:pPr algn="ctr"/>
+            <a:endParaRPr lang="fr-FR"/>
+          </a:p>
+        </p:txBody>
+      </p:sp>
+      <p:sp>
+        <p:nvSpPr>
+          <p:cNvPr id="66" name="Ellipse 65"/>
+          <p:cNvSpPr/>
+          <p:nvPr/>
+        </p:nvSpPr>
+        <p:spPr>
+          <a:xfrm>
+            <a:off x="2358286" y="4167879"/>
+            <a:ext cx="648072" cy="648072"/>
+          </a:xfrm>
+          <a:prstGeom prst="ellipse">
+            <a:avLst/>
+          </a:prstGeom>
+          <a:noFill/>
+          <a:ln w="28575">
+            <a:solidFill>
+              <a:srgbClr val="7030A0"/>
+            </a:solidFill>
+          </a:ln>
+        </p:spPr>
+        <p:style>
+          <a:lnRef idx="2">
+            <a:schemeClr val="accent1">
+              <a:shade val="50000"/>
+            </a:schemeClr>
+          </a:lnRef>
+          <a:fillRef idx="1">
+            <a:schemeClr val="accent1"/>
+          </a:fillRef>
+          <a:effectRef idx="0">
+            <a:schemeClr val="accent1"/>
+          </a:effectRef>
+          <a:fontRef idx="minor">
+            <a:schemeClr val="lt1"/>
+          </a:fontRef>
+        </p:style>
+        <p:txBody>
+          <a:bodyPr rtlCol="0" anchor="ctr"/>
+          <a:lstStyle/>
+          <a:p>
+            <a:pPr algn="ctr"/>
+            <a:endParaRPr lang="fr-FR"/>
+          </a:p>
+        </p:txBody>
+      </p:sp>
+      <p:sp>
+        <p:nvSpPr>
+          <p:cNvPr id="67" name="Ellipse 66"/>
+          <p:cNvSpPr/>
+          <p:nvPr/>
+        </p:nvSpPr>
+        <p:spPr>
+          <a:xfrm>
+            <a:off x="2915816" y="3659056"/>
+            <a:ext cx="908040" cy="908040"/>
+          </a:xfrm>
+          <a:prstGeom prst="ellipse">
+            <a:avLst/>
+          </a:prstGeom>
+          <a:noFill/>
+          <a:ln w="28575">
+            <a:solidFill>
+              <a:srgbClr val="00B050"/>
+            </a:solidFill>
+          </a:ln>
+        </p:spPr>
+        <p:style>
+          <a:lnRef idx="2">
+            <a:schemeClr val="accent1">
+              <a:shade val="50000"/>
+            </a:schemeClr>
+          </a:lnRef>
+          <a:fillRef idx="1">
+            <a:schemeClr val="accent1"/>
+          </a:fillRef>
+          <a:effectRef idx="0">
+            <a:schemeClr val="accent1"/>
+          </a:effectRef>
+          <a:fontRef idx="minor">
+            <a:schemeClr val="lt1"/>
+          </a:fontRef>
+        </p:style>
+        <p:txBody>
+          <a:bodyPr rtlCol="0" anchor="ctr"/>
+          <a:lstStyle/>
+          <a:p>
+            <a:pPr algn="ctr"/>
+            <a:endParaRPr lang="fr-FR"/>
+          </a:p>
+        </p:txBody>
+      </p:sp>
+      <p:sp>
+        <p:nvSpPr>
+          <p:cNvPr id="68" name="Ellipse 67"/>
+          <p:cNvSpPr/>
+          <p:nvPr/>
+        </p:nvSpPr>
+        <p:spPr>
+          <a:xfrm>
+            <a:off x="3714082" y="4179160"/>
+            <a:ext cx="648072" cy="648072"/>
+          </a:xfrm>
+          <a:prstGeom prst="ellipse">
+            <a:avLst/>
+          </a:prstGeom>
+          <a:noFill/>
+          <a:ln w="28575">
+            <a:solidFill>
+              <a:srgbClr val="7030A0"/>
+            </a:solidFill>
+          </a:ln>
+        </p:spPr>
+        <p:style>
+          <a:lnRef idx="2">
+            <a:schemeClr val="accent1">
+              <a:shade val="50000"/>
+            </a:schemeClr>
+          </a:lnRef>
+          <a:fillRef idx="1">
+            <a:schemeClr val="accent1"/>
+          </a:fillRef>
+          <a:effectRef idx="0">
+            <a:schemeClr val="accent1"/>
+          </a:effectRef>
+          <a:fontRef idx="minor">
+            <a:schemeClr val="lt1"/>
+          </a:fontRef>
+        </p:style>
+        <p:txBody>
+          <a:bodyPr rtlCol="0" anchor="ctr"/>
+          <a:lstStyle/>
+          <a:p>
+            <a:pPr algn="ctr"/>
+            <a:endParaRPr lang="fr-FR"/>
+          </a:p>
+        </p:txBody>
+      </p:sp>
+      <p:sp>
+        <p:nvSpPr>
+          <p:cNvPr id="71" name="Ellipse 70"/>
+          <p:cNvSpPr/>
+          <p:nvPr/>
+        </p:nvSpPr>
+        <p:spPr>
+          <a:xfrm>
+            <a:off x="3279276" y="3245020"/>
+            <a:ext cx="180000" cy="180000"/>
+          </a:xfrm>
+          <a:prstGeom prst="ellipse">
+            <a:avLst/>
+          </a:prstGeom>
+          <a:noFill/>
+          <a:ln w="28575">
+            <a:solidFill>
+              <a:srgbClr val="7030A0"/>
+            </a:solidFill>
+          </a:ln>
+        </p:spPr>
+        <p:style>
+          <a:lnRef idx="2">
+            <a:schemeClr val="accent1">
+              <a:shade val="50000"/>
+            </a:schemeClr>
+          </a:lnRef>
+          <a:fillRef idx="1">
+            <a:schemeClr val="accent1"/>
+          </a:fillRef>
+          <a:effectRef idx="0">
+            <a:schemeClr val="accent1"/>
+          </a:effectRef>
+          <a:fontRef idx="minor">
+            <a:schemeClr val="lt1"/>
+          </a:fontRef>
+        </p:style>
+        <p:txBody>
+          <a:bodyPr rtlCol="0" anchor="ctr"/>
+          <a:lstStyle/>
+          <a:p>
+            <a:pPr algn="ctr"/>
+            <a:endParaRPr lang="fr-FR">
+              <a:ln>
+                <a:solidFill>
+                  <a:sysClr val="windowText" lastClr="000000"/>
+                </a:solidFill>
+              </a:ln>
+            </a:endParaRPr>
+          </a:p>
+        </p:txBody>
+      </p:sp>
+      <p:sp>
+        <p:nvSpPr>
+          <p:cNvPr id="72" name="Ellipse 71"/>
+          <p:cNvSpPr/>
+          <p:nvPr/>
+        </p:nvSpPr>
+        <p:spPr>
+          <a:xfrm>
+            <a:off x="3948118" y="4413196"/>
+            <a:ext cx="180000" cy="180000"/>
+          </a:xfrm>
+          <a:prstGeom prst="ellipse">
+            <a:avLst/>
+          </a:prstGeom>
+          <a:noFill/>
+          <a:ln w="28575">
+            <a:solidFill>
+              <a:srgbClr val="7030A0"/>
+            </a:solidFill>
+          </a:ln>
+        </p:spPr>
+        <p:style>
+          <a:lnRef idx="2">
+            <a:schemeClr val="accent1">
+              <a:shade val="50000"/>
+            </a:schemeClr>
+          </a:lnRef>
+          <a:fillRef idx="1">
+            <a:schemeClr val="accent1"/>
+          </a:fillRef>
+          <a:effectRef idx="0">
+            <a:schemeClr val="accent1"/>
+          </a:effectRef>
+          <a:fontRef idx="minor">
+            <a:schemeClr val="lt1"/>
+          </a:fontRef>
+        </p:style>
+        <p:txBody>
+          <a:bodyPr rtlCol="0" anchor="ctr"/>
+          <a:lstStyle/>
+          <a:p>
+            <a:pPr algn="ctr"/>
+            <a:endParaRPr lang="fr-FR">
+              <a:ln>
+                <a:solidFill>
+                  <a:sysClr val="windowText" lastClr="000000"/>
+                </a:solidFill>
+              </a:ln>
+            </a:endParaRPr>
+          </a:p>
+        </p:txBody>
+      </p:sp>
+      <p:sp>
+        <p:nvSpPr>
+          <p:cNvPr id="73" name="Ellipse 72"/>
+          <p:cNvSpPr/>
+          <p:nvPr/>
+        </p:nvSpPr>
+        <p:spPr>
+          <a:xfrm>
+            <a:off x="2592322" y="4413196"/>
+            <a:ext cx="180000" cy="180000"/>
+          </a:xfrm>
+          <a:prstGeom prst="ellipse">
+            <a:avLst/>
+          </a:prstGeom>
+          <a:noFill/>
+          <a:ln w="28575">
+            <a:solidFill>
+              <a:srgbClr val="7030A0"/>
+            </a:solidFill>
+          </a:ln>
+        </p:spPr>
+        <p:style>
+          <a:lnRef idx="2">
+            <a:schemeClr val="accent1">
+              <a:shade val="50000"/>
+            </a:schemeClr>
+          </a:lnRef>
+          <a:fillRef idx="1">
+            <a:schemeClr val="accent1"/>
+          </a:fillRef>
+          <a:effectRef idx="0">
+            <a:schemeClr val="accent1"/>
+          </a:effectRef>
+          <a:fontRef idx="minor">
+            <a:schemeClr val="lt1"/>
+          </a:fontRef>
+        </p:style>
+        <p:txBody>
+          <a:bodyPr rtlCol="0" anchor="ctr"/>
+          <a:lstStyle/>
+          <a:p>
+            <a:pPr algn="ctr"/>
+            <a:endParaRPr lang="fr-FR">
+              <a:ln>
+                <a:solidFill>
+                  <a:sysClr val="windowText" lastClr="000000"/>
+                </a:solidFill>
+              </a:ln>
+            </a:endParaRPr>
+          </a:p>
+        </p:txBody>
+      </p:sp>
+      <p:cxnSp>
+        <p:nvCxnSpPr>
+          <p:cNvPr id="74" name="Connecteur droit 73"/>
+          <p:cNvCxnSpPr>
+            <a:stCxn id="70" idx="5"/>
+            <a:endCxn id="72" idx="2"/>
+          </p:cNvCxnSpPr>
+          <p:nvPr/>
+        </p:nvCxnSpPr>
+        <p:spPr>
+          <a:xfrm>
+            <a:off x="3433476" y="4182880"/>
+            <a:ext cx="514642" cy="320316"/>
+          </a:xfrm>
+          <a:prstGeom prst="line">
+            <a:avLst/>
+          </a:prstGeom>
+          <a:ln w="28575">
+            <a:solidFill>
+              <a:srgbClr val="0070C0"/>
+            </a:solidFill>
+          </a:ln>
+        </p:spPr>
+        <p:style>
+          <a:lnRef idx="1">
+            <a:schemeClr val="accent1"/>
+          </a:lnRef>
+          <a:fillRef idx="0">
+            <a:schemeClr val="accent1"/>
+          </a:fillRef>
+          <a:effectRef idx="0">
+            <a:schemeClr val="accent1"/>
+          </a:effectRef>
+          <a:fontRef idx="minor">
+            <a:schemeClr val="tx1"/>
+          </a:fontRef>
+        </p:style>
+      </p:cxnSp>
+      <p:cxnSp>
+        <p:nvCxnSpPr>
+          <p:cNvPr id="77" name="Connecteur droit 76"/>
+          <p:cNvCxnSpPr>
+            <a:stCxn id="71" idx="4"/>
+            <a:endCxn id="70" idx="0"/>
+          </p:cNvCxnSpPr>
+          <p:nvPr/>
+        </p:nvCxnSpPr>
+        <p:spPr>
+          <a:xfrm>
+            <a:off x="3369276" y="3425020"/>
+            <a:ext cx="560" cy="604220"/>
+          </a:xfrm>
+          <a:prstGeom prst="line">
+            <a:avLst/>
+          </a:prstGeom>
+          <a:ln w="28575">
+            <a:solidFill>
+              <a:srgbClr val="0070C0"/>
+            </a:solidFill>
+          </a:ln>
+        </p:spPr>
+        <p:style>
+          <a:lnRef idx="1">
+            <a:schemeClr val="accent1"/>
+          </a:lnRef>
+          <a:fillRef idx="0">
+            <a:schemeClr val="accent1"/>
+          </a:fillRef>
+          <a:effectRef idx="0">
+            <a:schemeClr val="accent1"/>
+          </a:effectRef>
+          <a:fontRef idx="minor">
+            <a:schemeClr val="tx1"/>
+          </a:fontRef>
+        </p:style>
+      </p:cxnSp>
+      <p:cxnSp>
+        <p:nvCxnSpPr>
+          <p:cNvPr id="84" name="Connecteur droit 83"/>
+          <p:cNvCxnSpPr>
+            <a:stCxn id="70" idx="3"/>
+            <a:endCxn id="73" idx="6"/>
+          </p:cNvCxnSpPr>
+          <p:nvPr/>
+        </p:nvCxnSpPr>
+        <p:spPr>
+          <a:xfrm flipH="1">
+            <a:off x="2772322" y="4182880"/>
+            <a:ext cx="533874" cy="320316"/>
+          </a:xfrm>
+          <a:prstGeom prst="line">
+            <a:avLst/>
+          </a:prstGeom>
+          <a:ln w="28575">
+            <a:solidFill>
+              <a:srgbClr val="0070C0"/>
+            </a:solidFill>
+          </a:ln>
+        </p:spPr>
+        <p:style>
+          <a:lnRef idx="1">
+            <a:schemeClr val="accent1"/>
+          </a:lnRef>
+          <a:fillRef idx="0">
+            <a:schemeClr val="accent1"/>
+          </a:fillRef>
+          <a:effectRef idx="0">
+            <a:schemeClr val="accent1"/>
+          </a:effectRef>
+          <a:fontRef idx="minor">
+            <a:schemeClr val="tx1"/>
+          </a:fontRef>
+        </p:style>
+      </p:cxnSp>
+      <p:sp>
+        <p:nvSpPr>
+          <p:cNvPr id="87" name="Rectangle 86"/>
+          <p:cNvSpPr/>
+          <p:nvPr/>
+        </p:nvSpPr>
+        <p:spPr>
+          <a:xfrm rot="5400000">
+            <a:off x="3279276" y="5264401"/>
+            <a:ext cx="180000" cy="360000"/>
+          </a:xfrm>
+          <a:prstGeom prst="rect">
+            <a:avLst/>
+          </a:prstGeom>
+          <a:pattFill prst="dkUpDiag">
+            <a:fgClr>
+              <a:schemeClr val="tx1"/>
+            </a:fgClr>
+            <a:bgClr>
+              <a:schemeClr val="bg1"/>
+            </a:bgClr>
+          </a:pattFill>
+          <a:ln w="28575">
+            <a:noFill/>
+          </a:ln>
+        </p:spPr>
+        <p:style>
+          <a:lnRef idx="2">
+            <a:schemeClr val="accent1">
+              <a:shade val="50000"/>
+            </a:schemeClr>
+          </a:lnRef>
+          <a:fillRef idx="1">
+            <a:schemeClr val="accent1"/>
+          </a:fillRef>
+          <a:effectRef idx="0">
+            <a:schemeClr val="accent1"/>
+          </a:effectRef>
+          <a:fontRef idx="minor">
+            <a:schemeClr val="lt1"/>
+          </a:fontRef>
+        </p:style>
+        <p:txBody>
+          <a:bodyPr rtlCol="0" anchor="ctr"/>
+          <a:lstStyle/>
+          <a:p>
+            <a:pPr algn="ctr"/>
+            <a:endParaRPr lang="fr-FR"/>
+          </a:p>
+        </p:txBody>
+      </p:sp>
+      <p:cxnSp>
+        <p:nvCxnSpPr>
+          <p:cNvPr id="88" name="Connecteur droit 87"/>
+          <p:cNvCxnSpPr/>
+          <p:nvPr/>
+        </p:nvCxnSpPr>
+        <p:spPr>
+          <a:xfrm>
+            <a:off x="3189276" y="5354401"/>
+            <a:ext cx="360000" cy="0"/>
+          </a:xfrm>
+          <a:prstGeom prst="line">
+            <a:avLst/>
+          </a:prstGeom>
+          <a:ln w="28575">
+            <a:solidFill>
+              <a:schemeClr val="tx1"/>
+            </a:solidFill>
+          </a:ln>
+        </p:spPr>
+        <p:style>
+          <a:lnRef idx="1">
+            <a:schemeClr val="accent1"/>
+          </a:lnRef>
+          <a:fillRef idx="0">
+            <a:schemeClr val="accent1"/>
+          </a:fillRef>
+          <a:effectRef idx="0">
+            <a:schemeClr val="accent1"/>
+          </a:effectRef>
+          <a:fontRef idx="minor">
+            <a:schemeClr val="tx1"/>
+          </a:fontRef>
+        </p:style>
+      </p:cxnSp>
+      <p:cxnSp>
+        <p:nvCxnSpPr>
+          <p:cNvPr id="89" name="Connecteur droit 88"/>
+          <p:cNvCxnSpPr/>
+          <p:nvPr/>
+        </p:nvCxnSpPr>
+        <p:spPr>
+          <a:xfrm>
+            <a:off x="3369276" y="5210385"/>
+            <a:ext cx="0" cy="144016"/>
+          </a:xfrm>
+          <a:prstGeom prst="line">
+            <a:avLst/>
+          </a:prstGeom>
+          <a:ln w="28575">
+            <a:solidFill>
+              <a:schemeClr val="tx1"/>
+            </a:solidFill>
+          </a:ln>
+        </p:spPr>
+        <p:style>
+          <a:lnRef idx="1">
+            <a:schemeClr val="accent1"/>
+          </a:lnRef>
+          <a:fillRef idx="0">
+            <a:schemeClr val="accent1"/>
+          </a:fillRef>
+          <a:effectRef idx="0">
+            <a:schemeClr val="accent1"/>
+          </a:effectRef>
+          <a:fontRef idx="minor">
+            <a:schemeClr val="tx1"/>
+          </a:fontRef>
+        </p:style>
+      </p:cxnSp>
+      <p:cxnSp>
+        <p:nvCxnSpPr>
+          <p:cNvPr id="93" name="Connecteur droit 92"/>
+          <p:cNvCxnSpPr>
+            <a:stCxn id="70" idx="4"/>
+            <a:endCxn id="67" idx="4"/>
+          </p:cNvCxnSpPr>
+          <p:nvPr/>
+        </p:nvCxnSpPr>
+        <p:spPr>
+          <a:xfrm>
+            <a:off x="3369836" y="4209240"/>
+            <a:ext cx="0" cy="357856"/>
+          </a:xfrm>
+          <a:prstGeom prst="line">
+            <a:avLst/>
+          </a:prstGeom>
+          <a:ln w="28575">
+            <a:solidFill>
+              <a:srgbClr val="00B050"/>
+            </a:solidFill>
+          </a:ln>
+        </p:spPr>
+        <p:style>
+          <a:lnRef idx="1">
+            <a:schemeClr val="accent1"/>
+          </a:lnRef>
+          <a:fillRef idx="0">
+            <a:schemeClr val="accent1"/>
+          </a:fillRef>
+          <a:effectRef idx="0">
+            <a:schemeClr val="accent1"/>
+          </a:effectRef>
+          <a:fontRef idx="minor">
+            <a:schemeClr val="tx1"/>
+          </a:fontRef>
+        </p:style>
+      </p:cxnSp>
+      <p:sp>
+        <p:nvSpPr>
+          <p:cNvPr id="70" name="Ellipse 69"/>
+          <p:cNvSpPr/>
+          <p:nvPr/>
+        </p:nvSpPr>
+        <p:spPr>
+          <a:xfrm>
+            <a:off x="3279836" y="4029240"/>
+            <a:ext cx="180000" cy="180000"/>
+          </a:xfrm>
+          <a:prstGeom prst="ellipse">
+            <a:avLst/>
+          </a:prstGeom>
+          <a:noFill/>
+          <a:ln w="28575">
+            <a:solidFill>
+              <a:schemeClr val="tx1"/>
+            </a:solidFill>
+          </a:ln>
+        </p:spPr>
+        <p:style>
+          <a:lnRef idx="2">
+            <a:schemeClr val="accent1">
+              <a:shade val="50000"/>
+            </a:schemeClr>
+          </a:lnRef>
+          <a:fillRef idx="1">
+            <a:schemeClr val="accent1"/>
+          </a:fillRef>
+          <a:effectRef idx="0">
+            <a:schemeClr val="accent1"/>
+          </a:effectRef>
+          <a:fontRef idx="minor">
+            <a:schemeClr val="lt1"/>
+          </a:fontRef>
+        </p:style>
+        <p:txBody>
+          <a:bodyPr rtlCol="0" anchor="ctr"/>
+          <a:lstStyle/>
+          <a:p>
+            <a:pPr algn="ctr"/>
+            <a:endParaRPr lang="fr-FR">
+              <a:ln>
+                <a:solidFill>
+                  <a:sysClr val="windowText" lastClr="000000"/>
+                </a:solidFill>
+              </a:ln>
+            </a:endParaRPr>
+          </a:p>
+        </p:txBody>
+      </p:sp>
+      <p:sp>
+        <p:nvSpPr>
+          <p:cNvPr id="96" name="Ellipse 95"/>
+          <p:cNvSpPr/>
+          <p:nvPr/>
+        </p:nvSpPr>
+        <p:spPr>
+          <a:xfrm>
+            <a:off x="5663076" y="2906952"/>
+            <a:ext cx="180000" cy="180000"/>
+          </a:xfrm>
+          <a:prstGeom prst="ellipse">
+            <a:avLst/>
+          </a:prstGeom>
+          <a:noFill/>
+          <a:ln w="12700">
+            <a:solidFill>
+              <a:srgbClr val="7030A0"/>
+            </a:solidFill>
+          </a:ln>
+        </p:spPr>
+        <p:style>
+          <a:lnRef idx="2">
+            <a:schemeClr val="accent1">
+              <a:shade val="50000"/>
+            </a:schemeClr>
+          </a:lnRef>
+          <a:fillRef idx="1">
+            <a:schemeClr val="accent1"/>
+          </a:fillRef>
+          <a:effectRef idx="0">
+            <a:schemeClr val="accent1"/>
+          </a:effectRef>
+          <a:fontRef idx="minor">
+            <a:schemeClr val="lt1"/>
+          </a:fontRef>
+        </p:style>
+        <p:txBody>
+          <a:bodyPr rtlCol="0" anchor="ctr"/>
+          <a:lstStyle/>
+          <a:p>
+            <a:pPr algn="ctr"/>
+            <a:r>
+              <a:rPr lang="fr-FR" sz="1100" dirty="0">
+                <a:solidFill>
+                  <a:srgbClr val="7030A0"/>
+                </a:solidFill>
+              </a:rPr>
+              <a:t>2</a:t>
+            </a:r>
+            <a:endParaRPr lang="fr-FR" sz="1100" dirty="0">
+              <a:solidFill>
+                <a:srgbClr val="7030A0"/>
+              </a:solidFill>
+            </a:endParaRPr>
+          </a:p>
+        </p:txBody>
+      </p:sp>
+      <p:sp>
+        <p:nvSpPr>
+          <p:cNvPr id="97" name="Ellipse 96"/>
+          <p:cNvSpPr/>
+          <p:nvPr/>
+        </p:nvSpPr>
+        <p:spPr>
+          <a:xfrm>
+            <a:off x="5483191" y="4023076"/>
+            <a:ext cx="180000" cy="180000"/>
+          </a:xfrm>
+          <a:prstGeom prst="ellipse">
+            <a:avLst/>
+          </a:prstGeom>
+          <a:noFill/>
+          <a:ln w="12700">
+            <a:solidFill>
+              <a:srgbClr val="00B050"/>
+            </a:solidFill>
+          </a:ln>
+        </p:spPr>
+        <p:style>
+          <a:lnRef idx="2">
+            <a:schemeClr val="accent1">
+              <a:shade val="50000"/>
+            </a:schemeClr>
+          </a:lnRef>
+          <a:fillRef idx="1">
+            <a:schemeClr val="accent1"/>
+          </a:fillRef>
+          <a:effectRef idx="0">
+            <a:schemeClr val="accent1"/>
+          </a:effectRef>
+          <a:fontRef idx="minor">
+            <a:schemeClr val="lt1"/>
+          </a:fontRef>
+        </p:style>
+        <p:txBody>
+          <a:bodyPr rtlCol="0" anchor="ctr"/>
+          <a:lstStyle/>
+          <a:p>
+            <a:pPr algn="ctr"/>
+            <a:r>
+              <a:rPr lang="fr-FR" sz="1100" dirty="0" smtClean="0">
+                <a:solidFill>
+                  <a:srgbClr val="00B050"/>
+                </a:solidFill>
+              </a:rPr>
+              <a:t>1</a:t>
+            </a:r>
+            <a:endParaRPr lang="fr-FR" sz="1100" dirty="0">
+              <a:solidFill>
+                <a:srgbClr val="00B050"/>
+              </a:solidFill>
+            </a:endParaRPr>
+          </a:p>
+        </p:txBody>
+      </p:sp>
+      <p:sp>
+        <p:nvSpPr>
+          <p:cNvPr id="98" name="Ellipse 97"/>
+          <p:cNvSpPr/>
+          <p:nvPr/>
+        </p:nvSpPr>
+        <p:spPr>
+          <a:xfrm>
+            <a:off x="6744556" y="3893773"/>
+            <a:ext cx="180000" cy="180000"/>
+          </a:xfrm>
+          <a:prstGeom prst="ellipse">
+            <a:avLst/>
+          </a:prstGeom>
+          <a:noFill/>
+          <a:ln w="12700">
+            <a:solidFill>
+              <a:srgbClr val="0070C0"/>
+            </a:solidFill>
+          </a:ln>
+        </p:spPr>
+        <p:style>
+          <a:lnRef idx="2">
+            <a:schemeClr val="accent1">
+              <a:shade val="50000"/>
+            </a:schemeClr>
+          </a:lnRef>
+          <a:fillRef idx="1">
+            <a:schemeClr val="accent1"/>
+          </a:fillRef>
+          <a:effectRef idx="0">
+            <a:schemeClr val="accent1"/>
+          </a:effectRef>
+          <a:fontRef idx="minor">
+            <a:schemeClr val="lt1"/>
+          </a:fontRef>
+        </p:style>
+        <p:txBody>
+          <a:bodyPr rtlCol="0" anchor="ctr"/>
+          <a:lstStyle/>
+          <a:p>
+            <a:pPr algn="ctr"/>
+            <a:r>
+              <a:rPr lang="fr-FR" sz="1100" b="1" dirty="0">
+                <a:solidFill>
+                  <a:srgbClr val="0070C0"/>
+                </a:solidFill>
+              </a:rPr>
+              <a:t>3</a:t>
+            </a:r>
+            <a:endParaRPr lang="fr-FR" sz="1100" b="1" dirty="0">
+              <a:solidFill>
+                <a:srgbClr val="0070C0"/>
+              </a:solidFill>
+            </a:endParaRPr>
+          </a:p>
+        </p:txBody>
+      </p:sp>
+      <p:sp>
+        <p:nvSpPr>
+          <p:cNvPr id="99" name="Ellipse 98"/>
+          <p:cNvSpPr/>
+          <p:nvPr/>
+        </p:nvSpPr>
+        <p:spPr>
+          <a:xfrm>
+            <a:off x="6120152" y="5229200"/>
+            <a:ext cx="180000" cy="180000"/>
+          </a:xfrm>
+          <a:prstGeom prst="ellipse">
+            <a:avLst/>
+          </a:prstGeom>
+          <a:noFill/>
+          <a:ln w="12700">
+            <a:solidFill>
+              <a:schemeClr val="tx1"/>
+            </a:solidFill>
+          </a:ln>
+        </p:spPr>
+        <p:style>
+          <a:lnRef idx="2">
+            <a:schemeClr val="accent1">
+              <a:shade val="50000"/>
+            </a:schemeClr>
+          </a:lnRef>
+          <a:fillRef idx="1">
+            <a:schemeClr val="accent1"/>
+          </a:fillRef>
+          <a:effectRef idx="0">
+            <a:schemeClr val="accent1"/>
+          </a:effectRef>
+          <a:fontRef idx="minor">
+            <a:schemeClr val="lt1"/>
+          </a:fontRef>
+        </p:style>
+        <p:txBody>
+          <a:bodyPr rtlCol="0" anchor="ctr"/>
+          <a:lstStyle/>
+          <a:p>
+            <a:pPr algn="ctr"/>
+            <a:r>
+              <a:rPr lang="fr-FR" sz="1100" b="1" dirty="0">
+                <a:solidFill>
+                  <a:schemeClr val="tx1"/>
+                </a:solidFill>
+              </a:rPr>
+              <a:t>0</a:t>
+            </a:r>
+            <a:endParaRPr lang="fr-FR" sz="1100" b="1" dirty="0">
+              <a:solidFill>
+                <a:schemeClr val="tx1"/>
+              </a:solidFill>
+            </a:endParaRPr>
+          </a:p>
+        </p:txBody>
+      </p:sp>
+      <mc:AlternateContent xmlns:mc="http://schemas.openxmlformats.org/markup-compatibility/2006">
+        <mc:Choice xmlns:a14="http://schemas.microsoft.com/office/drawing/2010/main" Requires="a14">
+          <p:sp>
+            <p:nvSpPr>
+              <p:cNvPr id="100" name="ZoneTexte 99"/>
+              <p:cNvSpPr txBox="1"/>
+              <p:nvPr/>
+            </p:nvSpPr>
+            <p:spPr>
+              <a:xfrm>
+                <a:off x="7524328" y="3827823"/>
+                <a:ext cx="362022" cy="276999"/>
+              </a:xfrm>
+              <a:prstGeom prst="rect">
+                <a:avLst/>
+              </a:prstGeom>
+              <a:noFill/>
+              <a:ln>
+                <a:noFill/>
+              </a:ln>
+            </p:spPr>
+            <p:txBody>
+              <a:bodyPr wrap="none" rtlCol="0">
+                <a:spAutoFit/>
+              </a:bodyPr>
+              <a:lstStyle/>
+              <a:p>
+                <a:pPr/>
+                <a14:m>
+                  <m:oMathPara xmlns:m="http://schemas.openxmlformats.org/officeDocument/2006/math">
+                    <m:oMathParaPr>
+                      <m:jc m:val="centerGroup"/>
+                    </m:oMathParaPr>
+                    <m:oMath xmlns:m="http://schemas.openxmlformats.org/officeDocument/2006/math">
+                      <m:acc>
+                        <m:accPr>
+                          <m:chr m:val="⃗"/>
+                          <m:ctrlPr>
+                            <a:rPr lang="fr-FR" sz="1200" b="0" i="1" smtClean="0">
+                              <a:latin typeface="Cambria Math"/>
+                            </a:rPr>
+                          </m:ctrlPr>
+                        </m:accPr>
+                        <m:e>
+                          <m:sSub>
+                            <m:sSubPr>
+                              <m:ctrlPr>
+                                <a:rPr lang="fr-FR" sz="1200" i="1">
+                                  <a:latin typeface="Cambria Math"/>
+                                </a:rPr>
+                              </m:ctrlPr>
+                            </m:sSubPr>
+                            <m:e>
+                              <m:r>
+                                <a:rPr lang="fr-FR" sz="1200" b="0" i="1" smtClean="0">
+                                  <a:latin typeface="Cambria Math"/>
+                                </a:rPr>
+                                <m:t>𝑧</m:t>
+                              </m:r>
+                            </m:e>
+                            <m:sub>
+                              <m:r>
+                                <a:rPr lang="fr-FR" sz="1200" i="1">
+                                  <a:latin typeface="Cambria Math"/>
+                                </a:rPr>
+                                <m:t>0</m:t>
+                              </m:r>
+                            </m:sub>
+                          </m:sSub>
+                        </m:e>
+                      </m:acc>
+                    </m:oMath>
+                  </m:oMathPara>
+                </a14:m>
+                <a:endParaRPr lang="fr-FR" sz="1200" dirty="0"/>
+              </a:p>
+            </p:txBody>
+          </p:sp>
+        </mc:Choice>
+        <mc:Fallback>
+          <p:sp>
+            <p:nvSpPr>
+              <p:cNvPr id="100" name="ZoneTexte 99"/>
+              <p:cNvSpPr txBox="1">
+                <a:spLocks noRot="1" noChangeAspect="1" noMove="1" noResize="1" noEditPoints="1" noAdjustHandles="1" noChangeArrowheads="1" noChangeShapeType="1" noTextEdit="1"/>
+              </p:cNvSpPr>
+              <p:nvPr/>
+            </p:nvSpPr>
+            <p:spPr>
+              <a:xfrm>
+                <a:off x="7524328" y="3827823"/>
+                <a:ext cx="362022" cy="276999"/>
+              </a:xfrm>
+              <a:prstGeom prst="rect">
+                <a:avLst/>
+              </a:prstGeom>
+              <a:blipFill rotWithShape="1">
+                <a:blip r:embed="rId3"/>
+                <a:stretch>
+                  <a:fillRect/>
+                </a:stretch>
+              </a:blipFill>
+              <a:ln>
+                <a:noFill/>
+              </a:ln>
+            </p:spPr>
+            <p:txBody>
+              <a:bodyPr/>
+              <a:lstStyle/>
+              <a:p>
+                <a:r>
+                  <a:rPr lang="fr-FR">
+                    <a:noFill/>
+                  </a:rPr>
+                  <a:t> </a:t>
+                </a:r>
+              </a:p>
+            </p:txBody>
+          </p:sp>
+        </mc:Fallback>
+      </mc:AlternateContent>
+      <p:grpSp>
+        <p:nvGrpSpPr>
+          <p:cNvPr id="101" name="Groupe 100"/>
+          <p:cNvGrpSpPr/>
+          <p:nvPr/>
+        </p:nvGrpSpPr>
+        <p:grpSpPr>
+          <a:xfrm>
+            <a:off x="7000799" y="3389872"/>
+            <a:ext cx="728597" cy="728598"/>
+            <a:chOff x="971600" y="1969039"/>
+            <a:chExt cx="728597" cy="728598"/>
+          </a:xfrm>
+        </p:grpSpPr>
+        <p:cxnSp>
+          <p:nvCxnSpPr>
+            <p:cNvPr id="102" name="Connecteur droit avec flèche 101"/>
+            <p:cNvCxnSpPr/>
+            <p:nvPr/>
+          </p:nvCxnSpPr>
+          <p:spPr>
+            <a:xfrm flipV="1">
+              <a:off x="971600" y="1969039"/>
+              <a:ext cx="0" cy="728597"/>
+            </a:xfrm>
+            <a:prstGeom prst="straightConnector1">
+              <a:avLst/>
+            </a:prstGeom>
+            <a:ln w="19050">
+              <a:solidFill>
+                <a:schemeClr val="tx1"/>
+              </a:solidFill>
+              <a:tailEnd type="stealth" w="med" len="lg"/>
+            </a:ln>
+          </p:spPr>
+          <p:style>
+            <a:lnRef idx="1">
+              <a:schemeClr val="accent1"/>
+            </a:lnRef>
+            <a:fillRef idx="0">
+              <a:schemeClr val="accent1"/>
+            </a:fillRef>
+            <a:effectRef idx="0">
+              <a:schemeClr val="accent1"/>
+            </a:effectRef>
+            <a:fontRef idx="minor">
+              <a:schemeClr val="tx1"/>
+            </a:fontRef>
+          </p:style>
+        </p:cxnSp>
+        <p:cxnSp>
+          <p:nvCxnSpPr>
+            <p:cNvPr id="103" name="Connecteur droit avec flèche 102"/>
+            <p:cNvCxnSpPr/>
+            <p:nvPr/>
+          </p:nvCxnSpPr>
+          <p:spPr>
+            <a:xfrm rot="5400000" flipV="1">
+              <a:off x="1335899" y="2333338"/>
+              <a:ext cx="0" cy="728597"/>
+            </a:xfrm>
+            <a:prstGeom prst="straightConnector1">
+              <a:avLst/>
+            </a:prstGeom>
+            <a:ln w="19050">
+              <a:solidFill>
+                <a:schemeClr val="tx1"/>
+              </a:solidFill>
+              <a:tailEnd type="stealth" w="med" len="lg"/>
+            </a:ln>
+          </p:spPr>
+          <p:style>
+            <a:lnRef idx="1">
+              <a:schemeClr val="accent1"/>
+            </a:lnRef>
+            <a:fillRef idx="0">
+              <a:schemeClr val="accent1"/>
+            </a:fillRef>
+            <a:effectRef idx="0">
+              <a:schemeClr val="accent1"/>
+            </a:effectRef>
+            <a:fontRef idx="minor">
+              <a:schemeClr val="tx1"/>
+            </a:fontRef>
+          </p:style>
+        </p:cxnSp>
+      </p:grpSp>
+      <mc:AlternateContent xmlns:mc="http://schemas.openxmlformats.org/markup-compatibility/2006">
+        <mc:Choice xmlns:a14="http://schemas.microsoft.com/office/drawing/2010/main" Requires="a14">
+          <p:sp>
+            <p:nvSpPr>
+              <p:cNvPr id="104" name="ZoneTexte 103"/>
+              <p:cNvSpPr txBox="1"/>
+              <p:nvPr/>
+            </p:nvSpPr>
+            <p:spPr>
+              <a:xfrm>
+                <a:off x="7003201" y="3289872"/>
+                <a:ext cx="372346" cy="276999"/>
+              </a:xfrm>
+              <a:prstGeom prst="rect">
+                <a:avLst/>
+              </a:prstGeom>
+              <a:noFill/>
+              <a:ln>
+                <a:noFill/>
+              </a:ln>
+            </p:spPr>
+            <p:txBody>
+              <a:bodyPr wrap="none" rtlCol="0">
+                <a:spAutoFit/>
+              </a:bodyPr>
+              <a:lstStyle/>
+              <a:p>
+                <a:pPr/>
+                <a14:m>
+                  <m:oMathPara xmlns:m="http://schemas.openxmlformats.org/officeDocument/2006/math">
+                    <m:oMathParaPr>
+                      <m:jc m:val="centerGroup"/>
+                    </m:oMathParaPr>
+                    <m:oMath xmlns:m="http://schemas.openxmlformats.org/officeDocument/2006/math">
+                      <m:acc>
+                        <m:accPr>
+                          <m:chr m:val="⃗"/>
+                          <m:ctrlPr>
+                            <a:rPr lang="fr-FR" sz="1200" b="0" i="1" smtClean="0">
+                              <a:latin typeface="Cambria Math"/>
+                            </a:rPr>
+                          </m:ctrlPr>
+                        </m:accPr>
+                        <m:e>
+                          <m:sSub>
+                            <m:sSubPr>
+                              <m:ctrlPr>
+                                <a:rPr lang="fr-FR" sz="1200" i="1">
+                                  <a:latin typeface="Cambria Math"/>
+                                </a:rPr>
+                              </m:ctrlPr>
+                            </m:sSubPr>
+                            <m:e>
+                              <m:r>
+                                <a:rPr lang="fr-FR" sz="1200" b="0" i="1" smtClean="0">
+                                  <a:latin typeface="Cambria Math"/>
+                                </a:rPr>
+                                <m:t>𝑥</m:t>
+                              </m:r>
+                            </m:e>
+                            <m:sub>
+                              <m:r>
+                                <a:rPr lang="fr-FR" sz="1200" i="1">
+                                  <a:latin typeface="Cambria Math"/>
+                                </a:rPr>
+                                <m:t>0</m:t>
+                              </m:r>
+                            </m:sub>
+                          </m:sSub>
+                        </m:e>
+                      </m:acc>
+                    </m:oMath>
+                  </m:oMathPara>
+                </a14:m>
+                <a:endParaRPr lang="fr-FR" sz="1200" dirty="0"/>
+              </a:p>
+            </p:txBody>
+          </p:sp>
+        </mc:Choice>
+        <mc:Fallback>
+          <p:sp>
+            <p:nvSpPr>
+              <p:cNvPr id="104" name="ZoneTexte 103"/>
+              <p:cNvSpPr txBox="1">
+                <a:spLocks noRot="1" noChangeAspect="1" noMove="1" noResize="1" noEditPoints="1" noAdjustHandles="1" noChangeArrowheads="1" noChangeShapeType="1" noTextEdit="1"/>
+              </p:cNvSpPr>
+              <p:nvPr/>
+            </p:nvSpPr>
+            <p:spPr>
+              <a:xfrm>
+                <a:off x="7003201" y="3289872"/>
+                <a:ext cx="372346" cy="276999"/>
+              </a:xfrm>
+              <a:prstGeom prst="rect">
+                <a:avLst/>
+              </a:prstGeom>
+              <a:blipFill rotWithShape="1">
+                <a:blip r:embed="rId4"/>
+                <a:stretch>
+                  <a:fillRect/>
+                </a:stretch>
+              </a:blipFill>
+              <a:ln>
+                <a:noFill/>
+              </a:ln>
+            </p:spPr>
+            <p:txBody>
+              <a:bodyPr/>
+              <a:lstStyle/>
+              <a:p>
+                <a:r>
+                  <a:rPr lang="fr-FR">
+                    <a:noFill/>
+                  </a:rPr>
+                  <a:t> </a:t>
+                </a:r>
+              </a:p>
+            </p:txBody>
+          </p:sp>
+        </mc:Fallback>
+      </mc:AlternateContent>
+      <mc:AlternateContent xmlns:mc="http://schemas.openxmlformats.org/markup-compatibility/2006">
+        <mc:Choice xmlns:a14="http://schemas.microsoft.com/office/drawing/2010/main" Requires="a14">
+          <p:sp>
+            <p:nvSpPr>
+              <p:cNvPr id="105" name="ZoneTexte 104"/>
+              <p:cNvSpPr txBox="1"/>
+              <p:nvPr/>
+            </p:nvSpPr>
+            <p:spPr>
+              <a:xfrm>
+                <a:off x="3059832" y="3902161"/>
+                <a:ext cx="327910" cy="276999"/>
+              </a:xfrm>
+              <a:prstGeom prst="rect">
+                <a:avLst/>
+              </a:prstGeom>
+              <a:noFill/>
+            </p:spPr>
+            <p:txBody>
+              <a:bodyPr wrap="none" rtlCol="0">
+                <a:spAutoFit/>
+              </a:bodyPr>
+              <a:lstStyle/>
+              <a:p>
+                <a:pPr/>
+                <a14:m>
+                  <m:oMathPara xmlns:m="http://schemas.openxmlformats.org/officeDocument/2006/math">
+                    <m:oMathParaPr>
+                      <m:jc m:val="centerGroup"/>
+                    </m:oMathParaPr>
+                    <m:oMath xmlns:m="http://schemas.openxmlformats.org/officeDocument/2006/math">
+                      <m:r>
+                        <a:rPr lang="fr-FR" sz="1200" b="0" i="1" smtClean="0">
+                          <a:latin typeface="Cambria Math"/>
+                        </a:rPr>
+                        <m:t>𝑂</m:t>
+                      </m:r>
+                    </m:oMath>
+                  </m:oMathPara>
+                </a14:m>
+                <a:endParaRPr lang="fr-FR" sz="1200" dirty="0"/>
+              </a:p>
+            </p:txBody>
+          </p:sp>
+        </mc:Choice>
+        <mc:Fallback>
+          <p:sp>
+            <p:nvSpPr>
+              <p:cNvPr id="105" name="ZoneTexte 104"/>
+              <p:cNvSpPr txBox="1">
+                <a:spLocks noRot="1" noChangeAspect="1" noMove="1" noResize="1" noEditPoints="1" noAdjustHandles="1" noChangeArrowheads="1" noChangeShapeType="1" noTextEdit="1"/>
+              </p:cNvSpPr>
+              <p:nvPr/>
+            </p:nvSpPr>
+            <p:spPr>
+              <a:xfrm>
+                <a:off x="3059832" y="3902161"/>
+                <a:ext cx="327910" cy="276999"/>
+              </a:xfrm>
+              <a:prstGeom prst="rect">
+                <a:avLst/>
+              </a:prstGeom>
+              <a:blipFill rotWithShape="1">
+                <a:blip r:embed="rId5"/>
+                <a:stretch>
+                  <a:fillRect/>
+                </a:stretch>
+              </a:blipFill>
+            </p:spPr>
+            <p:txBody>
+              <a:bodyPr/>
+              <a:lstStyle/>
+              <a:p>
+                <a:r>
+                  <a:rPr lang="fr-FR">
+                    <a:noFill/>
+                  </a:rPr>
+                  <a:t> </a:t>
+                </a:r>
+              </a:p>
+            </p:txBody>
+          </p:sp>
+        </mc:Fallback>
+      </mc:AlternateContent>
+      <mc:AlternateContent xmlns:mc="http://schemas.openxmlformats.org/markup-compatibility/2006">
+        <mc:Choice xmlns:a14="http://schemas.microsoft.com/office/drawing/2010/main" Requires="a14">
+          <p:sp>
+            <p:nvSpPr>
+              <p:cNvPr id="106" name="ZoneTexte 105"/>
+              <p:cNvSpPr txBox="1"/>
+              <p:nvPr/>
+            </p:nvSpPr>
+            <p:spPr>
+              <a:xfrm>
+                <a:off x="2989967" y="3506524"/>
+                <a:ext cx="282513" cy="276999"/>
+              </a:xfrm>
+              <a:prstGeom prst="rect">
+                <a:avLst/>
+              </a:prstGeom>
+              <a:noFill/>
+            </p:spPr>
+            <p:txBody>
+              <a:bodyPr wrap="none" rtlCol="0">
+                <a:spAutoFit/>
+              </a:bodyPr>
+              <a:lstStyle/>
+              <a:p>
+                <a:pPr/>
+                <a14:m>
+                  <m:oMathPara xmlns:m="http://schemas.openxmlformats.org/officeDocument/2006/math">
+                    <m:oMathParaPr>
+                      <m:jc m:val="centerGroup"/>
+                    </m:oMathParaPr>
+                    <m:oMath xmlns:m="http://schemas.openxmlformats.org/officeDocument/2006/math">
+                      <m:r>
+                        <a:rPr lang="fr-FR" sz="1200" b="0" i="1" smtClean="0">
+                          <a:latin typeface="Cambria Math"/>
+                        </a:rPr>
+                        <m:t>𝐼</m:t>
+                      </m:r>
+                    </m:oMath>
+                  </m:oMathPara>
+                </a14:m>
+                <a:endParaRPr lang="fr-FR" sz="1200" dirty="0"/>
+              </a:p>
+            </p:txBody>
+          </p:sp>
+        </mc:Choice>
+        <mc:Fallback>
+          <p:sp>
+            <p:nvSpPr>
+              <p:cNvPr id="106" name="ZoneTexte 105"/>
+              <p:cNvSpPr txBox="1">
+                <a:spLocks noRot="1" noChangeAspect="1" noMove="1" noResize="1" noEditPoints="1" noAdjustHandles="1" noChangeArrowheads="1" noChangeShapeType="1" noTextEdit="1"/>
+              </p:cNvSpPr>
+              <p:nvPr/>
+            </p:nvSpPr>
+            <p:spPr>
+              <a:xfrm>
+                <a:off x="2989967" y="3506524"/>
+                <a:ext cx="282513" cy="276999"/>
+              </a:xfrm>
+              <a:prstGeom prst="rect">
+                <a:avLst/>
+              </a:prstGeom>
+              <a:blipFill rotWithShape="1">
+                <a:blip r:embed="rId6"/>
+                <a:stretch>
+                  <a:fillRect/>
+                </a:stretch>
+              </a:blipFill>
+            </p:spPr>
+            <p:txBody>
+              <a:bodyPr/>
+              <a:lstStyle/>
+              <a:p>
+                <a:r>
+                  <a:rPr lang="fr-FR">
+                    <a:noFill/>
+                  </a:rPr>
+                  <a:t> </a:t>
+                </a:r>
+              </a:p>
+            </p:txBody>
+          </p:sp>
+        </mc:Fallback>
+      </mc:AlternateContent>
+      <mc:AlternateContent xmlns:mc="http://schemas.openxmlformats.org/markup-compatibility/2006">
+        <mc:Choice xmlns:a14="http://schemas.microsoft.com/office/drawing/2010/main" Requires="a14">
+          <p:sp>
+            <p:nvSpPr>
+              <p:cNvPr id="107" name="ZoneTexte 106"/>
+              <p:cNvSpPr txBox="1"/>
+              <p:nvPr/>
+            </p:nvSpPr>
+            <p:spPr>
+              <a:xfrm>
+                <a:off x="3228707" y="2719953"/>
+                <a:ext cx="282257" cy="276999"/>
+              </a:xfrm>
+              <a:prstGeom prst="rect">
+                <a:avLst/>
+              </a:prstGeom>
+              <a:noFill/>
+            </p:spPr>
+            <p:txBody>
+              <a:bodyPr wrap="none" rtlCol="0">
+                <a:spAutoFit/>
+              </a:bodyPr>
+              <a:lstStyle/>
+              <a:p>
+                <a:pPr/>
+                <a14:m>
+                  <m:oMathPara xmlns:m="http://schemas.openxmlformats.org/officeDocument/2006/math">
+                    <m:oMathParaPr>
+                      <m:jc m:val="centerGroup"/>
+                    </m:oMathParaPr>
+                    <m:oMath xmlns:m="http://schemas.openxmlformats.org/officeDocument/2006/math">
+                      <m:r>
+                        <a:rPr lang="fr-FR" sz="1200" b="0" i="1" smtClean="0">
+                          <a:latin typeface="Cambria Math"/>
+                        </a:rPr>
+                        <m:t>𝐽</m:t>
+                      </m:r>
+                    </m:oMath>
+                  </m:oMathPara>
+                </a14:m>
+                <a:endParaRPr lang="fr-FR" sz="1200" dirty="0"/>
+              </a:p>
+            </p:txBody>
+          </p:sp>
+        </mc:Choice>
+        <mc:Fallback>
+          <p:sp>
+            <p:nvSpPr>
+              <p:cNvPr id="107" name="ZoneTexte 106"/>
+              <p:cNvSpPr txBox="1">
+                <a:spLocks noRot="1" noChangeAspect="1" noMove="1" noResize="1" noEditPoints="1" noAdjustHandles="1" noChangeArrowheads="1" noChangeShapeType="1" noTextEdit="1"/>
+              </p:cNvSpPr>
+              <p:nvPr/>
+            </p:nvSpPr>
+            <p:spPr>
+              <a:xfrm>
+                <a:off x="3228707" y="2719953"/>
+                <a:ext cx="282257" cy="276999"/>
+              </a:xfrm>
+              <a:prstGeom prst="rect">
+                <a:avLst/>
+              </a:prstGeom>
+              <a:blipFill rotWithShape="1">
+                <a:blip r:embed="rId7"/>
+                <a:stretch>
+                  <a:fillRect/>
+                </a:stretch>
+              </a:blipFill>
+            </p:spPr>
+            <p:txBody>
+              <a:bodyPr/>
+              <a:lstStyle/>
+              <a:p>
+                <a:r>
+                  <a:rPr lang="fr-FR">
+                    <a:noFill/>
+                  </a:rPr>
+                  <a:t> </a:t>
+                </a:r>
+              </a:p>
+            </p:txBody>
+          </p:sp>
+        </mc:Fallback>
+      </mc:AlternateContent>
+      <mc:AlternateContent xmlns:mc="http://schemas.openxmlformats.org/markup-compatibility/2006">
+        <mc:Choice xmlns:a14="http://schemas.microsoft.com/office/drawing/2010/main" Requires="a14">
+          <p:sp>
+            <p:nvSpPr>
+              <p:cNvPr id="108" name="ZoneTexte 107"/>
+              <p:cNvSpPr txBox="1"/>
+              <p:nvPr/>
+            </p:nvSpPr>
+            <p:spPr>
+              <a:xfrm>
+                <a:off x="3059832" y="3200500"/>
+                <a:ext cx="319190" cy="276999"/>
+              </a:xfrm>
+              <a:prstGeom prst="rect">
+                <a:avLst/>
+              </a:prstGeom>
+              <a:noFill/>
+            </p:spPr>
+            <p:txBody>
+              <a:bodyPr wrap="none" rtlCol="0">
+                <a:spAutoFit/>
+              </a:bodyPr>
+              <a:lstStyle/>
+              <a:p>
+                <a:pPr/>
+                <a14:m>
+                  <m:oMathPara xmlns:m="http://schemas.openxmlformats.org/officeDocument/2006/math">
+                    <m:oMathParaPr>
+                      <m:jc m:val="centerGroup"/>
+                    </m:oMathParaPr>
+                    <m:oMath xmlns:m="http://schemas.openxmlformats.org/officeDocument/2006/math">
+                      <m:r>
+                        <a:rPr lang="fr-FR" sz="1200" b="0" i="1" smtClean="0">
+                          <a:latin typeface="Cambria Math"/>
+                        </a:rPr>
+                        <m:t>𝐴</m:t>
+                      </m:r>
+                    </m:oMath>
+                  </m:oMathPara>
+                </a14:m>
+                <a:endParaRPr lang="fr-FR" sz="1200" dirty="0"/>
+              </a:p>
+            </p:txBody>
+          </p:sp>
+        </mc:Choice>
+        <mc:Fallback>
+          <p:sp>
+            <p:nvSpPr>
+              <p:cNvPr id="108" name="ZoneTexte 107"/>
+              <p:cNvSpPr txBox="1">
+                <a:spLocks noRot="1" noChangeAspect="1" noMove="1" noResize="1" noEditPoints="1" noAdjustHandles="1" noChangeArrowheads="1" noChangeShapeType="1" noTextEdit="1"/>
+              </p:cNvSpPr>
+              <p:nvPr/>
+            </p:nvSpPr>
+            <p:spPr>
+              <a:xfrm>
+                <a:off x="3059832" y="3200500"/>
+                <a:ext cx="319190" cy="276999"/>
+              </a:xfrm>
+              <a:prstGeom prst="rect">
+                <a:avLst/>
+              </a:prstGeom>
+              <a:blipFill rotWithShape="1">
+                <a:blip r:embed="rId8"/>
+                <a:stretch>
+                  <a:fillRect/>
+                </a:stretch>
+              </a:blipFill>
+            </p:spPr>
+            <p:txBody>
+              <a:bodyPr/>
+              <a:lstStyle/>
+              <a:p>
+                <a:r>
+                  <a:rPr lang="fr-FR">
+                    <a:noFill/>
+                  </a:rPr>
+                  <a:t> </a:t>
+                </a:r>
+              </a:p>
+            </p:txBody>
+          </p:sp>
+        </mc:Fallback>
+      </mc:AlternateContent>
+      <mc:AlternateContent xmlns:mc="http://schemas.openxmlformats.org/markup-compatibility/2006">
+        <mc:Choice xmlns:a14="http://schemas.microsoft.com/office/drawing/2010/main" Requires="a14">
+          <p:sp>
+            <p:nvSpPr>
+              <p:cNvPr id="109" name="ZoneTexte 108"/>
+              <p:cNvSpPr txBox="1"/>
+              <p:nvPr/>
+            </p:nvSpPr>
+            <p:spPr>
+              <a:xfrm>
+                <a:off x="5193855" y="3880845"/>
+                <a:ext cx="327910" cy="276999"/>
+              </a:xfrm>
+              <a:prstGeom prst="rect">
+                <a:avLst/>
+              </a:prstGeom>
+              <a:noFill/>
+            </p:spPr>
+            <p:txBody>
+              <a:bodyPr wrap="none" rtlCol="0">
+                <a:spAutoFit/>
+              </a:bodyPr>
+              <a:lstStyle/>
+              <a:p>
+                <a:pPr/>
+                <a14:m>
+                  <m:oMathPara xmlns:m="http://schemas.openxmlformats.org/officeDocument/2006/math">
+                    <m:oMathParaPr>
+                      <m:jc m:val="centerGroup"/>
+                    </m:oMathParaPr>
+                    <m:oMath xmlns:m="http://schemas.openxmlformats.org/officeDocument/2006/math">
+                      <m:r>
+                        <a:rPr lang="fr-FR" sz="1200" b="0" i="1" smtClean="0">
+                          <a:latin typeface="Cambria Math"/>
+                        </a:rPr>
+                        <m:t>𝑂</m:t>
+                      </m:r>
+                    </m:oMath>
+                  </m:oMathPara>
+                </a14:m>
+                <a:endParaRPr lang="fr-FR" sz="1200" dirty="0"/>
+              </a:p>
+            </p:txBody>
+          </p:sp>
+        </mc:Choice>
+        <mc:Fallback>
+          <p:sp>
+            <p:nvSpPr>
+              <p:cNvPr id="109" name="ZoneTexte 108"/>
+              <p:cNvSpPr txBox="1">
+                <a:spLocks noRot="1" noChangeAspect="1" noMove="1" noResize="1" noEditPoints="1" noAdjustHandles="1" noChangeArrowheads="1" noChangeShapeType="1" noTextEdit="1"/>
+              </p:cNvSpPr>
+              <p:nvPr/>
+            </p:nvSpPr>
+            <p:spPr>
+              <a:xfrm>
+                <a:off x="5193855" y="3880845"/>
+                <a:ext cx="327910" cy="276999"/>
+              </a:xfrm>
+              <a:prstGeom prst="rect">
+                <a:avLst/>
+              </a:prstGeom>
+              <a:blipFill rotWithShape="1">
+                <a:blip r:embed="rId9"/>
+                <a:stretch>
+                  <a:fillRect/>
+                </a:stretch>
+              </a:blipFill>
+            </p:spPr>
+            <p:txBody>
+              <a:bodyPr/>
+              <a:lstStyle/>
+              <a:p>
+                <a:r>
+                  <a:rPr lang="fr-FR">
+                    <a:noFill/>
+                  </a:rPr>
+                  <a:t> </a:t>
+                </a:r>
+              </a:p>
+            </p:txBody>
+          </p:sp>
+        </mc:Fallback>
+      </mc:AlternateContent>
+      <mc:AlternateContent xmlns:mc="http://schemas.openxmlformats.org/markup-compatibility/2006">
+        <mc:Choice xmlns:a14="http://schemas.microsoft.com/office/drawing/2010/main" Requires="a14">
+          <p:sp>
+            <p:nvSpPr>
+              <p:cNvPr id="110" name="ZoneTexte 109"/>
+              <p:cNvSpPr txBox="1"/>
+              <p:nvPr/>
+            </p:nvSpPr>
+            <p:spPr>
+              <a:xfrm>
+                <a:off x="4965047" y="3506523"/>
+                <a:ext cx="282513" cy="276999"/>
+              </a:xfrm>
+              <a:prstGeom prst="rect">
+                <a:avLst/>
+              </a:prstGeom>
+              <a:noFill/>
+            </p:spPr>
+            <p:txBody>
+              <a:bodyPr wrap="none" rtlCol="0">
+                <a:spAutoFit/>
+              </a:bodyPr>
+              <a:lstStyle/>
+              <a:p>
+                <a:pPr/>
+                <a14:m>
+                  <m:oMathPara xmlns:m="http://schemas.openxmlformats.org/officeDocument/2006/math">
+                    <m:oMathParaPr>
+                      <m:jc m:val="centerGroup"/>
+                    </m:oMathParaPr>
+                    <m:oMath xmlns:m="http://schemas.openxmlformats.org/officeDocument/2006/math">
+                      <m:r>
+                        <a:rPr lang="fr-FR" sz="1200" b="0" i="1" smtClean="0">
+                          <a:latin typeface="Cambria Math"/>
+                        </a:rPr>
+                        <m:t>𝐼</m:t>
+                      </m:r>
+                    </m:oMath>
+                  </m:oMathPara>
+                </a14:m>
+                <a:endParaRPr lang="fr-FR" sz="1200" dirty="0"/>
+              </a:p>
+            </p:txBody>
+          </p:sp>
+        </mc:Choice>
+        <mc:Fallback>
+          <p:sp>
+            <p:nvSpPr>
+              <p:cNvPr id="110" name="ZoneTexte 109"/>
+              <p:cNvSpPr txBox="1">
+                <a:spLocks noRot="1" noChangeAspect="1" noMove="1" noResize="1" noEditPoints="1" noAdjustHandles="1" noChangeArrowheads="1" noChangeShapeType="1" noTextEdit="1"/>
+              </p:cNvSpPr>
+              <p:nvPr/>
+            </p:nvSpPr>
+            <p:spPr>
+              <a:xfrm>
+                <a:off x="4965047" y="3506523"/>
+                <a:ext cx="282513" cy="276999"/>
+              </a:xfrm>
+              <a:prstGeom prst="rect">
+                <a:avLst/>
+              </a:prstGeom>
+              <a:blipFill rotWithShape="1">
+                <a:blip r:embed="rId6"/>
+                <a:stretch>
+                  <a:fillRect/>
+                </a:stretch>
+              </a:blipFill>
+            </p:spPr>
+            <p:txBody>
+              <a:bodyPr/>
+              <a:lstStyle/>
+              <a:p>
+                <a:r>
+                  <a:rPr lang="fr-FR">
+                    <a:noFill/>
+                  </a:rPr>
+                  <a:t> </a:t>
+                </a:r>
+              </a:p>
+            </p:txBody>
+          </p:sp>
+        </mc:Fallback>
+      </mc:AlternateContent>
+      <mc:AlternateContent xmlns:mc="http://schemas.openxmlformats.org/markup-compatibility/2006">
+        <mc:Choice xmlns:a14="http://schemas.microsoft.com/office/drawing/2010/main" Requires="a14">
+          <p:sp>
+            <p:nvSpPr>
+              <p:cNvPr id="111" name="ZoneTexte 110"/>
+              <p:cNvSpPr txBox="1"/>
+              <p:nvPr/>
+            </p:nvSpPr>
+            <p:spPr>
+              <a:xfrm>
+                <a:off x="4926304" y="2858452"/>
+                <a:ext cx="282257" cy="276999"/>
+              </a:xfrm>
+              <a:prstGeom prst="rect">
+                <a:avLst/>
+              </a:prstGeom>
+              <a:noFill/>
+            </p:spPr>
+            <p:txBody>
+              <a:bodyPr wrap="none" rtlCol="0">
+                <a:spAutoFit/>
+              </a:bodyPr>
+              <a:lstStyle/>
+              <a:p>
+                <a:pPr/>
+                <a14:m>
+                  <m:oMathPara xmlns:m="http://schemas.openxmlformats.org/officeDocument/2006/math">
+                    <m:oMathParaPr>
+                      <m:jc m:val="centerGroup"/>
+                    </m:oMathParaPr>
+                    <m:oMath xmlns:m="http://schemas.openxmlformats.org/officeDocument/2006/math">
+                      <m:r>
+                        <a:rPr lang="fr-FR" sz="1200" b="0" i="1" smtClean="0">
+                          <a:latin typeface="Cambria Math"/>
+                        </a:rPr>
+                        <m:t>𝐽</m:t>
+                      </m:r>
+                    </m:oMath>
+                  </m:oMathPara>
+                </a14:m>
+                <a:endParaRPr lang="fr-FR" sz="1200" dirty="0"/>
+              </a:p>
+            </p:txBody>
+          </p:sp>
+        </mc:Choice>
+        <mc:Fallback>
+          <p:sp>
+            <p:nvSpPr>
+              <p:cNvPr id="111" name="ZoneTexte 110"/>
+              <p:cNvSpPr txBox="1">
+                <a:spLocks noRot="1" noChangeAspect="1" noMove="1" noResize="1" noEditPoints="1" noAdjustHandles="1" noChangeArrowheads="1" noChangeShapeType="1" noTextEdit="1"/>
+              </p:cNvSpPr>
+              <p:nvPr/>
+            </p:nvSpPr>
+            <p:spPr>
+              <a:xfrm>
+                <a:off x="4926304" y="2858452"/>
+                <a:ext cx="282257" cy="276999"/>
+              </a:xfrm>
+              <a:prstGeom prst="rect">
+                <a:avLst/>
+              </a:prstGeom>
+              <a:blipFill rotWithShape="1">
+                <a:blip r:embed="rId10"/>
+                <a:stretch>
+                  <a:fillRect/>
+                </a:stretch>
+              </a:blipFill>
+            </p:spPr>
+            <p:txBody>
+              <a:bodyPr/>
+              <a:lstStyle/>
+              <a:p>
+                <a:r>
+                  <a:rPr lang="fr-FR">
+                    <a:noFill/>
+                  </a:rPr>
+                  <a:t> </a:t>
+                </a:r>
+              </a:p>
+            </p:txBody>
+          </p:sp>
+        </mc:Fallback>
+      </mc:AlternateContent>
+      <mc:AlternateContent xmlns:mc="http://schemas.openxmlformats.org/markup-compatibility/2006">
+        <mc:Choice xmlns:a14="http://schemas.microsoft.com/office/drawing/2010/main" Requires="a14">
+          <p:sp>
+            <p:nvSpPr>
+              <p:cNvPr id="112" name="ZoneTexte 111"/>
+              <p:cNvSpPr txBox="1"/>
+              <p:nvPr/>
+            </p:nvSpPr>
+            <p:spPr>
+              <a:xfrm>
+                <a:off x="4907837" y="3196520"/>
+                <a:ext cx="319190" cy="276999"/>
+              </a:xfrm>
+              <a:prstGeom prst="rect">
+                <a:avLst/>
+              </a:prstGeom>
+              <a:noFill/>
+            </p:spPr>
+            <p:txBody>
+              <a:bodyPr wrap="none" rtlCol="0">
+                <a:spAutoFit/>
+              </a:bodyPr>
+              <a:lstStyle/>
+              <a:p>
+                <a:pPr/>
+                <a14:m>
+                  <m:oMathPara xmlns:m="http://schemas.openxmlformats.org/officeDocument/2006/math">
+                    <m:oMathParaPr>
+                      <m:jc m:val="centerGroup"/>
+                    </m:oMathParaPr>
+                    <m:oMath xmlns:m="http://schemas.openxmlformats.org/officeDocument/2006/math">
+                      <m:r>
+                        <a:rPr lang="fr-FR" sz="1200" b="0" i="1" smtClean="0">
+                          <a:latin typeface="Cambria Math"/>
+                        </a:rPr>
+                        <m:t>𝐴</m:t>
+                      </m:r>
+                    </m:oMath>
+                  </m:oMathPara>
+                </a14:m>
+                <a:endParaRPr lang="fr-FR" sz="1200" dirty="0"/>
+              </a:p>
+            </p:txBody>
+          </p:sp>
+        </mc:Choice>
+        <mc:Fallback>
+          <p:sp>
+            <p:nvSpPr>
+              <p:cNvPr id="112" name="ZoneTexte 111"/>
+              <p:cNvSpPr txBox="1">
+                <a:spLocks noRot="1" noChangeAspect="1" noMove="1" noResize="1" noEditPoints="1" noAdjustHandles="1" noChangeArrowheads="1" noChangeShapeType="1" noTextEdit="1"/>
+              </p:cNvSpPr>
+              <p:nvPr/>
+            </p:nvSpPr>
+            <p:spPr>
+              <a:xfrm>
+                <a:off x="4907837" y="3196520"/>
+                <a:ext cx="319190" cy="276999"/>
+              </a:xfrm>
+              <a:prstGeom prst="rect">
+                <a:avLst/>
+              </a:prstGeom>
+              <a:blipFill rotWithShape="1">
+                <a:blip r:embed="rId11"/>
+                <a:stretch>
+                  <a:fillRect/>
+                </a:stretch>
+              </a:blipFill>
+            </p:spPr>
+            <p:txBody>
+              <a:bodyPr/>
+              <a:lstStyle/>
+              <a:p>
+                <a:r>
+                  <a:rPr lang="fr-FR">
+                    <a:noFill/>
+                  </a:rPr>
+                  <a:t> </a:t>
+                </a:r>
+              </a:p>
+            </p:txBody>
+          </p:sp>
+        </mc:Fallback>
+      </mc:AlternateContent>
+      <p:cxnSp>
+        <p:nvCxnSpPr>
+          <p:cNvPr id="113" name="Connecteur droit avec flèche 112"/>
+          <p:cNvCxnSpPr/>
+          <p:nvPr/>
+        </p:nvCxnSpPr>
+        <p:spPr>
+          <a:xfrm flipV="1">
+            <a:off x="3364533" y="3122976"/>
+            <a:ext cx="0" cy="996627"/>
+          </a:xfrm>
+          <a:prstGeom prst="straightConnector1">
+            <a:avLst/>
+          </a:prstGeom>
+          <a:ln w="19050">
+            <a:solidFill>
+              <a:srgbClr val="0070C0"/>
+            </a:solidFill>
+            <a:tailEnd type="stealth" w="med" len="lg"/>
+          </a:ln>
+        </p:spPr>
+        <p:style>
+          <a:lnRef idx="1">
+            <a:schemeClr val="accent1"/>
+          </a:lnRef>
+          <a:fillRef idx="0">
+            <a:schemeClr val="accent1"/>
+          </a:fillRef>
+          <a:effectRef idx="0">
+            <a:schemeClr val="accent1"/>
+          </a:effectRef>
+          <a:fontRef idx="minor">
+            <a:schemeClr val="tx1"/>
+          </a:fontRef>
+        </p:style>
+      </p:cxnSp>
+      <mc:AlternateContent xmlns:mc="http://schemas.openxmlformats.org/markup-compatibility/2006">
+        <mc:Choice xmlns:a14="http://schemas.microsoft.com/office/drawing/2010/main" Requires="a14">
+          <p:sp>
+            <p:nvSpPr>
+              <p:cNvPr id="115" name="ZoneTexte 114"/>
+              <p:cNvSpPr txBox="1"/>
+              <p:nvPr/>
+            </p:nvSpPr>
+            <p:spPr>
+              <a:xfrm>
+                <a:off x="3313670" y="3014441"/>
+                <a:ext cx="372345" cy="276999"/>
+              </a:xfrm>
+              <a:prstGeom prst="rect">
+                <a:avLst/>
+              </a:prstGeom>
+              <a:noFill/>
+              <a:ln>
+                <a:noFill/>
+              </a:ln>
+            </p:spPr>
+            <p:txBody>
+              <a:bodyPr wrap="none" rtlCol="0">
+                <a:spAutoFit/>
+              </a:bodyPr>
+              <a:lstStyle/>
+              <a:p>
+                <a:pPr/>
+                <a14:m>
+                  <m:oMathPara xmlns:m="http://schemas.openxmlformats.org/officeDocument/2006/math">
+                    <m:oMathParaPr>
+                      <m:jc m:val="centerGroup"/>
+                    </m:oMathParaPr>
+                    <m:oMath xmlns:m="http://schemas.openxmlformats.org/officeDocument/2006/math">
+                      <m:acc>
+                        <m:accPr>
+                          <m:chr m:val="⃗"/>
+                          <m:ctrlPr>
+                            <a:rPr lang="fr-FR" sz="1200" b="0" i="1" smtClean="0">
+                              <a:latin typeface="Cambria Math"/>
+                            </a:rPr>
+                          </m:ctrlPr>
+                        </m:accPr>
+                        <m:e>
+                          <m:sSub>
+                            <m:sSubPr>
+                              <m:ctrlPr>
+                                <a:rPr lang="fr-FR" sz="1200" i="1">
+                                  <a:latin typeface="Cambria Math"/>
+                                </a:rPr>
+                              </m:ctrlPr>
+                            </m:sSubPr>
+                            <m:e>
+                              <m:r>
+                                <a:rPr lang="fr-FR" sz="1200" b="0" i="1" smtClean="0">
+                                  <a:latin typeface="Cambria Math"/>
+                                </a:rPr>
+                                <m:t>𝑥</m:t>
+                              </m:r>
+                            </m:e>
+                            <m:sub>
+                              <m:r>
+                                <a:rPr lang="fr-FR" sz="1200" b="0" i="1" smtClean="0">
+                                  <a:latin typeface="Cambria Math"/>
+                                </a:rPr>
+                                <m:t>3</m:t>
+                              </m:r>
+                            </m:sub>
+                          </m:sSub>
+                        </m:e>
+                      </m:acc>
+                    </m:oMath>
+                  </m:oMathPara>
+                </a14:m>
+                <a:endParaRPr lang="fr-FR" sz="1200" dirty="0"/>
+              </a:p>
+            </p:txBody>
+          </p:sp>
+        </mc:Choice>
+        <mc:Fallback>
+          <p:sp>
+            <p:nvSpPr>
+              <p:cNvPr id="115" name="ZoneTexte 114"/>
+              <p:cNvSpPr txBox="1">
+                <a:spLocks noRot="1" noChangeAspect="1" noMove="1" noResize="1" noEditPoints="1" noAdjustHandles="1" noChangeArrowheads="1" noChangeShapeType="1" noTextEdit="1"/>
+              </p:cNvSpPr>
+              <p:nvPr/>
+            </p:nvSpPr>
+            <p:spPr>
+              <a:xfrm>
+                <a:off x="3313670" y="3014441"/>
+                <a:ext cx="372345" cy="276999"/>
+              </a:xfrm>
+              <a:prstGeom prst="rect">
+                <a:avLst/>
+              </a:prstGeom>
+              <a:blipFill rotWithShape="1">
+                <a:blip r:embed="rId12"/>
+                <a:stretch>
+                  <a:fillRect/>
+                </a:stretch>
+              </a:blipFill>
+              <a:ln>
+                <a:noFill/>
+              </a:ln>
+            </p:spPr>
+            <p:txBody>
+              <a:bodyPr/>
+              <a:lstStyle/>
+              <a:p>
+                <a:r>
+                  <a:rPr lang="fr-FR">
+                    <a:noFill/>
+                  </a:rPr>
+                  <a:t> </a:t>
+                </a:r>
+              </a:p>
+            </p:txBody>
+          </p:sp>
+        </mc:Fallback>
+      </mc:AlternateContent>
+      <mc:AlternateContent xmlns:mc="http://schemas.openxmlformats.org/markup-compatibility/2006">
+        <mc:Choice xmlns:a14="http://schemas.microsoft.com/office/drawing/2010/main" Requires="a14">
+          <p:sp>
+            <p:nvSpPr>
+              <p:cNvPr id="165" name="ZoneTexte 164"/>
+              <p:cNvSpPr txBox="1"/>
+              <p:nvPr/>
+            </p:nvSpPr>
+            <p:spPr>
+              <a:xfrm>
+                <a:off x="1187886" y="3354428"/>
+                <a:ext cx="901158" cy="430887"/>
+              </a:xfrm>
+              <a:prstGeom prst="rect">
+                <a:avLst/>
+              </a:prstGeom>
+              <a:noFill/>
+            </p:spPr>
+            <p:txBody>
+              <a:bodyPr wrap="square" rtlCol="0">
+                <a:spAutoFit/>
+              </a:bodyPr>
+              <a:lstStyle/>
+              <a:p>
+                <a:r>
+                  <a:rPr lang="fr-FR" sz="1100" dirty="0" smtClean="0"/>
+                  <a:t>Pivot d’axe </a:t>
+                </a:r>
+                <a14:m>
+                  <m:oMath xmlns:m="http://schemas.openxmlformats.org/officeDocument/2006/math">
+                    <m:d>
+                      <m:dPr>
+                        <m:ctrlPr>
+                          <a:rPr lang="fr-FR" sz="1100" i="1" smtClean="0">
+                            <a:latin typeface="Cambria Math"/>
+                          </a:rPr>
+                        </m:ctrlPr>
+                      </m:dPr>
+                      <m:e>
+                        <m:r>
+                          <a:rPr lang="fr-FR" sz="1100" b="0" i="1" smtClean="0">
+                            <a:latin typeface="Cambria Math"/>
+                          </a:rPr>
+                          <m:t>𝐴</m:t>
+                        </m:r>
+                        <m:r>
+                          <a:rPr lang="fr-FR" sz="1100" b="0" i="1" smtClean="0">
+                            <a:latin typeface="Cambria Math"/>
+                          </a:rPr>
+                          <m:t>,</m:t>
+                        </m:r>
+                        <m:acc>
+                          <m:accPr>
+                            <m:chr m:val="⃗"/>
+                            <m:ctrlPr>
+                              <a:rPr lang="fr-FR" sz="1100" b="0" i="1" smtClean="0">
+                                <a:latin typeface="Cambria Math"/>
+                              </a:rPr>
+                            </m:ctrlPr>
+                          </m:accPr>
+                          <m:e>
+                            <m:r>
+                              <a:rPr lang="fr-FR" sz="1100" b="0" i="1" smtClean="0">
+                                <a:latin typeface="Cambria Math"/>
+                              </a:rPr>
+                              <m:t>𝑧</m:t>
+                            </m:r>
+                          </m:e>
+                        </m:acc>
+                      </m:e>
+                    </m:d>
+                  </m:oMath>
+                </a14:m>
+                <a:endParaRPr lang="fr-FR" sz="1100" dirty="0"/>
+              </a:p>
+            </p:txBody>
+          </p:sp>
+        </mc:Choice>
+        <mc:Fallback>
+          <p:sp>
+            <p:nvSpPr>
+              <p:cNvPr id="165" name="ZoneTexte 164"/>
+              <p:cNvSpPr txBox="1">
+                <a:spLocks noRot="1" noChangeAspect="1" noMove="1" noResize="1" noEditPoints="1" noAdjustHandles="1" noChangeArrowheads="1" noChangeShapeType="1" noTextEdit="1"/>
+              </p:cNvSpPr>
+              <p:nvPr/>
+            </p:nvSpPr>
+            <p:spPr>
+              <a:xfrm>
+                <a:off x="1187886" y="3354428"/>
+                <a:ext cx="901158" cy="430887"/>
+              </a:xfrm>
+              <a:prstGeom prst="rect">
+                <a:avLst/>
+              </a:prstGeom>
+              <a:blipFill rotWithShape="1">
+                <a:blip r:embed="rId13"/>
+                <a:stretch>
+                  <a:fillRect t="-1408"/>
+                </a:stretch>
+              </a:blipFill>
+            </p:spPr>
+            <p:txBody>
+              <a:bodyPr/>
+              <a:lstStyle/>
+              <a:p>
+                <a:r>
+                  <a:rPr lang="fr-FR">
+                    <a:noFill/>
+                  </a:rPr>
+                  <a:t> </a:t>
+                </a:r>
+              </a:p>
+            </p:txBody>
+          </p:sp>
+        </mc:Fallback>
+      </mc:AlternateContent>
+      <p:grpSp>
+        <p:nvGrpSpPr>
+          <p:cNvPr id="1055" name="Groupe 1054"/>
+          <p:cNvGrpSpPr/>
+          <p:nvPr/>
+        </p:nvGrpSpPr>
+        <p:grpSpPr>
+          <a:xfrm>
+            <a:off x="31791" y="3389872"/>
+            <a:ext cx="2023572" cy="1342965"/>
+            <a:chOff x="26574" y="4030235"/>
+            <a:chExt cx="2023572" cy="1342965"/>
+          </a:xfrm>
+        </p:grpSpPr>
+        <p:sp>
+          <p:nvSpPr>
+            <p:cNvPr id="116" name="Ellipse 115"/>
+            <p:cNvSpPr/>
+            <p:nvPr/>
+          </p:nvSpPr>
+          <p:spPr>
+            <a:xfrm>
+              <a:off x="845461" y="4030235"/>
+              <a:ext cx="180000" cy="180000"/>
+            </a:xfrm>
+            <a:prstGeom prst="ellipse">
+              <a:avLst/>
+            </a:prstGeom>
+            <a:noFill/>
+            <a:ln w="12700">
+              <a:solidFill>
+                <a:srgbClr val="7030A0"/>
+              </a:solidFill>
+            </a:ln>
+          </p:spPr>
+          <p:style>
+            <a:lnRef idx="2">
+              <a:schemeClr val="accent1">
+                <a:shade val="50000"/>
+              </a:schemeClr>
+            </a:lnRef>
+            <a:fillRef idx="1">
+              <a:schemeClr val="accent1"/>
+            </a:fillRef>
+            <a:effectRef idx="0">
+              <a:schemeClr val="accent1"/>
+            </a:effectRef>
+            <a:fontRef idx="minor">
+              <a:schemeClr val="lt1"/>
+            </a:fontRef>
+          </p:style>
+          <p:txBody>
+            <a:bodyPr rtlCol="0" anchor="ctr"/>
+            <a:lstStyle/>
+            <a:p>
+              <a:pPr algn="ctr"/>
+              <a:r>
+                <a:rPr lang="fr-FR" sz="1100" dirty="0">
+                  <a:solidFill>
+                    <a:srgbClr val="7030A0"/>
+                  </a:solidFill>
+                </a:rPr>
+                <a:t>2</a:t>
+              </a:r>
+              <a:endParaRPr lang="fr-FR" sz="1100" dirty="0">
+                <a:solidFill>
+                  <a:srgbClr val="7030A0"/>
+                </a:solidFill>
+              </a:endParaRPr>
+            </a:p>
+          </p:txBody>
+        </p:sp>
+        <p:sp>
+          <p:nvSpPr>
+            <p:cNvPr id="117" name="Ellipse 116"/>
+            <p:cNvSpPr/>
+            <p:nvPr/>
+          </p:nvSpPr>
+          <p:spPr>
+            <a:xfrm>
+              <a:off x="297153" y="4491128"/>
+              <a:ext cx="180000" cy="180000"/>
+            </a:xfrm>
+            <a:prstGeom prst="ellipse">
+              <a:avLst/>
+            </a:prstGeom>
+            <a:noFill/>
+            <a:ln w="12700">
+              <a:solidFill>
+                <a:srgbClr val="00B050"/>
+              </a:solidFill>
+            </a:ln>
+          </p:spPr>
+          <p:style>
+            <a:lnRef idx="2">
+              <a:schemeClr val="accent1">
+                <a:shade val="50000"/>
+              </a:schemeClr>
+            </a:lnRef>
+            <a:fillRef idx="1">
+              <a:schemeClr val="accent1"/>
+            </a:fillRef>
+            <a:effectRef idx="0">
+              <a:schemeClr val="accent1"/>
+            </a:effectRef>
+            <a:fontRef idx="minor">
+              <a:schemeClr val="lt1"/>
+            </a:fontRef>
+          </p:style>
+          <p:txBody>
+            <a:bodyPr rtlCol="0" anchor="ctr"/>
+            <a:lstStyle/>
+            <a:p>
+              <a:pPr algn="ctr"/>
+              <a:r>
+                <a:rPr lang="fr-FR" sz="1100" dirty="0" smtClean="0">
+                  <a:solidFill>
+                    <a:srgbClr val="00B050"/>
+                  </a:solidFill>
+                </a:rPr>
+                <a:t>1</a:t>
+              </a:r>
+              <a:endParaRPr lang="fr-FR" sz="1100" dirty="0">
+                <a:solidFill>
+                  <a:srgbClr val="00B050"/>
+                </a:solidFill>
+              </a:endParaRPr>
+            </a:p>
+          </p:txBody>
+        </p:sp>
+        <p:sp>
+          <p:nvSpPr>
+            <p:cNvPr id="118" name="Ellipse 117"/>
+            <p:cNvSpPr/>
+            <p:nvPr/>
+          </p:nvSpPr>
+          <p:spPr>
+            <a:xfrm>
+              <a:off x="1419567" y="4491128"/>
+              <a:ext cx="180000" cy="180000"/>
+            </a:xfrm>
+            <a:prstGeom prst="ellipse">
+              <a:avLst/>
+            </a:prstGeom>
+            <a:noFill/>
+            <a:ln w="12700">
+              <a:solidFill>
+                <a:srgbClr val="0070C0"/>
+              </a:solidFill>
+            </a:ln>
+          </p:spPr>
+          <p:style>
+            <a:lnRef idx="2">
+              <a:schemeClr val="accent1">
+                <a:shade val="50000"/>
+              </a:schemeClr>
+            </a:lnRef>
+            <a:fillRef idx="1">
+              <a:schemeClr val="accent1"/>
+            </a:fillRef>
+            <a:effectRef idx="0">
+              <a:schemeClr val="accent1"/>
+            </a:effectRef>
+            <a:fontRef idx="minor">
+              <a:schemeClr val="lt1"/>
+            </a:fontRef>
+          </p:style>
+          <p:txBody>
+            <a:bodyPr rtlCol="0" anchor="ctr"/>
+            <a:lstStyle/>
+            <a:p>
+              <a:pPr algn="ctr"/>
+              <a:r>
+                <a:rPr lang="fr-FR" sz="1100" dirty="0">
+                  <a:solidFill>
+                    <a:srgbClr val="0070C0"/>
+                  </a:solidFill>
+                </a:rPr>
+                <a:t>3</a:t>
+              </a:r>
+              <a:endParaRPr lang="fr-FR" sz="1100" dirty="0">
+                <a:solidFill>
+                  <a:srgbClr val="0070C0"/>
+                </a:solidFill>
+              </a:endParaRPr>
+            </a:p>
+          </p:txBody>
+        </p:sp>
+        <p:sp>
+          <p:nvSpPr>
+            <p:cNvPr id="119" name="Ellipse 118"/>
+            <p:cNvSpPr/>
+            <p:nvPr/>
+          </p:nvSpPr>
+          <p:spPr>
+            <a:xfrm>
+              <a:off x="845576" y="4943947"/>
+              <a:ext cx="180000" cy="180000"/>
+            </a:xfrm>
+            <a:prstGeom prst="ellipse">
+              <a:avLst/>
+            </a:prstGeom>
+            <a:noFill/>
+            <a:ln w="12700">
+              <a:solidFill>
+                <a:schemeClr val="tx1"/>
+              </a:solidFill>
+            </a:ln>
+          </p:spPr>
+          <p:style>
+            <a:lnRef idx="2">
+              <a:schemeClr val="accent1">
+                <a:shade val="50000"/>
+              </a:schemeClr>
+            </a:lnRef>
+            <a:fillRef idx="1">
+              <a:schemeClr val="accent1"/>
+            </a:fillRef>
+            <a:effectRef idx="0">
+              <a:schemeClr val="accent1"/>
+            </a:effectRef>
+            <a:fontRef idx="minor">
+              <a:schemeClr val="lt1"/>
+            </a:fontRef>
+          </p:style>
+          <p:txBody>
+            <a:bodyPr rtlCol="0" anchor="ctr"/>
+            <a:lstStyle/>
+            <a:p>
+              <a:pPr algn="ctr"/>
+              <a:r>
+                <a:rPr lang="fr-FR" sz="1100" dirty="0">
+                  <a:solidFill>
+                    <a:schemeClr val="tx1"/>
+                  </a:solidFill>
+                </a:rPr>
+                <a:t>0</a:t>
+              </a:r>
+              <a:endParaRPr lang="fr-FR" sz="1100" dirty="0">
+                <a:solidFill>
+                  <a:schemeClr val="tx1"/>
+                </a:solidFill>
+              </a:endParaRPr>
+            </a:p>
+          </p:txBody>
+        </p:sp>
+        <p:sp>
+          <p:nvSpPr>
+            <p:cNvPr id="120" name="Rectangle 119"/>
+            <p:cNvSpPr/>
+            <p:nvPr/>
+          </p:nvSpPr>
+          <p:spPr>
+            <a:xfrm rot="5400000">
+              <a:off x="881576" y="5211200"/>
+              <a:ext cx="108000" cy="216000"/>
+            </a:xfrm>
+            <a:prstGeom prst="rect">
+              <a:avLst/>
+            </a:prstGeom>
+            <a:pattFill prst="dkUpDiag">
+              <a:fgClr>
+                <a:schemeClr val="tx1"/>
+              </a:fgClr>
+              <a:bgClr>
+                <a:schemeClr val="bg1"/>
+              </a:bgClr>
+            </a:pattFill>
+            <a:ln w="28575">
+              <a:noFill/>
+            </a:ln>
+          </p:spPr>
+          <p:style>
+            <a:lnRef idx="2">
+              <a:schemeClr val="accent1">
+                <a:shade val="50000"/>
+              </a:schemeClr>
+            </a:lnRef>
+            <a:fillRef idx="1">
+              <a:schemeClr val="accent1"/>
+            </a:fillRef>
+            <a:effectRef idx="0">
+              <a:schemeClr val="accent1"/>
+            </a:effectRef>
+            <a:fontRef idx="minor">
+              <a:schemeClr val="lt1"/>
+            </a:fontRef>
+          </p:style>
+          <p:txBody>
+            <a:bodyPr rtlCol="0" anchor="ctr"/>
+            <a:lstStyle/>
+            <a:p>
+              <a:pPr algn="ctr"/>
+              <a:endParaRPr lang="fr-FR"/>
+            </a:p>
+          </p:txBody>
+        </p:sp>
+        <p:cxnSp>
+          <p:nvCxnSpPr>
+            <p:cNvPr id="121" name="Connecteur droit 120"/>
+            <p:cNvCxnSpPr/>
+            <p:nvPr/>
+          </p:nvCxnSpPr>
+          <p:spPr>
+            <a:xfrm>
+              <a:off x="827461" y="5271459"/>
+              <a:ext cx="216000" cy="0"/>
+            </a:xfrm>
+            <a:prstGeom prst="line">
+              <a:avLst/>
+            </a:prstGeom>
+            <a:ln w="19050">
+              <a:solidFill>
+                <a:schemeClr val="tx1"/>
+              </a:solidFill>
+            </a:ln>
+          </p:spPr>
+          <p:style>
+            <a:lnRef idx="1">
+              <a:schemeClr val="accent1"/>
+            </a:lnRef>
+            <a:fillRef idx="0">
+              <a:schemeClr val="accent1"/>
+            </a:fillRef>
+            <a:effectRef idx="0">
+              <a:schemeClr val="accent1"/>
+            </a:effectRef>
+            <a:fontRef idx="minor">
+              <a:schemeClr val="tx1"/>
+            </a:fontRef>
+          </p:style>
+        </p:cxnSp>
+        <p:cxnSp>
+          <p:nvCxnSpPr>
+            <p:cNvPr id="122" name="Connecteur droit 121"/>
+            <p:cNvCxnSpPr/>
+            <p:nvPr/>
+          </p:nvCxnSpPr>
+          <p:spPr>
+            <a:xfrm>
+              <a:off x="935461" y="5127443"/>
+              <a:ext cx="0" cy="144016"/>
+            </a:xfrm>
+            <a:prstGeom prst="line">
+              <a:avLst/>
+            </a:prstGeom>
+            <a:ln w="19050">
+              <a:solidFill>
+                <a:schemeClr val="tx1"/>
+              </a:solidFill>
+            </a:ln>
+          </p:spPr>
+          <p:style>
+            <a:lnRef idx="1">
+              <a:schemeClr val="accent1"/>
+            </a:lnRef>
+            <a:fillRef idx="0">
+              <a:schemeClr val="accent1"/>
+            </a:fillRef>
+            <a:effectRef idx="0">
+              <a:schemeClr val="accent1"/>
+            </a:effectRef>
+            <a:fontRef idx="minor">
+              <a:schemeClr val="tx1"/>
+            </a:fontRef>
+          </p:style>
+        </p:cxnSp>
+        <p:cxnSp>
+          <p:nvCxnSpPr>
+            <p:cNvPr id="128" name="Connecteur droit 127"/>
+            <p:cNvCxnSpPr>
+              <a:stCxn id="119" idx="1"/>
+              <a:endCxn id="117" idx="5"/>
+            </p:cNvCxnSpPr>
+            <p:nvPr/>
+          </p:nvCxnSpPr>
+          <p:spPr>
+            <a:xfrm flipH="1" flipV="1">
+              <a:off x="450793" y="4644768"/>
+              <a:ext cx="421143" cy="325539"/>
+            </a:xfrm>
+            <a:prstGeom prst="line">
+              <a:avLst/>
+            </a:prstGeom>
+            <a:ln w="19050">
+              <a:solidFill>
+                <a:schemeClr val="tx1"/>
+              </a:solidFill>
+            </a:ln>
+          </p:spPr>
+          <p:style>
+            <a:lnRef idx="1">
+              <a:schemeClr val="accent1"/>
+            </a:lnRef>
+            <a:fillRef idx="0">
+              <a:schemeClr val="accent1"/>
+            </a:fillRef>
+            <a:effectRef idx="0">
+              <a:schemeClr val="accent1"/>
+            </a:effectRef>
+            <a:fontRef idx="minor">
+              <a:schemeClr val="tx1"/>
+            </a:fontRef>
+          </p:style>
+        </p:cxnSp>
+        <p:cxnSp>
+          <p:nvCxnSpPr>
+            <p:cNvPr id="132" name="Connecteur droit 131"/>
+            <p:cNvCxnSpPr>
+              <a:stCxn id="116" idx="3"/>
+              <a:endCxn id="117" idx="7"/>
+            </p:cNvCxnSpPr>
+            <p:nvPr/>
+          </p:nvCxnSpPr>
+          <p:spPr>
+            <a:xfrm flipH="1">
+              <a:off x="450793" y="4183875"/>
+              <a:ext cx="421028" cy="333613"/>
+            </a:xfrm>
+            <a:prstGeom prst="line">
+              <a:avLst/>
+            </a:prstGeom>
+            <a:ln w="19050">
+              <a:solidFill>
+                <a:schemeClr val="tx1"/>
+              </a:solidFill>
+            </a:ln>
+          </p:spPr>
+          <p:style>
+            <a:lnRef idx="1">
+              <a:schemeClr val="accent1"/>
+            </a:lnRef>
+            <a:fillRef idx="0">
+              <a:schemeClr val="accent1"/>
+            </a:fillRef>
+            <a:effectRef idx="0">
+              <a:schemeClr val="accent1"/>
+            </a:effectRef>
+            <a:fontRef idx="minor">
+              <a:schemeClr val="tx1"/>
+            </a:fontRef>
+          </p:style>
+        </p:cxnSp>
+        <p:cxnSp>
+          <p:nvCxnSpPr>
+            <p:cNvPr id="137" name="Connecteur droit 136"/>
+            <p:cNvCxnSpPr>
+              <a:stCxn id="118" idx="3"/>
+              <a:endCxn id="119" idx="7"/>
+            </p:cNvCxnSpPr>
+            <p:nvPr/>
+          </p:nvCxnSpPr>
+          <p:spPr>
+            <a:xfrm flipH="1">
+              <a:off x="999216" y="4644768"/>
+              <a:ext cx="446711" cy="325539"/>
+            </a:xfrm>
+            <a:prstGeom prst="line">
+              <a:avLst/>
+            </a:prstGeom>
+            <a:ln w="19050">
+              <a:solidFill>
+                <a:schemeClr val="tx1"/>
+              </a:solidFill>
+            </a:ln>
+          </p:spPr>
+          <p:style>
+            <a:lnRef idx="1">
+              <a:schemeClr val="accent1"/>
+            </a:lnRef>
+            <a:fillRef idx="0">
+              <a:schemeClr val="accent1"/>
+            </a:fillRef>
+            <a:effectRef idx="0">
+              <a:schemeClr val="accent1"/>
+            </a:effectRef>
+            <a:fontRef idx="minor">
+              <a:schemeClr val="tx1"/>
+            </a:fontRef>
+          </p:style>
+        </p:cxnSp>
+        <p:cxnSp>
+          <p:nvCxnSpPr>
+            <p:cNvPr id="138" name="Connecteur droit 137"/>
+            <p:cNvCxnSpPr>
+              <a:stCxn id="116" idx="5"/>
+              <a:endCxn id="118" idx="1"/>
+            </p:cNvCxnSpPr>
+            <p:nvPr/>
+          </p:nvCxnSpPr>
+          <p:spPr>
+            <a:xfrm>
+              <a:off x="999101" y="4183875"/>
+              <a:ext cx="446826" cy="333613"/>
+            </a:xfrm>
+            <a:prstGeom prst="line">
+              <a:avLst/>
+            </a:prstGeom>
+            <a:ln w="19050">
+              <a:solidFill>
+                <a:schemeClr val="tx1"/>
+              </a:solidFill>
+            </a:ln>
+          </p:spPr>
+          <p:style>
+            <a:lnRef idx="1">
+              <a:schemeClr val="accent1"/>
+            </a:lnRef>
+            <a:fillRef idx="0">
+              <a:schemeClr val="accent1"/>
+            </a:fillRef>
+            <a:effectRef idx="0">
+              <a:schemeClr val="accent1"/>
+            </a:effectRef>
+            <a:fontRef idx="minor">
+              <a:schemeClr val="tx1"/>
+            </a:fontRef>
+          </p:style>
+        </p:cxnSp>
+        <p:cxnSp>
+          <p:nvCxnSpPr>
+            <p:cNvPr id="147" name="Connecteur droit 146"/>
+            <p:cNvCxnSpPr>
+              <a:stCxn id="116" idx="4"/>
+              <a:endCxn id="119" idx="0"/>
+            </p:cNvCxnSpPr>
+            <p:nvPr/>
+          </p:nvCxnSpPr>
+          <p:spPr>
+            <a:xfrm>
+              <a:off x="935461" y="4210235"/>
+              <a:ext cx="115" cy="733712"/>
+            </a:xfrm>
+            <a:prstGeom prst="line">
+              <a:avLst/>
+            </a:prstGeom>
+            <a:ln w="19050">
+              <a:solidFill>
+                <a:schemeClr val="tx1"/>
+              </a:solidFill>
+            </a:ln>
+          </p:spPr>
+          <p:style>
+            <a:lnRef idx="1">
+              <a:schemeClr val="accent1"/>
+            </a:lnRef>
+            <a:fillRef idx="0">
+              <a:schemeClr val="accent1"/>
+            </a:fillRef>
+            <a:effectRef idx="0">
+              <a:schemeClr val="accent1"/>
+            </a:effectRef>
+            <a:fontRef idx="minor">
+              <a:schemeClr val="tx1"/>
+            </a:fontRef>
+          </p:style>
+        </p:cxnSp>
+        <mc:AlternateContent xmlns:mc="http://schemas.openxmlformats.org/markup-compatibility/2006">
+          <mc:Choice xmlns:a14="http://schemas.microsoft.com/office/drawing/2010/main" Requires="a14">
+            <p:sp>
+              <p:nvSpPr>
+                <p:cNvPr id="1054" name="ZoneTexte 1053"/>
+                <p:cNvSpPr txBox="1"/>
+                <p:nvPr/>
+              </p:nvSpPr>
+              <p:spPr>
+                <a:xfrm>
+                  <a:off x="26574" y="4768564"/>
+                  <a:ext cx="901158" cy="430887"/>
+                </a:xfrm>
+                <a:prstGeom prst="rect">
+                  <a:avLst/>
+                </a:prstGeom>
+                <a:noFill/>
+              </p:spPr>
+              <p:txBody>
+                <a:bodyPr wrap="square" rtlCol="0">
+                  <a:spAutoFit/>
+                </a:bodyPr>
+                <a:lstStyle/>
+                <a:p>
+                  <a:r>
+                    <a:rPr lang="fr-FR" sz="1100" dirty="0" smtClean="0"/>
+                    <a:t>Pivot d’axe </a:t>
+                  </a:r>
+                  <a14:m>
+                    <m:oMath xmlns:m="http://schemas.openxmlformats.org/officeDocument/2006/math">
+                      <m:d>
+                        <m:dPr>
+                          <m:ctrlPr>
+                            <a:rPr lang="fr-FR" sz="1100" i="1" smtClean="0">
+                              <a:latin typeface="Cambria Math"/>
+                            </a:rPr>
+                          </m:ctrlPr>
+                        </m:dPr>
+                        <m:e>
+                          <m:r>
+                            <a:rPr lang="fr-FR" sz="1100" b="0" i="1" smtClean="0">
+                              <a:latin typeface="Cambria Math"/>
+                            </a:rPr>
+                            <m:t>𝑂</m:t>
+                          </m:r>
+                          <m:r>
+                            <a:rPr lang="fr-FR" sz="1100" b="0" i="1" smtClean="0">
+                              <a:latin typeface="Cambria Math"/>
+                            </a:rPr>
+                            <m:t>,</m:t>
+                          </m:r>
+                          <m:acc>
+                            <m:accPr>
+                              <m:chr m:val="⃗"/>
+                              <m:ctrlPr>
+                                <a:rPr lang="fr-FR" sz="1100" b="0" i="1" smtClean="0">
+                                  <a:latin typeface="Cambria Math"/>
+                                </a:rPr>
+                              </m:ctrlPr>
+                            </m:accPr>
+                            <m:e>
+                              <m:r>
+                                <a:rPr lang="fr-FR" sz="1100" b="0" i="1" smtClean="0">
+                                  <a:latin typeface="Cambria Math"/>
+                                </a:rPr>
+                                <m:t>𝑧</m:t>
+                              </m:r>
+                            </m:e>
+                          </m:acc>
+                        </m:e>
+                      </m:d>
+                    </m:oMath>
+                  </a14:m>
+                  <a:endParaRPr lang="fr-FR" sz="1100" dirty="0"/>
+                </a:p>
+              </p:txBody>
+            </p:sp>
+          </mc:Choice>
+          <mc:Fallback>
+            <p:sp>
+              <p:nvSpPr>
+                <p:cNvPr id="1054" name="ZoneTexte 1053"/>
+                <p:cNvSpPr txBox="1">
+                  <a:spLocks noRot="1" noChangeAspect="1" noMove="1" noResize="1" noEditPoints="1" noAdjustHandles="1" noChangeArrowheads="1" noChangeShapeType="1" noTextEdit="1"/>
+                </p:cNvSpPr>
+                <p:nvPr/>
+              </p:nvSpPr>
+              <p:spPr>
+                <a:xfrm>
+                  <a:off x="26574" y="4768564"/>
+                  <a:ext cx="901158" cy="430887"/>
+                </a:xfrm>
+                <a:prstGeom prst="rect">
+                  <a:avLst/>
+                </a:prstGeom>
+                <a:blipFill rotWithShape="1">
+                  <a:blip r:embed="rId14"/>
+                  <a:stretch>
+                    <a:fillRect t="-1408"/>
+                  </a:stretch>
+                </a:blipFill>
+              </p:spPr>
+              <p:txBody>
+                <a:bodyPr/>
+                <a:lstStyle/>
+                <a:p>
+                  <a:r>
+                    <a:rPr lang="fr-FR">
+                      <a:noFill/>
+                    </a:rPr>
+                    <a:t> </a:t>
+                  </a:r>
+                </a:p>
+              </p:txBody>
+            </p:sp>
+          </mc:Fallback>
+        </mc:AlternateContent>
+        <mc:AlternateContent xmlns:mc="http://schemas.openxmlformats.org/markup-compatibility/2006">
+          <mc:Choice xmlns:a14="http://schemas.microsoft.com/office/drawing/2010/main" Requires="a14">
+            <p:sp>
+              <p:nvSpPr>
+                <p:cNvPr id="164" name="ZoneTexte 163"/>
+                <p:cNvSpPr txBox="1"/>
+                <p:nvPr/>
+              </p:nvSpPr>
+              <p:spPr>
+                <a:xfrm>
+                  <a:off x="1148988" y="4768564"/>
+                  <a:ext cx="901158" cy="430887"/>
+                </a:xfrm>
+                <a:prstGeom prst="rect">
+                  <a:avLst/>
+                </a:prstGeom>
+                <a:noFill/>
+              </p:spPr>
+              <p:txBody>
+                <a:bodyPr wrap="square" rtlCol="0">
+                  <a:spAutoFit/>
+                </a:bodyPr>
+                <a:lstStyle/>
+                <a:p>
+                  <a:r>
+                    <a:rPr lang="fr-FR" sz="1100" dirty="0" smtClean="0"/>
+                    <a:t>Pivot d’axe </a:t>
+                  </a:r>
+                  <a14:m>
+                    <m:oMath xmlns:m="http://schemas.openxmlformats.org/officeDocument/2006/math">
+                      <m:d>
+                        <m:dPr>
+                          <m:ctrlPr>
+                            <a:rPr lang="fr-FR" sz="1100" i="1" smtClean="0">
+                              <a:latin typeface="Cambria Math"/>
+                            </a:rPr>
+                          </m:ctrlPr>
+                        </m:dPr>
+                        <m:e>
+                          <m:r>
+                            <a:rPr lang="fr-FR" sz="1100" b="0" i="1" smtClean="0">
+                              <a:latin typeface="Cambria Math"/>
+                            </a:rPr>
+                            <m:t>𝑂</m:t>
+                          </m:r>
+                          <m:r>
+                            <a:rPr lang="fr-FR" sz="1100" b="0" i="1" smtClean="0">
+                              <a:latin typeface="Cambria Math"/>
+                            </a:rPr>
+                            <m:t>,</m:t>
+                          </m:r>
+                          <m:acc>
+                            <m:accPr>
+                              <m:chr m:val="⃗"/>
+                              <m:ctrlPr>
+                                <a:rPr lang="fr-FR" sz="1100" b="0" i="1" smtClean="0">
+                                  <a:latin typeface="Cambria Math"/>
+                                </a:rPr>
+                              </m:ctrlPr>
+                            </m:accPr>
+                            <m:e>
+                              <m:r>
+                                <a:rPr lang="fr-FR" sz="1100" b="0" i="1" smtClean="0">
+                                  <a:latin typeface="Cambria Math"/>
+                                </a:rPr>
+                                <m:t>𝑧</m:t>
+                              </m:r>
+                            </m:e>
+                          </m:acc>
+                        </m:e>
+                      </m:d>
+                    </m:oMath>
+                  </a14:m>
+                  <a:endParaRPr lang="fr-FR" sz="1100" dirty="0"/>
+                </a:p>
+              </p:txBody>
+            </p:sp>
+          </mc:Choice>
+          <mc:Fallback>
+            <p:sp>
+              <p:nvSpPr>
+                <p:cNvPr id="164" name="ZoneTexte 163"/>
+                <p:cNvSpPr txBox="1">
+                  <a:spLocks noRot="1" noChangeAspect="1" noMove="1" noResize="1" noEditPoints="1" noAdjustHandles="1" noChangeArrowheads="1" noChangeShapeType="1" noTextEdit="1"/>
+                </p:cNvSpPr>
+                <p:nvPr/>
+              </p:nvSpPr>
+              <p:spPr>
+                <a:xfrm>
+                  <a:off x="1148988" y="4768564"/>
+                  <a:ext cx="901158" cy="430887"/>
+                </a:xfrm>
+                <a:prstGeom prst="rect">
+                  <a:avLst/>
+                </a:prstGeom>
+                <a:blipFill rotWithShape="1">
+                  <a:blip r:embed="rId15"/>
+                  <a:stretch>
+                    <a:fillRect t="-1408"/>
+                  </a:stretch>
+                </a:blipFill>
+              </p:spPr>
+              <p:txBody>
+                <a:bodyPr/>
+                <a:lstStyle/>
+                <a:p>
+                  <a:r>
+                    <a:rPr lang="fr-FR">
+                      <a:noFill/>
+                    </a:rPr>
+                    <a:t> </a:t>
+                  </a:r>
+                </a:p>
+              </p:txBody>
+            </p:sp>
+          </mc:Fallback>
+        </mc:AlternateContent>
+        <mc:AlternateContent xmlns:mc="http://schemas.openxmlformats.org/markup-compatibility/2006">
+          <mc:Choice xmlns:a14="http://schemas.microsoft.com/office/drawing/2010/main" Requires="a14">
+            <p:sp>
+              <p:nvSpPr>
+                <p:cNvPr id="166" name="ZoneTexte 165"/>
+                <p:cNvSpPr txBox="1"/>
+                <p:nvPr/>
+              </p:nvSpPr>
+              <p:spPr>
+                <a:xfrm>
+                  <a:off x="281511" y="4113076"/>
+                  <a:ext cx="901158" cy="261610"/>
+                </a:xfrm>
+                <a:prstGeom prst="rect">
+                  <a:avLst/>
+                </a:prstGeom>
+                <a:noFill/>
+              </p:spPr>
+              <p:txBody>
+                <a:bodyPr wrap="square" rtlCol="0">
+                  <a:spAutoFit/>
+                </a:bodyPr>
+                <a:lstStyle/>
+                <a:p>
+                  <a:r>
+                    <a:rPr lang="fr-FR" sz="1100" dirty="0" smtClean="0"/>
+                    <a:t>RSG </a:t>
+                  </a:r>
+                  <a14:m>
+                    <m:oMath xmlns:m="http://schemas.openxmlformats.org/officeDocument/2006/math">
+                      <m:r>
+                        <a:rPr lang="fr-FR" sz="1100" i="1" smtClean="0">
+                          <a:latin typeface="Cambria Math"/>
+                        </a:rPr>
+                        <m:t>𝐼</m:t>
+                      </m:r>
+                    </m:oMath>
+                  </a14:m>
+                  <a:endParaRPr lang="fr-FR" sz="1100" dirty="0"/>
+                </a:p>
+              </p:txBody>
+            </p:sp>
+          </mc:Choice>
+          <mc:Fallback>
+            <p:sp>
+              <p:nvSpPr>
+                <p:cNvPr id="166" name="ZoneTexte 165"/>
+                <p:cNvSpPr txBox="1">
+                  <a:spLocks noRot="1" noChangeAspect="1" noMove="1" noResize="1" noEditPoints="1" noAdjustHandles="1" noChangeArrowheads="1" noChangeShapeType="1" noTextEdit="1"/>
+                </p:cNvSpPr>
+                <p:nvPr/>
+              </p:nvSpPr>
+              <p:spPr>
+                <a:xfrm>
+                  <a:off x="281511" y="4113076"/>
+                  <a:ext cx="901158" cy="261610"/>
+                </a:xfrm>
+                <a:prstGeom prst="rect">
+                  <a:avLst/>
+                </a:prstGeom>
+                <a:blipFill rotWithShape="1">
+                  <a:blip r:embed="rId16"/>
+                  <a:stretch>
+                    <a:fillRect b="-16279"/>
+                  </a:stretch>
+                </a:blipFill>
+              </p:spPr>
+              <p:txBody>
+                <a:bodyPr/>
+                <a:lstStyle/>
+                <a:p>
+                  <a:r>
+                    <a:rPr lang="fr-FR">
+                      <a:noFill/>
+                    </a:rPr>
+                    <a:t> </a:t>
+                  </a:r>
+                </a:p>
+              </p:txBody>
+            </p:sp>
+          </mc:Fallback>
+        </mc:AlternateContent>
+        <mc:AlternateContent xmlns:mc="http://schemas.openxmlformats.org/markup-compatibility/2006">
+          <mc:Choice xmlns:a14="http://schemas.microsoft.com/office/drawing/2010/main" Requires="a14">
+            <p:sp>
+              <p:nvSpPr>
+                <p:cNvPr id="167" name="ZoneTexte 166"/>
+                <p:cNvSpPr txBox="1"/>
+                <p:nvPr/>
+              </p:nvSpPr>
+              <p:spPr>
+                <a:xfrm>
+                  <a:off x="502490" y="4446286"/>
+                  <a:ext cx="901158" cy="261610"/>
+                </a:xfrm>
+                <a:prstGeom prst="rect">
+                  <a:avLst/>
+                </a:prstGeom>
+                <a:noFill/>
+              </p:spPr>
+              <p:txBody>
+                <a:bodyPr wrap="square" rtlCol="0">
+                  <a:spAutoFit/>
+                </a:bodyPr>
+                <a:lstStyle/>
+                <a:p>
+                  <a:r>
+                    <a:rPr lang="fr-FR" sz="1100" dirty="0" smtClean="0"/>
+                    <a:t>RSG </a:t>
+                  </a:r>
+                  <a14:m>
+                    <m:oMath xmlns:m="http://schemas.openxmlformats.org/officeDocument/2006/math">
+                      <m:r>
+                        <a:rPr lang="fr-FR" sz="1100" b="0" i="1" smtClean="0">
+                          <a:latin typeface="Cambria Math"/>
+                        </a:rPr>
+                        <m:t>𝐽</m:t>
+                      </m:r>
+                    </m:oMath>
+                  </a14:m>
+                  <a:endParaRPr lang="fr-FR" sz="1100" dirty="0"/>
+                </a:p>
+              </p:txBody>
+            </p:sp>
+          </mc:Choice>
+          <mc:Fallback>
+            <p:sp>
+              <p:nvSpPr>
+                <p:cNvPr id="167" name="ZoneTexte 166"/>
+                <p:cNvSpPr txBox="1">
+                  <a:spLocks noRot="1" noChangeAspect="1" noMove="1" noResize="1" noEditPoints="1" noAdjustHandles="1" noChangeArrowheads="1" noChangeShapeType="1" noTextEdit="1"/>
+                </p:cNvSpPr>
+                <p:nvPr/>
+              </p:nvSpPr>
+              <p:spPr>
+                <a:xfrm>
+                  <a:off x="502490" y="4446286"/>
+                  <a:ext cx="901158" cy="261610"/>
+                </a:xfrm>
+                <a:prstGeom prst="rect">
+                  <a:avLst/>
+                </a:prstGeom>
+                <a:blipFill rotWithShape="1">
+                  <a:blip r:embed="rId17"/>
+                  <a:stretch>
+                    <a:fillRect b="-16279"/>
+                  </a:stretch>
+                </a:blipFill>
+              </p:spPr>
+              <p:txBody>
+                <a:bodyPr/>
+                <a:lstStyle/>
+                <a:p>
+                  <a:r>
+                    <a:rPr lang="fr-FR">
+                      <a:noFill/>
+                    </a:rPr>
+                    <a:t> </a:t>
+                  </a:r>
+                </a:p>
+              </p:txBody>
+            </p:sp>
+          </mc:Fallback>
+        </mc:AlternateContent>
+      </p:grpSp>
+    </p:spTree>
+    <p:extLst>
+      <p:ext uri="{BB962C8B-B14F-4D97-AF65-F5344CB8AC3E}">
+        <p14:creationId xmlns:p14="http://schemas.microsoft.com/office/powerpoint/2010/main" val="20167079"/>
+      </p:ext>
+    </p:extLst>
+  </p:cSld>
+  <p:clrMapOvr>
+    <a:masterClrMapping/>
+  </p:clrMapOvr>
+</p:sld>
+</file>
+
+<file path=ppt/slides/slide3.xml><?xml version="1.0" encoding="utf-8"?>
+<p:sld xmlns:a="http://schemas.openxmlformats.org/drawingml/2006/main" xmlns:r="http://schemas.openxmlformats.org/officeDocument/2006/relationships" xmlns:p="http://schemas.openxmlformats.org/presentationml/2006/main">
+  <p:cSld>
+    <p:spTree>
+      <p:nvGrpSpPr>
+        <p:cNvPr id="1" name=""/>
+        <p:cNvGrpSpPr/>
+        <p:nvPr/>
+      </p:nvGrpSpPr>
+      <p:grpSpPr>
+        <a:xfrm>
+          <a:off x="0" y="0"/>
+          <a:ext cx="0" cy="0"/>
+          <a:chOff x="0" y="0"/>
+          <a:chExt cx="0" cy="0"/>
+        </a:xfrm>
+      </p:grpSpPr>
+      <p:grpSp>
+        <p:nvGrpSpPr>
+          <p:cNvPr id="4" name="Groupe 3"/>
+          <p:cNvGrpSpPr/>
+          <p:nvPr/>
+        </p:nvGrpSpPr>
+        <p:grpSpPr>
+          <a:xfrm>
+            <a:off x="552740" y="2059138"/>
+            <a:ext cx="1439240" cy="1440760"/>
+            <a:chOff x="400340" y="1830538"/>
+            <a:chExt cx="1439240" cy="1440760"/>
+          </a:xfrm>
+        </p:grpSpPr>
+        <p:grpSp>
+          <p:nvGrpSpPr>
+            <p:cNvPr id="5" name="Groupe 4"/>
+            <p:cNvGrpSpPr/>
+            <p:nvPr/>
+          </p:nvGrpSpPr>
+          <p:grpSpPr>
+            <a:xfrm>
+              <a:off x="971600" y="1969039"/>
+              <a:ext cx="728597" cy="728598"/>
+              <a:chOff x="971600" y="1969039"/>
+              <a:chExt cx="728597" cy="728598"/>
+            </a:xfrm>
+          </p:grpSpPr>
+          <p:cxnSp>
+            <p:nvCxnSpPr>
+              <p:cNvPr id="16" name="Connecteur droit avec flèche 15"/>
+              <p:cNvCxnSpPr/>
+              <p:nvPr/>
+            </p:nvCxnSpPr>
+            <p:spPr>
+              <a:xfrm flipV="1">
+                <a:off x="971600" y="1969039"/>
+                <a:ext cx="0" cy="728597"/>
+              </a:xfrm>
+              <a:prstGeom prst="straightConnector1">
+                <a:avLst/>
+              </a:prstGeom>
+              <a:ln w="19050">
+                <a:solidFill>
+                  <a:schemeClr val="tx1"/>
+                </a:solidFill>
+                <a:tailEnd type="stealth" w="med" len="lg"/>
+              </a:ln>
+            </p:spPr>
+            <p:style>
+              <a:lnRef idx="1">
+                <a:schemeClr val="accent1"/>
+              </a:lnRef>
+              <a:fillRef idx="0">
+                <a:schemeClr val="accent1"/>
+              </a:fillRef>
+              <a:effectRef idx="0">
+                <a:schemeClr val="accent1"/>
+              </a:effectRef>
+              <a:fontRef idx="minor">
+                <a:schemeClr val="tx1"/>
+              </a:fontRef>
+            </p:style>
+          </p:cxnSp>
+          <p:cxnSp>
+            <p:nvCxnSpPr>
+              <p:cNvPr id="17" name="Connecteur droit avec flèche 16"/>
+              <p:cNvCxnSpPr/>
+              <p:nvPr/>
+            </p:nvCxnSpPr>
+            <p:spPr>
+              <a:xfrm rot="5400000" flipV="1">
+                <a:off x="1335899" y="2333338"/>
+                <a:ext cx="0" cy="728597"/>
+              </a:xfrm>
+              <a:prstGeom prst="straightConnector1">
+                <a:avLst/>
+              </a:prstGeom>
+              <a:ln w="19050">
+                <a:solidFill>
+                  <a:schemeClr val="tx1"/>
+                </a:solidFill>
+                <a:tailEnd type="stealth" w="med" len="lg"/>
+              </a:ln>
+            </p:spPr>
+            <p:style>
+              <a:lnRef idx="1">
+                <a:schemeClr val="accent1"/>
+              </a:lnRef>
+              <a:fillRef idx="0">
+                <a:schemeClr val="accent1"/>
+              </a:fillRef>
+              <a:effectRef idx="0">
+                <a:schemeClr val="accent1"/>
+              </a:effectRef>
+              <a:fontRef idx="minor">
+                <a:schemeClr val="tx1"/>
+              </a:fontRef>
+            </p:style>
+          </p:cxnSp>
+        </p:grpSp>
+        <mc:AlternateContent xmlns:mc="http://schemas.openxmlformats.org/markup-compatibility/2006" xmlns:a14="http://schemas.microsoft.com/office/drawing/2010/main">
+          <mc:Choice Requires="a14">
+            <p:sp>
+              <p:nvSpPr>
+                <p:cNvPr id="6" name="ZoneTexte 5"/>
+                <p:cNvSpPr txBox="1"/>
+                <p:nvPr/>
+              </p:nvSpPr>
+              <p:spPr>
+                <a:xfrm>
+                  <a:off x="1470826" y="2280777"/>
+                  <a:ext cx="368754" cy="276999"/>
+                </a:xfrm>
+                <a:prstGeom prst="rect">
+                  <a:avLst/>
+                </a:prstGeom>
+                <a:noFill/>
+              </p:spPr>
+              <p:txBody>
+                <a:bodyPr wrap="none" rtlCol="0">
+                  <a:spAutoFit/>
+                </a:bodyPr>
+                <a:lstStyle/>
+                <a:p>
+                  <a:pPr/>
+                  <a14:m>
+                    <m:oMathPara xmlns:m="http://schemas.openxmlformats.org/officeDocument/2006/math">
+                      <m:oMathParaPr>
+                        <m:jc m:val="centerGroup"/>
+                      </m:oMathParaPr>
+                      <m:oMath xmlns:m="http://schemas.openxmlformats.org/officeDocument/2006/math">
+                        <m:acc>
+                          <m:accPr>
+                            <m:chr m:val="⃗"/>
+                            <m:ctrlPr>
+                              <a:rPr lang="fr-FR" sz="1200" b="0" i="1" smtClean="0">
+                                <a:latin typeface="Cambria Math"/>
+                              </a:rPr>
+                            </m:ctrlPr>
+                          </m:accPr>
+                          <m:e>
+                            <m:sSub>
+                              <m:sSubPr>
+                                <m:ctrlPr>
+                                  <a:rPr lang="fr-FR" sz="1200" i="1">
+                                    <a:latin typeface="Cambria Math"/>
+                                  </a:rPr>
+                                </m:ctrlPr>
+                              </m:sSubPr>
+                              <m:e>
+                                <m:r>
+                                  <a:rPr lang="fr-FR" sz="1200" i="1">
+                                    <a:latin typeface="Cambria Math"/>
+                                  </a:rPr>
+                                  <m:t>𝑥</m:t>
+                                </m:r>
+                              </m:e>
+                              <m:sub>
+                                <m:r>
+                                  <a:rPr lang="fr-FR" sz="1200" b="0" i="1" smtClean="0">
+                                    <a:latin typeface="Cambria Math"/>
+                                  </a:rPr>
+                                  <m:t>1</m:t>
+                                </m:r>
+                              </m:sub>
+                            </m:sSub>
+                          </m:e>
+                        </m:acc>
+                      </m:oMath>
+                    </m:oMathPara>
+                  </a14:m>
+                  <a:endParaRPr lang="fr-FR" sz="1200" dirty="0"/>
+                </a:p>
+              </p:txBody>
+            </p:sp>
+          </mc:Choice>
+          <mc:Fallback xmlns="">
+            <p:sp>
+              <p:nvSpPr>
+                <p:cNvPr id="61" name="ZoneTexte 60"/>
+                <p:cNvSpPr txBox="1">
+                  <a:spLocks noRot="1" noChangeAspect="1" noMove="1" noResize="1" noEditPoints="1" noAdjustHandles="1" noChangeArrowheads="1" noChangeShapeType="1" noTextEdit="1"/>
+                </p:cNvSpPr>
+                <p:nvPr/>
+              </p:nvSpPr>
+              <p:spPr>
+                <a:xfrm>
+                  <a:off x="1470826" y="2280777"/>
+                  <a:ext cx="368754" cy="276999"/>
+                </a:xfrm>
+                <a:prstGeom prst="rect">
+                  <a:avLst/>
+                </a:prstGeom>
+                <a:blipFill rotWithShape="1">
+                  <a:blip r:embed="rId6"/>
+                  <a:stretch>
+                    <a:fillRect/>
+                  </a:stretch>
+                </a:blipFill>
+              </p:spPr>
+              <p:txBody>
+                <a:bodyPr/>
+                <a:lstStyle/>
+                <a:p>
+                  <a:r>
+                    <a:rPr lang="fr-FR">
+                      <a:noFill/>
+                    </a:rPr>
+                    <a:t> </a:t>
+                  </a:r>
+                </a:p>
+              </p:txBody>
+            </p:sp>
+          </mc:Fallback>
+        </mc:AlternateContent>
+        <mc:AlternateContent xmlns:mc="http://schemas.openxmlformats.org/markup-compatibility/2006" xmlns:a14="http://schemas.microsoft.com/office/drawing/2010/main">
+          <mc:Choice Requires="a14">
+            <p:sp>
+              <p:nvSpPr>
+                <p:cNvPr id="7" name="ZoneTexte 6"/>
+                <p:cNvSpPr txBox="1"/>
+                <p:nvPr/>
+              </p:nvSpPr>
+              <p:spPr>
+                <a:xfrm>
+                  <a:off x="974002" y="1830538"/>
+                  <a:ext cx="373949" cy="276999"/>
+                </a:xfrm>
+                <a:prstGeom prst="rect">
+                  <a:avLst/>
+                </a:prstGeom>
+                <a:noFill/>
+              </p:spPr>
+              <p:txBody>
+                <a:bodyPr wrap="none" rtlCol="0">
+                  <a:spAutoFit/>
+                </a:bodyPr>
+                <a:lstStyle/>
+                <a:p>
+                  <a:pPr/>
+                  <a14:m>
+                    <m:oMathPara xmlns:m="http://schemas.openxmlformats.org/officeDocument/2006/math">
+                      <m:oMathParaPr>
+                        <m:jc m:val="centerGroup"/>
+                      </m:oMathParaPr>
+                      <m:oMath xmlns:m="http://schemas.openxmlformats.org/officeDocument/2006/math">
+                        <m:acc>
+                          <m:accPr>
+                            <m:chr m:val="⃗"/>
+                            <m:ctrlPr>
+                              <a:rPr lang="fr-FR" sz="1200" b="0" i="1" smtClean="0">
+                                <a:latin typeface="Cambria Math"/>
+                              </a:rPr>
+                            </m:ctrlPr>
+                          </m:accPr>
+                          <m:e>
+                            <m:sSub>
+                              <m:sSubPr>
+                                <m:ctrlPr>
+                                  <a:rPr lang="fr-FR" sz="1200" i="1">
+                                    <a:latin typeface="Cambria Math"/>
+                                  </a:rPr>
+                                </m:ctrlPr>
+                              </m:sSubPr>
+                              <m:e>
+                                <m:r>
+                                  <a:rPr lang="fr-FR" sz="1200" b="0" i="1" smtClean="0">
+                                    <a:latin typeface="Cambria Math"/>
+                                  </a:rPr>
+                                  <m:t>𝑦</m:t>
+                                </m:r>
+                              </m:e>
+                              <m:sub>
+                                <m:r>
+                                  <a:rPr lang="fr-FR" sz="1200" i="1">
+                                    <a:latin typeface="Cambria Math"/>
+                                  </a:rPr>
+                                  <m:t>0</m:t>
+                                </m:r>
+                              </m:sub>
+                            </m:sSub>
+                          </m:e>
+                        </m:acc>
+                      </m:oMath>
+                    </m:oMathPara>
+                  </a14:m>
+                  <a:endParaRPr lang="fr-FR" sz="1200" dirty="0"/>
+                </a:p>
+              </p:txBody>
+            </p:sp>
+          </mc:Choice>
+          <mc:Fallback xmlns="">
+            <p:sp>
+              <p:nvSpPr>
+                <p:cNvPr id="62" name="ZoneTexte 61"/>
+                <p:cNvSpPr txBox="1">
+                  <a:spLocks noRot="1" noChangeAspect="1" noMove="1" noResize="1" noEditPoints="1" noAdjustHandles="1" noChangeArrowheads="1" noChangeShapeType="1" noTextEdit="1"/>
+                </p:cNvSpPr>
+                <p:nvPr/>
+              </p:nvSpPr>
+              <p:spPr>
+                <a:xfrm>
+                  <a:off x="974002" y="1830538"/>
+                  <a:ext cx="373949" cy="276999"/>
+                </a:xfrm>
+                <a:prstGeom prst="rect">
+                  <a:avLst/>
+                </a:prstGeom>
+                <a:blipFill rotWithShape="1">
+                  <a:blip r:embed="rId7"/>
+                  <a:stretch>
+                    <a:fillRect/>
+                  </a:stretch>
+                </a:blipFill>
+              </p:spPr>
+              <p:txBody>
+                <a:bodyPr/>
+                <a:lstStyle/>
+                <a:p>
+                  <a:r>
+                    <a:rPr lang="fr-FR">
+                      <a:noFill/>
+                    </a:rPr>
+                    <a:t> </a:t>
+                  </a:r>
+                </a:p>
+              </p:txBody>
+            </p:sp>
+          </mc:Fallback>
+        </mc:AlternateContent>
+        <p:grpSp>
+          <p:nvGrpSpPr>
+            <p:cNvPr id="8" name="Groupe 7"/>
+            <p:cNvGrpSpPr/>
+            <p:nvPr/>
+          </p:nvGrpSpPr>
+          <p:grpSpPr>
+            <a:xfrm rot="20700000">
+              <a:off x="867301" y="1887165"/>
+              <a:ext cx="728597" cy="728598"/>
+              <a:chOff x="971600" y="1969039"/>
+              <a:chExt cx="728597" cy="728598"/>
+            </a:xfrm>
+          </p:grpSpPr>
+          <p:cxnSp>
+            <p:nvCxnSpPr>
+              <p:cNvPr id="14" name="Connecteur droit avec flèche 13"/>
+              <p:cNvCxnSpPr/>
+              <p:nvPr/>
+            </p:nvCxnSpPr>
+            <p:spPr>
+              <a:xfrm flipV="1">
+                <a:off x="971600" y="1969039"/>
+                <a:ext cx="0" cy="728597"/>
+              </a:xfrm>
+              <a:prstGeom prst="straightConnector1">
+                <a:avLst/>
+              </a:prstGeom>
+              <a:ln w="19050">
+                <a:solidFill>
+                  <a:srgbClr val="00B050"/>
+                </a:solidFill>
+                <a:tailEnd type="stealth" w="med" len="lg"/>
+              </a:ln>
+            </p:spPr>
+            <p:style>
+              <a:lnRef idx="1">
+                <a:schemeClr val="accent1"/>
+              </a:lnRef>
+              <a:fillRef idx="0">
+                <a:schemeClr val="accent1"/>
+              </a:fillRef>
+              <a:effectRef idx="0">
+                <a:schemeClr val="accent1"/>
+              </a:effectRef>
+              <a:fontRef idx="minor">
+                <a:schemeClr val="tx1"/>
+              </a:fontRef>
+            </p:style>
+          </p:cxnSp>
+          <p:cxnSp>
+            <p:nvCxnSpPr>
+              <p:cNvPr id="15" name="Connecteur droit avec flèche 14"/>
+              <p:cNvCxnSpPr/>
+              <p:nvPr/>
+            </p:nvCxnSpPr>
+            <p:spPr>
+              <a:xfrm rot="5400000" flipV="1">
+                <a:off x="1335899" y="2333338"/>
+                <a:ext cx="0" cy="728597"/>
+              </a:xfrm>
+              <a:prstGeom prst="straightConnector1">
+                <a:avLst/>
+              </a:prstGeom>
+              <a:ln w="19050">
+                <a:solidFill>
+                  <a:srgbClr val="00B050"/>
+                </a:solidFill>
+                <a:tailEnd type="stealth" w="med" len="lg"/>
+              </a:ln>
+            </p:spPr>
+            <p:style>
+              <a:lnRef idx="1">
+                <a:schemeClr val="accent1"/>
+              </a:lnRef>
+              <a:fillRef idx="0">
+                <a:schemeClr val="accent1"/>
+              </a:fillRef>
+              <a:effectRef idx="0">
+                <a:schemeClr val="accent1"/>
+              </a:effectRef>
+              <a:fontRef idx="minor">
+                <a:schemeClr val="tx1"/>
+              </a:fontRef>
+            </p:style>
+          </p:cxnSp>
+        </p:grpSp>
+        <mc:AlternateContent xmlns:mc="http://schemas.openxmlformats.org/markup-compatibility/2006" xmlns:a14="http://schemas.microsoft.com/office/drawing/2010/main">
+          <mc:Choice Requires="a14">
+            <p:sp>
+              <p:nvSpPr>
+                <p:cNvPr id="9" name="ZoneTexte 8"/>
+                <p:cNvSpPr txBox="1"/>
+                <p:nvPr/>
+              </p:nvSpPr>
+              <p:spPr>
+                <a:xfrm>
+                  <a:off x="461644" y="1855365"/>
+                  <a:ext cx="370358" cy="276999"/>
+                </a:xfrm>
+                <a:prstGeom prst="rect">
+                  <a:avLst/>
+                </a:prstGeom>
+                <a:noFill/>
+              </p:spPr>
+              <p:txBody>
+                <a:bodyPr wrap="none" rtlCol="0">
+                  <a:spAutoFit/>
+                </a:bodyPr>
+                <a:lstStyle/>
+                <a:p>
+                  <a:pPr/>
+                  <a14:m>
+                    <m:oMathPara xmlns:m="http://schemas.openxmlformats.org/officeDocument/2006/math">
+                      <m:oMathParaPr>
+                        <m:jc m:val="centerGroup"/>
+                      </m:oMathParaPr>
+                      <m:oMath xmlns:m="http://schemas.openxmlformats.org/officeDocument/2006/math">
+                        <m:acc>
+                          <m:accPr>
+                            <m:chr m:val="⃗"/>
+                            <m:ctrlPr>
+                              <a:rPr lang="fr-FR" sz="1200" b="0" i="1" smtClean="0">
+                                <a:latin typeface="Cambria Math"/>
+                              </a:rPr>
+                            </m:ctrlPr>
+                          </m:accPr>
+                          <m:e>
+                            <m:sSub>
+                              <m:sSubPr>
+                                <m:ctrlPr>
+                                  <a:rPr lang="fr-FR" sz="1200" i="1">
+                                    <a:latin typeface="Cambria Math"/>
+                                  </a:rPr>
+                                </m:ctrlPr>
+                              </m:sSubPr>
+                              <m:e>
+                                <m:r>
+                                  <a:rPr lang="fr-FR" sz="1200" b="0" i="1" smtClean="0">
+                                    <a:latin typeface="Cambria Math"/>
+                                  </a:rPr>
+                                  <m:t>𝑦</m:t>
+                                </m:r>
+                              </m:e>
+                              <m:sub>
+                                <m:r>
+                                  <a:rPr lang="fr-FR" sz="1200" b="0" i="1" smtClean="0">
+                                    <a:latin typeface="Cambria Math"/>
+                                  </a:rPr>
+                                  <m:t>1</m:t>
+                                </m:r>
+                              </m:sub>
+                            </m:sSub>
+                          </m:e>
+                        </m:acc>
+                      </m:oMath>
+                    </m:oMathPara>
+                  </a14:m>
+                  <a:endParaRPr lang="fr-FR" sz="1200" dirty="0"/>
+                </a:p>
+              </p:txBody>
+            </p:sp>
+          </mc:Choice>
+          <mc:Fallback xmlns="">
+            <p:sp>
+              <p:nvSpPr>
+                <p:cNvPr id="71" name="ZoneTexte 70"/>
+                <p:cNvSpPr txBox="1">
+                  <a:spLocks noRot="1" noChangeAspect="1" noMove="1" noResize="1" noEditPoints="1" noAdjustHandles="1" noChangeArrowheads="1" noChangeShapeType="1" noTextEdit="1"/>
+                </p:cNvSpPr>
+                <p:nvPr/>
+              </p:nvSpPr>
+              <p:spPr>
+                <a:xfrm>
+                  <a:off x="461644" y="1855365"/>
+                  <a:ext cx="370358" cy="276999"/>
+                </a:xfrm>
+                <a:prstGeom prst="rect">
+                  <a:avLst/>
+                </a:prstGeom>
+                <a:blipFill rotWithShape="1">
+                  <a:blip r:embed="rId10"/>
+                  <a:stretch>
+                    <a:fillRect/>
+                  </a:stretch>
+                </a:blipFill>
+              </p:spPr>
+              <p:txBody>
+                <a:bodyPr/>
+                <a:lstStyle/>
+                <a:p>
+                  <a:r>
+                    <a:rPr lang="fr-FR">
+                      <a:noFill/>
+                    </a:rPr>
+                    <a:t> </a:t>
+                  </a:r>
+                </a:p>
+              </p:txBody>
+            </p:sp>
+          </mc:Fallback>
+        </mc:AlternateContent>
+        <mc:AlternateContent xmlns:mc="http://schemas.openxmlformats.org/markup-compatibility/2006">
+          <mc:Choice xmlns:a14="http://schemas.microsoft.com/office/drawing/2010/main" Requires="a14">
+            <p:sp>
+              <p:nvSpPr>
+                <p:cNvPr id="10" name="ZoneTexte 9"/>
+                <p:cNvSpPr txBox="1"/>
+                <p:nvPr/>
+              </p:nvSpPr>
+              <p:spPr>
+                <a:xfrm>
+                  <a:off x="620863" y="2722141"/>
+                  <a:ext cx="362022" cy="276999"/>
+                </a:xfrm>
+                <a:prstGeom prst="rect">
+                  <a:avLst/>
+                </a:prstGeom>
+                <a:noFill/>
+              </p:spPr>
+              <p:txBody>
+                <a:bodyPr wrap="none" rtlCol="0">
+                  <a:spAutoFit/>
+                </a:bodyPr>
+                <a:lstStyle/>
+                <a:p>
+                  <a:pPr/>
+                  <a14:m>
+                    <m:oMathPara xmlns:m="http://schemas.openxmlformats.org/officeDocument/2006/math">
+                      <m:oMathParaPr>
+                        <m:jc m:val="centerGroup"/>
+                      </m:oMathParaPr>
+                      <m:oMath xmlns:m="http://schemas.openxmlformats.org/officeDocument/2006/math">
+                        <m:acc>
+                          <m:accPr>
+                            <m:chr m:val="⃗"/>
+                            <m:ctrlPr>
+                              <a:rPr lang="fr-FR" sz="1200" b="0" i="1" smtClean="0">
+                                <a:latin typeface="Cambria Math"/>
+                              </a:rPr>
+                            </m:ctrlPr>
+                          </m:accPr>
+                          <m:e>
+                            <m:sSub>
+                              <m:sSubPr>
+                                <m:ctrlPr>
+                                  <a:rPr lang="fr-FR" sz="1200" i="1">
+                                    <a:latin typeface="Cambria Math"/>
+                                  </a:rPr>
+                                </m:ctrlPr>
+                              </m:sSubPr>
+                              <m:e>
+                                <m:r>
+                                  <a:rPr lang="fr-FR" sz="1200" b="0" i="1" smtClean="0">
+                                    <a:latin typeface="Cambria Math"/>
+                                  </a:rPr>
+                                  <m:t>𝑧</m:t>
+                                </m:r>
+                              </m:e>
+                              <m:sub>
+                                <m:r>
+                                  <a:rPr lang="fr-FR" sz="1200" i="1">
+                                    <a:latin typeface="Cambria Math"/>
+                                  </a:rPr>
+                                  <m:t>0</m:t>
+                                </m:r>
+                              </m:sub>
+                            </m:sSub>
+                          </m:e>
+                        </m:acc>
+                      </m:oMath>
+                    </m:oMathPara>
+                  </a14:m>
+                  <a:endParaRPr lang="fr-FR" sz="1200" dirty="0"/>
+                </a:p>
+              </p:txBody>
+            </p:sp>
+          </mc:Choice>
+          <mc:Fallback>
+            <p:sp>
+              <p:nvSpPr>
+                <p:cNvPr id="10" name="ZoneTexte 9"/>
+                <p:cNvSpPr txBox="1">
+                  <a:spLocks noRot="1" noChangeAspect="1" noMove="1" noResize="1" noEditPoints="1" noAdjustHandles="1" noChangeArrowheads="1" noChangeShapeType="1" noTextEdit="1"/>
+                </p:cNvSpPr>
+                <p:nvPr/>
+              </p:nvSpPr>
+              <p:spPr>
+                <a:xfrm>
+                  <a:off x="620863" y="2722141"/>
+                  <a:ext cx="362022" cy="276999"/>
+                </a:xfrm>
+                <a:prstGeom prst="rect">
+                  <a:avLst/>
+                </a:prstGeom>
+                <a:blipFill rotWithShape="1">
+                  <a:blip r:embed="rId11"/>
+                  <a:stretch>
+                    <a:fillRect/>
+                  </a:stretch>
+                </a:blipFill>
+              </p:spPr>
+              <p:txBody>
+                <a:bodyPr/>
+                <a:lstStyle/>
+                <a:p>
+                  <a:r>
+                    <a:rPr lang="fr-FR">
+                      <a:noFill/>
+                    </a:rPr>
+                    <a:t> </a:t>
+                  </a:r>
+                </a:p>
+              </p:txBody>
+            </p:sp>
+          </mc:Fallback>
+        </mc:AlternateContent>
+        <mc:AlternateContent xmlns:mc="http://schemas.openxmlformats.org/markup-compatibility/2006" xmlns:a14="http://schemas.microsoft.com/office/drawing/2010/main">
+          <mc:Choice Requires="a14">
+            <p:sp>
+              <p:nvSpPr>
+                <p:cNvPr id="11" name="ZoneTexte 10"/>
+                <p:cNvSpPr txBox="1"/>
+                <p:nvPr/>
+              </p:nvSpPr>
+              <p:spPr>
+                <a:xfrm>
+                  <a:off x="1467235" y="2698471"/>
+                  <a:ext cx="372345" cy="276999"/>
+                </a:xfrm>
+                <a:prstGeom prst="rect">
+                  <a:avLst/>
+                </a:prstGeom>
+                <a:noFill/>
+              </p:spPr>
+              <p:txBody>
+                <a:bodyPr wrap="none" rtlCol="0">
+                  <a:spAutoFit/>
+                </a:bodyPr>
+                <a:lstStyle/>
+                <a:p>
+                  <a:pPr/>
+                  <a14:m>
+                    <m:oMathPara xmlns:m="http://schemas.openxmlformats.org/officeDocument/2006/math">
+                      <m:oMathParaPr>
+                        <m:jc m:val="centerGroup"/>
+                      </m:oMathParaPr>
+                      <m:oMath xmlns:m="http://schemas.openxmlformats.org/officeDocument/2006/math">
+                        <m:acc>
+                          <m:accPr>
+                            <m:chr m:val="⃗"/>
+                            <m:ctrlPr>
+                              <a:rPr lang="fr-FR" sz="1200" b="0" i="1" smtClean="0">
+                                <a:latin typeface="Cambria Math"/>
+                              </a:rPr>
+                            </m:ctrlPr>
+                          </m:accPr>
+                          <m:e>
+                            <m:sSub>
+                              <m:sSubPr>
+                                <m:ctrlPr>
+                                  <a:rPr lang="fr-FR" sz="1200" i="1">
+                                    <a:latin typeface="Cambria Math"/>
+                                  </a:rPr>
+                                </m:ctrlPr>
+                              </m:sSubPr>
+                              <m:e>
+                                <m:r>
+                                  <a:rPr lang="fr-FR" sz="1200" i="1">
+                                    <a:latin typeface="Cambria Math"/>
+                                  </a:rPr>
+                                  <m:t>𝑥</m:t>
+                                </m:r>
+                              </m:e>
+                              <m:sub>
+                                <m:r>
+                                  <a:rPr lang="fr-FR" sz="1200" i="1">
+                                    <a:latin typeface="Cambria Math"/>
+                                  </a:rPr>
+                                  <m:t>0</m:t>
+                                </m:r>
+                              </m:sub>
+                            </m:sSub>
+                          </m:e>
+                        </m:acc>
+                      </m:oMath>
+                    </m:oMathPara>
+                  </a14:m>
+                  <a:endParaRPr lang="fr-FR" sz="1200" dirty="0"/>
+                </a:p>
+              </p:txBody>
+            </p:sp>
+          </mc:Choice>
+          <mc:Fallback xmlns="">
+            <p:sp>
+              <p:nvSpPr>
+                <p:cNvPr id="89" name="ZoneTexte 88"/>
+                <p:cNvSpPr txBox="1">
+                  <a:spLocks noRot="1" noChangeAspect="1" noMove="1" noResize="1" noEditPoints="1" noAdjustHandles="1" noChangeArrowheads="1" noChangeShapeType="1" noTextEdit="1"/>
+                </p:cNvSpPr>
+                <p:nvPr/>
+              </p:nvSpPr>
+              <p:spPr>
+                <a:xfrm>
+                  <a:off x="1467235" y="2698471"/>
+                  <a:ext cx="372345" cy="276999"/>
+                </a:xfrm>
+                <a:prstGeom prst="rect">
+                  <a:avLst/>
+                </a:prstGeom>
+                <a:blipFill rotWithShape="1">
+                  <a:blip r:embed="rId18"/>
+                  <a:stretch>
+                    <a:fillRect/>
+                  </a:stretch>
+                </a:blipFill>
+              </p:spPr>
+              <p:txBody>
+                <a:bodyPr/>
+                <a:lstStyle/>
+                <a:p>
+                  <a:r>
+                    <a:rPr lang="fr-FR">
+                      <a:noFill/>
+                    </a:rPr>
+                    <a:t> </a:t>
+                  </a:r>
+                </a:p>
+              </p:txBody>
+            </p:sp>
+          </mc:Fallback>
+        </mc:AlternateContent>
+        <p:sp>
+          <p:nvSpPr>
+            <p:cNvPr id="12" name="Arc 11"/>
+            <p:cNvSpPr/>
+            <p:nvPr/>
+          </p:nvSpPr>
+          <p:spPr>
+            <a:xfrm>
+              <a:off x="400340" y="2123974"/>
+              <a:ext cx="1147324" cy="1147324"/>
+            </a:xfrm>
+            <a:prstGeom prst="arc">
+              <a:avLst>
+                <a:gd name="adj1" fmla="val 20706472"/>
+                <a:gd name="adj2" fmla="val 21541531"/>
+              </a:avLst>
+            </a:prstGeom>
+            <a:ln>
+              <a:solidFill>
+                <a:srgbClr val="00B050"/>
+              </a:solidFill>
+              <a:headEnd type="stealth" w="sm" len="med"/>
+              <a:tailEnd type="none"/>
+            </a:ln>
+          </p:spPr>
+          <p:style>
+            <a:lnRef idx="1">
+              <a:schemeClr val="accent1"/>
+            </a:lnRef>
+            <a:fillRef idx="0">
+              <a:schemeClr val="accent1"/>
+            </a:fillRef>
+            <a:effectRef idx="0">
+              <a:schemeClr val="accent1"/>
+            </a:effectRef>
+            <a:fontRef idx="minor">
+              <a:schemeClr val="tx1"/>
+            </a:fontRef>
+          </p:style>
+          <p:txBody>
+            <a:bodyPr rtlCol="0" anchor="ctr"/>
+            <a:lstStyle/>
+            <a:p>
+              <a:pPr algn="ctr"/>
+              <a:endParaRPr lang="fr-FR"/>
+            </a:p>
+          </p:txBody>
+        </p:sp>
+        <mc:AlternateContent xmlns:mc="http://schemas.openxmlformats.org/markup-compatibility/2006">
+          <mc:Choice xmlns:a14="http://schemas.microsoft.com/office/drawing/2010/main" Requires="a14">
+            <p:sp>
+              <p:nvSpPr>
+                <p:cNvPr id="13" name="ZoneTexte 12"/>
+                <p:cNvSpPr txBox="1"/>
+                <p:nvPr/>
+              </p:nvSpPr>
+              <p:spPr>
+                <a:xfrm>
+                  <a:off x="1151282" y="2333337"/>
+                  <a:ext cx="532005" cy="261610"/>
+                </a:xfrm>
+                <a:prstGeom prst="rect">
+                  <a:avLst/>
+                </a:prstGeom>
+                <a:noFill/>
+              </p:spPr>
+              <p:txBody>
+                <a:bodyPr wrap="none" rtlCol="0">
+                  <a:spAutoFit/>
+                </a:bodyPr>
+                <a:lstStyle/>
+                <a:p>
+                  <a:pPr/>
+                  <a14:m>
+                    <m:oMathPara xmlns:m="http://schemas.openxmlformats.org/officeDocument/2006/math">
+                      <m:oMathParaPr>
+                        <m:jc m:val="centerGroup"/>
+                      </m:oMathParaPr>
+                      <m:oMath xmlns:m="http://schemas.openxmlformats.org/officeDocument/2006/math">
+                        <m:sSub>
+                          <m:sSubPr>
+                            <m:ctrlPr>
+                              <a:rPr lang="fr-FR" sz="1100" b="0" i="1" smtClean="0">
+                                <a:latin typeface="Cambria Math"/>
+                              </a:rPr>
+                            </m:ctrlPr>
+                          </m:sSubPr>
+                          <m:e>
+                            <m:r>
+                              <a:rPr lang="fr-FR" sz="1100" b="0" i="1" smtClean="0">
+                                <a:latin typeface="Cambria Math"/>
+                              </a:rPr>
+                              <m:t>𝜃</m:t>
+                            </m:r>
+                          </m:e>
+                          <m:sub>
+                            <m:r>
+                              <a:rPr lang="fr-FR" sz="1100" b="0" i="1" smtClean="0">
+                                <a:latin typeface="Cambria Math"/>
+                              </a:rPr>
+                              <m:t>1</m:t>
+                            </m:r>
+                          </m:sub>
+                        </m:sSub>
+                        <m:r>
+                          <a:rPr lang="fr-FR" sz="1100" b="0" i="1" smtClean="0">
+                            <a:latin typeface="Cambria Math"/>
+                          </a:rPr>
+                          <m:t>(</m:t>
+                        </m:r>
+                        <m:r>
+                          <a:rPr lang="fr-FR" sz="1100" b="0" i="1" smtClean="0">
+                            <a:latin typeface="Cambria Math"/>
+                          </a:rPr>
+                          <m:t>𝑡</m:t>
+                        </m:r>
+                        <m:r>
+                          <a:rPr lang="fr-FR" sz="1100" b="0" i="1" smtClean="0">
+                            <a:latin typeface="Cambria Math"/>
+                          </a:rPr>
+                          <m:t>)</m:t>
+                        </m:r>
+                      </m:oMath>
+                    </m:oMathPara>
+                  </a14:m>
+                  <a:endParaRPr lang="fr-FR" sz="1100" dirty="0"/>
+                </a:p>
+              </p:txBody>
+            </p:sp>
+          </mc:Choice>
+          <mc:Fallback>
+            <p:sp>
+              <p:nvSpPr>
+                <p:cNvPr id="13" name="ZoneTexte 12"/>
+                <p:cNvSpPr txBox="1">
+                  <a:spLocks noRot="1" noChangeAspect="1" noMove="1" noResize="1" noEditPoints="1" noAdjustHandles="1" noChangeArrowheads="1" noChangeShapeType="1" noTextEdit="1"/>
+                </p:cNvSpPr>
+                <p:nvPr/>
+              </p:nvSpPr>
+              <p:spPr>
+                <a:xfrm>
+                  <a:off x="1151282" y="2333337"/>
+                  <a:ext cx="532005" cy="261610"/>
+                </a:xfrm>
+                <a:prstGeom prst="rect">
+                  <a:avLst/>
+                </a:prstGeom>
+                <a:blipFill rotWithShape="1">
+                  <a:blip r:embed="rId19"/>
+                  <a:stretch>
+                    <a:fillRect b="-4651"/>
+                  </a:stretch>
+                </a:blipFill>
+              </p:spPr>
+              <p:txBody>
+                <a:bodyPr/>
+                <a:lstStyle/>
+                <a:p>
+                  <a:r>
+                    <a:rPr lang="fr-FR">
+                      <a:noFill/>
+                    </a:rPr>
+                    <a:t> </a:t>
+                  </a:r>
+                </a:p>
+              </p:txBody>
+            </p:sp>
+          </mc:Fallback>
+        </mc:AlternateContent>
+      </p:grpSp>
+      <p:grpSp>
+        <p:nvGrpSpPr>
+          <p:cNvPr id="18" name="Groupe 17"/>
+          <p:cNvGrpSpPr/>
+          <p:nvPr/>
+        </p:nvGrpSpPr>
+        <p:grpSpPr>
+          <a:xfrm>
+            <a:off x="2202560" y="2059138"/>
+            <a:ext cx="1439240" cy="1440760"/>
+            <a:chOff x="400340" y="1830538"/>
+            <a:chExt cx="1439240" cy="1440760"/>
+          </a:xfrm>
+        </p:grpSpPr>
+        <p:grpSp>
+          <p:nvGrpSpPr>
+            <p:cNvPr id="19" name="Groupe 18"/>
+            <p:cNvGrpSpPr/>
+            <p:nvPr/>
+          </p:nvGrpSpPr>
+          <p:grpSpPr>
+            <a:xfrm>
+              <a:off x="971600" y="1969039"/>
+              <a:ext cx="728597" cy="728598"/>
+              <a:chOff x="971600" y="1969039"/>
+              <a:chExt cx="728597" cy="728598"/>
+            </a:xfrm>
+          </p:grpSpPr>
+          <p:cxnSp>
+            <p:nvCxnSpPr>
+              <p:cNvPr id="30" name="Connecteur droit avec flèche 29"/>
+              <p:cNvCxnSpPr/>
+              <p:nvPr/>
+            </p:nvCxnSpPr>
+            <p:spPr>
+              <a:xfrm flipV="1">
+                <a:off x="971600" y="1969039"/>
+                <a:ext cx="0" cy="728597"/>
+              </a:xfrm>
+              <a:prstGeom prst="straightConnector1">
+                <a:avLst/>
+              </a:prstGeom>
+              <a:ln w="19050">
+                <a:solidFill>
+                  <a:srgbClr val="7030A0"/>
+                </a:solidFill>
+                <a:tailEnd type="stealth" w="med" len="lg"/>
+              </a:ln>
+            </p:spPr>
+            <p:style>
+              <a:lnRef idx="1">
+                <a:schemeClr val="accent1"/>
+              </a:lnRef>
+              <a:fillRef idx="0">
+                <a:schemeClr val="accent1"/>
+              </a:fillRef>
+              <a:effectRef idx="0">
+                <a:schemeClr val="accent1"/>
+              </a:effectRef>
+              <a:fontRef idx="minor">
+                <a:schemeClr val="tx1"/>
+              </a:fontRef>
+            </p:style>
+          </p:cxnSp>
+          <p:cxnSp>
+            <p:nvCxnSpPr>
+              <p:cNvPr id="31" name="Connecteur droit avec flèche 30"/>
+              <p:cNvCxnSpPr/>
+              <p:nvPr/>
+            </p:nvCxnSpPr>
+            <p:spPr>
+              <a:xfrm rot="5400000" flipV="1">
+                <a:off x="1335899" y="2333338"/>
+                <a:ext cx="0" cy="728597"/>
+              </a:xfrm>
+              <a:prstGeom prst="straightConnector1">
+                <a:avLst/>
+              </a:prstGeom>
+              <a:ln w="19050">
+                <a:solidFill>
+                  <a:srgbClr val="7030A0"/>
+                </a:solidFill>
+                <a:tailEnd type="stealth" w="med" len="lg"/>
+              </a:ln>
+            </p:spPr>
+            <p:style>
+              <a:lnRef idx="1">
+                <a:schemeClr val="accent1"/>
+              </a:lnRef>
+              <a:fillRef idx="0">
+                <a:schemeClr val="accent1"/>
+              </a:fillRef>
+              <a:effectRef idx="0">
+                <a:schemeClr val="accent1"/>
+              </a:effectRef>
+              <a:fontRef idx="minor">
+                <a:schemeClr val="tx1"/>
+              </a:fontRef>
+            </p:style>
+          </p:cxnSp>
+        </p:grpSp>
+        <mc:AlternateContent xmlns:mc="http://schemas.openxmlformats.org/markup-compatibility/2006" xmlns:a14="http://schemas.microsoft.com/office/drawing/2010/main">
+          <mc:Choice Requires="a14">
+            <p:sp>
+              <p:nvSpPr>
+                <p:cNvPr id="20" name="ZoneTexte 19"/>
+                <p:cNvSpPr txBox="1"/>
+                <p:nvPr/>
+              </p:nvSpPr>
+              <p:spPr>
+                <a:xfrm>
+                  <a:off x="1470826" y="2280777"/>
+                  <a:ext cx="368754" cy="276999"/>
+                </a:xfrm>
+                <a:prstGeom prst="rect">
+                  <a:avLst/>
+                </a:prstGeom>
+                <a:noFill/>
+              </p:spPr>
+              <p:txBody>
+                <a:bodyPr wrap="none" rtlCol="0">
+                  <a:spAutoFit/>
+                </a:bodyPr>
+                <a:lstStyle/>
+                <a:p>
+                  <a:pPr/>
+                  <a14:m>
+                    <m:oMathPara xmlns:m="http://schemas.openxmlformats.org/officeDocument/2006/math">
+                      <m:oMathParaPr>
+                        <m:jc m:val="centerGroup"/>
+                      </m:oMathParaPr>
+                      <m:oMath xmlns:m="http://schemas.openxmlformats.org/officeDocument/2006/math">
+                        <m:acc>
+                          <m:accPr>
+                            <m:chr m:val="⃗"/>
+                            <m:ctrlPr>
+                              <a:rPr lang="fr-FR" sz="1200" b="0" i="1" smtClean="0">
+                                <a:latin typeface="Cambria Math"/>
+                              </a:rPr>
+                            </m:ctrlPr>
+                          </m:accPr>
+                          <m:e>
+                            <m:sSub>
+                              <m:sSubPr>
+                                <m:ctrlPr>
+                                  <a:rPr lang="fr-FR" sz="1200" i="1">
+                                    <a:latin typeface="Cambria Math"/>
+                                  </a:rPr>
+                                </m:ctrlPr>
+                              </m:sSubPr>
+                              <m:e>
+                                <m:r>
+                                  <a:rPr lang="fr-FR" sz="1200" i="1">
+                                    <a:latin typeface="Cambria Math"/>
+                                  </a:rPr>
+                                  <m:t>𝑥</m:t>
+                                </m:r>
+                              </m:e>
+                              <m:sub>
+                                <m:r>
+                                  <a:rPr lang="fr-FR" sz="1200" b="0" i="1" smtClean="0">
+                                    <a:latin typeface="Cambria Math"/>
+                                  </a:rPr>
+                                  <m:t>1</m:t>
+                                </m:r>
+                              </m:sub>
+                            </m:sSub>
+                          </m:e>
+                        </m:acc>
+                      </m:oMath>
+                    </m:oMathPara>
+                  </a14:m>
+                  <a:endParaRPr lang="fr-FR" sz="1200" dirty="0"/>
+                </a:p>
+              </p:txBody>
+            </p:sp>
+          </mc:Choice>
+          <mc:Fallback xmlns="">
+            <p:sp>
+              <p:nvSpPr>
+                <p:cNvPr id="61" name="ZoneTexte 60"/>
+                <p:cNvSpPr txBox="1">
+                  <a:spLocks noRot="1" noChangeAspect="1" noMove="1" noResize="1" noEditPoints="1" noAdjustHandles="1" noChangeArrowheads="1" noChangeShapeType="1" noTextEdit="1"/>
+                </p:cNvSpPr>
+                <p:nvPr/>
+              </p:nvSpPr>
+              <p:spPr>
+                <a:xfrm>
+                  <a:off x="1470826" y="2280777"/>
+                  <a:ext cx="368754" cy="276999"/>
+                </a:xfrm>
+                <a:prstGeom prst="rect">
+                  <a:avLst/>
+                </a:prstGeom>
+                <a:blipFill rotWithShape="1">
+                  <a:blip r:embed="rId6"/>
+                  <a:stretch>
+                    <a:fillRect/>
+                  </a:stretch>
+                </a:blipFill>
+              </p:spPr>
+              <p:txBody>
+                <a:bodyPr/>
+                <a:lstStyle/>
+                <a:p>
+                  <a:r>
+                    <a:rPr lang="fr-FR">
+                      <a:noFill/>
+                    </a:rPr>
+                    <a:t> </a:t>
+                  </a:r>
+                </a:p>
+              </p:txBody>
+            </p:sp>
+          </mc:Fallback>
+        </mc:AlternateContent>
+        <mc:AlternateContent xmlns:mc="http://schemas.openxmlformats.org/markup-compatibility/2006" xmlns:a14="http://schemas.microsoft.com/office/drawing/2010/main">
+          <mc:Choice Requires="a14">
+            <p:sp>
+              <p:nvSpPr>
+                <p:cNvPr id="21" name="ZoneTexte 20"/>
+                <p:cNvSpPr txBox="1"/>
+                <p:nvPr/>
+              </p:nvSpPr>
+              <p:spPr>
+                <a:xfrm>
+                  <a:off x="974002" y="1830538"/>
+                  <a:ext cx="373949" cy="276999"/>
+                </a:xfrm>
+                <a:prstGeom prst="rect">
+                  <a:avLst/>
+                </a:prstGeom>
+                <a:noFill/>
+              </p:spPr>
+              <p:txBody>
+                <a:bodyPr wrap="none" rtlCol="0">
+                  <a:spAutoFit/>
+                </a:bodyPr>
+                <a:lstStyle/>
+                <a:p>
+                  <a:pPr/>
+                  <a14:m>
+                    <m:oMathPara xmlns:m="http://schemas.openxmlformats.org/officeDocument/2006/math">
+                      <m:oMathParaPr>
+                        <m:jc m:val="centerGroup"/>
+                      </m:oMathParaPr>
+                      <m:oMath xmlns:m="http://schemas.openxmlformats.org/officeDocument/2006/math">
+                        <m:acc>
+                          <m:accPr>
+                            <m:chr m:val="⃗"/>
+                            <m:ctrlPr>
+                              <a:rPr lang="fr-FR" sz="1200" b="0" i="1" smtClean="0">
+                                <a:latin typeface="Cambria Math"/>
+                              </a:rPr>
+                            </m:ctrlPr>
+                          </m:accPr>
+                          <m:e>
+                            <m:sSub>
+                              <m:sSubPr>
+                                <m:ctrlPr>
+                                  <a:rPr lang="fr-FR" sz="1200" i="1">
+                                    <a:latin typeface="Cambria Math"/>
+                                  </a:rPr>
+                                </m:ctrlPr>
+                              </m:sSubPr>
+                              <m:e>
+                                <m:r>
+                                  <a:rPr lang="fr-FR" sz="1200" b="0" i="1" smtClean="0">
+                                    <a:latin typeface="Cambria Math"/>
+                                  </a:rPr>
+                                  <m:t>𝑦</m:t>
+                                </m:r>
+                              </m:e>
+                              <m:sub>
+                                <m:r>
+                                  <a:rPr lang="fr-FR" sz="1200" i="1">
+                                    <a:latin typeface="Cambria Math"/>
+                                  </a:rPr>
+                                  <m:t>0</m:t>
+                                </m:r>
+                              </m:sub>
+                            </m:sSub>
+                          </m:e>
+                        </m:acc>
+                      </m:oMath>
+                    </m:oMathPara>
+                  </a14:m>
+                  <a:endParaRPr lang="fr-FR" sz="1200" dirty="0"/>
+                </a:p>
+              </p:txBody>
+            </p:sp>
+          </mc:Choice>
+          <mc:Fallback xmlns="">
+            <p:sp>
+              <p:nvSpPr>
+                <p:cNvPr id="62" name="ZoneTexte 61"/>
+                <p:cNvSpPr txBox="1">
+                  <a:spLocks noRot="1" noChangeAspect="1" noMove="1" noResize="1" noEditPoints="1" noAdjustHandles="1" noChangeArrowheads="1" noChangeShapeType="1" noTextEdit="1"/>
+                </p:cNvSpPr>
+                <p:nvPr/>
+              </p:nvSpPr>
+              <p:spPr>
+                <a:xfrm>
+                  <a:off x="974002" y="1830538"/>
+                  <a:ext cx="373949" cy="276999"/>
+                </a:xfrm>
+                <a:prstGeom prst="rect">
+                  <a:avLst/>
+                </a:prstGeom>
+                <a:blipFill rotWithShape="1">
+                  <a:blip r:embed="rId7"/>
+                  <a:stretch>
+                    <a:fillRect/>
+                  </a:stretch>
+                </a:blipFill>
+              </p:spPr>
+              <p:txBody>
+                <a:bodyPr/>
+                <a:lstStyle/>
+                <a:p>
+                  <a:r>
+                    <a:rPr lang="fr-FR">
+                      <a:noFill/>
+                    </a:rPr>
+                    <a:t> </a:t>
+                  </a:r>
+                </a:p>
+              </p:txBody>
+            </p:sp>
+          </mc:Fallback>
+        </mc:AlternateContent>
+        <p:grpSp>
+          <p:nvGrpSpPr>
+            <p:cNvPr id="22" name="Groupe 21"/>
+            <p:cNvGrpSpPr/>
+            <p:nvPr/>
+          </p:nvGrpSpPr>
+          <p:grpSpPr>
+            <a:xfrm rot="20700000">
+              <a:off x="867301" y="1887165"/>
+              <a:ext cx="728597" cy="728598"/>
+              <a:chOff x="971600" y="1969039"/>
+              <a:chExt cx="728597" cy="728598"/>
+            </a:xfrm>
+          </p:grpSpPr>
+          <p:cxnSp>
+            <p:nvCxnSpPr>
+              <p:cNvPr id="28" name="Connecteur droit avec flèche 27"/>
+              <p:cNvCxnSpPr/>
+              <p:nvPr/>
+            </p:nvCxnSpPr>
+            <p:spPr>
+              <a:xfrm flipV="1">
+                <a:off x="971600" y="1969039"/>
+                <a:ext cx="0" cy="728597"/>
+              </a:xfrm>
+              <a:prstGeom prst="straightConnector1">
+                <a:avLst/>
+              </a:prstGeom>
+              <a:ln w="19050">
+                <a:solidFill>
+                  <a:srgbClr val="0070C0"/>
+                </a:solidFill>
+                <a:tailEnd type="stealth" w="med" len="lg"/>
+              </a:ln>
+            </p:spPr>
+            <p:style>
+              <a:lnRef idx="1">
+                <a:schemeClr val="accent1"/>
+              </a:lnRef>
+              <a:fillRef idx="0">
+                <a:schemeClr val="accent1"/>
+              </a:fillRef>
+              <a:effectRef idx="0">
+                <a:schemeClr val="accent1"/>
+              </a:effectRef>
+              <a:fontRef idx="minor">
+                <a:schemeClr val="tx1"/>
+              </a:fontRef>
+            </p:style>
+          </p:cxnSp>
+          <p:cxnSp>
+            <p:nvCxnSpPr>
+              <p:cNvPr id="29" name="Connecteur droit avec flèche 28"/>
+              <p:cNvCxnSpPr/>
+              <p:nvPr/>
+            </p:nvCxnSpPr>
+            <p:spPr>
+              <a:xfrm rot="5400000" flipV="1">
+                <a:off x="1335899" y="2333338"/>
+                <a:ext cx="0" cy="728597"/>
+              </a:xfrm>
+              <a:prstGeom prst="straightConnector1">
+                <a:avLst/>
+              </a:prstGeom>
+              <a:ln w="19050">
+                <a:solidFill>
+                  <a:srgbClr val="0070C0"/>
+                </a:solidFill>
+                <a:tailEnd type="stealth" w="med" len="lg"/>
+              </a:ln>
+            </p:spPr>
+            <p:style>
+              <a:lnRef idx="1">
+                <a:schemeClr val="accent1"/>
+              </a:lnRef>
+              <a:fillRef idx="0">
+                <a:schemeClr val="accent1"/>
+              </a:fillRef>
+              <a:effectRef idx="0">
+                <a:schemeClr val="accent1"/>
+              </a:effectRef>
+              <a:fontRef idx="minor">
+                <a:schemeClr val="tx1"/>
+              </a:fontRef>
+            </p:style>
+          </p:cxnSp>
+        </p:grpSp>
+        <mc:AlternateContent xmlns:mc="http://schemas.openxmlformats.org/markup-compatibility/2006" xmlns:a14="http://schemas.microsoft.com/office/drawing/2010/main">
+          <mc:Choice Requires="a14">
+            <p:sp>
+              <p:nvSpPr>
+                <p:cNvPr id="23" name="ZoneTexte 22"/>
+                <p:cNvSpPr txBox="1"/>
+                <p:nvPr/>
+              </p:nvSpPr>
+              <p:spPr>
+                <a:xfrm>
+                  <a:off x="461644" y="1855365"/>
+                  <a:ext cx="370358" cy="276999"/>
+                </a:xfrm>
+                <a:prstGeom prst="rect">
+                  <a:avLst/>
+                </a:prstGeom>
+                <a:noFill/>
+              </p:spPr>
+              <p:txBody>
+                <a:bodyPr wrap="none" rtlCol="0">
+                  <a:spAutoFit/>
+                </a:bodyPr>
+                <a:lstStyle/>
+                <a:p>
+                  <a:pPr/>
+                  <a14:m>
+                    <m:oMathPara xmlns:m="http://schemas.openxmlformats.org/officeDocument/2006/math">
+                      <m:oMathParaPr>
+                        <m:jc m:val="centerGroup"/>
+                      </m:oMathParaPr>
+                      <m:oMath xmlns:m="http://schemas.openxmlformats.org/officeDocument/2006/math">
+                        <m:acc>
+                          <m:accPr>
+                            <m:chr m:val="⃗"/>
+                            <m:ctrlPr>
+                              <a:rPr lang="fr-FR" sz="1200" b="0" i="1" smtClean="0">
+                                <a:latin typeface="Cambria Math"/>
+                              </a:rPr>
+                            </m:ctrlPr>
+                          </m:accPr>
+                          <m:e>
+                            <m:sSub>
+                              <m:sSubPr>
+                                <m:ctrlPr>
+                                  <a:rPr lang="fr-FR" sz="1200" i="1">
+                                    <a:latin typeface="Cambria Math"/>
+                                  </a:rPr>
+                                </m:ctrlPr>
+                              </m:sSubPr>
+                              <m:e>
+                                <m:r>
+                                  <a:rPr lang="fr-FR" sz="1200" b="0" i="1" smtClean="0">
+                                    <a:latin typeface="Cambria Math"/>
+                                  </a:rPr>
+                                  <m:t>𝑦</m:t>
+                                </m:r>
+                              </m:e>
+                              <m:sub>
+                                <m:r>
+                                  <a:rPr lang="fr-FR" sz="1200" b="0" i="1" smtClean="0">
+                                    <a:latin typeface="Cambria Math"/>
+                                  </a:rPr>
+                                  <m:t>1</m:t>
+                                </m:r>
+                              </m:sub>
+                            </m:sSub>
+                          </m:e>
+                        </m:acc>
+                      </m:oMath>
+                    </m:oMathPara>
+                  </a14:m>
+                  <a:endParaRPr lang="fr-FR" sz="1200" dirty="0"/>
+                </a:p>
+              </p:txBody>
+            </p:sp>
+          </mc:Choice>
+          <mc:Fallback xmlns="">
+            <p:sp>
+              <p:nvSpPr>
+                <p:cNvPr id="71" name="ZoneTexte 70"/>
+                <p:cNvSpPr txBox="1">
+                  <a:spLocks noRot="1" noChangeAspect="1" noMove="1" noResize="1" noEditPoints="1" noAdjustHandles="1" noChangeArrowheads="1" noChangeShapeType="1" noTextEdit="1"/>
+                </p:cNvSpPr>
+                <p:nvPr/>
+              </p:nvSpPr>
+              <p:spPr>
+                <a:xfrm>
+                  <a:off x="461644" y="1855365"/>
+                  <a:ext cx="370358" cy="276999"/>
+                </a:xfrm>
+                <a:prstGeom prst="rect">
+                  <a:avLst/>
+                </a:prstGeom>
+                <a:blipFill rotWithShape="1">
+                  <a:blip r:embed="rId10"/>
+                  <a:stretch>
+                    <a:fillRect/>
+                  </a:stretch>
+                </a:blipFill>
+              </p:spPr>
+              <p:txBody>
+                <a:bodyPr/>
+                <a:lstStyle/>
+                <a:p>
+                  <a:r>
+                    <a:rPr lang="fr-FR">
+                      <a:noFill/>
+                    </a:rPr>
+                    <a:t> </a:t>
+                  </a:r>
+                </a:p>
+              </p:txBody>
+            </p:sp>
+          </mc:Fallback>
+        </mc:AlternateContent>
+        <mc:AlternateContent xmlns:mc="http://schemas.openxmlformats.org/markup-compatibility/2006">
+          <mc:Choice xmlns:a14="http://schemas.microsoft.com/office/drawing/2010/main" Requires="a14">
+            <p:sp>
+              <p:nvSpPr>
+                <p:cNvPr id="24" name="ZoneTexte 23"/>
+                <p:cNvSpPr txBox="1"/>
+                <p:nvPr/>
+              </p:nvSpPr>
+              <p:spPr>
+                <a:xfrm>
+                  <a:off x="620863" y="2722141"/>
+                  <a:ext cx="362022" cy="276999"/>
+                </a:xfrm>
+                <a:prstGeom prst="rect">
+                  <a:avLst/>
+                </a:prstGeom>
+                <a:noFill/>
+              </p:spPr>
+              <p:txBody>
+                <a:bodyPr wrap="none" rtlCol="0">
+                  <a:spAutoFit/>
+                </a:bodyPr>
+                <a:lstStyle/>
+                <a:p>
+                  <a:pPr/>
+                  <a14:m>
+                    <m:oMathPara xmlns:m="http://schemas.openxmlformats.org/officeDocument/2006/math">
+                      <m:oMathParaPr>
+                        <m:jc m:val="centerGroup"/>
+                      </m:oMathParaPr>
+                      <m:oMath xmlns:m="http://schemas.openxmlformats.org/officeDocument/2006/math">
+                        <m:acc>
+                          <m:accPr>
+                            <m:chr m:val="⃗"/>
+                            <m:ctrlPr>
+                              <a:rPr lang="fr-FR" sz="1200" b="0" i="1" smtClean="0">
+                                <a:latin typeface="Cambria Math"/>
+                              </a:rPr>
+                            </m:ctrlPr>
+                          </m:accPr>
+                          <m:e>
+                            <m:sSub>
+                              <m:sSubPr>
+                                <m:ctrlPr>
+                                  <a:rPr lang="fr-FR" sz="1200" i="1">
+                                    <a:latin typeface="Cambria Math"/>
+                                  </a:rPr>
+                                </m:ctrlPr>
+                              </m:sSubPr>
+                              <m:e>
+                                <m:r>
+                                  <a:rPr lang="fr-FR" sz="1200" b="0" i="1" smtClean="0">
+                                    <a:latin typeface="Cambria Math"/>
+                                  </a:rPr>
+                                  <m:t>𝑧</m:t>
+                                </m:r>
+                              </m:e>
+                              <m:sub>
+                                <m:r>
+                                  <a:rPr lang="fr-FR" sz="1200" i="1">
+                                    <a:latin typeface="Cambria Math"/>
+                                  </a:rPr>
+                                  <m:t>0</m:t>
+                                </m:r>
+                              </m:sub>
+                            </m:sSub>
+                          </m:e>
+                        </m:acc>
+                      </m:oMath>
+                    </m:oMathPara>
+                  </a14:m>
+                  <a:endParaRPr lang="fr-FR" sz="1200" dirty="0"/>
+                </a:p>
+              </p:txBody>
+            </p:sp>
+          </mc:Choice>
+          <mc:Fallback>
+            <p:sp>
+              <p:nvSpPr>
+                <p:cNvPr id="24" name="ZoneTexte 23"/>
+                <p:cNvSpPr txBox="1">
+                  <a:spLocks noRot="1" noChangeAspect="1" noMove="1" noResize="1" noEditPoints="1" noAdjustHandles="1" noChangeArrowheads="1" noChangeShapeType="1" noTextEdit="1"/>
+                </p:cNvSpPr>
+                <p:nvPr/>
+              </p:nvSpPr>
+              <p:spPr>
+                <a:xfrm>
+                  <a:off x="620863" y="2722141"/>
+                  <a:ext cx="362022" cy="276999"/>
+                </a:xfrm>
+                <a:prstGeom prst="rect">
+                  <a:avLst/>
+                </a:prstGeom>
+                <a:blipFill rotWithShape="1">
+                  <a:blip r:embed="rId20"/>
+                  <a:stretch>
+                    <a:fillRect/>
+                  </a:stretch>
+                </a:blipFill>
+              </p:spPr>
+              <p:txBody>
+                <a:bodyPr/>
+                <a:lstStyle/>
+                <a:p>
+                  <a:r>
+                    <a:rPr lang="fr-FR">
+                      <a:noFill/>
+                    </a:rPr>
+                    <a:t> </a:t>
+                  </a:r>
+                </a:p>
+              </p:txBody>
+            </p:sp>
+          </mc:Fallback>
+        </mc:AlternateContent>
+        <mc:AlternateContent xmlns:mc="http://schemas.openxmlformats.org/markup-compatibility/2006" xmlns:a14="http://schemas.microsoft.com/office/drawing/2010/main">
+          <mc:Choice Requires="a14">
+            <p:sp>
+              <p:nvSpPr>
+                <p:cNvPr id="25" name="ZoneTexte 24"/>
+                <p:cNvSpPr txBox="1"/>
+                <p:nvPr/>
+              </p:nvSpPr>
+              <p:spPr>
+                <a:xfrm>
+                  <a:off x="1467235" y="2698471"/>
+                  <a:ext cx="372345" cy="276999"/>
+                </a:xfrm>
+                <a:prstGeom prst="rect">
+                  <a:avLst/>
+                </a:prstGeom>
+                <a:noFill/>
+              </p:spPr>
+              <p:txBody>
+                <a:bodyPr wrap="none" rtlCol="0">
+                  <a:spAutoFit/>
+                </a:bodyPr>
+                <a:lstStyle/>
+                <a:p>
+                  <a:pPr/>
+                  <a14:m>
+                    <m:oMathPara xmlns:m="http://schemas.openxmlformats.org/officeDocument/2006/math">
+                      <m:oMathParaPr>
+                        <m:jc m:val="centerGroup"/>
+                      </m:oMathParaPr>
+                      <m:oMath xmlns:m="http://schemas.openxmlformats.org/officeDocument/2006/math">
+                        <m:acc>
+                          <m:accPr>
+                            <m:chr m:val="⃗"/>
+                            <m:ctrlPr>
+                              <a:rPr lang="fr-FR" sz="1200" b="0" i="1" smtClean="0">
+                                <a:latin typeface="Cambria Math"/>
+                              </a:rPr>
+                            </m:ctrlPr>
+                          </m:accPr>
+                          <m:e>
+                            <m:sSub>
+                              <m:sSubPr>
+                                <m:ctrlPr>
+                                  <a:rPr lang="fr-FR" sz="1200" i="1">
+                                    <a:latin typeface="Cambria Math"/>
+                                  </a:rPr>
+                                </m:ctrlPr>
+                              </m:sSubPr>
+                              <m:e>
+                                <m:r>
+                                  <a:rPr lang="fr-FR" sz="1200" i="1">
+                                    <a:latin typeface="Cambria Math"/>
+                                  </a:rPr>
+                                  <m:t>𝑥</m:t>
+                                </m:r>
+                              </m:e>
+                              <m:sub>
+                                <m:r>
+                                  <a:rPr lang="fr-FR" sz="1200" i="1">
+                                    <a:latin typeface="Cambria Math"/>
+                                  </a:rPr>
+                                  <m:t>0</m:t>
+                                </m:r>
+                              </m:sub>
+                            </m:sSub>
+                          </m:e>
+                        </m:acc>
+                      </m:oMath>
+                    </m:oMathPara>
+                  </a14:m>
+                  <a:endParaRPr lang="fr-FR" sz="1200" dirty="0"/>
+                </a:p>
+              </p:txBody>
+            </p:sp>
+          </mc:Choice>
+          <mc:Fallback xmlns="">
+            <p:sp>
+              <p:nvSpPr>
+                <p:cNvPr id="89" name="ZoneTexte 88"/>
+                <p:cNvSpPr txBox="1">
+                  <a:spLocks noRot="1" noChangeAspect="1" noMove="1" noResize="1" noEditPoints="1" noAdjustHandles="1" noChangeArrowheads="1" noChangeShapeType="1" noTextEdit="1"/>
+                </p:cNvSpPr>
+                <p:nvPr/>
+              </p:nvSpPr>
+              <p:spPr>
+                <a:xfrm>
+                  <a:off x="1467235" y="2698471"/>
+                  <a:ext cx="372345" cy="276999"/>
+                </a:xfrm>
+                <a:prstGeom prst="rect">
+                  <a:avLst/>
+                </a:prstGeom>
+                <a:blipFill rotWithShape="1">
+                  <a:blip r:embed="rId18"/>
+                  <a:stretch>
+                    <a:fillRect/>
+                  </a:stretch>
+                </a:blipFill>
+              </p:spPr>
+              <p:txBody>
+                <a:bodyPr/>
+                <a:lstStyle/>
+                <a:p>
+                  <a:r>
+                    <a:rPr lang="fr-FR">
+                      <a:noFill/>
+                    </a:rPr>
+                    <a:t> </a:t>
+                  </a:r>
+                </a:p>
+              </p:txBody>
+            </p:sp>
+          </mc:Fallback>
+        </mc:AlternateContent>
+        <p:sp>
+          <p:nvSpPr>
+            <p:cNvPr id="26" name="Arc 25"/>
+            <p:cNvSpPr/>
+            <p:nvPr/>
+          </p:nvSpPr>
+          <p:spPr>
+            <a:xfrm>
+              <a:off x="400340" y="2123974"/>
+              <a:ext cx="1147324" cy="1147324"/>
+            </a:xfrm>
+            <a:prstGeom prst="arc">
+              <a:avLst>
+                <a:gd name="adj1" fmla="val 20706472"/>
+                <a:gd name="adj2" fmla="val 21541531"/>
+              </a:avLst>
+            </a:prstGeom>
+            <a:ln>
+              <a:headEnd type="stealth" w="sm" len="med"/>
+              <a:tailEnd type="none"/>
+            </a:ln>
+          </p:spPr>
+          <p:style>
+            <a:lnRef idx="1">
+              <a:schemeClr val="accent1"/>
+            </a:lnRef>
+            <a:fillRef idx="0">
+              <a:schemeClr val="accent1"/>
+            </a:fillRef>
+            <a:effectRef idx="0">
+              <a:schemeClr val="accent1"/>
+            </a:effectRef>
+            <a:fontRef idx="minor">
+              <a:schemeClr val="tx1"/>
+            </a:fontRef>
+          </p:style>
+          <p:txBody>
+            <a:bodyPr rtlCol="0" anchor="ctr"/>
+            <a:lstStyle/>
+            <a:p>
+              <a:pPr algn="ctr"/>
+              <a:endParaRPr lang="fr-FR"/>
+            </a:p>
+          </p:txBody>
+        </p:sp>
+        <mc:AlternateContent xmlns:mc="http://schemas.openxmlformats.org/markup-compatibility/2006">
+          <mc:Choice xmlns:a14="http://schemas.microsoft.com/office/drawing/2010/main" Requires="a14">
+            <p:sp>
+              <p:nvSpPr>
+                <p:cNvPr id="27" name="ZoneTexte 26"/>
+                <p:cNvSpPr txBox="1"/>
+                <p:nvPr/>
+              </p:nvSpPr>
+              <p:spPr>
+                <a:xfrm>
+                  <a:off x="1151282" y="2333337"/>
+                  <a:ext cx="535275" cy="261610"/>
+                </a:xfrm>
+                <a:prstGeom prst="rect">
+                  <a:avLst/>
+                </a:prstGeom>
+                <a:noFill/>
+              </p:spPr>
+              <p:txBody>
+                <a:bodyPr wrap="none" rtlCol="0">
+                  <a:spAutoFit/>
+                </a:bodyPr>
+                <a:lstStyle/>
+                <a:p>
+                  <a:pPr/>
+                  <a14:m>
+                    <m:oMathPara xmlns:m="http://schemas.openxmlformats.org/officeDocument/2006/math">
+                      <m:oMathParaPr>
+                        <m:jc m:val="centerGroup"/>
+                      </m:oMathParaPr>
+                      <m:oMath xmlns:m="http://schemas.openxmlformats.org/officeDocument/2006/math">
+                        <m:sSub>
+                          <m:sSubPr>
+                            <m:ctrlPr>
+                              <a:rPr lang="fr-FR" sz="1100" b="0" i="1" smtClean="0">
+                                <a:latin typeface="Cambria Math"/>
+                              </a:rPr>
+                            </m:ctrlPr>
+                          </m:sSubPr>
+                          <m:e>
+                            <m:r>
+                              <a:rPr lang="fr-FR" sz="1100" b="0" i="1" smtClean="0">
+                                <a:latin typeface="Cambria Math"/>
+                              </a:rPr>
+                              <m:t>𝜃</m:t>
+                            </m:r>
+                          </m:e>
+                          <m:sub>
+                            <m:r>
+                              <a:rPr lang="fr-FR" sz="1100" b="0" i="1" smtClean="0">
+                                <a:latin typeface="Cambria Math"/>
+                              </a:rPr>
+                              <m:t>2</m:t>
+                            </m:r>
+                          </m:sub>
+                        </m:sSub>
+                        <m:r>
+                          <a:rPr lang="fr-FR" sz="1100" b="0" i="1" smtClean="0">
+                            <a:latin typeface="Cambria Math"/>
+                          </a:rPr>
+                          <m:t>(</m:t>
+                        </m:r>
+                        <m:r>
+                          <a:rPr lang="fr-FR" sz="1100" b="0" i="1" smtClean="0">
+                            <a:latin typeface="Cambria Math"/>
+                          </a:rPr>
+                          <m:t>𝑡</m:t>
+                        </m:r>
+                        <m:r>
+                          <a:rPr lang="fr-FR" sz="1100" b="0" i="1" smtClean="0">
+                            <a:latin typeface="Cambria Math"/>
+                          </a:rPr>
+                          <m:t>)</m:t>
+                        </m:r>
+                      </m:oMath>
+                    </m:oMathPara>
+                  </a14:m>
+                  <a:endParaRPr lang="fr-FR" sz="1100" dirty="0"/>
+                </a:p>
+              </p:txBody>
+            </p:sp>
+          </mc:Choice>
+          <mc:Fallback>
+            <p:sp>
+              <p:nvSpPr>
+                <p:cNvPr id="27" name="ZoneTexte 26"/>
+                <p:cNvSpPr txBox="1">
+                  <a:spLocks noRot="1" noChangeAspect="1" noMove="1" noResize="1" noEditPoints="1" noAdjustHandles="1" noChangeArrowheads="1" noChangeShapeType="1" noTextEdit="1"/>
+                </p:cNvSpPr>
+                <p:nvPr/>
+              </p:nvSpPr>
+              <p:spPr>
+                <a:xfrm>
+                  <a:off x="1151282" y="2333337"/>
+                  <a:ext cx="535275" cy="261610"/>
+                </a:xfrm>
+                <a:prstGeom prst="rect">
+                  <a:avLst/>
+                </a:prstGeom>
+                <a:blipFill rotWithShape="1">
+                  <a:blip r:embed="rId21"/>
+                  <a:stretch>
+                    <a:fillRect b="-4651"/>
+                  </a:stretch>
+                </a:blipFill>
+              </p:spPr>
+              <p:txBody>
+                <a:bodyPr/>
+                <a:lstStyle/>
+                <a:p>
+                  <a:r>
+                    <a:rPr lang="fr-FR">
+                      <a:noFill/>
+                    </a:rPr>
+                    <a:t> </a:t>
+                  </a:r>
+                </a:p>
+              </p:txBody>
+            </p:sp>
+          </mc:Fallback>
+        </mc:AlternateContent>
+      </p:grpSp>
+      <p:grpSp>
+        <p:nvGrpSpPr>
+          <p:cNvPr id="32" name="Groupe 31"/>
+          <p:cNvGrpSpPr/>
+          <p:nvPr/>
+        </p:nvGrpSpPr>
+        <p:grpSpPr>
+          <a:xfrm>
+            <a:off x="3852380" y="2059138"/>
+            <a:ext cx="1439240" cy="1440760"/>
+            <a:chOff x="400340" y="1830538"/>
+            <a:chExt cx="1439240" cy="1440760"/>
+          </a:xfrm>
+        </p:grpSpPr>
+        <p:grpSp>
+          <p:nvGrpSpPr>
+            <p:cNvPr id="33" name="Groupe 32"/>
+            <p:cNvGrpSpPr/>
+            <p:nvPr/>
+          </p:nvGrpSpPr>
+          <p:grpSpPr>
+            <a:xfrm>
+              <a:off x="971600" y="1969039"/>
+              <a:ext cx="728597" cy="728598"/>
+              <a:chOff x="971600" y="1969039"/>
+              <a:chExt cx="728597" cy="728598"/>
+            </a:xfrm>
+          </p:grpSpPr>
+          <p:cxnSp>
+            <p:nvCxnSpPr>
+              <p:cNvPr id="44" name="Connecteur droit avec flèche 43"/>
+              <p:cNvCxnSpPr/>
+              <p:nvPr/>
+            </p:nvCxnSpPr>
+            <p:spPr>
+              <a:xfrm flipV="1">
+                <a:off x="971600" y="1969039"/>
+                <a:ext cx="0" cy="728597"/>
+              </a:xfrm>
+              <a:prstGeom prst="straightConnector1">
+                <a:avLst/>
+              </a:prstGeom>
+              <a:ln w="19050">
+                <a:solidFill>
+                  <a:srgbClr val="7030A0"/>
+                </a:solidFill>
+                <a:tailEnd type="stealth" w="med" len="lg"/>
+              </a:ln>
+            </p:spPr>
+            <p:style>
+              <a:lnRef idx="1">
+                <a:schemeClr val="accent1"/>
+              </a:lnRef>
+              <a:fillRef idx="0">
+                <a:schemeClr val="accent1"/>
+              </a:fillRef>
+              <a:effectRef idx="0">
+                <a:schemeClr val="accent1"/>
+              </a:effectRef>
+              <a:fontRef idx="minor">
+                <a:schemeClr val="tx1"/>
+              </a:fontRef>
+            </p:style>
+          </p:cxnSp>
+          <p:cxnSp>
+            <p:nvCxnSpPr>
+              <p:cNvPr id="45" name="Connecteur droit avec flèche 44"/>
+              <p:cNvCxnSpPr/>
+              <p:nvPr/>
+            </p:nvCxnSpPr>
+            <p:spPr>
+              <a:xfrm rot="5400000" flipV="1">
+                <a:off x="1335899" y="2333338"/>
+                <a:ext cx="0" cy="728597"/>
+              </a:xfrm>
+              <a:prstGeom prst="straightConnector1">
+                <a:avLst/>
+              </a:prstGeom>
+              <a:ln w="19050">
+                <a:solidFill>
+                  <a:srgbClr val="7030A0"/>
+                </a:solidFill>
+                <a:tailEnd type="stealth" w="med" len="lg"/>
+              </a:ln>
+            </p:spPr>
+            <p:style>
+              <a:lnRef idx="1">
+                <a:schemeClr val="accent1"/>
+              </a:lnRef>
+              <a:fillRef idx="0">
+                <a:schemeClr val="accent1"/>
+              </a:fillRef>
+              <a:effectRef idx="0">
+                <a:schemeClr val="accent1"/>
+              </a:effectRef>
+              <a:fontRef idx="minor">
+                <a:schemeClr val="tx1"/>
+              </a:fontRef>
+            </p:style>
+          </p:cxnSp>
+        </p:grpSp>
+        <mc:AlternateContent xmlns:mc="http://schemas.openxmlformats.org/markup-compatibility/2006" xmlns:a14="http://schemas.microsoft.com/office/drawing/2010/main">
+          <mc:Choice Requires="a14">
+            <p:sp>
+              <p:nvSpPr>
+                <p:cNvPr id="34" name="ZoneTexte 33"/>
+                <p:cNvSpPr txBox="1"/>
+                <p:nvPr/>
+              </p:nvSpPr>
+              <p:spPr>
+                <a:xfrm>
+                  <a:off x="1470826" y="2280777"/>
+                  <a:ext cx="368754" cy="276999"/>
+                </a:xfrm>
+                <a:prstGeom prst="rect">
+                  <a:avLst/>
+                </a:prstGeom>
+                <a:noFill/>
+              </p:spPr>
+              <p:txBody>
+                <a:bodyPr wrap="none" rtlCol="0">
+                  <a:spAutoFit/>
+                </a:bodyPr>
+                <a:lstStyle/>
+                <a:p>
+                  <a:pPr/>
+                  <a14:m>
+                    <m:oMathPara xmlns:m="http://schemas.openxmlformats.org/officeDocument/2006/math">
+                      <m:oMathParaPr>
+                        <m:jc m:val="centerGroup"/>
+                      </m:oMathParaPr>
+                      <m:oMath xmlns:m="http://schemas.openxmlformats.org/officeDocument/2006/math">
+                        <m:acc>
+                          <m:accPr>
+                            <m:chr m:val="⃗"/>
+                            <m:ctrlPr>
+                              <a:rPr lang="fr-FR" sz="1200" b="0" i="1" smtClean="0">
+                                <a:latin typeface="Cambria Math"/>
+                              </a:rPr>
+                            </m:ctrlPr>
+                          </m:accPr>
+                          <m:e>
+                            <m:sSub>
+                              <m:sSubPr>
+                                <m:ctrlPr>
+                                  <a:rPr lang="fr-FR" sz="1200" i="1">
+                                    <a:latin typeface="Cambria Math"/>
+                                  </a:rPr>
+                                </m:ctrlPr>
+                              </m:sSubPr>
+                              <m:e>
+                                <m:r>
+                                  <a:rPr lang="fr-FR" sz="1200" i="1">
+                                    <a:latin typeface="Cambria Math"/>
+                                  </a:rPr>
+                                  <m:t>𝑥</m:t>
+                                </m:r>
+                              </m:e>
+                              <m:sub>
+                                <m:r>
+                                  <a:rPr lang="fr-FR" sz="1200" b="0" i="1" smtClean="0">
+                                    <a:latin typeface="Cambria Math"/>
+                                  </a:rPr>
+                                  <m:t>1</m:t>
+                                </m:r>
+                              </m:sub>
+                            </m:sSub>
+                          </m:e>
+                        </m:acc>
+                      </m:oMath>
+                    </m:oMathPara>
+                  </a14:m>
+                  <a:endParaRPr lang="fr-FR" sz="1200" dirty="0"/>
+                </a:p>
+              </p:txBody>
+            </p:sp>
+          </mc:Choice>
+          <mc:Fallback xmlns="">
+            <p:sp>
+              <p:nvSpPr>
+                <p:cNvPr id="61" name="ZoneTexte 60"/>
+                <p:cNvSpPr txBox="1">
+                  <a:spLocks noRot="1" noChangeAspect="1" noMove="1" noResize="1" noEditPoints="1" noAdjustHandles="1" noChangeArrowheads="1" noChangeShapeType="1" noTextEdit="1"/>
+                </p:cNvSpPr>
+                <p:nvPr/>
+              </p:nvSpPr>
+              <p:spPr>
+                <a:xfrm>
+                  <a:off x="1470826" y="2280777"/>
+                  <a:ext cx="368754" cy="276999"/>
+                </a:xfrm>
+                <a:prstGeom prst="rect">
+                  <a:avLst/>
+                </a:prstGeom>
+                <a:blipFill rotWithShape="1">
+                  <a:blip r:embed="rId6"/>
+                  <a:stretch>
+                    <a:fillRect/>
+                  </a:stretch>
+                </a:blipFill>
+              </p:spPr>
+              <p:txBody>
+                <a:bodyPr/>
+                <a:lstStyle/>
+                <a:p>
+                  <a:r>
+                    <a:rPr lang="fr-FR">
+                      <a:noFill/>
+                    </a:rPr>
+                    <a:t> </a:t>
+                  </a:r>
+                </a:p>
+              </p:txBody>
+            </p:sp>
+          </mc:Fallback>
+        </mc:AlternateContent>
+        <mc:AlternateContent xmlns:mc="http://schemas.openxmlformats.org/markup-compatibility/2006" xmlns:a14="http://schemas.microsoft.com/office/drawing/2010/main">
+          <mc:Choice Requires="a14">
+            <p:sp>
+              <p:nvSpPr>
+                <p:cNvPr id="35" name="ZoneTexte 34"/>
+                <p:cNvSpPr txBox="1"/>
+                <p:nvPr/>
+              </p:nvSpPr>
+              <p:spPr>
+                <a:xfrm>
+                  <a:off x="974002" y="1830538"/>
+                  <a:ext cx="373949" cy="276999"/>
+                </a:xfrm>
+                <a:prstGeom prst="rect">
+                  <a:avLst/>
+                </a:prstGeom>
+                <a:noFill/>
+              </p:spPr>
+              <p:txBody>
+                <a:bodyPr wrap="none" rtlCol="0">
+                  <a:spAutoFit/>
+                </a:bodyPr>
+                <a:lstStyle/>
+                <a:p>
+                  <a:pPr/>
+                  <a14:m>
+                    <m:oMathPara xmlns:m="http://schemas.openxmlformats.org/officeDocument/2006/math">
+                      <m:oMathParaPr>
+                        <m:jc m:val="centerGroup"/>
+                      </m:oMathParaPr>
+                      <m:oMath xmlns:m="http://schemas.openxmlformats.org/officeDocument/2006/math">
+                        <m:acc>
+                          <m:accPr>
+                            <m:chr m:val="⃗"/>
+                            <m:ctrlPr>
+                              <a:rPr lang="fr-FR" sz="1200" b="0" i="1" smtClean="0">
+                                <a:latin typeface="Cambria Math"/>
+                              </a:rPr>
+                            </m:ctrlPr>
+                          </m:accPr>
+                          <m:e>
+                            <m:sSub>
+                              <m:sSubPr>
+                                <m:ctrlPr>
+                                  <a:rPr lang="fr-FR" sz="1200" i="1">
+                                    <a:latin typeface="Cambria Math"/>
+                                  </a:rPr>
+                                </m:ctrlPr>
+                              </m:sSubPr>
+                              <m:e>
+                                <m:r>
+                                  <a:rPr lang="fr-FR" sz="1200" b="0" i="1" smtClean="0">
+                                    <a:latin typeface="Cambria Math"/>
+                                  </a:rPr>
+                                  <m:t>𝑦</m:t>
+                                </m:r>
+                              </m:e>
+                              <m:sub>
+                                <m:r>
+                                  <a:rPr lang="fr-FR" sz="1200" i="1">
+                                    <a:latin typeface="Cambria Math"/>
+                                  </a:rPr>
+                                  <m:t>0</m:t>
+                                </m:r>
+                              </m:sub>
+                            </m:sSub>
+                          </m:e>
+                        </m:acc>
+                      </m:oMath>
+                    </m:oMathPara>
+                  </a14:m>
+                  <a:endParaRPr lang="fr-FR" sz="1200" dirty="0"/>
+                </a:p>
+              </p:txBody>
+            </p:sp>
+          </mc:Choice>
+          <mc:Fallback xmlns="">
+            <p:sp>
+              <p:nvSpPr>
+                <p:cNvPr id="62" name="ZoneTexte 61"/>
+                <p:cNvSpPr txBox="1">
+                  <a:spLocks noRot="1" noChangeAspect="1" noMove="1" noResize="1" noEditPoints="1" noAdjustHandles="1" noChangeArrowheads="1" noChangeShapeType="1" noTextEdit="1"/>
+                </p:cNvSpPr>
+                <p:nvPr/>
+              </p:nvSpPr>
+              <p:spPr>
+                <a:xfrm>
+                  <a:off x="974002" y="1830538"/>
+                  <a:ext cx="373949" cy="276999"/>
+                </a:xfrm>
+                <a:prstGeom prst="rect">
+                  <a:avLst/>
+                </a:prstGeom>
+                <a:blipFill rotWithShape="1">
+                  <a:blip r:embed="rId7"/>
+                  <a:stretch>
+                    <a:fillRect/>
+                  </a:stretch>
+                </a:blipFill>
+              </p:spPr>
+              <p:txBody>
+                <a:bodyPr/>
+                <a:lstStyle/>
+                <a:p>
+                  <a:r>
+                    <a:rPr lang="fr-FR">
+                      <a:noFill/>
+                    </a:rPr>
+                    <a:t> </a:t>
+                  </a:r>
+                </a:p>
+              </p:txBody>
+            </p:sp>
+          </mc:Fallback>
+        </mc:AlternateContent>
+        <p:grpSp>
+          <p:nvGrpSpPr>
+            <p:cNvPr id="36" name="Groupe 35"/>
+            <p:cNvGrpSpPr/>
+            <p:nvPr/>
+          </p:nvGrpSpPr>
+          <p:grpSpPr>
+            <a:xfrm rot="20700000">
+              <a:off x="867301" y="1887165"/>
+              <a:ext cx="728597" cy="728598"/>
+              <a:chOff x="971600" y="1969039"/>
+              <a:chExt cx="728597" cy="728598"/>
+            </a:xfrm>
+          </p:grpSpPr>
+          <p:cxnSp>
+            <p:nvCxnSpPr>
+              <p:cNvPr id="42" name="Connecteur droit avec flèche 41"/>
+              <p:cNvCxnSpPr/>
+              <p:nvPr/>
+            </p:nvCxnSpPr>
+            <p:spPr>
+              <a:xfrm flipV="1">
+                <a:off x="971600" y="1969039"/>
+                <a:ext cx="0" cy="728597"/>
+              </a:xfrm>
+              <a:prstGeom prst="straightConnector1">
+                <a:avLst/>
+              </a:prstGeom>
+              <a:ln w="19050">
+                <a:solidFill>
+                  <a:srgbClr val="0070C0"/>
+                </a:solidFill>
+                <a:tailEnd type="stealth" w="med" len="lg"/>
+              </a:ln>
+            </p:spPr>
+            <p:style>
+              <a:lnRef idx="1">
+                <a:schemeClr val="accent1"/>
+              </a:lnRef>
+              <a:fillRef idx="0">
+                <a:schemeClr val="accent1"/>
+              </a:fillRef>
+              <a:effectRef idx="0">
+                <a:schemeClr val="accent1"/>
+              </a:effectRef>
+              <a:fontRef idx="minor">
+                <a:schemeClr val="tx1"/>
+              </a:fontRef>
+            </p:style>
+          </p:cxnSp>
+          <p:cxnSp>
+            <p:nvCxnSpPr>
+              <p:cNvPr id="43" name="Connecteur droit avec flèche 42"/>
+              <p:cNvCxnSpPr/>
+              <p:nvPr/>
+            </p:nvCxnSpPr>
+            <p:spPr>
+              <a:xfrm rot="5400000" flipV="1">
+                <a:off x="1335899" y="2333338"/>
+                <a:ext cx="0" cy="728597"/>
+              </a:xfrm>
+              <a:prstGeom prst="straightConnector1">
+                <a:avLst/>
+              </a:prstGeom>
+              <a:ln w="19050">
+                <a:solidFill>
+                  <a:srgbClr val="0070C0"/>
+                </a:solidFill>
+                <a:tailEnd type="stealth" w="med" len="lg"/>
+              </a:ln>
+            </p:spPr>
+            <p:style>
+              <a:lnRef idx="1">
+                <a:schemeClr val="accent1"/>
+              </a:lnRef>
+              <a:fillRef idx="0">
+                <a:schemeClr val="accent1"/>
+              </a:fillRef>
+              <a:effectRef idx="0">
+                <a:schemeClr val="accent1"/>
+              </a:effectRef>
+              <a:fontRef idx="minor">
+                <a:schemeClr val="tx1"/>
+              </a:fontRef>
+            </p:style>
+          </p:cxnSp>
+        </p:grpSp>
+        <mc:AlternateContent xmlns:mc="http://schemas.openxmlformats.org/markup-compatibility/2006" xmlns:a14="http://schemas.microsoft.com/office/drawing/2010/main">
+          <mc:Choice Requires="a14">
+            <p:sp>
+              <p:nvSpPr>
+                <p:cNvPr id="37" name="ZoneTexte 36"/>
+                <p:cNvSpPr txBox="1"/>
+                <p:nvPr/>
+              </p:nvSpPr>
+              <p:spPr>
+                <a:xfrm>
+                  <a:off x="461644" y="1855365"/>
+                  <a:ext cx="370358" cy="276999"/>
+                </a:xfrm>
+                <a:prstGeom prst="rect">
+                  <a:avLst/>
+                </a:prstGeom>
+                <a:noFill/>
+              </p:spPr>
+              <p:txBody>
+                <a:bodyPr wrap="none" rtlCol="0">
+                  <a:spAutoFit/>
+                </a:bodyPr>
+                <a:lstStyle/>
+                <a:p>
+                  <a:pPr/>
+                  <a14:m>
+                    <m:oMathPara xmlns:m="http://schemas.openxmlformats.org/officeDocument/2006/math">
+                      <m:oMathParaPr>
+                        <m:jc m:val="centerGroup"/>
+                      </m:oMathParaPr>
+                      <m:oMath xmlns:m="http://schemas.openxmlformats.org/officeDocument/2006/math">
+                        <m:acc>
+                          <m:accPr>
+                            <m:chr m:val="⃗"/>
+                            <m:ctrlPr>
+                              <a:rPr lang="fr-FR" sz="1200" b="0" i="1" smtClean="0">
+                                <a:latin typeface="Cambria Math"/>
+                              </a:rPr>
+                            </m:ctrlPr>
+                          </m:accPr>
+                          <m:e>
+                            <m:sSub>
+                              <m:sSubPr>
+                                <m:ctrlPr>
+                                  <a:rPr lang="fr-FR" sz="1200" i="1">
+                                    <a:latin typeface="Cambria Math"/>
+                                  </a:rPr>
+                                </m:ctrlPr>
+                              </m:sSubPr>
+                              <m:e>
+                                <m:r>
+                                  <a:rPr lang="fr-FR" sz="1200" b="0" i="1" smtClean="0">
+                                    <a:latin typeface="Cambria Math"/>
+                                  </a:rPr>
+                                  <m:t>𝑦</m:t>
+                                </m:r>
+                              </m:e>
+                              <m:sub>
+                                <m:r>
+                                  <a:rPr lang="fr-FR" sz="1200" b="0" i="1" smtClean="0">
+                                    <a:latin typeface="Cambria Math"/>
+                                  </a:rPr>
+                                  <m:t>1</m:t>
+                                </m:r>
+                              </m:sub>
+                            </m:sSub>
+                          </m:e>
+                        </m:acc>
+                      </m:oMath>
+                    </m:oMathPara>
+                  </a14:m>
+                  <a:endParaRPr lang="fr-FR" sz="1200" dirty="0"/>
+                </a:p>
+              </p:txBody>
+            </p:sp>
+          </mc:Choice>
+          <mc:Fallback xmlns="">
+            <p:sp>
+              <p:nvSpPr>
+                <p:cNvPr id="71" name="ZoneTexte 70"/>
+                <p:cNvSpPr txBox="1">
+                  <a:spLocks noRot="1" noChangeAspect="1" noMove="1" noResize="1" noEditPoints="1" noAdjustHandles="1" noChangeArrowheads="1" noChangeShapeType="1" noTextEdit="1"/>
+                </p:cNvSpPr>
+                <p:nvPr/>
+              </p:nvSpPr>
+              <p:spPr>
+                <a:xfrm>
+                  <a:off x="461644" y="1855365"/>
+                  <a:ext cx="370358" cy="276999"/>
+                </a:xfrm>
+                <a:prstGeom prst="rect">
+                  <a:avLst/>
+                </a:prstGeom>
+                <a:blipFill rotWithShape="1">
+                  <a:blip r:embed="rId10"/>
+                  <a:stretch>
+                    <a:fillRect/>
+                  </a:stretch>
+                </a:blipFill>
+              </p:spPr>
+              <p:txBody>
+                <a:bodyPr/>
+                <a:lstStyle/>
+                <a:p>
+                  <a:r>
+                    <a:rPr lang="fr-FR">
+                      <a:noFill/>
+                    </a:rPr>
+                    <a:t> </a:t>
+                  </a:r>
+                </a:p>
+              </p:txBody>
+            </p:sp>
+          </mc:Fallback>
+        </mc:AlternateContent>
+        <mc:AlternateContent xmlns:mc="http://schemas.openxmlformats.org/markup-compatibility/2006">
+          <mc:Choice xmlns:a14="http://schemas.microsoft.com/office/drawing/2010/main" Requires="a14">
+            <p:sp>
+              <p:nvSpPr>
+                <p:cNvPr id="38" name="ZoneTexte 37"/>
+                <p:cNvSpPr txBox="1"/>
+                <p:nvPr/>
+              </p:nvSpPr>
+              <p:spPr>
+                <a:xfrm>
+                  <a:off x="620863" y="2722141"/>
+                  <a:ext cx="362022" cy="276999"/>
+                </a:xfrm>
+                <a:prstGeom prst="rect">
+                  <a:avLst/>
+                </a:prstGeom>
+                <a:noFill/>
+              </p:spPr>
+              <p:txBody>
+                <a:bodyPr wrap="none" rtlCol="0">
+                  <a:spAutoFit/>
+                </a:bodyPr>
+                <a:lstStyle/>
+                <a:p>
+                  <a:pPr/>
+                  <a14:m>
+                    <m:oMathPara xmlns:m="http://schemas.openxmlformats.org/officeDocument/2006/math">
+                      <m:oMathParaPr>
+                        <m:jc m:val="centerGroup"/>
+                      </m:oMathParaPr>
+                      <m:oMath xmlns:m="http://schemas.openxmlformats.org/officeDocument/2006/math">
+                        <m:acc>
+                          <m:accPr>
+                            <m:chr m:val="⃗"/>
+                            <m:ctrlPr>
+                              <a:rPr lang="fr-FR" sz="1200" b="0" i="1" smtClean="0">
+                                <a:latin typeface="Cambria Math"/>
+                              </a:rPr>
+                            </m:ctrlPr>
+                          </m:accPr>
+                          <m:e>
+                            <m:sSub>
+                              <m:sSubPr>
+                                <m:ctrlPr>
+                                  <a:rPr lang="fr-FR" sz="1200" i="1">
+                                    <a:latin typeface="Cambria Math"/>
+                                  </a:rPr>
+                                </m:ctrlPr>
+                              </m:sSubPr>
+                              <m:e>
+                                <m:r>
+                                  <a:rPr lang="fr-FR" sz="1200" b="0" i="1" smtClean="0">
+                                    <a:latin typeface="Cambria Math"/>
+                                  </a:rPr>
+                                  <m:t>𝑧</m:t>
+                                </m:r>
+                              </m:e>
+                              <m:sub>
+                                <m:r>
+                                  <a:rPr lang="fr-FR" sz="1200" i="1">
+                                    <a:latin typeface="Cambria Math"/>
+                                  </a:rPr>
+                                  <m:t>0</m:t>
+                                </m:r>
+                              </m:sub>
+                            </m:sSub>
+                          </m:e>
+                        </m:acc>
+                      </m:oMath>
+                    </m:oMathPara>
+                  </a14:m>
+                  <a:endParaRPr lang="fr-FR" sz="1200" dirty="0"/>
+                </a:p>
+              </p:txBody>
+            </p:sp>
+          </mc:Choice>
+          <mc:Fallback>
+            <p:sp>
+              <p:nvSpPr>
+                <p:cNvPr id="38" name="ZoneTexte 37"/>
+                <p:cNvSpPr txBox="1">
+                  <a:spLocks noRot="1" noChangeAspect="1" noMove="1" noResize="1" noEditPoints="1" noAdjustHandles="1" noChangeArrowheads="1" noChangeShapeType="1" noTextEdit="1"/>
+                </p:cNvSpPr>
+                <p:nvPr/>
+              </p:nvSpPr>
+              <p:spPr>
+                <a:xfrm>
+                  <a:off x="620863" y="2722141"/>
+                  <a:ext cx="362022" cy="276999"/>
+                </a:xfrm>
+                <a:prstGeom prst="rect">
+                  <a:avLst/>
+                </a:prstGeom>
+                <a:blipFill rotWithShape="1">
+                  <a:blip r:embed="rId22"/>
+                  <a:stretch>
+                    <a:fillRect/>
+                  </a:stretch>
+                </a:blipFill>
+              </p:spPr>
+              <p:txBody>
+                <a:bodyPr/>
+                <a:lstStyle/>
+                <a:p>
+                  <a:r>
+                    <a:rPr lang="fr-FR">
+                      <a:noFill/>
+                    </a:rPr>
+                    <a:t> </a:t>
+                  </a:r>
+                </a:p>
+              </p:txBody>
+            </p:sp>
+          </mc:Fallback>
+        </mc:AlternateContent>
+        <mc:AlternateContent xmlns:mc="http://schemas.openxmlformats.org/markup-compatibility/2006" xmlns:a14="http://schemas.microsoft.com/office/drawing/2010/main">
+          <mc:Choice Requires="a14">
+            <p:sp>
+              <p:nvSpPr>
+                <p:cNvPr id="39" name="ZoneTexte 38"/>
+                <p:cNvSpPr txBox="1"/>
+                <p:nvPr/>
+              </p:nvSpPr>
+              <p:spPr>
+                <a:xfrm>
+                  <a:off x="1467235" y="2698471"/>
+                  <a:ext cx="372345" cy="276999"/>
+                </a:xfrm>
+                <a:prstGeom prst="rect">
+                  <a:avLst/>
+                </a:prstGeom>
+                <a:noFill/>
+              </p:spPr>
+              <p:txBody>
+                <a:bodyPr wrap="none" rtlCol="0">
+                  <a:spAutoFit/>
+                </a:bodyPr>
+                <a:lstStyle/>
+                <a:p>
+                  <a:pPr/>
+                  <a14:m>
+                    <m:oMathPara xmlns:m="http://schemas.openxmlformats.org/officeDocument/2006/math">
+                      <m:oMathParaPr>
+                        <m:jc m:val="centerGroup"/>
+                      </m:oMathParaPr>
+                      <m:oMath xmlns:m="http://schemas.openxmlformats.org/officeDocument/2006/math">
+                        <m:acc>
+                          <m:accPr>
+                            <m:chr m:val="⃗"/>
+                            <m:ctrlPr>
+                              <a:rPr lang="fr-FR" sz="1200" b="0" i="1" smtClean="0">
+                                <a:latin typeface="Cambria Math"/>
+                              </a:rPr>
+                            </m:ctrlPr>
+                          </m:accPr>
+                          <m:e>
+                            <m:sSub>
+                              <m:sSubPr>
+                                <m:ctrlPr>
+                                  <a:rPr lang="fr-FR" sz="1200" i="1">
+                                    <a:latin typeface="Cambria Math"/>
+                                  </a:rPr>
+                                </m:ctrlPr>
+                              </m:sSubPr>
+                              <m:e>
+                                <m:r>
+                                  <a:rPr lang="fr-FR" sz="1200" i="1">
+                                    <a:latin typeface="Cambria Math"/>
+                                  </a:rPr>
+                                  <m:t>𝑥</m:t>
+                                </m:r>
+                              </m:e>
+                              <m:sub>
+                                <m:r>
+                                  <a:rPr lang="fr-FR" sz="1200" i="1">
+                                    <a:latin typeface="Cambria Math"/>
+                                  </a:rPr>
+                                  <m:t>0</m:t>
+                                </m:r>
+                              </m:sub>
+                            </m:sSub>
+                          </m:e>
+                        </m:acc>
+                      </m:oMath>
+                    </m:oMathPara>
+                  </a14:m>
+                  <a:endParaRPr lang="fr-FR" sz="1200" dirty="0"/>
+                </a:p>
+              </p:txBody>
+            </p:sp>
+          </mc:Choice>
+          <mc:Fallback xmlns="">
+            <p:sp>
+              <p:nvSpPr>
+                <p:cNvPr id="89" name="ZoneTexte 88"/>
+                <p:cNvSpPr txBox="1">
+                  <a:spLocks noRot="1" noChangeAspect="1" noMove="1" noResize="1" noEditPoints="1" noAdjustHandles="1" noChangeArrowheads="1" noChangeShapeType="1" noTextEdit="1"/>
+                </p:cNvSpPr>
+                <p:nvPr/>
+              </p:nvSpPr>
+              <p:spPr>
+                <a:xfrm>
+                  <a:off x="1467235" y="2698471"/>
+                  <a:ext cx="372345" cy="276999"/>
+                </a:xfrm>
+                <a:prstGeom prst="rect">
+                  <a:avLst/>
+                </a:prstGeom>
+                <a:blipFill rotWithShape="1">
+                  <a:blip r:embed="rId18"/>
+                  <a:stretch>
+                    <a:fillRect/>
+                  </a:stretch>
+                </a:blipFill>
+              </p:spPr>
+              <p:txBody>
+                <a:bodyPr/>
+                <a:lstStyle/>
+                <a:p>
+                  <a:r>
+                    <a:rPr lang="fr-FR">
+                      <a:noFill/>
+                    </a:rPr>
+                    <a:t> </a:t>
+                  </a:r>
+                </a:p>
+              </p:txBody>
+            </p:sp>
+          </mc:Fallback>
+        </mc:AlternateContent>
+        <p:sp>
+          <p:nvSpPr>
+            <p:cNvPr id="40" name="Arc 39"/>
+            <p:cNvSpPr/>
+            <p:nvPr/>
+          </p:nvSpPr>
+          <p:spPr>
+            <a:xfrm>
+              <a:off x="400340" y="2123974"/>
+              <a:ext cx="1147324" cy="1147324"/>
+            </a:xfrm>
+            <a:prstGeom prst="arc">
+              <a:avLst>
+                <a:gd name="adj1" fmla="val 20706472"/>
+                <a:gd name="adj2" fmla="val 21541531"/>
+              </a:avLst>
+            </a:prstGeom>
+            <a:ln>
+              <a:headEnd type="stealth" w="sm" len="med"/>
+              <a:tailEnd type="none"/>
+            </a:ln>
+          </p:spPr>
+          <p:style>
+            <a:lnRef idx="1">
+              <a:schemeClr val="accent1"/>
+            </a:lnRef>
+            <a:fillRef idx="0">
+              <a:schemeClr val="accent1"/>
+            </a:fillRef>
+            <a:effectRef idx="0">
+              <a:schemeClr val="accent1"/>
+            </a:effectRef>
+            <a:fontRef idx="minor">
+              <a:schemeClr val="tx1"/>
+            </a:fontRef>
+          </p:style>
+          <p:txBody>
+            <a:bodyPr rtlCol="0" anchor="ctr"/>
+            <a:lstStyle/>
+            <a:p>
+              <a:pPr algn="ctr"/>
+              <a:endParaRPr lang="fr-FR"/>
+            </a:p>
+          </p:txBody>
+        </p:sp>
+        <mc:AlternateContent xmlns:mc="http://schemas.openxmlformats.org/markup-compatibility/2006">
+          <mc:Choice xmlns:a14="http://schemas.microsoft.com/office/drawing/2010/main" Requires="a14">
+            <p:sp>
+              <p:nvSpPr>
+                <p:cNvPr id="41" name="ZoneTexte 40"/>
+                <p:cNvSpPr txBox="1"/>
+                <p:nvPr/>
+              </p:nvSpPr>
+              <p:spPr>
+                <a:xfrm>
+                  <a:off x="1151282" y="2333337"/>
+                  <a:ext cx="535275" cy="261610"/>
+                </a:xfrm>
+                <a:prstGeom prst="rect">
+                  <a:avLst/>
+                </a:prstGeom>
+                <a:noFill/>
+              </p:spPr>
+              <p:txBody>
+                <a:bodyPr wrap="none" rtlCol="0">
+                  <a:spAutoFit/>
+                </a:bodyPr>
+                <a:lstStyle/>
+                <a:p>
+                  <a:pPr/>
+                  <a14:m>
+                    <m:oMathPara xmlns:m="http://schemas.openxmlformats.org/officeDocument/2006/math">
+                      <m:oMathParaPr>
+                        <m:jc m:val="centerGroup"/>
+                      </m:oMathParaPr>
+                      <m:oMath xmlns:m="http://schemas.openxmlformats.org/officeDocument/2006/math">
+                        <m:sSub>
+                          <m:sSubPr>
+                            <m:ctrlPr>
+                              <a:rPr lang="fr-FR" sz="1100" b="0" i="1" smtClean="0">
+                                <a:latin typeface="Cambria Math"/>
+                              </a:rPr>
+                            </m:ctrlPr>
+                          </m:sSubPr>
+                          <m:e>
+                            <m:r>
+                              <a:rPr lang="fr-FR" sz="1100" b="0" i="1" smtClean="0">
+                                <a:latin typeface="Cambria Math"/>
+                              </a:rPr>
+                              <m:t>𝜃</m:t>
+                            </m:r>
+                          </m:e>
+                          <m:sub>
+                            <m:r>
+                              <a:rPr lang="fr-FR" sz="1100" b="0" i="1" smtClean="0">
+                                <a:latin typeface="Cambria Math"/>
+                              </a:rPr>
+                              <m:t>3</m:t>
+                            </m:r>
+                          </m:sub>
+                        </m:sSub>
+                        <m:r>
+                          <a:rPr lang="fr-FR" sz="1100" b="0" i="1" smtClean="0">
+                            <a:latin typeface="Cambria Math"/>
+                          </a:rPr>
+                          <m:t>(</m:t>
+                        </m:r>
+                        <m:r>
+                          <a:rPr lang="fr-FR" sz="1100" b="0" i="1" smtClean="0">
+                            <a:latin typeface="Cambria Math"/>
+                          </a:rPr>
+                          <m:t>𝑡</m:t>
+                        </m:r>
+                        <m:r>
+                          <a:rPr lang="fr-FR" sz="1100" b="0" i="1" smtClean="0">
+                            <a:latin typeface="Cambria Math"/>
+                          </a:rPr>
+                          <m:t>)</m:t>
+                        </m:r>
+                      </m:oMath>
+                    </m:oMathPara>
+                  </a14:m>
+                  <a:endParaRPr lang="fr-FR" sz="1100" dirty="0"/>
+                </a:p>
+              </p:txBody>
+            </p:sp>
+          </mc:Choice>
+          <mc:Fallback>
+            <p:sp>
+              <p:nvSpPr>
+                <p:cNvPr id="41" name="ZoneTexte 40"/>
+                <p:cNvSpPr txBox="1">
+                  <a:spLocks noRot="1" noChangeAspect="1" noMove="1" noResize="1" noEditPoints="1" noAdjustHandles="1" noChangeArrowheads="1" noChangeShapeType="1" noTextEdit="1"/>
+                </p:cNvSpPr>
+                <p:nvPr/>
+              </p:nvSpPr>
+              <p:spPr>
+                <a:xfrm>
+                  <a:off x="1151282" y="2333337"/>
+                  <a:ext cx="535275" cy="261610"/>
+                </a:xfrm>
+                <a:prstGeom prst="rect">
+                  <a:avLst/>
+                </a:prstGeom>
+                <a:blipFill rotWithShape="1">
+                  <a:blip r:embed="rId23"/>
+                  <a:stretch>
+                    <a:fillRect b="-4651"/>
+                  </a:stretch>
+                </a:blipFill>
+              </p:spPr>
+              <p:txBody>
+                <a:bodyPr/>
+                <a:lstStyle/>
+                <a:p>
+                  <a:r>
+                    <a:rPr lang="fr-FR">
+                      <a:noFill/>
+                    </a:rPr>
+                    <a:t> </a:t>
+                  </a:r>
+                </a:p>
+              </p:txBody>
+            </p:sp>
+          </mc:Fallback>
+        </mc:AlternateContent>
+      </p:grpSp>
+    </p:spTree>
+    <p:extLst>
+      <p:ext uri="{BB962C8B-B14F-4D97-AF65-F5344CB8AC3E}">
+        <p14:creationId xmlns:p14="http://schemas.microsoft.com/office/powerpoint/2010/main" val="2887764530"/>
       </p:ext>
     </p:extLst>
   </p:cSld>

--- a/06_CinematiquePoint/Cours/png/Figures.pptx
+++ b/06_CinematiquePoint/Cours/png/Figures.pptx
@@ -290,7 +290,7 @@
           <a:p>
             <a:fld id="{AA309A6D-C09C-4548-B29A-6CF363A7E532}" type="datetimeFigureOut">
               <a:rPr lang="fr-FR" smtClean="0"/>
-              <a:t>19/12/2013</a:t>
+              <a:t>20/12/2013</a:t>
             </a:fld>
             <a:endParaRPr lang="fr-BE"/>
           </a:p>
@@ -455,7 +455,7 @@
           <a:p>
             <a:fld id="{AA309A6D-C09C-4548-B29A-6CF363A7E532}" type="datetimeFigureOut">
               <a:rPr lang="fr-FR" smtClean="0"/>
-              <a:t>19/12/2013</a:t>
+              <a:t>20/12/2013</a:t>
             </a:fld>
             <a:endParaRPr lang="fr-BE"/>
           </a:p>
@@ -630,7 +630,7 @@
           <a:p>
             <a:fld id="{AA309A6D-C09C-4548-B29A-6CF363A7E532}" type="datetimeFigureOut">
               <a:rPr lang="fr-FR" smtClean="0"/>
-              <a:t>19/12/2013</a:t>
+              <a:t>20/12/2013</a:t>
             </a:fld>
             <a:endParaRPr lang="fr-BE"/>
           </a:p>
@@ -795,7 +795,7 @@
           <a:p>
             <a:fld id="{AA309A6D-C09C-4548-B29A-6CF363A7E532}" type="datetimeFigureOut">
               <a:rPr lang="fr-FR" smtClean="0"/>
-              <a:t>19/12/2013</a:t>
+              <a:t>20/12/2013</a:t>
             </a:fld>
             <a:endParaRPr lang="fr-BE"/>
           </a:p>
@@ -1036,7 +1036,7 @@
           <a:p>
             <a:fld id="{AA309A6D-C09C-4548-B29A-6CF363A7E532}" type="datetimeFigureOut">
               <a:rPr lang="fr-FR" smtClean="0"/>
-              <a:t>19/12/2013</a:t>
+              <a:t>20/12/2013</a:t>
             </a:fld>
             <a:endParaRPr lang="fr-BE"/>
           </a:p>
@@ -1319,7 +1319,7 @@
           <a:p>
             <a:fld id="{AA309A6D-C09C-4548-B29A-6CF363A7E532}" type="datetimeFigureOut">
               <a:rPr lang="fr-FR" smtClean="0"/>
-              <a:t>19/12/2013</a:t>
+              <a:t>20/12/2013</a:t>
             </a:fld>
             <a:endParaRPr lang="fr-BE"/>
           </a:p>
@@ -1736,7 +1736,7 @@
           <a:p>
             <a:fld id="{AA309A6D-C09C-4548-B29A-6CF363A7E532}" type="datetimeFigureOut">
               <a:rPr lang="fr-FR" smtClean="0"/>
-              <a:t>19/12/2013</a:t>
+              <a:t>20/12/2013</a:t>
             </a:fld>
             <a:endParaRPr lang="fr-BE"/>
           </a:p>
@@ -1849,7 +1849,7 @@
           <a:p>
             <a:fld id="{AA309A6D-C09C-4548-B29A-6CF363A7E532}" type="datetimeFigureOut">
               <a:rPr lang="fr-FR" smtClean="0"/>
-              <a:t>19/12/2013</a:t>
+              <a:t>20/12/2013</a:t>
             </a:fld>
             <a:endParaRPr lang="fr-BE"/>
           </a:p>
@@ -1939,7 +1939,7 @@
           <a:p>
             <a:fld id="{AA309A6D-C09C-4548-B29A-6CF363A7E532}" type="datetimeFigureOut">
               <a:rPr lang="fr-FR" smtClean="0"/>
-              <a:t>19/12/2013</a:t>
+              <a:t>20/12/2013</a:t>
             </a:fld>
             <a:endParaRPr lang="fr-BE"/>
           </a:p>
@@ -2211,7 +2211,7 @@
           <a:p>
             <a:fld id="{AA309A6D-C09C-4548-B29A-6CF363A7E532}" type="datetimeFigureOut">
               <a:rPr lang="fr-FR" smtClean="0"/>
-              <a:t>19/12/2013</a:t>
+              <a:t>20/12/2013</a:t>
             </a:fld>
             <a:endParaRPr lang="fr-BE"/>
           </a:p>
@@ -2459,7 +2459,7 @@
           <a:p>
             <a:fld id="{AA309A6D-C09C-4548-B29A-6CF363A7E532}" type="datetimeFigureOut">
               <a:rPr lang="fr-FR" smtClean="0"/>
-              <a:t>19/12/2013</a:t>
+              <a:t>20/12/2013</a:t>
             </a:fld>
             <a:endParaRPr lang="fr-BE"/>
           </a:p>
@@ -2667,7 +2667,7 @@
           <a:p>
             <a:fld id="{AA309A6D-C09C-4548-B29A-6CF363A7E532}" type="datetimeFigureOut">
               <a:rPr lang="fr-FR" smtClean="0"/>
-              <a:t>19/12/2013</a:t>
+              <a:t>20/12/2013</a:t>
             </a:fld>
             <a:endParaRPr lang="fr-BE"/>
           </a:p>
@@ -8367,11 +8367,6 @@
               </a:rPr>
               <a:t>2</a:t>
             </a:r>
-            <a:endParaRPr lang="fr-FR" sz="1100" dirty="0">
-              <a:solidFill>
-                <a:srgbClr val="7030A0"/>
-              </a:solidFill>
-            </a:endParaRPr>
           </a:p>
         </p:txBody>
       </p:sp>
@@ -8483,11 +8478,6 @@
               </a:rPr>
               <a:t>3</a:t>
             </a:r>
-            <a:endParaRPr lang="fr-FR" sz="1100" b="1" dirty="0">
-              <a:solidFill>
-                <a:srgbClr val="0070C0"/>
-              </a:solidFill>
-            </a:endParaRPr>
           </a:p>
         </p:txBody>
       </p:sp>
@@ -8541,16 +8531,11 @@
               </a:rPr>
               <a:t>0</a:t>
             </a:r>
-            <a:endParaRPr lang="fr-FR" sz="1100" b="1" dirty="0">
-              <a:solidFill>
-                <a:schemeClr val="tx1"/>
-              </a:solidFill>
-            </a:endParaRPr>
           </a:p>
         </p:txBody>
       </p:sp>
-      <mc:AlternateContent xmlns:mc="http://schemas.openxmlformats.org/markup-compatibility/2006">
-        <mc:Choice xmlns:a14="http://schemas.microsoft.com/office/drawing/2010/main" Requires="a14">
+      <mc:AlternateContent xmlns:mc="http://schemas.openxmlformats.org/markup-compatibility/2006" xmlns:a14="http://schemas.microsoft.com/office/drawing/2010/main">
+        <mc:Choice Requires="a14">
           <p:sp>
             <p:nvSpPr>
               <p:cNvPr id="100" name="ZoneTexte 99"/>
@@ -8628,7 +8613,7 @@
             </p:txBody>
           </p:sp>
         </mc:Choice>
-        <mc:Fallback>
+        <mc:Fallback xmlns="">
           <p:sp>
             <p:nvSpPr>
               <p:cNvPr id="100" name="ZoneTexte 99"/>
@@ -8757,8 +8742,8 @@
           </p:style>
         </p:cxnSp>
       </p:grpSp>
-      <mc:AlternateContent xmlns:mc="http://schemas.openxmlformats.org/markup-compatibility/2006">
-        <mc:Choice xmlns:a14="http://schemas.microsoft.com/office/drawing/2010/main" Requires="a14">
+      <mc:AlternateContent xmlns:mc="http://schemas.openxmlformats.org/markup-compatibility/2006" xmlns:a14="http://schemas.microsoft.com/office/drawing/2010/main">
+        <mc:Choice Requires="a14">
           <p:sp>
             <p:nvSpPr>
               <p:cNvPr id="104" name="ZoneTexte 103"/>
@@ -8836,7 +8821,7 @@
             </p:txBody>
           </p:sp>
         </mc:Choice>
-        <mc:Fallback>
+        <mc:Fallback xmlns="">
           <p:sp>
             <p:nvSpPr>
               <p:cNvPr id="104" name="ZoneTexte 103"/>
@@ -8878,8 +8863,8 @@
           </p:sp>
         </mc:Fallback>
       </mc:AlternateContent>
-      <mc:AlternateContent xmlns:mc="http://schemas.openxmlformats.org/markup-compatibility/2006">
-        <mc:Choice xmlns:a14="http://schemas.microsoft.com/office/drawing/2010/main" Requires="a14">
+      <mc:AlternateContent xmlns:mc="http://schemas.openxmlformats.org/markup-compatibility/2006" xmlns:a14="http://schemas.microsoft.com/office/drawing/2010/main">
+        <mc:Choice Requires="a14">
           <p:sp>
             <p:nvSpPr>
               <p:cNvPr id="105" name="ZoneTexte 104"/>
@@ -8923,7 +8908,7 @@
             </p:txBody>
           </p:sp>
         </mc:Choice>
-        <mc:Fallback>
+        <mc:Fallback xmlns="">
           <p:sp>
             <p:nvSpPr>
               <p:cNvPr id="105" name="ZoneTexte 104"/>
@@ -8962,8 +8947,8 @@
           </p:sp>
         </mc:Fallback>
       </mc:AlternateContent>
-      <mc:AlternateContent xmlns:mc="http://schemas.openxmlformats.org/markup-compatibility/2006">
-        <mc:Choice xmlns:a14="http://schemas.microsoft.com/office/drawing/2010/main" Requires="a14">
+      <mc:AlternateContent xmlns:mc="http://schemas.openxmlformats.org/markup-compatibility/2006" xmlns:a14="http://schemas.microsoft.com/office/drawing/2010/main">
+        <mc:Choice Requires="a14">
           <p:sp>
             <p:nvSpPr>
               <p:cNvPr id="106" name="ZoneTexte 105"/>
@@ -9007,7 +8992,7 @@
             </p:txBody>
           </p:sp>
         </mc:Choice>
-        <mc:Fallback>
+        <mc:Fallback xmlns="">
           <p:sp>
             <p:nvSpPr>
               <p:cNvPr id="106" name="ZoneTexte 105"/>
@@ -9046,8 +9031,8 @@
           </p:sp>
         </mc:Fallback>
       </mc:AlternateContent>
-      <mc:AlternateContent xmlns:mc="http://schemas.openxmlformats.org/markup-compatibility/2006">
-        <mc:Choice xmlns:a14="http://schemas.microsoft.com/office/drawing/2010/main" Requires="a14">
+      <mc:AlternateContent xmlns:mc="http://schemas.openxmlformats.org/markup-compatibility/2006" xmlns:a14="http://schemas.microsoft.com/office/drawing/2010/main">
+        <mc:Choice Requires="a14">
           <p:sp>
             <p:nvSpPr>
               <p:cNvPr id="107" name="ZoneTexte 106"/>
@@ -9091,7 +9076,7 @@
             </p:txBody>
           </p:sp>
         </mc:Choice>
-        <mc:Fallback>
+        <mc:Fallback xmlns="">
           <p:sp>
             <p:nvSpPr>
               <p:cNvPr id="107" name="ZoneTexte 106"/>
@@ -9130,8 +9115,8 @@
           </p:sp>
         </mc:Fallback>
       </mc:AlternateContent>
-      <mc:AlternateContent xmlns:mc="http://schemas.openxmlformats.org/markup-compatibility/2006">
-        <mc:Choice xmlns:a14="http://schemas.microsoft.com/office/drawing/2010/main" Requires="a14">
+      <mc:AlternateContent xmlns:mc="http://schemas.openxmlformats.org/markup-compatibility/2006" xmlns:a14="http://schemas.microsoft.com/office/drawing/2010/main">
+        <mc:Choice Requires="a14">
           <p:sp>
             <p:nvSpPr>
               <p:cNvPr id="108" name="ZoneTexte 107"/>
@@ -9175,7 +9160,7 @@
             </p:txBody>
           </p:sp>
         </mc:Choice>
-        <mc:Fallback>
+        <mc:Fallback xmlns="">
           <p:sp>
             <p:nvSpPr>
               <p:cNvPr id="108" name="ZoneTexte 107"/>
@@ -9214,8 +9199,8 @@
           </p:sp>
         </mc:Fallback>
       </mc:AlternateContent>
-      <mc:AlternateContent xmlns:mc="http://schemas.openxmlformats.org/markup-compatibility/2006">
-        <mc:Choice xmlns:a14="http://schemas.microsoft.com/office/drawing/2010/main" Requires="a14">
+      <mc:AlternateContent xmlns:mc="http://schemas.openxmlformats.org/markup-compatibility/2006" xmlns:a14="http://schemas.microsoft.com/office/drawing/2010/main">
+        <mc:Choice Requires="a14">
           <p:sp>
             <p:nvSpPr>
               <p:cNvPr id="109" name="ZoneTexte 108"/>
@@ -9259,7 +9244,7 @@
             </p:txBody>
           </p:sp>
         </mc:Choice>
-        <mc:Fallback>
+        <mc:Fallback xmlns="">
           <p:sp>
             <p:nvSpPr>
               <p:cNvPr id="109" name="ZoneTexte 108"/>
@@ -9298,8 +9283,8 @@
           </p:sp>
         </mc:Fallback>
       </mc:AlternateContent>
-      <mc:AlternateContent xmlns:mc="http://schemas.openxmlformats.org/markup-compatibility/2006">
-        <mc:Choice xmlns:a14="http://schemas.microsoft.com/office/drawing/2010/main" Requires="a14">
+      <mc:AlternateContent xmlns:mc="http://schemas.openxmlformats.org/markup-compatibility/2006" xmlns:a14="http://schemas.microsoft.com/office/drawing/2010/main">
+        <mc:Choice Requires="a14">
           <p:sp>
             <p:nvSpPr>
               <p:cNvPr id="110" name="ZoneTexte 109"/>
@@ -9343,7 +9328,7 @@
             </p:txBody>
           </p:sp>
         </mc:Choice>
-        <mc:Fallback>
+        <mc:Fallback xmlns="">
           <p:sp>
             <p:nvSpPr>
               <p:cNvPr id="110" name="ZoneTexte 109"/>
@@ -9382,8 +9367,8 @@
           </p:sp>
         </mc:Fallback>
       </mc:AlternateContent>
-      <mc:AlternateContent xmlns:mc="http://schemas.openxmlformats.org/markup-compatibility/2006">
-        <mc:Choice xmlns:a14="http://schemas.microsoft.com/office/drawing/2010/main" Requires="a14">
+      <mc:AlternateContent xmlns:mc="http://schemas.openxmlformats.org/markup-compatibility/2006" xmlns:a14="http://schemas.microsoft.com/office/drawing/2010/main">
+        <mc:Choice Requires="a14">
           <p:sp>
             <p:nvSpPr>
               <p:cNvPr id="111" name="ZoneTexte 110"/>
@@ -9427,7 +9412,7 @@
             </p:txBody>
           </p:sp>
         </mc:Choice>
-        <mc:Fallback>
+        <mc:Fallback xmlns="">
           <p:sp>
             <p:nvSpPr>
               <p:cNvPr id="111" name="ZoneTexte 110"/>
@@ -9466,8 +9451,8 @@
           </p:sp>
         </mc:Fallback>
       </mc:AlternateContent>
-      <mc:AlternateContent xmlns:mc="http://schemas.openxmlformats.org/markup-compatibility/2006">
-        <mc:Choice xmlns:a14="http://schemas.microsoft.com/office/drawing/2010/main" Requires="a14">
+      <mc:AlternateContent xmlns:mc="http://schemas.openxmlformats.org/markup-compatibility/2006" xmlns:a14="http://schemas.microsoft.com/office/drawing/2010/main">
+        <mc:Choice Requires="a14">
           <p:sp>
             <p:nvSpPr>
               <p:cNvPr id="112" name="ZoneTexte 111"/>
@@ -9511,7 +9496,7 @@
             </p:txBody>
           </p:sp>
         </mc:Choice>
-        <mc:Fallback>
+        <mc:Fallback xmlns="">
           <p:sp>
             <p:nvSpPr>
               <p:cNvPr id="112" name="ZoneTexte 111"/>
@@ -9586,8 +9571,8 @@
           </a:fontRef>
         </p:style>
       </p:cxnSp>
-      <mc:AlternateContent xmlns:mc="http://schemas.openxmlformats.org/markup-compatibility/2006">
-        <mc:Choice xmlns:a14="http://schemas.microsoft.com/office/drawing/2010/main" Requires="a14">
+      <mc:AlternateContent xmlns:mc="http://schemas.openxmlformats.org/markup-compatibility/2006" xmlns:a14="http://schemas.microsoft.com/office/drawing/2010/main">
+        <mc:Choice Requires="a14">
           <p:sp>
             <p:nvSpPr>
               <p:cNvPr id="115" name="ZoneTexte 114"/>
@@ -9665,7 +9650,7 @@
             </p:txBody>
           </p:sp>
         </mc:Choice>
-        <mc:Fallback>
+        <mc:Fallback xmlns="">
           <p:sp>
             <p:nvSpPr>
               <p:cNvPr id="115" name="ZoneTexte 114"/>
@@ -9707,8 +9692,8 @@
           </p:sp>
         </mc:Fallback>
       </mc:AlternateContent>
-      <mc:AlternateContent xmlns:mc="http://schemas.openxmlformats.org/markup-compatibility/2006">
-        <mc:Choice xmlns:a14="http://schemas.microsoft.com/office/drawing/2010/main" Requires="a14">
+      <mc:AlternateContent xmlns:mc="http://schemas.openxmlformats.org/markup-compatibility/2006" xmlns:a14="http://schemas.microsoft.com/office/drawing/2010/main">
+        <mc:Choice Requires="a14">
           <p:sp>
             <p:nvSpPr>
               <p:cNvPr id="165" name="ZoneTexte 164"/>
@@ -9785,7 +9770,7 @@
             </p:txBody>
           </p:sp>
         </mc:Choice>
-        <mc:Fallback>
+        <mc:Fallback xmlns="">
           <p:sp>
             <p:nvSpPr>
               <p:cNvPr id="165" name="ZoneTexte 164"/>
@@ -9888,11 +9873,6 @@
                 </a:rPr>
                 <a:t>2</a:t>
               </a:r>
-              <a:endParaRPr lang="fr-FR" sz="1100" dirty="0">
-                <a:solidFill>
-                  <a:srgbClr val="7030A0"/>
-                </a:solidFill>
-              </a:endParaRPr>
             </a:p>
           </p:txBody>
         </p:sp>
@@ -10004,11 +9984,6 @@
                 </a:rPr>
                 <a:t>3</a:t>
               </a:r>
-              <a:endParaRPr lang="fr-FR" sz="1100" dirty="0">
-                <a:solidFill>
-                  <a:srgbClr val="0070C0"/>
-                </a:solidFill>
-              </a:endParaRPr>
             </a:p>
           </p:txBody>
         </p:sp>
@@ -10062,11 +10037,6 @@
                 </a:rPr>
                 <a:t>0</a:t>
               </a:r>
-              <a:endParaRPr lang="fr-FR" sz="1100" dirty="0">
-                <a:solidFill>
-                  <a:schemeClr val="tx1"/>
-                </a:solidFill>
-              </a:endParaRPr>
             </a:p>
           </p:txBody>
         </p:sp>
@@ -10381,8 +10351,8 @@
             </a:fontRef>
           </p:style>
         </p:cxnSp>
-        <mc:AlternateContent xmlns:mc="http://schemas.openxmlformats.org/markup-compatibility/2006">
-          <mc:Choice xmlns:a14="http://schemas.microsoft.com/office/drawing/2010/main" Requires="a14">
+        <mc:AlternateContent xmlns:mc="http://schemas.openxmlformats.org/markup-compatibility/2006" xmlns:a14="http://schemas.microsoft.com/office/drawing/2010/main">
+          <mc:Choice Requires="a14">
             <p:sp>
               <p:nvSpPr>
                 <p:cNvPr id="1054" name="ZoneTexte 1053"/>
@@ -10459,7 +10429,7 @@
               </p:txBody>
             </p:sp>
           </mc:Choice>
-          <mc:Fallback>
+          <mc:Fallback xmlns="">
             <p:sp>
               <p:nvSpPr>
                 <p:cNvPr id="1054" name="ZoneTexte 1053"/>
@@ -10498,8 +10468,8 @@
             </p:sp>
           </mc:Fallback>
         </mc:AlternateContent>
-        <mc:AlternateContent xmlns:mc="http://schemas.openxmlformats.org/markup-compatibility/2006">
-          <mc:Choice xmlns:a14="http://schemas.microsoft.com/office/drawing/2010/main" Requires="a14">
+        <mc:AlternateContent xmlns:mc="http://schemas.openxmlformats.org/markup-compatibility/2006" xmlns:a14="http://schemas.microsoft.com/office/drawing/2010/main">
+          <mc:Choice Requires="a14">
             <p:sp>
               <p:nvSpPr>
                 <p:cNvPr id="164" name="ZoneTexte 163"/>
@@ -10576,7 +10546,7 @@
               </p:txBody>
             </p:sp>
           </mc:Choice>
-          <mc:Fallback>
+          <mc:Fallback xmlns="">
             <p:sp>
               <p:nvSpPr>
                 <p:cNvPr id="164" name="ZoneTexte 163"/>
@@ -10615,8 +10585,8 @@
             </p:sp>
           </mc:Fallback>
         </mc:AlternateContent>
-        <mc:AlternateContent xmlns:mc="http://schemas.openxmlformats.org/markup-compatibility/2006">
-          <mc:Choice xmlns:a14="http://schemas.microsoft.com/office/drawing/2010/main" Requires="a14">
+        <mc:AlternateContent xmlns:mc="http://schemas.openxmlformats.org/markup-compatibility/2006" xmlns:a14="http://schemas.microsoft.com/office/drawing/2010/main">
+          <mc:Choice Requires="a14">
             <p:sp>
               <p:nvSpPr>
                 <p:cNvPr id="166" name="ZoneTexte 165"/>
@@ -10658,7 +10628,7 @@
               </p:txBody>
             </p:sp>
           </mc:Choice>
-          <mc:Fallback>
+          <mc:Fallback xmlns="">
             <p:sp>
               <p:nvSpPr>
                 <p:cNvPr id="166" name="ZoneTexte 165"/>
@@ -10697,8 +10667,8 @@
             </p:sp>
           </mc:Fallback>
         </mc:AlternateContent>
-        <mc:AlternateContent xmlns:mc="http://schemas.openxmlformats.org/markup-compatibility/2006">
-          <mc:Choice xmlns:a14="http://schemas.microsoft.com/office/drawing/2010/main" Requires="a14">
+        <mc:AlternateContent xmlns:mc="http://schemas.openxmlformats.org/markup-compatibility/2006" xmlns:a14="http://schemas.microsoft.com/office/drawing/2010/main">
+          <mc:Choice Requires="a14">
             <p:sp>
               <p:nvSpPr>
                 <p:cNvPr id="167" name="ZoneTexte 166"/>
@@ -10740,7 +10710,7 @@
               </p:txBody>
             </p:sp>
           </mc:Choice>
-          <mc:Fallback>
+          <mc:Fallback xmlns="">
             <p:sp>
               <p:nvSpPr>
                 <p:cNvPr id="167" name="ZoneTexte 166"/>
@@ -11343,8 +11313,8 @@
             </p:sp>
           </mc:Fallback>
         </mc:AlternateContent>
-        <mc:AlternateContent xmlns:mc="http://schemas.openxmlformats.org/markup-compatibility/2006">
-          <mc:Choice xmlns:a14="http://schemas.microsoft.com/office/drawing/2010/main" Requires="a14">
+        <mc:AlternateContent xmlns:mc="http://schemas.openxmlformats.org/markup-compatibility/2006" xmlns:a14="http://schemas.microsoft.com/office/drawing/2010/main">
+          <mc:Choice Requires="a14">
             <p:sp>
               <p:nvSpPr>
                 <p:cNvPr id="10" name="ZoneTexte 9"/>
@@ -11419,7 +11389,7 @@
               </p:txBody>
             </p:sp>
           </mc:Choice>
-          <mc:Fallback>
+          <mc:Fallback xmlns="">
             <p:sp>
               <p:nvSpPr>
                 <p:cNvPr id="10" name="ZoneTexte 9"/>
@@ -11621,8 +11591,8 @@
             </a:p>
           </p:txBody>
         </p:sp>
-        <mc:AlternateContent xmlns:mc="http://schemas.openxmlformats.org/markup-compatibility/2006">
-          <mc:Choice xmlns:a14="http://schemas.microsoft.com/office/drawing/2010/main" Requires="a14">
+        <mc:AlternateContent xmlns:mc="http://schemas.openxmlformats.org/markup-compatibility/2006" xmlns:a14="http://schemas.microsoft.com/office/drawing/2010/main">
+          <mc:Choice Requires="a14">
             <p:sp>
               <p:nvSpPr>
                 <p:cNvPr id="13" name="ZoneTexte 12"/>
@@ -11703,7 +11673,7 @@
               </p:txBody>
             </p:sp>
           </mc:Choice>
-          <mc:Fallback>
+          <mc:Fallback xmlns="">
             <p:sp>
               <p:nvSpPr>
                 <p:cNvPr id="13" name="ZoneTexte 12"/>
@@ -11752,9 +11722,9 @@
         <p:grpSpPr>
           <a:xfrm>
             <a:off x="2202560" y="2059138"/>
-            <a:ext cx="1439240" cy="1440760"/>
+            <a:ext cx="1442831" cy="1440760"/>
             <a:chOff x="400340" y="1830538"/>
-            <a:chExt cx="1439240" cy="1440760"/>
+            <a:chExt cx="1442831" cy="1440760"/>
           </a:xfrm>
         </p:grpSpPr>
         <p:grpSp>
@@ -11787,7 +11757,7 @@
               </a:prstGeom>
               <a:ln w="19050">
                 <a:solidFill>
-                  <a:srgbClr val="7030A0"/>
+                  <a:schemeClr val="tx1"/>
                 </a:solidFill>
                 <a:tailEnd type="stealth" w="med" len="lg"/>
               </a:ln>
@@ -11823,7 +11793,7 @@
               </a:prstGeom>
               <a:ln w="19050">
                 <a:solidFill>
-                  <a:srgbClr val="7030A0"/>
+                  <a:schemeClr val="tx1"/>
                 </a:solidFill>
                 <a:tailEnd type="stealth" w="med" len="lg"/>
               </a:ln>
@@ -11844,8 +11814,8 @@
             </p:style>
           </p:cxnSp>
         </p:grpSp>
-        <mc:AlternateContent xmlns:mc="http://schemas.openxmlformats.org/markup-compatibility/2006" xmlns:a14="http://schemas.microsoft.com/office/drawing/2010/main">
-          <mc:Choice Requires="a14">
+        <mc:AlternateContent xmlns:mc="http://schemas.openxmlformats.org/markup-compatibility/2006">
+          <mc:Choice xmlns:a14="http://schemas.microsoft.com/office/drawing/2010/main" Requires="a14">
             <p:sp>
               <p:nvSpPr>
                 <p:cNvPr id="20" name="ZoneTexte 19"/>
@@ -11855,7 +11825,7 @@
               <p:spPr>
                 <a:xfrm>
                   <a:off x="1470826" y="2280777"/>
-                  <a:ext cx="368754" cy="276999"/>
+                  <a:ext cx="372345" cy="276999"/>
                 </a:xfrm>
                 <a:prstGeom prst="rect">
                   <a:avLst/>
@@ -11906,7 +11876,7 @@
                                   <a:rPr lang="fr-FR" sz="1200" b="0" i="1" smtClean="0">
                                     <a:latin typeface="Cambria Math"/>
                                   </a:rPr>
-                                  <m:t>1</m:t>
+                                  <m:t>3</m:t>
                                 </m:r>
                               </m:sub>
                             </m:sSub>
@@ -11920,10 +11890,10 @@
               </p:txBody>
             </p:sp>
           </mc:Choice>
-          <mc:Fallback xmlns="">
+          <mc:Fallback>
             <p:sp>
               <p:nvSpPr>
-                <p:cNvPr id="61" name="ZoneTexte 60"/>
+                <p:cNvPr id="20" name="ZoneTexte 19"/>
                 <p:cNvSpPr txBox="1">
                   <a:spLocks noRot="1" noChangeAspect="1" noMove="1" noResize="1" noEditPoints="1" noAdjustHandles="1" noChangeArrowheads="1" noChangeShapeType="1" noTextEdit="1"/>
                 </p:cNvSpPr>
@@ -11932,13 +11902,13 @@
               <p:spPr>
                 <a:xfrm>
                   <a:off x="1470826" y="2280777"/>
-                  <a:ext cx="368754" cy="276999"/>
+                  <a:ext cx="372345" cy="276999"/>
                 </a:xfrm>
                 <a:prstGeom prst="rect">
                   <a:avLst/>
                 </a:prstGeom>
                 <a:blipFill rotWithShape="1">
-                  <a:blip r:embed="rId6"/>
+                  <a:blip r:embed="rId20"/>
                   <a:stretch>
                     <a:fillRect/>
                   </a:stretch>
@@ -12161,8 +12131,8 @@
             </p:style>
           </p:cxnSp>
         </p:grpSp>
-        <mc:AlternateContent xmlns:mc="http://schemas.openxmlformats.org/markup-compatibility/2006" xmlns:a14="http://schemas.microsoft.com/office/drawing/2010/main">
-          <mc:Choice Requires="a14">
+        <mc:AlternateContent xmlns:mc="http://schemas.openxmlformats.org/markup-compatibility/2006">
+          <mc:Choice xmlns:a14="http://schemas.microsoft.com/office/drawing/2010/main" Requires="a14">
             <p:sp>
               <p:nvSpPr>
                 <p:cNvPr id="23" name="ZoneTexte 22"/>
@@ -12172,7 +12142,7 @@
               <p:spPr>
                 <a:xfrm>
                   <a:off x="461644" y="1855365"/>
-                  <a:ext cx="370358" cy="276999"/>
+                  <a:ext cx="373949" cy="276999"/>
                 </a:xfrm>
                 <a:prstGeom prst="rect">
                   <a:avLst/>
@@ -12223,7 +12193,7 @@
                                   <a:rPr lang="fr-FR" sz="1200" b="0" i="1" smtClean="0">
                                     <a:latin typeface="Cambria Math"/>
                                   </a:rPr>
-                                  <m:t>1</m:t>
+                                  <m:t>3</m:t>
                                 </m:r>
                               </m:sub>
                             </m:sSub>
@@ -12237,10 +12207,10 @@
               </p:txBody>
             </p:sp>
           </mc:Choice>
-          <mc:Fallback xmlns="">
+          <mc:Fallback>
             <p:sp>
               <p:nvSpPr>
-                <p:cNvPr id="71" name="ZoneTexte 70"/>
+                <p:cNvPr id="23" name="ZoneTexte 22"/>
                 <p:cNvSpPr txBox="1">
                   <a:spLocks noRot="1" noChangeAspect="1" noMove="1" noResize="1" noEditPoints="1" noAdjustHandles="1" noChangeArrowheads="1" noChangeShapeType="1" noTextEdit="1"/>
                 </p:cNvSpPr>
@@ -12249,13 +12219,13 @@
               <p:spPr>
                 <a:xfrm>
                   <a:off x="461644" y="1855365"/>
-                  <a:ext cx="370358" cy="276999"/>
+                  <a:ext cx="373949" cy="276999"/>
                 </a:xfrm>
                 <a:prstGeom prst="rect">
                   <a:avLst/>
                 </a:prstGeom>
                 <a:blipFill rotWithShape="1">
-                  <a:blip r:embed="rId10"/>
+                  <a:blip r:embed="rId21"/>
                   <a:stretch>
                     <a:fillRect/>
                   </a:stretch>
@@ -12276,8 +12246,8 @@
             </p:sp>
           </mc:Fallback>
         </mc:AlternateContent>
-        <mc:AlternateContent xmlns:mc="http://schemas.openxmlformats.org/markup-compatibility/2006">
-          <mc:Choice xmlns:a14="http://schemas.microsoft.com/office/drawing/2010/main" Requires="a14">
+        <mc:AlternateContent xmlns:mc="http://schemas.openxmlformats.org/markup-compatibility/2006" xmlns:a14="http://schemas.microsoft.com/office/drawing/2010/main">
+          <mc:Choice Requires="a14">
             <p:sp>
               <p:nvSpPr>
                 <p:cNvPr id="24" name="ZoneTexte 23"/>
@@ -12352,7 +12322,7 @@
               </p:txBody>
             </p:sp>
           </mc:Choice>
-          <mc:Fallback>
+          <mc:Fallback xmlns="">
             <p:sp>
               <p:nvSpPr>
                 <p:cNvPr id="24" name="ZoneTexte 23"/>
@@ -12370,7 +12340,7 @@
                   <a:avLst/>
                 </a:prstGeom>
                 <a:blipFill rotWithShape="1">
-                  <a:blip r:embed="rId20"/>
+                  <a:blip r:embed="rId22"/>
                   <a:stretch>
                     <a:fillRect/>
                   </a:stretch>
@@ -12551,8 +12521,8 @@
             </a:p>
           </p:txBody>
         </p:sp>
-        <mc:AlternateContent xmlns:mc="http://schemas.openxmlformats.org/markup-compatibility/2006">
-          <mc:Choice xmlns:a14="http://schemas.microsoft.com/office/drawing/2010/main" Requires="a14">
+        <mc:AlternateContent xmlns:mc="http://schemas.openxmlformats.org/markup-compatibility/2006" xmlns:a14="http://schemas.microsoft.com/office/drawing/2010/main">
+          <mc:Choice Requires="a14">
             <p:sp>
               <p:nvSpPr>
                 <p:cNvPr id="27" name="ZoneTexte 26"/>
@@ -12633,7 +12603,7 @@
               </p:txBody>
             </p:sp>
           </mc:Choice>
-          <mc:Fallback>
+          <mc:Fallback xmlns="">
             <p:sp>
               <p:nvSpPr>
                 <p:cNvPr id="27" name="ZoneTexte 26"/>
@@ -12651,7 +12621,7 @@
                   <a:avLst/>
                 </a:prstGeom>
                 <a:blipFill rotWithShape="1">
-                  <a:blip r:embed="rId21"/>
+                  <a:blip r:embed="rId23"/>
                   <a:stretch>
                     <a:fillRect b="-4651"/>
                   </a:stretch>
@@ -12682,9 +12652,9 @@
         <p:grpSpPr>
           <a:xfrm>
             <a:off x="3852380" y="2059138"/>
-            <a:ext cx="1439240" cy="1440760"/>
+            <a:ext cx="1442831" cy="1440760"/>
             <a:chOff x="400340" y="1830538"/>
-            <a:chExt cx="1439240" cy="1440760"/>
+            <a:chExt cx="1442831" cy="1440760"/>
           </a:xfrm>
         </p:grpSpPr>
         <p:grpSp>
@@ -12774,8 +12744,8 @@
             </p:style>
           </p:cxnSp>
         </p:grpSp>
-        <mc:AlternateContent xmlns:mc="http://schemas.openxmlformats.org/markup-compatibility/2006" xmlns:a14="http://schemas.microsoft.com/office/drawing/2010/main">
-          <mc:Choice Requires="a14">
+        <mc:AlternateContent xmlns:mc="http://schemas.openxmlformats.org/markup-compatibility/2006">
+          <mc:Choice xmlns:a14="http://schemas.microsoft.com/office/drawing/2010/main" Requires="a14">
             <p:sp>
               <p:nvSpPr>
                 <p:cNvPr id="34" name="ZoneTexte 33"/>
@@ -12785,7 +12755,7 @@
               <p:spPr>
                 <a:xfrm>
                   <a:off x="1470826" y="2280777"/>
-                  <a:ext cx="368754" cy="276999"/>
+                  <a:ext cx="372345" cy="276999"/>
                 </a:xfrm>
                 <a:prstGeom prst="rect">
                   <a:avLst/>
@@ -12836,7 +12806,7 @@
                                   <a:rPr lang="fr-FR" sz="1200" b="0" i="1" smtClean="0">
                                     <a:latin typeface="Cambria Math"/>
                                   </a:rPr>
-                                  <m:t>1</m:t>
+                                  <m:t>3</m:t>
                                 </m:r>
                               </m:sub>
                             </m:sSub>
@@ -12850,10 +12820,10 @@
               </p:txBody>
             </p:sp>
           </mc:Choice>
-          <mc:Fallback xmlns="">
+          <mc:Fallback>
             <p:sp>
               <p:nvSpPr>
-                <p:cNvPr id="61" name="ZoneTexte 60"/>
+                <p:cNvPr id="34" name="ZoneTexte 33"/>
                 <p:cNvSpPr txBox="1">
                   <a:spLocks noRot="1" noChangeAspect="1" noMove="1" noResize="1" noEditPoints="1" noAdjustHandles="1" noChangeArrowheads="1" noChangeShapeType="1" noTextEdit="1"/>
                 </p:cNvSpPr>
@@ -12862,13 +12832,13 @@
               <p:spPr>
                 <a:xfrm>
                   <a:off x="1470826" y="2280777"/>
-                  <a:ext cx="368754" cy="276999"/>
+                  <a:ext cx="372345" cy="276999"/>
                 </a:xfrm>
                 <a:prstGeom prst="rect">
                   <a:avLst/>
                 </a:prstGeom>
                 <a:blipFill rotWithShape="1">
-                  <a:blip r:embed="rId6"/>
+                  <a:blip r:embed="rId24"/>
                   <a:stretch>
                     <a:fillRect/>
                   </a:stretch>
@@ -12889,8 +12859,8 @@
             </p:sp>
           </mc:Fallback>
         </mc:AlternateContent>
-        <mc:AlternateContent xmlns:mc="http://schemas.openxmlformats.org/markup-compatibility/2006" xmlns:a14="http://schemas.microsoft.com/office/drawing/2010/main">
-          <mc:Choice Requires="a14">
+        <mc:AlternateContent xmlns:mc="http://schemas.openxmlformats.org/markup-compatibility/2006">
+          <mc:Choice xmlns:a14="http://schemas.microsoft.com/office/drawing/2010/main" Requires="a14">
             <p:sp>
               <p:nvSpPr>
                 <p:cNvPr id="35" name="ZoneTexte 34"/>
@@ -12948,10 +12918,10 @@
                               </m:e>
                               <m:sub>
                                 <m:r>
-                                  <a:rPr lang="fr-FR" sz="1200" i="1">
+                                  <a:rPr lang="fr-FR" sz="1200" b="0" i="1" smtClean="0">
                                     <a:latin typeface="Cambria Math"/>
                                   </a:rPr>
-                                  <m:t>0</m:t>
+                                  <m:t>2</m:t>
                                 </m:r>
                               </m:sub>
                             </m:sSub>
@@ -12965,10 +12935,10 @@
               </p:txBody>
             </p:sp>
           </mc:Choice>
-          <mc:Fallback xmlns="">
+          <mc:Fallback>
             <p:sp>
               <p:nvSpPr>
-                <p:cNvPr id="62" name="ZoneTexte 61"/>
+                <p:cNvPr id="35" name="ZoneTexte 34"/>
                 <p:cNvSpPr txBox="1">
                   <a:spLocks noRot="1" noChangeAspect="1" noMove="1" noResize="1" noEditPoints="1" noAdjustHandles="1" noChangeArrowheads="1" noChangeShapeType="1" noTextEdit="1"/>
                 </p:cNvSpPr>
@@ -12983,7 +12953,7 @@
                   <a:avLst/>
                 </a:prstGeom>
                 <a:blipFill rotWithShape="1">
-                  <a:blip r:embed="rId7"/>
+                  <a:blip r:embed="rId25"/>
                   <a:stretch>
                     <a:fillRect/>
                   </a:stretch>
@@ -13091,8 +13061,8 @@
             </p:style>
           </p:cxnSp>
         </p:grpSp>
-        <mc:AlternateContent xmlns:mc="http://schemas.openxmlformats.org/markup-compatibility/2006" xmlns:a14="http://schemas.microsoft.com/office/drawing/2010/main">
-          <mc:Choice Requires="a14">
+        <mc:AlternateContent xmlns:mc="http://schemas.openxmlformats.org/markup-compatibility/2006">
+          <mc:Choice xmlns:a14="http://schemas.microsoft.com/office/drawing/2010/main" Requires="a14">
             <p:sp>
               <p:nvSpPr>
                 <p:cNvPr id="37" name="ZoneTexte 36"/>
@@ -13102,7 +13072,7 @@
               <p:spPr>
                 <a:xfrm>
                   <a:off x="461644" y="1855365"/>
-                  <a:ext cx="370358" cy="276999"/>
+                  <a:ext cx="373949" cy="276999"/>
                 </a:xfrm>
                 <a:prstGeom prst="rect">
                   <a:avLst/>
@@ -13153,7 +13123,7 @@
                                   <a:rPr lang="fr-FR" sz="1200" b="0" i="1" smtClean="0">
                                     <a:latin typeface="Cambria Math"/>
                                   </a:rPr>
-                                  <m:t>1</m:t>
+                                  <m:t>3</m:t>
                                 </m:r>
                               </m:sub>
                             </m:sSub>
@@ -13167,10 +13137,10 @@
               </p:txBody>
             </p:sp>
           </mc:Choice>
-          <mc:Fallback xmlns="">
+          <mc:Fallback>
             <p:sp>
               <p:nvSpPr>
-                <p:cNvPr id="71" name="ZoneTexte 70"/>
+                <p:cNvPr id="37" name="ZoneTexte 36"/>
                 <p:cNvSpPr txBox="1">
                   <a:spLocks noRot="1" noChangeAspect="1" noMove="1" noResize="1" noEditPoints="1" noAdjustHandles="1" noChangeArrowheads="1" noChangeShapeType="1" noTextEdit="1"/>
                 </p:cNvSpPr>
@@ -13179,13 +13149,13 @@
               <p:spPr>
                 <a:xfrm>
                   <a:off x="461644" y="1855365"/>
-                  <a:ext cx="370358" cy="276999"/>
+                  <a:ext cx="373949" cy="276999"/>
                 </a:xfrm>
                 <a:prstGeom prst="rect">
                   <a:avLst/>
                 </a:prstGeom>
                 <a:blipFill rotWithShape="1">
-                  <a:blip r:embed="rId10"/>
+                  <a:blip r:embed="rId26"/>
                   <a:stretch>
                     <a:fillRect/>
                   </a:stretch>
@@ -13206,8 +13176,8 @@
             </p:sp>
           </mc:Fallback>
         </mc:AlternateContent>
-        <mc:AlternateContent xmlns:mc="http://schemas.openxmlformats.org/markup-compatibility/2006">
-          <mc:Choice xmlns:a14="http://schemas.microsoft.com/office/drawing/2010/main" Requires="a14">
+        <mc:AlternateContent xmlns:mc="http://schemas.openxmlformats.org/markup-compatibility/2006" xmlns:a14="http://schemas.microsoft.com/office/drawing/2010/main">
+          <mc:Choice Requires="a14">
             <p:sp>
               <p:nvSpPr>
                 <p:cNvPr id="38" name="ZoneTexte 37"/>
@@ -13282,7 +13252,7 @@
               </p:txBody>
             </p:sp>
           </mc:Choice>
-          <mc:Fallback>
+          <mc:Fallback xmlns="">
             <p:sp>
               <p:nvSpPr>
                 <p:cNvPr id="38" name="ZoneTexte 37"/>
@@ -13300,7 +13270,7 @@
                   <a:avLst/>
                 </a:prstGeom>
                 <a:blipFill rotWithShape="1">
-                  <a:blip r:embed="rId22"/>
+                  <a:blip r:embed="rId27"/>
                   <a:stretch>
                     <a:fillRect/>
                   </a:stretch>
@@ -13321,8 +13291,8 @@
             </p:sp>
           </mc:Fallback>
         </mc:AlternateContent>
-        <mc:AlternateContent xmlns:mc="http://schemas.openxmlformats.org/markup-compatibility/2006" xmlns:a14="http://schemas.microsoft.com/office/drawing/2010/main">
-          <mc:Choice Requires="a14">
+        <mc:AlternateContent xmlns:mc="http://schemas.openxmlformats.org/markup-compatibility/2006">
+          <mc:Choice xmlns:a14="http://schemas.microsoft.com/office/drawing/2010/main" Requires="a14">
             <p:sp>
               <p:nvSpPr>
                 <p:cNvPr id="39" name="ZoneTexte 38"/>
@@ -13380,10 +13350,10 @@
                               </m:e>
                               <m:sub>
                                 <m:r>
-                                  <a:rPr lang="fr-FR" sz="1200" i="1">
+                                  <a:rPr lang="fr-FR" sz="1200" b="0" i="1" smtClean="0">
                                     <a:latin typeface="Cambria Math"/>
                                   </a:rPr>
-                                  <m:t>0</m:t>
+                                  <m:t>2</m:t>
                                 </m:r>
                               </m:sub>
                             </m:sSub>
@@ -13397,10 +13367,10 @@
               </p:txBody>
             </p:sp>
           </mc:Choice>
-          <mc:Fallback xmlns="">
+          <mc:Fallback>
             <p:sp>
               <p:nvSpPr>
-                <p:cNvPr id="89" name="ZoneTexte 88"/>
+                <p:cNvPr id="39" name="ZoneTexte 38"/>
                 <p:cNvSpPr txBox="1">
                   <a:spLocks noRot="1" noChangeAspect="1" noMove="1" noResize="1" noEditPoints="1" noAdjustHandles="1" noChangeArrowheads="1" noChangeShapeType="1" noTextEdit="1"/>
                 </p:cNvSpPr>
@@ -13415,7 +13385,7 @@
                   <a:avLst/>
                 </a:prstGeom>
                 <a:blipFill rotWithShape="1">
-                  <a:blip r:embed="rId18"/>
+                  <a:blip r:embed="rId28"/>
                   <a:stretch>
                     <a:fillRect/>
                   </a:stretch>
@@ -13481,8 +13451,8 @@
             </a:p>
           </p:txBody>
         </p:sp>
-        <mc:AlternateContent xmlns:mc="http://schemas.openxmlformats.org/markup-compatibility/2006">
-          <mc:Choice xmlns:a14="http://schemas.microsoft.com/office/drawing/2010/main" Requires="a14">
+        <mc:AlternateContent xmlns:mc="http://schemas.openxmlformats.org/markup-compatibility/2006" xmlns:a14="http://schemas.microsoft.com/office/drawing/2010/main">
+          <mc:Choice Requires="a14">
             <p:sp>
               <p:nvSpPr>
                 <p:cNvPr id="41" name="ZoneTexte 40"/>
@@ -13563,7 +13533,7 @@
               </p:txBody>
             </p:sp>
           </mc:Choice>
-          <mc:Fallback>
+          <mc:Fallback xmlns="">
             <p:sp>
               <p:nvSpPr>
                 <p:cNvPr id="41" name="ZoneTexte 40"/>
@@ -13581,7 +13551,7 @@
                   <a:avLst/>
                 </a:prstGeom>
                 <a:blipFill rotWithShape="1">
-                  <a:blip r:embed="rId23"/>
+                  <a:blip r:embed="rId29"/>
                   <a:stretch>
                     <a:fillRect b="-4651"/>
                   </a:stretch>

--- a/06_CinematiquePoint/Cours/png/Figures.pptx
+++ b/06_CinematiquePoint/Cours/png/Figures.pptx
@@ -8,6 +8,7 @@
     <p:sldId id="256" r:id="rId2"/>
     <p:sldId id="257" r:id="rId3"/>
     <p:sldId id="258" r:id="rId4"/>
+    <p:sldId id="259" r:id="rId5"/>
   </p:sldIdLst>
   <p:sldSz cx="9144000" cy="6858000" type="screen4x3"/>
   <p:notesSz cx="6858000" cy="9144000"/>
@@ -290,7 +291,7 @@
           <a:p>
             <a:fld id="{AA309A6D-C09C-4548-B29A-6CF363A7E532}" type="datetimeFigureOut">
               <a:rPr lang="fr-FR" smtClean="0"/>
-              <a:t>20/12/2013</a:t>
+              <a:t>22/12/2013</a:t>
             </a:fld>
             <a:endParaRPr lang="fr-BE"/>
           </a:p>
@@ -455,7 +456,7 @@
           <a:p>
             <a:fld id="{AA309A6D-C09C-4548-B29A-6CF363A7E532}" type="datetimeFigureOut">
               <a:rPr lang="fr-FR" smtClean="0"/>
-              <a:t>20/12/2013</a:t>
+              <a:t>22/12/2013</a:t>
             </a:fld>
             <a:endParaRPr lang="fr-BE"/>
           </a:p>
@@ -630,7 +631,7 @@
           <a:p>
             <a:fld id="{AA309A6D-C09C-4548-B29A-6CF363A7E532}" type="datetimeFigureOut">
               <a:rPr lang="fr-FR" smtClean="0"/>
-              <a:t>20/12/2013</a:t>
+              <a:t>22/12/2013</a:t>
             </a:fld>
             <a:endParaRPr lang="fr-BE"/>
           </a:p>
@@ -795,7 +796,7 @@
           <a:p>
             <a:fld id="{AA309A6D-C09C-4548-B29A-6CF363A7E532}" type="datetimeFigureOut">
               <a:rPr lang="fr-FR" smtClean="0"/>
-              <a:t>20/12/2013</a:t>
+              <a:t>22/12/2013</a:t>
             </a:fld>
             <a:endParaRPr lang="fr-BE"/>
           </a:p>
@@ -1036,7 +1037,7 @@
           <a:p>
             <a:fld id="{AA309A6D-C09C-4548-B29A-6CF363A7E532}" type="datetimeFigureOut">
               <a:rPr lang="fr-FR" smtClean="0"/>
-              <a:t>20/12/2013</a:t>
+              <a:t>22/12/2013</a:t>
             </a:fld>
             <a:endParaRPr lang="fr-BE"/>
           </a:p>
@@ -1319,7 +1320,7 @@
           <a:p>
             <a:fld id="{AA309A6D-C09C-4548-B29A-6CF363A7E532}" type="datetimeFigureOut">
               <a:rPr lang="fr-FR" smtClean="0"/>
-              <a:t>20/12/2013</a:t>
+              <a:t>22/12/2013</a:t>
             </a:fld>
             <a:endParaRPr lang="fr-BE"/>
           </a:p>
@@ -1736,7 +1737,7 @@
           <a:p>
             <a:fld id="{AA309A6D-C09C-4548-B29A-6CF363A7E532}" type="datetimeFigureOut">
               <a:rPr lang="fr-FR" smtClean="0"/>
-              <a:t>20/12/2013</a:t>
+              <a:t>22/12/2013</a:t>
             </a:fld>
             <a:endParaRPr lang="fr-BE"/>
           </a:p>
@@ -1849,7 +1850,7 @@
           <a:p>
             <a:fld id="{AA309A6D-C09C-4548-B29A-6CF363A7E532}" type="datetimeFigureOut">
               <a:rPr lang="fr-FR" smtClean="0"/>
-              <a:t>20/12/2013</a:t>
+              <a:t>22/12/2013</a:t>
             </a:fld>
             <a:endParaRPr lang="fr-BE"/>
           </a:p>
@@ -1939,7 +1940,7 @@
           <a:p>
             <a:fld id="{AA309A6D-C09C-4548-B29A-6CF363A7E532}" type="datetimeFigureOut">
               <a:rPr lang="fr-FR" smtClean="0"/>
-              <a:t>20/12/2013</a:t>
+              <a:t>22/12/2013</a:t>
             </a:fld>
             <a:endParaRPr lang="fr-BE"/>
           </a:p>
@@ -2211,7 +2212,7 @@
           <a:p>
             <a:fld id="{AA309A6D-C09C-4548-B29A-6CF363A7E532}" type="datetimeFigureOut">
               <a:rPr lang="fr-FR" smtClean="0"/>
-              <a:t>20/12/2013</a:t>
+              <a:t>22/12/2013</a:t>
             </a:fld>
             <a:endParaRPr lang="fr-BE"/>
           </a:p>
@@ -2459,7 +2460,7 @@
           <a:p>
             <a:fld id="{AA309A6D-C09C-4548-B29A-6CF363A7E532}" type="datetimeFigureOut">
               <a:rPr lang="fr-FR" smtClean="0"/>
-              <a:t>20/12/2013</a:t>
+              <a:t>22/12/2013</a:t>
             </a:fld>
             <a:endParaRPr lang="fr-BE"/>
           </a:p>
@@ -2667,7 +2668,7 @@
           <a:p>
             <a:fld id="{AA309A6D-C09C-4548-B29A-6CF363A7E532}" type="datetimeFigureOut">
               <a:rPr lang="fr-FR" smtClean="0"/>
-              <a:t>20/12/2013</a:t>
+              <a:t>22/12/2013</a:t>
             </a:fld>
             <a:endParaRPr lang="fr-BE"/>
           </a:p>
@@ -11814,8 +11815,8 @@
             </p:style>
           </p:cxnSp>
         </p:grpSp>
-        <mc:AlternateContent xmlns:mc="http://schemas.openxmlformats.org/markup-compatibility/2006">
-          <mc:Choice xmlns:a14="http://schemas.microsoft.com/office/drawing/2010/main" Requires="a14">
+        <mc:AlternateContent xmlns:mc="http://schemas.openxmlformats.org/markup-compatibility/2006" xmlns:a14="http://schemas.microsoft.com/office/drawing/2010/main">
+          <mc:Choice Requires="a14">
             <p:sp>
               <p:nvSpPr>
                 <p:cNvPr id="20" name="ZoneTexte 19"/>
@@ -11890,7 +11891,7 @@
               </p:txBody>
             </p:sp>
           </mc:Choice>
-          <mc:Fallback>
+          <mc:Fallback xmlns="">
             <p:sp>
               <p:nvSpPr>
                 <p:cNvPr id="20" name="ZoneTexte 19"/>
@@ -12131,8 +12132,8 @@
             </p:style>
           </p:cxnSp>
         </p:grpSp>
-        <mc:AlternateContent xmlns:mc="http://schemas.openxmlformats.org/markup-compatibility/2006">
-          <mc:Choice xmlns:a14="http://schemas.microsoft.com/office/drawing/2010/main" Requires="a14">
+        <mc:AlternateContent xmlns:mc="http://schemas.openxmlformats.org/markup-compatibility/2006" xmlns:a14="http://schemas.microsoft.com/office/drawing/2010/main">
+          <mc:Choice Requires="a14">
             <p:sp>
               <p:nvSpPr>
                 <p:cNvPr id="23" name="ZoneTexte 22"/>
@@ -12207,7 +12208,7 @@
               </p:txBody>
             </p:sp>
           </mc:Choice>
-          <mc:Fallback>
+          <mc:Fallback xmlns="">
             <p:sp>
               <p:nvSpPr>
                 <p:cNvPr id="23" name="ZoneTexte 22"/>
@@ -12744,8 +12745,8 @@
             </p:style>
           </p:cxnSp>
         </p:grpSp>
-        <mc:AlternateContent xmlns:mc="http://schemas.openxmlformats.org/markup-compatibility/2006">
-          <mc:Choice xmlns:a14="http://schemas.microsoft.com/office/drawing/2010/main" Requires="a14">
+        <mc:AlternateContent xmlns:mc="http://schemas.openxmlformats.org/markup-compatibility/2006" xmlns:a14="http://schemas.microsoft.com/office/drawing/2010/main">
+          <mc:Choice Requires="a14">
             <p:sp>
               <p:nvSpPr>
                 <p:cNvPr id="34" name="ZoneTexte 33"/>
@@ -12820,7 +12821,7 @@
               </p:txBody>
             </p:sp>
           </mc:Choice>
-          <mc:Fallback>
+          <mc:Fallback xmlns="">
             <p:sp>
               <p:nvSpPr>
                 <p:cNvPr id="34" name="ZoneTexte 33"/>
@@ -12859,8 +12860,8 @@
             </p:sp>
           </mc:Fallback>
         </mc:AlternateContent>
-        <mc:AlternateContent xmlns:mc="http://schemas.openxmlformats.org/markup-compatibility/2006">
-          <mc:Choice xmlns:a14="http://schemas.microsoft.com/office/drawing/2010/main" Requires="a14">
+        <mc:AlternateContent xmlns:mc="http://schemas.openxmlformats.org/markup-compatibility/2006" xmlns:a14="http://schemas.microsoft.com/office/drawing/2010/main">
+          <mc:Choice Requires="a14">
             <p:sp>
               <p:nvSpPr>
                 <p:cNvPr id="35" name="ZoneTexte 34"/>
@@ -12935,7 +12936,7 @@
               </p:txBody>
             </p:sp>
           </mc:Choice>
-          <mc:Fallback>
+          <mc:Fallback xmlns="">
             <p:sp>
               <p:nvSpPr>
                 <p:cNvPr id="35" name="ZoneTexte 34"/>
@@ -13061,8 +13062,8 @@
             </p:style>
           </p:cxnSp>
         </p:grpSp>
-        <mc:AlternateContent xmlns:mc="http://schemas.openxmlformats.org/markup-compatibility/2006">
-          <mc:Choice xmlns:a14="http://schemas.microsoft.com/office/drawing/2010/main" Requires="a14">
+        <mc:AlternateContent xmlns:mc="http://schemas.openxmlformats.org/markup-compatibility/2006" xmlns:a14="http://schemas.microsoft.com/office/drawing/2010/main">
+          <mc:Choice Requires="a14">
             <p:sp>
               <p:nvSpPr>
                 <p:cNvPr id="37" name="ZoneTexte 36"/>
@@ -13137,7 +13138,7 @@
               </p:txBody>
             </p:sp>
           </mc:Choice>
-          <mc:Fallback>
+          <mc:Fallback xmlns="">
             <p:sp>
               <p:nvSpPr>
                 <p:cNvPr id="37" name="ZoneTexte 36"/>
@@ -13291,8 +13292,8 @@
             </p:sp>
           </mc:Fallback>
         </mc:AlternateContent>
-        <mc:AlternateContent xmlns:mc="http://schemas.openxmlformats.org/markup-compatibility/2006">
-          <mc:Choice xmlns:a14="http://schemas.microsoft.com/office/drawing/2010/main" Requires="a14">
+        <mc:AlternateContent xmlns:mc="http://schemas.openxmlformats.org/markup-compatibility/2006" xmlns:a14="http://schemas.microsoft.com/office/drawing/2010/main">
+          <mc:Choice Requires="a14">
             <p:sp>
               <p:nvSpPr>
                 <p:cNvPr id="39" name="ZoneTexte 38"/>
@@ -13367,7 +13368,7 @@
               </p:txBody>
             </p:sp>
           </mc:Choice>
-          <mc:Fallback>
+          <mc:Fallback xmlns="">
             <p:sp>
               <p:nvSpPr>
                 <p:cNvPr id="39" name="ZoneTexte 38"/>
@@ -13577,6 +13578,2267 @@
     <p:extLst>
       <p:ext uri="{BB962C8B-B14F-4D97-AF65-F5344CB8AC3E}">
         <p14:creationId xmlns:p14="http://schemas.microsoft.com/office/powerpoint/2010/main" val="2887764530"/>
+      </p:ext>
+    </p:extLst>
+  </p:cSld>
+  <p:clrMapOvr>
+    <a:masterClrMapping/>
+  </p:clrMapOvr>
+</p:sld>
+</file>
+
+<file path=ppt/slides/slide4.xml><?xml version="1.0" encoding="utf-8"?>
+<p:sld xmlns:a="http://schemas.openxmlformats.org/drawingml/2006/main" xmlns:r="http://schemas.openxmlformats.org/officeDocument/2006/relationships" xmlns:p="http://schemas.openxmlformats.org/presentationml/2006/main">
+  <p:cSld>
+    <p:spTree>
+      <p:nvGrpSpPr>
+        <p:cNvPr id="1" name=""/>
+        <p:cNvGrpSpPr/>
+        <p:nvPr/>
+      </p:nvGrpSpPr>
+      <p:grpSpPr>
+        <a:xfrm>
+          <a:off x="0" y="0"/>
+          <a:ext cx="0" cy="0"/>
+          <a:chOff x="0" y="0"/>
+          <a:chExt cx="0" cy="0"/>
+        </a:xfrm>
+      </p:grpSpPr>
+      <p:sp>
+        <p:nvSpPr>
+          <p:cNvPr id="2" name="Titre 1"/>
+          <p:cNvSpPr>
+            <a:spLocks noGrp="1"/>
+          </p:cNvSpPr>
+          <p:nvPr>
+            <p:ph type="title"/>
+          </p:nvPr>
+        </p:nvSpPr>
+        <p:spPr/>
+        <p:txBody>
+          <a:bodyPr/>
+          <a:lstStyle/>
+          <a:p>
+            <a:endParaRPr lang="fr-FR"/>
+          </a:p>
+        </p:txBody>
+      </p:sp>
+      <mc:AlternateContent xmlns:mc="http://schemas.openxmlformats.org/markup-compatibility/2006">
+        <mc:Choice xmlns:a14="http://schemas.microsoft.com/office/drawing/2010/main" Requires="a14">
+          <p:sp>
+            <p:nvSpPr>
+              <p:cNvPr id="4" name="ZoneTexte 3"/>
+              <p:cNvSpPr txBox="1"/>
+              <p:nvPr/>
+            </p:nvSpPr>
+            <p:spPr>
+              <a:xfrm>
+                <a:off x="2204773" y="2765786"/>
+                <a:ext cx="901158" cy="430887"/>
+              </a:xfrm>
+              <a:prstGeom prst="rect">
+                <a:avLst/>
+              </a:prstGeom>
+              <a:noFill/>
+            </p:spPr>
+            <p:txBody>
+              <a:bodyPr wrap="square" rtlCol="0">
+                <a:spAutoFit/>
+              </a:bodyPr>
+              <a:lstStyle/>
+              <a:p>
+                <a:r>
+                  <a:rPr lang="fr-FR" sz="1100" dirty="0" smtClean="0"/>
+                  <a:t>Pivot d’axe </a:t>
+                </a:r>
+                <a14:m>
+                  <m:oMath xmlns:m="http://schemas.openxmlformats.org/officeDocument/2006/math">
+                    <m:d>
+                      <m:dPr>
+                        <m:ctrlPr>
+                          <a:rPr lang="fr-FR" sz="1100" i="1" smtClean="0">
+                            <a:latin typeface="Cambria Math"/>
+                          </a:rPr>
+                        </m:ctrlPr>
+                      </m:dPr>
+                      <m:e>
+                        <m:r>
+                          <a:rPr lang="fr-FR" sz="1100" b="0" i="1" smtClean="0">
+                            <a:latin typeface="Cambria Math"/>
+                          </a:rPr>
+                          <m:t>𝐴</m:t>
+                        </m:r>
+                        <m:r>
+                          <a:rPr lang="fr-FR" sz="1100" b="0" i="1" smtClean="0">
+                            <a:latin typeface="Cambria Math"/>
+                          </a:rPr>
+                          <m:t>,</m:t>
+                        </m:r>
+                        <m:acc>
+                          <m:accPr>
+                            <m:chr m:val="⃗"/>
+                            <m:ctrlPr>
+                              <a:rPr lang="fr-FR" sz="1100" b="0" i="1" smtClean="0">
+                                <a:latin typeface="Cambria Math"/>
+                              </a:rPr>
+                            </m:ctrlPr>
+                          </m:accPr>
+                          <m:e>
+                            <m:r>
+                              <a:rPr lang="fr-FR" sz="1100" b="0" i="1" smtClean="0">
+                                <a:latin typeface="Cambria Math"/>
+                              </a:rPr>
+                              <m:t>𝑧</m:t>
+                            </m:r>
+                          </m:e>
+                        </m:acc>
+                      </m:e>
+                    </m:d>
+                  </m:oMath>
+                </a14:m>
+                <a:endParaRPr lang="fr-FR" sz="1100" dirty="0"/>
+              </a:p>
+            </p:txBody>
+          </p:sp>
+        </mc:Choice>
+        <mc:Fallback>
+          <p:sp>
+            <p:nvSpPr>
+              <p:cNvPr id="4" name="ZoneTexte 3"/>
+              <p:cNvSpPr txBox="1">
+                <a:spLocks noRot="1" noChangeAspect="1" noMove="1" noResize="1" noEditPoints="1" noAdjustHandles="1" noChangeArrowheads="1" noChangeShapeType="1" noTextEdit="1"/>
+              </p:cNvSpPr>
+              <p:nvPr/>
+            </p:nvSpPr>
+            <p:spPr>
+              <a:xfrm>
+                <a:off x="2204773" y="2765786"/>
+                <a:ext cx="901158" cy="430887"/>
+              </a:xfrm>
+              <a:prstGeom prst="rect">
+                <a:avLst/>
+              </a:prstGeom>
+              <a:blipFill rotWithShape="1">
+                <a:blip r:embed="rId2"/>
+                <a:stretch>
+                  <a:fillRect t="-1429"/>
+                </a:stretch>
+              </a:blipFill>
+            </p:spPr>
+            <p:txBody>
+              <a:bodyPr/>
+              <a:lstStyle/>
+              <a:p>
+                <a:r>
+                  <a:rPr lang="fr-FR">
+                    <a:noFill/>
+                  </a:rPr>
+                  <a:t> </a:t>
+                </a:r>
+              </a:p>
+            </p:txBody>
+          </p:sp>
+        </mc:Fallback>
+      </mc:AlternateContent>
+      <p:grpSp>
+        <p:nvGrpSpPr>
+          <p:cNvPr id="5" name="Groupe 4"/>
+          <p:cNvGrpSpPr/>
+          <p:nvPr/>
+        </p:nvGrpSpPr>
+        <p:grpSpPr>
+          <a:xfrm>
+            <a:off x="1048678" y="2801230"/>
+            <a:ext cx="2023572" cy="1342965"/>
+            <a:chOff x="26574" y="4030235"/>
+            <a:chExt cx="2023572" cy="1342965"/>
+          </a:xfrm>
+        </p:grpSpPr>
+        <p:sp>
+          <p:nvSpPr>
+            <p:cNvPr id="6" name="Ellipse 5"/>
+            <p:cNvSpPr/>
+            <p:nvPr/>
+          </p:nvSpPr>
+          <p:spPr>
+            <a:xfrm>
+              <a:off x="845461" y="4030235"/>
+              <a:ext cx="180000" cy="180000"/>
+            </a:xfrm>
+            <a:prstGeom prst="ellipse">
+              <a:avLst/>
+            </a:prstGeom>
+            <a:noFill/>
+            <a:ln w="12700">
+              <a:solidFill>
+                <a:srgbClr val="7030A0"/>
+              </a:solidFill>
+            </a:ln>
+          </p:spPr>
+          <p:style>
+            <a:lnRef idx="2">
+              <a:schemeClr val="accent1">
+                <a:shade val="50000"/>
+              </a:schemeClr>
+            </a:lnRef>
+            <a:fillRef idx="1">
+              <a:schemeClr val="accent1"/>
+            </a:fillRef>
+            <a:effectRef idx="0">
+              <a:schemeClr val="accent1"/>
+            </a:effectRef>
+            <a:fontRef idx="minor">
+              <a:schemeClr val="lt1"/>
+            </a:fontRef>
+          </p:style>
+          <p:txBody>
+            <a:bodyPr rtlCol="0" anchor="ctr"/>
+            <a:lstStyle/>
+            <a:p>
+              <a:pPr algn="ctr"/>
+              <a:r>
+                <a:rPr lang="fr-FR" sz="1100" dirty="0">
+                  <a:solidFill>
+                    <a:srgbClr val="7030A0"/>
+                  </a:solidFill>
+                </a:rPr>
+                <a:t>2</a:t>
+              </a:r>
+            </a:p>
+          </p:txBody>
+        </p:sp>
+        <p:sp>
+          <p:nvSpPr>
+            <p:cNvPr id="7" name="Ellipse 6"/>
+            <p:cNvSpPr/>
+            <p:nvPr/>
+          </p:nvSpPr>
+          <p:spPr>
+            <a:xfrm>
+              <a:off x="297153" y="4491128"/>
+              <a:ext cx="180000" cy="180000"/>
+            </a:xfrm>
+            <a:prstGeom prst="ellipse">
+              <a:avLst/>
+            </a:prstGeom>
+            <a:noFill/>
+            <a:ln w="12700">
+              <a:solidFill>
+                <a:srgbClr val="00B050"/>
+              </a:solidFill>
+            </a:ln>
+          </p:spPr>
+          <p:style>
+            <a:lnRef idx="2">
+              <a:schemeClr val="accent1">
+                <a:shade val="50000"/>
+              </a:schemeClr>
+            </a:lnRef>
+            <a:fillRef idx="1">
+              <a:schemeClr val="accent1"/>
+            </a:fillRef>
+            <a:effectRef idx="0">
+              <a:schemeClr val="accent1"/>
+            </a:effectRef>
+            <a:fontRef idx="minor">
+              <a:schemeClr val="lt1"/>
+            </a:fontRef>
+          </p:style>
+          <p:txBody>
+            <a:bodyPr rtlCol="0" anchor="ctr"/>
+            <a:lstStyle/>
+            <a:p>
+              <a:pPr algn="ctr"/>
+              <a:r>
+                <a:rPr lang="fr-FR" sz="1100" dirty="0" smtClean="0">
+                  <a:solidFill>
+                    <a:srgbClr val="00B050"/>
+                  </a:solidFill>
+                </a:rPr>
+                <a:t>1</a:t>
+              </a:r>
+              <a:endParaRPr lang="fr-FR" sz="1100" dirty="0">
+                <a:solidFill>
+                  <a:srgbClr val="00B050"/>
+                </a:solidFill>
+              </a:endParaRPr>
+            </a:p>
+          </p:txBody>
+        </p:sp>
+        <p:sp>
+          <p:nvSpPr>
+            <p:cNvPr id="8" name="Ellipse 7"/>
+            <p:cNvSpPr/>
+            <p:nvPr/>
+          </p:nvSpPr>
+          <p:spPr>
+            <a:xfrm>
+              <a:off x="1419567" y="4491128"/>
+              <a:ext cx="180000" cy="180000"/>
+            </a:xfrm>
+            <a:prstGeom prst="ellipse">
+              <a:avLst/>
+            </a:prstGeom>
+            <a:noFill/>
+            <a:ln w="12700">
+              <a:solidFill>
+                <a:srgbClr val="0070C0"/>
+              </a:solidFill>
+            </a:ln>
+          </p:spPr>
+          <p:style>
+            <a:lnRef idx="2">
+              <a:schemeClr val="accent1">
+                <a:shade val="50000"/>
+              </a:schemeClr>
+            </a:lnRef>
+            <a:fillRef idx="1">
+              <a:schemeClr val="accent1"/>
+            </a:fillRef>
+            <a:effectRef idx="0">
+              <a:schemeClr val="accent1"/>
+            </a:effectRef>
+            <a:fontRef idx="minor">
+              <a:schemeClr val="lt1"/>
+            </a:fontRef>
+          </p:style>
+          <p:txBody>
+            <a:bodyPr rtlCol="0" anchor="ctr"/>
+            <a:lstStyle/>
+            <a:p>
+              <a:pPr algn="ctr"/>
+              <a:r>
+                <a:rPr lang="fr-FR" sz="1100" dirty="0">
+                  <a:solidFill>
+                    <a:srgbClr val="0070C0"/>
+                  </a:solidFill>
+                </a:rPr>
+                <a:t>3</a:t>
+              </a:r>
+            </a:p>
+          </p:txBody>
+        </p:sp>
+        <p:sp>
+          <p:nvSpPr>
+            <p:cNvPr id="9" name="Ellipse 8"/>
+            <p:cNvSpPr/>
+            <p:nvPr/>
+          </p:nvSpPr>
+          <p:spPr>
+            <a:xfrm>
+              <a:off x="845576" y="4943947"/>
+              <a:ext cx="180000" cy="180000"/>
+            </a:xfrm>
+            <a:prstGeom prst="ellipse">
+              <a:avLst/>
+            </a:prstGeom>
+            <a:noFill/>
+            <a:ln w="12700">
+              <a:solidFill>
+                <a:schemeClr val="tx1"/>
+              </a:solidFill>
+            </a:ln>
+          </p:spPr>
+          <p:style>
+            <a:lnRef idx="2">
+              <a:schemeClr val="accent1">
+                <a:shade val="50000"/>
+              </a:schemeClr>
+            </a:lnRef>
+            <a:fillRef idx="1">
+              <a:schemeClr val="accent1"/>
+            </a:fillRef>
+            <a:effectRef idx="0">
+              <a:schemeClr val="accent1"/>
+            </a:effectRef>
+            <a:fontRef idx="minor">
+              <a:schemeClr val="lt1"/>
+            </a:fontRef>
+          </p:style>
+          <p:txBody>
+            <a:bodyPr rtlCol="0" anchor="ctr"/>
+            <a:lstStyle/>
+            <a:p>
+              <a:pPr algn="ctr"/>
+              <a:r>
+                <a:rPr lang="fr-FR" sz="1100" dirty="0">
+                  <a:solidFill>
+                    <a:schemeClr val="tx1"/>
+                  </a:solidFill>
+                </a:rPr>
+                <a:t>0</a:t>
+              </a:r>
+            </a:p>
+          </p:txBody>
+        </p:sp>
+        <p:sp>
+          <p:nvSpPr>
+            <p:cNvPr id="10" name="Rectangle 9"/>
+            <p:cNvSpPr/>
+            <p:nvPr/>
+          </p:nvSpPr>
+          <p:spPr>
+            <a:xfrm rot="5400000">
+              <a:off x="881576" y="5211200"/>
+              <a:ext cx="108000" cy="216000"/>
+            </a:xfrm>
+            <a:prstGeom prst="rect">
+              <a:avLst/>
+            </a:prstGeom>
+            <a:pattFill prst="dkUpDiag">
+              <a:fgClr>
+                <a:schemeClr val="tx1"/>
+              </a:fgClr>
+              <a:bgClr>
+                <a:schemeClr val="bg1"/>
+              </a:bgClr>
+            </a:pattFill>
+            <a:ln w="28575">
+              <a:noFill/>
+            </a:ln>
+          </p:spPr>
+          <p:style>
+            <a:lnRef idx="2">
+              <a:schemeClr val="accent1">
+                <a:shade val="50000"/>
+              </a:schemeClr>
+            </a:lnRef>
+            <a:fillRef idx="1">
+              <a:schemeClr val="accent1"/>
+            </a:fillRef>
+            <a:effectRef idx="0">
+              <a:schemeClr val="accent1"/>
+            </a:effectRef>
+            <a:fontRef idx="minor">
+              <a:schemeClr val="lt1"/>
+            </a:fontRef>
+          </p:style>
+          <p:txBody>
+            <a:bodyPr rtlCol="0" anchor="ctr"/>
+            <a:lstStyle/>
+            <a:p>
+              <a:pPr algn="ctr"/>
+              <a:endParaRPr lang="fr-FR"/>
+            </a:p>
+          </p:txBody>
+        </p:sp>
+        <p:cxnSp>
+          <p:nvCxnSpPr>
+            <p:cNvPr id="11" name="Connecteur droit 10"/>
+            <p:cNvCxnSpPr/>
+            <p:nvPr/>
+          </p:nvCxnSpPr>
+          <p:spPr>
+            <a:xfrm>
+              <a:off x="827461" y="5271459"/>
+              <a:ext cx="216000" cy="0"/>
+            </a:xfrm>
+            <a:prstGeom prst="line">
+              <a:avLst/>
+            </a:prstGeom>
+            <a:ln w="19050">
+              <a:solidFill>
+                <a:schemeClr val="tx1"/>
+              </a:solidFill>
+            </a:ln>
+          </p:spPr>
+          <p:style>
+            <a:lnRef idx="1">
+              <a:schemeClr val="accent1"/>
+            </a:lnRef>
+            <a:fillRef idx="0">
+              <a:schemeClr val="accent1"/>
+            </a:fillRef>
+            <a:effectRef idx="0">
+              <a:schemeClr val="accent1"/>
+            </a:effectRef>
+            <a:fontRef idx="minor">
+              <a:schemeClr val="tx1"/>
+            </a:fontRef>
+          </p:style>
+        </p:cxnSp>
+        <p:cxnSp>
+          <p:nvCxnSpPr>
+            <p:cNvPr id="12" name="Connecteur droit 11"/>
+            <p:cNvCxnSpPr/>
+            <p:nvPr/>
+          </p:nvCxnSpPr>
+          <p:spPr>
+            <a:xfrm>
+              <a:off x="935461" y="5127443"/>
+              <a:ext cx="0" cy="144016"/>
+            </a:xfrm>
+            <a:prstGeom prst="line">
+              <a:avLst/>
+            </a:prstGeom>
+            <a:ln w="19050">
+              <a:solidFill>
+                <a:schemeClr val="tx1"/>
+              </a:solidFill>
+            </a:ln>
+          </p:spPr>
+          <p:style>
+            <a:lnRef idx="1">
+              <a:schemeClr val="accent1"/>
+            </a:lnRef>
+            <a:fillRef idx="0">
+              <a:schemeClr val="accent1"/>
+            </a:fillRef>
+            <a:effectRef idx="0">
+              <a:schemeClr val="accent1"/>
+            </a:effectRef>
+            <a:fontRef idx="minor">
+              <a:schemeClr val="tx1"/>
+            </a:fontRef>
+          </p:style>
+        </p:cxnSp>
+        <p:cxnSp>
+          <p:nvCxnSpPr>
+            <p:cNvPr id="13" name="Connecteur droit 12"/>
+            <p:cNvCxnSpPr>
+              <a:stCxn id="9" idx="1"/>
+              <a:endCxn id="7" idx="5"/>
+            </p:cNvCxnSpPr>
+            <p:nvPr/>
+          </p:nvCxnSpPr>
+          <p:spPr>
+            <a:xfrm flipH="1" flipV="1">
+              <a:off x="450793" y="4644768"/>
+              <a:ext cx="421143" cy="325539"/>
+            </a:xfrm>
+            <a:prstGeom prst="line">
+              <a:avLst/>
+            </a:prstGeom>
+            <a:ln w="19050">
+              <a:solidFill>
+                <a:schemeClr val="tx1"/>
+              </a:solidFill>
+            </a:ln>
+          </p:spPr>
+          <p:style>
+            <a:lnRef idx="1">
+              <a:schemeClr val="accent1"/>
+            </a:lnRef>
+            <a:fillRef idx="0">
+              <a:schemeClr val="accent1"/>
+            </a:fillRef>
+            <a:effectRef idx="0">
+              <a:schemeClr val="accent1"/>
+            </a:effectRef>
+            <a:fontRef idx="minor">
+              <a:schemeClr val="tx1"/>
+            </a:fontRef>
+          </p:style>
+        </p:cxnSp>
+        <p:cxnSp>
+          <p:nvCxnSpPr>
+            <p:cNvPr id="14" name="Connecteur droit 13"/>
+            <p:cNvCxnSpPr>
+              <a:stCxn id="6" idx="3"/>
+              <a:endCxn id="7" idx="7"/>
+            </p:cNvCxnSpPr>
+            <p:nvPr/>
+          </p:nvCxnSpPr>
+          <p:spPr>
+            <a:xfrm flipH="1">
+              <a:off x="450793" y="4183875"/>
+              <a:ext cx="421028" cy="333613"/>
+            </a:xfrm>
+            <a:prstGeom prst="line">
+              <a:avLst/>
+            </a:prstGeom>
+            <a:ln w="19050">
+              <a:solidFill>
+                <a:schemeClr val="tx1"/>
+              </a:solidFill>
+            </a:ln>
+          </p:spPr>
+          <p:style>
+            <a:lnRef idx="1">
+              <a:schemeClr val="accent1"/>
+            </a:lnRef>
+            <a:fillRef idx="0">
+              <a:schemeClr val="accent1"/>
+            </a:fillRef>
+            <a:effectRef idx="0">
+              <a:schemeClr val="accent1"/>
+            </a:effectRef>
+            <a:fontRef idx="minor">
+              <a:schemeClr val="tx1"/>
+            </a:fontRef>
+          </p:style>
+        </p:cxnSp>
+        <p:cxnSp>
+          <p:nvCxnSpPr>
+            <p:cNvPr id="15" name="Connecteur droit 14"/>
+            <p:cNvCxnSpPr>
+              <a:stCxn id="8" idx="3"/>
+              <a:endCxn id="9" idx="7"/>
+            </p:cNvCxnSpPr>
+            <p:nvPr/>
+          </p:nvCxnSpPr>
+          <p:spPr>
+            <a:xfrm flipH="1">
+              <a:off x="999216" y="4644768"/>
+              <a:ext cx="446711" cy="325539"/>
+            </a:xfrm>
+            <a:prstGeom prst="line">
+              <a:avLst/>
+            </a:prstGeom>
+            <a:ln w="19050">
+              <a:solidFill>
+                <a:schemeClr val="tx1"/>
+              </a:solidFill>
+            </a:ln>
+          </p:spPr>
+          <p:style>
+            <a:lnRef idx="1">
+              <a:schemeClr val="accent1"/>
+            </a:lnRef>
+            <a:fillRef idx="0">
+              <a:schemeClr val="accent1"/>
+            </a:fillRef>
+            <a:effectRef idx="0">
+              <a:schemeClr val="accent1"/>
+            </a:effectRef>
+            <a:fontRef idx="minor">
+              <a:schemeClr val="tx1"/>
+            </a:fontRef>
+          </p:style>
+        </p:cxnSp>
+        <p:cxnSp>
+          <p:nvCxnSpPr>
+            <p:cNvPr id="16" name="Connecteur droit 15"/>
+            <p:cNvCxnSpPr>
+              <a:stCxn id="6" idx="5"/>
+              <a:endCxn id="8" idx="1"/>
+            </p:cNvCxnSpPr>
+            <p:nvPr/>
+          </p:nvCxnSpPr>
+          <p:spPr>
+            <a:xfrm>
+              <a:off x="999101" y="4183875"/>
+              <a:ext cx="446826" cy="333613"/>
+            </a:xfrm>
+            <a:prstGeom prst="line">
+              <a:avLst/>
+            </a:prstGeom>
+            <a:ln w="19050">
+              <a:solidFill>
+                <a:schemeClr val="tx1"/>
+              </a:solidFill>
+            </a:ln>
+          </p:spPr>
+          <p:style>
+            <a:lnRef idx="1">
+              <a:schemeClr val="accent1"/>
+            </a:lnRef>
+            <a:fillRef idx="0">
+              <a:schemeClr val="accent1"/>
+            </a:fillRef>
+            <a:effectRef idx="0">
+              <a:schemeClr val="accent1"/>
+            </a:effectRef>
+            <a:fontRef idx="minor">
+              <a:schemeClr val="tx1"/>
+            </a:fontRef>
+          </p:style>
+        </p:cxnSp>
+        <p:cxnSp>
+          <p:nvCxnSpPr>
+            <p:cNvPr id="17" name="Connecteur droit 16"/>
+            <p:cNvCxnSpPr>
+              <a:stCxn id="6" idx="4"/>
+              <a:endCxn id="9" idx="0"/>
+            </p:cNvCxnSpPr>
+            <p:nvPr/>
+          </p:nvCxnSpPr>
+          <p:spPr>
+            <a:xfrm>
+              <a:off x="935461" y="4210235"/>
+              <a:ext cx="115" cy="733712"/>
+            </a:xfrm>
+            <a:prstGeom prst="line">
+              <a:avLst/>
+            </a:prstGeom>
+            <a:ln w="19050">
+              <a:solidFill>
+                <a:schemeClr val="tx1"/>
+              </a:solidFill>
+            </a:ln>
+          </p:spPr>
+          <p:style>
+            <a:lnRef idx="1">
+              <a:schemeClr val="accent1"/>
+            </a:lnRef>
+            <a:fillRef idx="0">
+              <a:schemeClr val="accent1"/>
+            </a:fillRef>
+            <a:effectRef idx="0">
+              <a:schemeClr val="accent1"/>
+            </a:effectRef>
+            <a:fontRef idx="minor">
+              <a:schemeClr val="tx1"/>
+            </a:fontRef>
+          </p:style>
+        </p:cxnSp>
+        <mc:AlternateContent xmlns:mc="http://schemas.openxmlformats.org/markup-compatibility/2006" xmlns:a14="http://schemas.microsoft.com/office/drawing/2010/main">
+          <mc:Choice Requires="a14">
+            <p:sp>
+              <p:nvSpPr>
+                <p:cNvPr id="18" name="ZoneTexte 17"/>
+                <p:cNvSpPr txBox="1"/>
+                <p:nvPr/>
+              </p:nvSpPr>
+              <p:spPr>
+                <a:xfrm>
+                  <a:off x="26574" y="4768564"/>
+                  <a:ext cx="901158" cy="430887"/>
+                </a:xfrm>
+                <a:prstGeom prst="rect">
+                  <a:avLst/>
+                </a:prstGeom>
+                <a:noFill/>
+              </p:spPr>
+              <p:txBody>
+                <a:bodyPr wrap="square" rtlCol="0">
+                  <a:spAutoFit/>
+                </a:bodyPr>
+                <a:lstStyle/>
+                <a:p>
+                  <a:r>
+                    <a:rPr lang="fr-FR" sz="1100" dirty="0" smtClean="0"/>
+                    <a:t>Pivot d’axe </a:t>
+                  </a:r>
+                  <a14:m>
+                    <m:oMath xmlns:m="http://schemas.openxmlformats.org/officeDocument/2006/math">
+                      <m:d>
+                        <m:dPr>
+                          <m:ctrlPr>
+                            <a:rPr lang="fr-FR" sz="1100" i="1" smtClean="0">
+                              <a:latin typeface="Cambria Math"/>
+                            </a:rPr>
+                          </m:ctrlPr>
+                        </m:dPr>
+                        <m:e>
+                          <m:r>
+                            <a:rPr lang="fr-FR" sz="1100" b="0" i="1" smtClean="0">
+                              <a:latin typeface="Cambria Math"/>
+                            </a:rPr>
+                            <m:t>𝑂</m:t>
+                          </m:r>
+                          <m:r>
+                            <a:rPr lang="fr-FR" sz="1100" b="0" i="1" smtClean="0">
+                              <a:latin typeface="Cambria Math"/>
+                            </a:rPr>
+                            <m:t>,</m:t>
+                          </m:r>
+                          <m:acc>
+                            <m:accPr>
+                              <m:chr m:val="⃗"/>
+                              <m:ctrlPr>
+                                <a:rPr lang="fr-FR" sz="1100" b="0" i="1" smtClean="0">
+                                  <a:latin typeface="Cambria Math"/>
+                                </a:rPr>
+                              </m:ctrlPr>
+                            </m:accPr>
+                            <m:e>
+                              <m:r>
+                                <a:rPr lang="fr-FR" sz="1100" b="0" i="1" smtClean="0">
+                                  <a:latin typeface="Cambria Math"/>
+                                </a:rPr>
+                                <m:t>𝑧</m:t>
+                              </m:r>
+                            </m:e>
+                          </m:acc>
+                        </m:e>
+                      </m:d>
+                    </m:oMath>
+                  </a14:m>
+                  <a:endParaRPr lang="fr-FR" sz="1100" dirty="0"/>
+                </a:p>
+              </p:txBody>
+            </p:sp>
+          </mc:Choice>
+          <mc:Fallback xmlns="">
+            <p:sp>
+              <p:nvSpPr>
+                <p:cNvPr id="1054" name="ZoneTexte 1053"/>
+                <p:cNvSpPr txBox="1">
+                  <a:spLocks noRot="1" noChangeAspect="1" noMove="1" noResize="1" noEditPoints="1" noAdjustHandles="1" noChangeArrowheads="1" noChangeShapeType="1" noTextEdit="1"/>
+                </p:cNvSpPr>
+                <p:nvPr/>
+              </p:nvSpPr>
+              <p:spPr>
+                <a:xfrm>
+                  <a:off x="26574" y="4768564"/>
+                  <a:ext cx="901158" cy="430887"/>
+                </a:xfrm>
+                <a:prstGeom prst="rect">
+                  <a:avLst/>
+                </a:prstGeom>
+                <a:blipFill rotWithShape="1">
+                  <a:blip r:embed="rId14"/>
+                  <a:stretch>
+                    <a:fillRect t="-1408"/>
+                  </a:stretch>
+                </a:blipFill>
+              </p:spPr>
+              <p:txBody>
+                <a:bodyPr/>
+                <a:lstStyle/>
+                <a:p>
+                  <a:r>
+                    <a:rPr lang="fr-FR">
+                      <a:noFill/>
+                    </a:rPr>
+                    <a:t> </a:t>
+                  </a:r>
+                </a:p>
+              </p:txBody>
+            </p:sp>
+          </mc:Fallback>
+        </mc:AlternateContent>
+        <mc:AlternateContent xmlns:mc="http://schemas.openxmlformats.org/markup-compatibility/2006" xmlns:a14="http://schemas.microsoft.com/office/drawing/2010/main">
+          <mc:Choice Requires="a14">
+            <p:sp>
+              <p:nvSpPr>
+                <p:cNvPr id="19" name="ZoneTexte 18"/>
+                <p:cNvSpPr txBox="1"/>
+                <p:nvPr/>
+              </p:nvSpPr>
+              <p:spPr>
+                <a:xfrm>
+                  <a:off x="1148988" y="4768564"/>
+                  <a:ext cx="901158" cy="430887"/>
+                </a:xfrm>
+                <a:prstGeom prst="rect">
+                  <a:avLst/>
+                </a:prstGeom>
+                <a:noFill/>
+              </p:spPr>
+              <p:txBody>
+                <a:bodyPr wrap="square" rtlCol="0">
+                  <a:spAutoFit/>
+                </a:bodyPr>
+                <a:lstStyle/>
+                <a:p>
+                  <a:r>
+                    <a:rPr lang="fr-FR" sz="1100" dirty="0" smtClean="0"/>
+                    <a:t>Pivot d’axe </a:t>
+                  </a:r>
+                  <a14:m>
+                    <m:oMath xmlns:m="http://schemas.openxmlformats.org/officeDocument/2006/math">
+                      <m:d>
+                        <m:dPr>
+                          <m:ctrlPr>
+                            <a:rPr lang="fr-FR" sz="1100" i="1" smtClean="0">
+                              <a:latin typeface="Cambria Math"/>
+                            </a:rPr>
+                          </m:ctrlPr>
+                        </m:dPr>
+                        <m:e>
+                          <m:r>
+                            <a:rPr lang="fr-FR" sz="1100" b="0" i="1" smtClean="0">
+                              <a:latin typeface="Cambria Math"/>
+                            </a:rPr>
+                            <m:t>𝑂</m:t>
+                          </m:r>
+                          <m:r>
+                            <a:rPr lang="fr-FR" sz="1100" b="0" i="1" smtClean="0">
+                              <a:latin typeface="Cambria Math"/>
+                            </a:rPr>
+                            <m:t>,</m:t>
+                          </m:r>
+                          <m:acc>
+                            <m:accPr>
+                              <m:chr m:val="⃗"/>
+                              <m:ctrlPr>
+                                <a:rPr lang="fr-FR" sz="1100" b="0" i="1" smtClean="0">
+                                  <a:latin typeface="Cambria Math"/>
+                                </a:rPr>
+                              </m:ctrlPr>
+                            </m:accPr>
+                            <m:e>
+                              <m:r>
+                                <a:rPr lang="fr-FR" sz="1100" b="0" i="1" smtClean="0">
+                                  <a:latin typeface="Cambria Math"/>
+                                </a:rPr>
+                                <m:t>𝑧</m:t>
+                              </m:r>
+                            </m:e>
+                          </m:acc>
+                        </m:e>
+                      </m:d>
+                    </m:oMath>
+                  </a14:m>
+                  <a:endParaRPr lang="fr-FR" sz="1100" dirty="0"/>
+                </a:p>
+              </p:txBody>
+            </p:sp>
+          </mc:Choice>
+          <mc:Fallback xmlns="">
+            <p:sp>
+              <p:nvSpPr>
+                <p:cNvPr id="164" name="ZoneTexte 163"/>
+                <p:cNvSpPr txBox="1">
+                  <a:spLocks noRot="1" noChangeAspect="1" noMove="1" noResize="1" noEditPoints="1" noAdjustHandles="1" noChangeArrowheads="1" noChangeShapeType="1" noTextEdit="1"/>
+                </p:cNvSpPr>
+                <p:nvPr/>
+              </p:nvSpPr>
+              <p:spPr>
+                <a:xfrm>
+                  <a:off x="1148988" y="4768564"/>
+                  <a:ext cx="901158" cy="430887"/>
+                </a:xfrm>
+                <a:prstGeom prst="rect">
+                  <a:avLst/>
+                </a:prstGeom>
+                <a:blipFill rotWithShape="1">
+                  <a:blip r:embed="rId15"/>
+                  <a:stretch>
+                    <a:fillRect t="-1408"/>
+                  </a:stretch>
+                </a:blipFill>
+              </p:spPr>
+              <p:txBody>
+                <a:bodyPr/>
+                <a:lstStyle/>
+                <a:p>
+                  <a:r>
+                    <a:rPr lang="fr-FR">
+                      <a:noFill/>
+                    </a:rPr>
+                    <a:t> </a:t>
+                  </a:r>
+                </a:p>
+              </p:txBody>
+            </p:sp>
+          </mc:Fallback>
+        </mc:AlternateContent>
+        <mc:AlternateContent xmlns:mc="http://schemas.openxmlformats.org/markup-compatibility/2006" xmlns:a14="http://schemas.microsoft.com/office/drawing/2010/main">
+          <mc:Choice Requires="a14">
+            <p:sp>
+              <p:nvSpPr>
+                <p:cNvPr id="20" name="ZoneTexte 19"/>
+                <p:cNvSpPr txBox="1"/>
+                <p:nvPr/>
+              </p:nvSpPr>
+              <p:spPr>
+                <a:xfrm>
+                  <a:off x="281511" y="4113076"/>
+                  <a:ext cx="901158" cy="261610"/>
+                </a:xfrm>
+                <a:prstGeom prst="rect">
+                  <a:avLst/>
+                </a:prstGeom>
+                <a:noFill/>
+              </p:spPr>
+              <p:txBody>
+                <a:bodyPr wrap="square" rtlCol="0">
+                  <a:spAutoFit/>
+                </a:bodyPr>
+                <a:lstStyle/>
+                <a:p>
+                  <a:r>
+                    <a:rPr lang="fr-FR" sz="1100" dirty="0" smtClean="0"/>
+                    <a:t>RSG </a:t>
+                  </a:r>
+                  <a14:m>
+                    <m:oMath xmlns:m="http://schemas.openxmlformats.org/officeDocument/2006/math">
+                      <m:r>
+                        <a:rPr lang="fr-FR" sz="1100" i="1" smtClean="0">
+                          <a:latin typeface="Cambria Math"/>
+                        </a:rPr>
+                        <m:t>𝐼</m:t>
+                      </m:r>
+                    </m:oMath>
+                  </a14:m>
+                  <a:endParaRPr lang="fr-FR" sz="1100" dirty="0"/>
+                </a:p>
+              </p:txBody>
+            </p:sp>
+          </mc:Choice>
+          <mc:Fallback xmlns="">
+            <p:sp>
+              <p:nvSpPr>
+                <p:cNvPr id="166" name="ZoneTexte 165"/>
+                <p:cNvSpPr txBox="1">
+                  <a:spLocks noRot="1" noChangeAspect="1" noMove="1" noResize="1" noEditPoints="1" noAdjustHandles="1" noChangeArrowheads="1" noChangeShapeType="1" noTextEdit="1"/>
+                </p:cNvSpPr>
+                <p:nvPr/>
+              </p:nvSpPr>
+              <p:spPr>
+                <a:xfrm>
+                  <a:off x="281511" y="4113076"/>
+                  <a:ext cx="901158" cy="261610"/>
+                </a:xfrm>
+                <a:prstGeom prst="rect">
+                  <a:avLst/>
+                </a:prstGeom>
+                <a:blipFill rotWithShape="1">
+                  <a:blip r:embed="rId16"/>
+                  <a:stretch>
+                    <a:fillRect b="-16279"/>
+                  </a:stretch>
+                </a:blipFill>
+              </p:spPr>
+              <p:txBody>
+                <a:bodyPr/>
+                <a:lstStyle/>
+                <a:p>
+                  <a:r>
+                    <a:rPr lang="fr-FR">
+                      <a:noFill/>
+                    </a:rPr>
+                    <a:t> </a:t>
+                  </a:r>
+                </a:p>
+              </p:txBody>
+            </p:sp>
+          </mc:Fallback>
+        </mc:AlternateContent>
+        <mc:AlternateContent xmlns:mc="http://schemas.openxmlformats.org/markup-compatibility/2006" xmlns:a14="http://schemas.microsoft.com/office/drawing/2010/main">
+          <mc:Choice Requires="a14">
+            <p:sp>
+              <p:nvSpPr>
+                <p:cNvPr id="21" name="ZoneTexte 20"/>
+                <p:cNvSpPr txBox="1"/>
+                <p:nvPr/>
+              </p:nvSpPr>
+              <p:spPr>
+                <a:xfrm>
+                  <a:off x="502490" y="4446286"/>
+                  <a:ext cx="901158" cy="261610"/>
+                </a:xfrm>
+                <a:prstGeom prst="rect">
+                  <a:avLst/>
+                </a:prstGeom>
+                <a:noFill/>
+              </p:spPr>
+              <p:txBody>
+                <a:bodyPr wrap="square" rtlCol="0">
+                  <a:spAutoFit/>
+                </a:bodyPr>
+                <a:lstStyle/>
+                <a:p>
+                  <a:r>
+                    <a:rPr lang="fr-FR" sz="1100" dirty="0" smtClean="0"/>
+                    <a:t>RSG </a:t>
+                  </a:r>
+                  <a14:m>
+                    <m:oMath xmlns:m="http://schemas.openxmlformats.org/officeDocument/2006/math">
+                      <m:r>
+                        <a:rPr lang="fr-FR" sz="1100" b="0" i="1" smtClean="0">
+                          <a:latin typeface="Cambria Math"/>
+                        </a:rPr>
+                        <m:t>𝐽</m:t>
+                      </m:r>
+                    </m:oMath>
+                  </a14:m>
+                  <a:endParaRPr lang="fr-FR" sz="1100" dirty="0"/>
+                </a:p>
+              </p:txBody>
+            </p:sp>
+          </mc:Choice>
+          <mc:Fallback xmlns="">
+            <p:sp>
+              <p:nvSpPr>
+                <p:cNvPr id="167" name="ZoneTexte 166"/>
+                <p:cNvSpPr txBox="1">
+                  <a:spLocks noRot="1" noChangeAspect="1" noMove="1" noResize="1" noEditPoints="1" noAdjustHandles="1" noChangeArrowheads="1" noChangeShapeType="1" noTextEdit="1"/>
+                </p:cNvSpPr>
+                <p:nvPr/>
+              </p:nvSpPr>
+              <p:spPr>
+                <a:xfrm>
+                  <a:off x="502490" y="4446286"/>
+                  <a:ext cx="901158" cy="261610"/>
+                </a:xfrm>
+                <a:prstGeom prst="rect">
+                  <a:avLst/>
+                </a:prstGeom>
+                <a:blipFill rotWithShape="1">
+                  <a:blip r:embed="rId17"/>
+                  <a:stretch>
+                    <a:fillRect b="-16279"/>
+                  </a:stretch>
+                </a:blipFill>
+              </p:spPr>
+              <p:txBody>
+                <a:bodyPr/>
+                <a:lstStyle/>
+                <a:p>
+                  <a:r>
+                    <a:rPr lang="fr-FR">
+                      <a:noFill/>
+                    </a:rPr>
+                    <a:t> </a:t>
+                  </a:r>
+                </a:p>
+              </p:txBody>
+            </p:sp>
+          </mc:Fallback>
+        </mc:AlternateContent>
+      </p:grpSp>
+      <p:sp>
+        <p:nvSpPr>
+          <p:cNvPr id="22" name="Arc 21"/>
+          <p:cNvSpPr/>
+          <p:nvPr/>
+        </p:nvSpPr>
+        <p:spPr>
+          <a:xfrm>
+            <a:off x="1409257" y="2954870"/>
+            <a:ext cx="1058775" cy="760071"/>
+          </a:xfrm>
+          <a:prstGeom prst="arc">
+            <a:avLst>
+              <a:gd name="adj1" fmla="val 17089227"/>
+              <a:gd name="adj2" fmla="val 9858094"/>
+            </a:avLst>
+          </a:prstGeom>
+          <a:ln>
+            <a:solidFill>
+              <a:srgbClr val="FF0000"/>
+            </a:solidFill>
+            <a:headEnd type="stealth" w="med" len="lg"/>
+            <a:tailEnd type="stealth" w="med" len="lg"/>
+          </a:ln>
+        </p:spPr>
+        <p:style>
+          <a:lnRef idx="1">
+            <a:schemeClr val="accent1"/>
+          </a:lnRef>
+          <a:fillRef idx="0">
+            <a:schemeClr val="accent1"/>
+          </a:fillRef>
+          <a:effectRef idx="0">
+            <a:schemeClr val="accent1"/>
+          </a:effectRef>
+          <a:fontRef idx="minor">
+            <a:schemeClr val="tx1"/>
+          </a:fontRef>
+        </p:style>
+        <p:txBody>
+          <a:bodyPr rtlCol="0" anchor="ctr"/>
+          <a:lstStyle/>
+          <a:p>
+            <a:pPr algn="ctr"/>
+            <a:endParaRPr lang="fr-FR"/>
+          </a:p>
+        </p:txBody>
+      </p:sp>
+      <mc:AlternateContent xmlns:mc="http://schemas.openxmlformats.org/markup-compatibility/2006">
+        <mc:Choice xmlns:a14="http://schemas.microsoft.com/office/drawing/2010/main" Requires="a14">
+          <p:sp>
+            <p:nvSpPr>
+              <p:cNvPr id="23" name="ZoneTexte 22"/>
+              <p:cNvSpPr txBox="1"/>
+              <p:nvPr/>
+            </p:nvSpPr>
+            <p:spPr>
+              <a:xfrm>
+                <a:off x="5105045" y="2831526"/>
+                <a:ext cx="901158" cy="430887"/>
+              </a:xfrm>
+              <a:prstGeom prst="rect">
+                <a:avLst/>
+              </a:prstGeom>
+              <a:noFill/>
+            </p:spPr>
+            <p:txBody>
+              <a:bodyPr wrap="square" rtlCol="0">
+                <a:spAutoFit/>
+              </a:bodyPr>
+              <a:lstStyle/>
+              <a:p>
+                <a:r>
+                  <a:rPr lang="fr-FR" sz="1100" dirty="0" smtClean="0"/>
+                  <a:t>Pivot d’axe </a:t>
+                </a:r>
+                <a14:m>
+                  <m:oMath xmlns:m="http://schemas.openxmlformats.org/officeDocument/2006/math">
+                    <m:d>
+                      <m:dPr>
+                        <m:ctrlPr>
+                          <a:rPr lang="fr-FR" sz="1100" i="1" smtClean="0">
+                            <a:latin typeface="Cambria Math"/>
+                          </a:rPr>
+                        </m:ctrlPr>
+                      </m:dPr>
+                      <m:e>
+                        <m:r>
+                          <a:rPr lang="fr-FR" sz="1100" b="0" i="1" smtClean="0">
+                            <a:latin typeface="Cambria Math"/>
+                          </a:rPr>
+                          <m:t>𝐴</m:t>
+                        </m:r>
+                        <m:r>
+                          <a:rPr lang="fr-FR" sz="1100" b="0" i="1" smtClean="0">
+                            <a:latin typeface="Cambria Math"/>
+                          </a:rPr>
+                          <m:t>,</m:t>
+                        </m:r>
+                        <m:acc>
+                          <m:accPr>
+                            <m:chr m:val="⃗"/>
+                            <m:ctrlPr>
+                              <a:rPr lang="fr-FR" sz="1100" b="0" i="1" smtClean="0">
+                                <a:latin typeface="Cambria Math"/>
+                              </a:rPr>
+                            </m:ctrlPr>
+                          </m:accPr>
+                          <m:e>
+                            <m:r>
+                              <a:rPr lang="fr-FR" sz="1100" b="0" i="1" smtClean="0">
+                                <a:latin typeface="Cambria Math"/>
+                              </a:rPr>
+                              <m:t>𝑧</m:t>
+                            </m:r>
+                          </m:e>
+                        </m:acc>
+                      </m:e>
+                    </m:d>
+                  </m:oMath>
+                </a14:m>
+                <a:endParaRPr lang="fr-FR" sz="1100" dirty="0"/>
+              </a:p>
+            </p:txBody>
+          </p:sp>
+        </mc:Choice>
+        <mc:Fallback>
+          <p:sp>
+            <p:nvSpPr>
+              <p:cNvPr id="23" name="ZoneTexte 22"/>
+              <p:cNvSpPr txBox="1">
+                <a:spLocks noRot="1" noChangeAspect="1" noMove="1" noResize="1" noEditPoints="1" noAdjustHandles="1" noChangeArrowheads="1" noChangeShapeType="1" noTextEdit="1"/>
+              </p:cNvSpPr>
+              <p:nvPr/>
+            </p:nvSpPr>
+            <p:spPr>
+              <a:xfrm>
+                <a:off x="5105045" y="2831526"/>
+                <a:ext cx="901158" cy="430887"/>
+              </a:xfrm>
+              <a:prstGeom prst="rect">
+                <a:avLst/>
+              </a:prstGeom>
+              <a:blipFill rotWithShape="1">
+                <a:blip r:embed="rId18"/>
+                <a:stretch>
+                  <a:fillRect t="-1408"/>
+                </a:stretch>
+              </a:blipFill>
+            </p:spPr>
+            <p:txBody>
+              <a:bodyPr/>
+              <a:lstStyle/>
+              <a:p>
+                <a:r>
+                  <a:rPr lang="fr-FR">
+                    <a:noFill/>
+                  </a:rPr>
+                  <a:t> </a:t>
+                </a:r>
+              </a:p>
+            </p:txBody>
+          </p:sp>
+        </mc:Fallback>
+      </mc:AlternateContent>
+      <p:grpSp>
+        <p:nvGrpSpPr>
+          <p:cNvPr id="24" name="Groupe 23"/>
+          <p:cNvGrpSpPr/>
+          <p:nvPr/>
+        </p:nvGrpSpPr>
+        <p:grpSpPr>
+          <a:xfrm>
+            <a:off x="3948950" y="2866970"/>
+            <a:ext cx="2023572" cy="1342965"/>
+            <a:chOff x="26574" y="4030235"/>
+            <a:chExt cx="2023572" cy="1342965"/>
+          </a:xfrm>
+        </p:grpSpPr>
+        <p:sp>
+          <p:nvSpPr>
+            <p:cNvPr id="25" name="Ellipse 24"/>
+            <p:cNvSpPr/>
+            <p:nvPr/>
+          </p:nvSpPr>
+          <p:spPr>
+            <a:xfrm>
+              <a:off x="845461" y="4030235"/>
+              <a:ext cx="180000" cy="180000"/>
+            </a:xfrm>
+            <a:prstGeom prst="ellipse">
+              <a:avLst/>
+            </a:prstGeom>
+            <a:noFill/>
+            <a:ln w="12700">
+              <a:solidFill>
+                <a:srgbClr val="7030A0"/>
+              </a:solidFill>
+            </a:ln>
+          </p:spPr>
+          <p:style>
+            <a:lnRef idx="2">
+              <a:schemeClr val="accent1">
+                <a:shade val="50000"/>
+              </a:schemeClr>
+            </a:lnRef>
+            <a:fillRef idx="1">
+              <a:schemeClr val="accent1"/>
+            </a:fillRef>
+            <a:effectRef idx="0">
+              <a:schemeClr val="accent1"/>
+            </a:effectRef>
+            <a:fontRef idx="minor">
+              <a:schemeClr val="lt1"/>
+            </a:fontRef>
+          </p:style>
+          <p:txBody>
+            <a:bodyPr rtlCol="0" anchor="ctr"/>
+            <a:lstStyle/>
+            <a:p>
+              <a:pPr algn="ctr"/>
+              <a:r>
+                <a:rPr lang="fr-FR" sz="1100" dirty="0">
+                  <a:solidFill>
+                    <a:srgbClr val="7030A0"/>
+                  </a:solidFill>
+                </a:rPr>
+                <a:t>2</a:t>
+              </a:r>
+            </a:p>
+          </p:txBody>
+        </p:sp>
+        <p:sp>
+          <p:nvSpPr>
+            <p:cNvPr id="26" name="Ellipse 25"/>
+            <p:cNvSpPr/>
+            <p:nvPr/>
+          </p:nvSpPr>
+          <p:spPr>
+            <a:xfrm>
+              <a:off x="297153" y="4491128"/>
+              <a:ext cx="180000" cy="180000"/>
+            </a:xfrm>
+            <a:prstGeom prst="ellipse">
+              <a:avLst/>
+            </a:prstGeom>
+            <a:noFill/>
+            <a:ln w="12700">
+              <a:solidFill>
+                <a:srgbClr val="00B050"/>
+              </a:solidFill>
+            </a:ln>
+          </p:spPr>
+          <p:style>
+            <a:lnRef idx="2">
+              <a:schemeClr val="accent1">
+                <a:shade val="50000"/>
+              </a:schemeClr>
+            </a:lnRef>
+            <a:fillRef idx="1">
+              <a:schemeClr val="accent1"/>
+            </a:fillRef>
+            <a:effectRef idx="0">
+              <a:schemeClr val="accent1"/>
+            </a:effectRef>
+            <a:fontRef idx="minor">
+              <a:schemeClr val="lt1"/>
+            </a:fontRef>
+          </p:style>
+          <p:txBody>
+            <a:bodyPr rtlCol="0" anchor="ctr"/>
+            <a:lstStyle/>
+            <a:p>
+              <a:pPr algn="ctr"/>
+              <a:r>
+                <a:rPr lang="fr-FR" sz="1100" dirty="0" smtClean="0">
+                  <a:solidFill>
+                    <a:srgbClr val="00B050"/>
+                  </a:solidFill>
+                </a:rPr>
+                <a:t>1</a:t>
+              </a:r>
+              <a:endParaRPr lang="fr-FR" sz="1100" dirty="0">
+                <a:solidFill>
+                  <a:srgbClr val="00B050"/>
+                </a:solidFill>
+              </a:endParaRPr>
+            </a:p>
+          </p:txBody>
+        </p:sp>
+        <p:sp>
+          <p:nvSpPr>
+            <p:cNvPr id="27" name="Ellipse 26"/>
+            <p:cNvSpPr/>
+            <p:nvPr/>
+          </p:nvSpPr>
+          <p:spPr>
+            <a:xfrm>
+              <a:off x="1419567" y="4491128"/>
+              <a:ext cx="180000" cy="180000"/>
+            </a:xfrm>
+            <a:prstGeom prst="ellipse">
+              <a:avLst/>
+            </a:prstGeom>
+            <a:noFill/>
+            <a:ln w="12700">
+              <a:solidFill>
+                <a:srgbClr val="0070C0"/>
+              </a:solidFill>
+            </a:ln>
+          </p:spPr>
+          <p:style>
+            <a:lnRef idx="2">
+              <a:schemeClr val="accent1">
+                <a:shade val="50000"/>
+              </a:schemeClr>
+            </a:lnRef>
+            <a:fillRef idx="1">
+              <a:schemeClr val="accent1"/>
+            </a:fillRef>
+            <a:effectRef idx="0">
+              <a:schemeClr val="accent1"/>
+            </a:effectRef>
+            <a:fontRef idx="minor">
+              <a:schemeClr val="lt1"/>
+            </a:fontRef>
+          </p:style>
+          <p:txBody>
+            <a:bodyPr rtlCol="0" anchor="ctr"/>
+            <a:lstStyle/>
+            <a:p>
+              <a:pPr algn="ctr"/>
+              <a:r>
+                <a:rPr lang="fr-FR" sz="1100" dirty="0">
+                  <a:solidFill>
+                    <a:srgbClr val="0070C0"/>
+                  </a:solidFill>
+                </a:rPr>
+                <a:t>3</a:t>
+              </a:r>
+            </a:p>
+          </p:txBody>
+        </p:sp>
+        <p:sp>
+          <p:nvSpPr>
+            <p:cNvPr id="28" name="Ellipse 27"/>
+            <p:cNvSpPr/>
+            <p:nvPr/>
+          </p:nvSpPr>
+          <p:spPr>
+            <a:xfrm>
+              <a:off x="845576" y="4943947"/>
+              <a:ext cx="180000" cy="180000"/>
+            </a:xfrm>
+            <a:prstGeom prst="ellipse">
+              <a:avLst/>
+            </a:prstGeom>
+            <a:noFill/>
+            <a:ln w="12700">
+              <a:solidFill>
+                <a:schemeClr val="tx1"/>
+              </a:solidFill>
+            </a:ln>
+          </p:spPr>
+          <p:style>
+            <a:lnRef idx="2">
+              <a:schemeClr val="accent1">
+                <a:shade val="50000"/>
+              </a:schemeClr>
+            </a:lnRef>
+            <a:fillRef idx="1">
+              <a:schemeClr val="accent1"/>
+            </a:fillRef>
+            <a:effectRef idx="0">
+              <a:schemeClr val="accent1"/>
+            </a:effectRef>
+            <a:fontRef idx="minor">
+              <a:schemeClr val="lt1"/>
+            </a:fontRef>
+          </p:style>
+          <p:txBody>
+            <a:bodyPr rtlCol="0" anchor="ctr"/>
+            <a:lstStyle/>
+            <a:p>
+              <a:pPr algn="ctr"/>
+              <a:r>
+                <a:rPr lang="fr-FR" sz="1100" dirty="0">
+                  <a:solidFill>
+                    <a:schemeClr val="tx1"/>
+                  </a:solidFill>
+                </a:rPr>
+                <a:t>0</a:t>
+              </a:r>
+            </a:p>
+          </p:txBody>
+        </p:sp>
+        <p:sp>
+          <p:nvSpPr>
+            <p:cNvPr id="29" name="Rectangle 28"/>
+            <p:cNvSpPr/>
+            <p:nvPr/>
+          </p:nvSpPr>
+          <p:spPr>
+            <a:xfrm rot="5400000">
+              <a:off x="881576" y="5211200"/>
+              <a:ext cx="108000" cy="216000"/>
+            </a:xfrm>
+            <a:prstGeom prst="rect">
+              <a:avLst/>
+            </a:prstGeom>
+            <a:pattFill prst="dkUpDiag">
+              <a:fgClr>
+                <a:schemeClr val="tx1"/>
+              </a:fgClr>
+              <a:bgClr>
+                <a:schemeClr val="bg1"/>
+              </a:bgClr>
+            </a:pattFill>
+            <a:ln w="28575">
+              <a:noFill/>
+            </a:ln>
+          </p:spPr>
+          <p:style>
+            <a:lnRef idx="2">
+              <a:schemeClr val="accent1">
+                <a:shade val="50000"/>
+              </a:schemeClr>
+            </a:lnRef>
+            <a:fillRef idx="1">
+              <a:schemeClr val="accent1"/>
+            </a:fillRef>
+            <a:effectRef idx="0">
+              <a:schemeClr val="accent1"/>
+            </a:effectRef>
+            <a:fontRef idx="minor">
+              <a:schemeClr val="lt1"/>
+            </a:fontRef>
+          </p:style>
+          <p:txBody>
+            <a:bodyPr rtlCol="0" anchor="ctr"/>
+            <a:lstStyle/>
+            <a:p>
+              <a:pPr algn="ctr"/>
+              <a:endParaRPr lang="fr-FR"/>
+            </a:p>
+          </p:txBody>
+        </p:sp>
+        <p:cxnSp>
+          <p:nvCxnSpPr>
+            <p:cNvPr id="30" name="Connecteur droit 29"/>
+            <p:cNvCxnSpPr/>
+            <p:nvPr/>
+          </p:nvCxnSpPr>
+          <p:spPr>
+            <a:xfrm>
+              <a:off x="827461" y="5271459"/>
+              <a:ext cx="216000" cy="0"/>
+            </a:xfrm>
+            <a:prstGeom prst="line">
+              <a:avLst/>
+            </a:prstGeom>
+            <a:ln w="19050">
+              <a:solidFill>
+                <a:schemeClr val="tx1"/>
+              </a:solidFill>
+            </a:ln>
+          </p:spPr>
+          <p:style>
+            <a:lnRef idx="1">
+              <a:schemeClr val="accent1"/>
+            </a:lnRef>
+            <a:fillRef idx="0">
+              <a:schemeClr val="accent1"/>
+            </a:fillRef>
+            <a:effectRef idx="0">
+              <a:schemeClr val="accent1"/>
+            </a:effectRef>
+            <a:fontRef idx="minor">
+              <a:schemeClr val="tx1"/>
+            </a:fontRef>
+          </p:style>
+        </p:cxnSp>
+        <p:cxnSp>
+          <p:nvCxnSpPr>
+            <p:cNvPr id="31" name="Connecteur droit 30"/>
+            <p:cNvCxnSpPr/>
+            <p:nvPr/>
+          </p:nvCxnSpPr>
+          <p:spPr>
+            <a:xfrm>
+              <a:off x="935461" y="5127443"/>
+              <a:ext cx="0" cy="144016"/>
+            </a:xfrm>
+            <a:prstGeom prst="line">
+              <a:avLst/>
+            </a:prstGeom>
+            <a:ln w="19050">
+              <a:solidFill>
+                <a:schemeClr val="tx1"/>
+              </a:solidFill>
+            </a:ln>
+          </p:spPr>
+          <p:style>
+            <a:lnRef idx="1">
+              <a:schemeClr val="accent1"/>
+            </a:lnRef>
+            <a:fillRef idx="0">
+              <a:schemeClr val="accent1"/>
+            </a:fillRef>
+            <a:effectRef idx="0">
+              <a:schemeClr val="accent1"/>
+            </a:effectRef>
+            <a:fontRef idx="minor">
+              <a:schemeClr val="tx1"/>
+            </a:fontRef>
+          </p:style>
+        </p:cxnSp>
+        <p:cxnSp>
+          <p:nvCxnSpPr>
+            <p:cNvPr id="32" name="Connecteur droit 31"/>
+            <p:cNvCxnSpPr>
+              <a:stCxn id="28" idx="1"/>
+              <a:endCxn id="26" idx="5"/>
+            </p:cNvCxnSpPr>
+            <p:nvPr/>
+          </p:nvCxnSpPr>
+          <p:spPr>
+            <a:xfrm flipH="1" flipV="1">
+              <a:off x="450793" y="4644768"/>
+              <a:ext cx="421143" cy="325539"/>
+            </a:xfrm>
+            <a:prstGeom prst="line">
+              <a:avLst/>
+            </a:prstGeom>
+            <a:ln w="19050">
+              <a:solidFill>
+                <a:schemeClr val="tx1"/>
+              </a:solidFill>
+            </a:ln>
+          </p:spPr>
+          <p:style>
+            <a:lnRef idx="1">
+              <a:schemeClr val="accent1"/>
+            </a:lnRef>
+            <a:fillRef idx="0">
+              <a:schemeClr val="accent1"/>
+            </a:fillRef>
+            <a:effectRef idx="0">
+              <a:schemeClr val="accent1"/>
+            </a:effectRef>
+            <a:fontRef idx="minor">
+              <a:schemeClr val="tx1"/>
+            </a:fontRef>
+          </p:style>
+        </p:cxnSp>
+        <p:cxnSp>
+          <p:nvCxnSpPr>
+            <p:cNvPr id="33" name="Connecteur droit 32"/>
+            <p:cNvCxnSpPr>
+              <a:stCxn id="25" idx="3"/>
+              <a:endCxn id="26" idx="7"/>
+            </p:cNvCxnSpPr>
+            <p:nvPr/>
+          </p:nvCxnSpPr>
+          <p:spPr>
+            <a:xfrm flipH="1">
+              <a:off x="450793" y="4183875"/>
+              <a:ext cx="421028" cy="333613"/>
+            </a:xfrm>
+            <a:prstGeom prst="line">
+              <a:avLst/>
+            </a:prstGeom>
+            <a:ln w="19050">
+              <a:solidFill>
+                <a:schemeClr val="tx1"/>
+              </a:solidFill>
+            </a:ln>
+          </p:spPr>
+          <p:style>
+            <a:lnRef idx="1">
+              <a:schemeClr val="accent1"/>
+            </a:lnRef>
+            <a:fillRef idx="0">
+              <a:schemeClr val="accent1"/>
+            </a:fillRef>
+            <a:effectRef idx="0">
+              <a:schemeClr val="accent1"/>
+            </a:effectRef>
+            <a:fontRef idx="minor">
+              <a:schemeClr val="tx1"/>
+            </a:fontRef>
+          </p:style>
+        </p:cxnSp>
+        <p:cxnSp>
+          <p:nvCxnSpPr>
+            <p:cNvPr id="34" name="Connecteur droit 33"/>
+            <p:cNvCxnSpPr>
+              <a:stCxn id="27" idx="3"/>
+              <a:endCxn id="28" idx="7"/>
+            </p:cNvCxnSpPr>
+            <p:nvPr/>
+          </p:nvCxnSpPr>
+          <p:spPr>
+            <a:xfrm flipH="1">
+              <a:off x="999216" y="4644768"/>
+              <a:ext cx="446711" cy="325539"/>
+            </a:xfrm>
+            <a:prstGeom prst="line">
+              <a:avLst/>
+            </a:prstGeom>
+            <a:ln w="19050">
+              <a:solidFill>
+                <a:schemeClr val="tx1"/>
+              </a:solidFill>
+            </a:ln>
+          </p:spPr>
+          <p:style>
+            <a:lnRef idx="1">
+              <a:schemeClr val="accent1"/>
+            </a:lnRef>
+            <a:fillRef idx="0">
+              <a:schemeClr val="accent1"/>
+            </a:fillRef>
+            <a:effectRef idx="0">
+              <a:schemeClr val="accent1"/>
+            </a:effectRef>
+            <a:fontRef idx="minor">
+              <a:schemeClr val="tx1"/>
+            </a:fontRef>
+          </p:style>
+        </p:cxnSp>
+        <p:cxnSp>
+          <p:nvCxnSpPr>
+            <p:cNvPr id="35" name="Connecteur droit 34"/>
+            <p:cNvCxnSpPr>
+              <a:stCxn id="25" idx="5"/>
+              <a:endCxn id="27" idx="1"/>
+            </p:cNvCxnSpPr>
+            <p:nvPr/>
+          </p:nvCxnSpPr>
+          <p:spPr>
+            <a:xfrm>
+              <a:off x="999101" y="4183875"/>
+              <a:ext cx="446826" cy="333613"/>
+            </a:xfrm>
+            <a:prstGeom prst="line">
+              <a:avLst/>
+            </a:prstGeom>
+            <a:ln w="19050">
+              <a:solidFill>
+                <a:schemeClr val="tx1"/>
+              </a:solidFill>
+            </a:ln>
+          </p:spPr>
+          <p:style>
+            <a:lnRef idx="1">
+              <a:schemeClr val="accent1"/>
+            </a:lnRef>
+            <a:fillRef idx="0">
+              <a:schemeClr val="accent1"/>
+            </a:fillRef>
+            <a:effectRef idx="0">
+              <a:schemeClr val="accent1"/>
+            </a:effectRef>
+            <a:fontRef idx="minor">
+              <a:schemeClr val="tx1"/>
+            </a:fontRef>
+          </p:style>
+        </p:cxnSp>
+        <p:cxnSp>
+          <p:nvCxnSpPr>
+            <p:cNvPr id="36" name="Connecteur droit 35"/>
+            <p:cNvCxnSpPr>
+              <a:stCxn id="25" idx="4"/>
+              <a:endCxn id="28" idx="0"/>
+            </p:cNvCxnSpPr>
+            <p:nvPr/>
+          </p:nvCxnSpPr>
+          <p:spPr>
+            <a:xfrm>
+              <a:off x="935461" y="4210235"/>
+              <a:ext cx="115" cy="733712"/>
+            </a:xfrm>
+            <a:prstGeom prst="line">
+              <a:avLst/>
+            </a:prstGeom>
+            <a:ln w="19050">
+              <a:solidFill>
+                <a:schemeClr val="tx1"/>
+              </a:solidFill>
+            </a:ln>
+          </p:spPr>
+          <p:style>
+            <a:lnRef idx="1">
+              <a:schemeClr val="accent1"/>
+            </a:lnRef>
+            <a:fillRef idx="0">
+              <a:schemeClr val="accent1"/>
+            </a:fillRef>
+            <a:effectRef idx="0">
+              <a:schemeClr val="accent1"/>
+            </a:effectRef>
+            <a:fontRef idx="minor">
+              <a:schemeClr val="tx1"/>
+            </a:fontRef>
+          </p:style>
+        </p:cxnSp>
+        <mc:AlternateContent xmlns:mc="http://schemas.openxmlformats.org/markup-compatibility/2006" xmlns:a14="http://schemas.microsoft.com/office/drawing/2010/main">
+          <mc:Choice Requires="a14">
+            <p:sp>
+              <p:nvSpPr>
+                <p:cNvPr id="37" name="ZoneTexte 36"/>
+                <p:cNvSpPr txBox="1"/>
+                <p:nvPr/>
+              </p:nvSpPr>
+              <p:spPr>
+                <a:xfrm>
+                  <a:off x="26574" y="4768564"/>
+                  <a:ext cx="901158" cy="430887"/>
+                </a:xfrm>
+                <a:prstGeom prst="rect">
+                  <a:avLst/>
+                </a:prstGeom>
+                <a:noFill/>
+              </p:spPr>
+              <p:txBody>
+                <a:bodyPr wrap="square" rtlCol="0">
+                  <a:spAutoFit/>
+                </a:bodyPr>
+                <a:lstStyle/>
+                <a:p>
+                  <a:r>
+                    <a:rPr lang="fr-FR" sz="1100" dirty="0" smtClean="0"/>
+                    <a:t>Pivot d’axe </a:t>
+                  </a:r>
+                  <a14:m>
+                    <m:oMath xmlns:m="http://schemas.openxmlformats.org/officeDocument/2006/math">
+                      <m:d>
+                        <m:dPr>
+                          <m:ctrlPr>
+                            <a:rPr lang="fr-FR" sz="1100" i="1" smtClean="0">
+                              <a:latin typeface="Cambria Math"/>
+                            </a:rPr>
+                          </m:ctrlPr>
+                        </m:dPr>
+                        <m:e>
+                          <m:r>
+                            <a:rPr lang="fr-FR" sz="1100" b="0" i="1" smtClean="0">
+                              <a:latin typeface="Cambria Math"/>
+                            </a:rPr>
+                            <m:t>𝑂</m:t>
+                          </m:r>
+                          <m:r>
+                            <a:rPr lang="fr-FR" sz="1100" b="0" i="1" smtClean="0">
+                              <a:latin typeface="Cambria Math"/>
+                            </a:rPr>
+                            <m:t>,</m:t>
+                          </m:r>
+                          <m:acc>
+                            <m:accPr>
+                              <m:chr m:val="⃗"/>
+                              <m:ctrlPr>
+                                <a:rPr lang="fr-FR" sz="1100" b="0" i="1" smtClean="0">
+                                  <a:latin typeface="Cambria Math"/>
+                                </a:rPr>
+                              </m:ctrlPr>
+                            </m:accPr>
+                            <m:e>
+                              <m:r>
+                                <a:rPr lang="fr-FR" sz="1100" b="0" i="1" smtClean="0">
+                                  <a:latin typeface="Cambria Math"/>
+                                </a:rPr>
+                                <m:t>𝑧</m:t>
+                              </m:r>
+                            </m:e>
+                          </m:acc>
+                        </m:e>
+                      </m:d>
+                    </m:oMath>
+                  </a14:m>
+                  <a:endParaRPr lang="fr-FR" sz="1100" dirty="0"/>
+                </a:p>
+              </p:txBody>
+            </p:sp>
+          </mc:Choice>
+          <mc:Fallback xmlns="">
+            <p:sp>
+              <p:nvSpPr>
+                <p:cNvPr id="1054" name="ZoneTexte 1053"/>
+                <p:cNvSpPr txBox="1">
+                  <a:spLocks noRot="1" noChangeAspect="1" noMove="1" noResize="1" noEditPoints="1" noAdjustHandles="1" noChangeArrowheads="1" noChangeShapeType="1" noTextEdit="1"/>
+                </p:cNvSpPr>
+                <p:nvPr/>
+              </p:nvSpPr>
+              <p:spPr>
+                <a:xfrm>
+                  <a:off x="26574" y="4768564"/>
+                  <a:ext cx="901158" cy="430887"/>
+                </a:xfrm>
+                <a:prstGeom prst="rect">
+                  <a:avLst/>
+                </a:prstGeom>
+                <a:blipFill rotWithShape="1">
+                  <a:blip r:embed="rId14"/>
+                  <a:stretch>
+                    <a:fillRect t="-1408"/>
+                  </a:stretch>
+                </a:blipFill>
+              </p:spPr>
+              <p:txBody>
+                <a:bodyPr/>
+                <a:lstStyle/>
+                <a:p>
+                  <a:r>
+                    <a:rPr lang="fr-FR">
+                      <a:noFill/>
+                    </a:rPr>
+                    <a:t> </a:t>
+                  </a:r>
+                </a:p>
+              </p:txBody>
+            </p:sp>
+          </mc:Fallback>
+        </mc:AlternateContent>
+        <mc:AlternateContent xmlns:mc="http://schemas.openxmlformats.org/markup-compatibility/2006" xmlns:a14="http://schemas.microsoft.com/office/drawing/2010/main">
+          <mc:Choice Requires="a14">
+            <p:sp>
+              <p:nvSpPr>
+                <p:cNvPr id="38" name="ZoneTexte 37"/>
+                <p:cNvSpPr txBox="1"/>
+                <p:nvPr/>
+              </p:nvSpPr>
+              <p:spPr>
+                <a:xfrm>
+                  <a:off x="1148988" y="4768564"/>
+                  <a:ext cx="901158" cy="430887"/>
+                </a:xfrm>
+                <a:prstGeom prst="rect">
+                  <a:avLst/>
+                </a:prstGeom>
+                <a:noFill/>
+              </p:spPr>
+              <p:txBody>
+                <a:bodyPr wrap="square" rtlCol="0">
+                  <a:spAutoFit/>
+                </a:bodyPr>
+                <a:lstStyle/>
+                <a:p>
+                  <a:r>
+                    <a:rPr lang="fr-FR" sz="1100" dirty="0" smtClean="0"/>
+                    <a:t>Pivot d’axe </a:t>
+                  </a:r>
+                  <a14:m>
+                    <m:oMath xmlns:m="http://schemas.openxmlformats.org/officeDocument/2006/math">
+                      <m:d>
+                        <m:dPr>
+                          <m:ctrlPr>
+                            <a:rPr lang="fr-FR" sz="1100" i="1" smtClean="0">
+                              <a:latin typeface="Cambria Math"/>
+                            </a:rPr>
+                          </m:ctrlPr>
+                        </m:dPr>
+                        <m:e>
+                          <m:r>
+                            <a:rPr lang="fr-FR" sz="1100" b="0" i="1" smtClean="0">
+                              <a:latin typeface="Cambria Math"/>
+                            </a:rPr>
+                            <m:t>𝑂</m:t>
+                          </m:r>
+                          <m:r>
+                            <a:rPr lang="fr-FR" sz="1100" b="0" i="1" smtClean="0">
+                              <a:latin typeface="Cambria Math"/>
+                            </a:rPr>
+                            <m:t>,</m:t>
+                          </m:r>
+                          <m:acc>
+                            <m:accPr>
+                              <m:chr m:val="⃗"/>
+                              <m:ctrlPr>
+                                <a:rPr lang="fr-FR" sz="1100" b="0" i="1" smtClean="0">
+                                  <a:latin typeface="Cambria Math"/>
+                                </a:rPr>
+                              </m:ctrlPr>
+                            </m:accPr>
+                            <m:e>
+                              <m:r>
+                                <a:rPr lang="fr-FR" sz="1100" b="0" i="1" smtClean="0">
+                                  <a:latin typeface="Cambria Math"/>
+                                </a:rPr>
+                                <m:t>𝑧</m:t>
+                              </m:r>
+                            </m:e>
+                          </m:acc>
+                        </m:e>
+                      </m:d>
+                    </m:oMath>
+                  </a14:m>
+                  <a:endParaRPr lang="fr-FR" sz="1100" dirty="0"/>
+                </a:p>
+              </p:txBody>
+            </p:sp>
+          </mc:Choice>
+          <mc:Fallback xmlns="">
+            <p:sp>
+              <p:nvSpPr>
+                <p:cNvPr id="164" name="ZoneTexte 163"/>
+                <p:cNvSpPr txBox="1">
+                  <a:spLocks noRot="1" noChangeAspect="1" noMove="1" noResize="1" noEditPoints="1" noAdjustHandles="1" noChangeArrowheads="1" noChangeShapeType="1" noTextEdit="1"/>
+                </p:cNvSpPr>
+                <p:nvPr/>
+              </p:nvSpPr>
+              <p:spPr>
+                <a:xfrm>
+                  <a:off x="1148988" y="4768564"/>
+                  <a:ext cx="901158" cy="430887"/>
+                </a:xfrm>
+                <a:prstGeom prst="rect">
+                  <a:avLst/>
+                </a:prstGeom>
+                <a:blipFill rotWithShape="1">
+                  <a:blip r:embed="rId15"/>
+                  <a:stretch>
+                    <a:fillRect t="-1408"/>
+                  </a:stretch>
+                </a:blipFill>
+              </p:spPr>
+              <p:txBody>
+                <a:bodyPr/>
+                <a:lstStyle/>
+                <a:p>
+                  <a:r>
+                    <a:rPr lang="fr-FR">
+                      <a:noFill/>
+                    </a:rPr>
+                    <a:t> </a:t>
+                  </a:r>
+                </a:p>
+              </p:txBody>
+            </p:sp>
+          </mc:Fallback>
+        </mc:AlternateContent>
+        <mc:AlternateContent xmlns:mc="http://schemas.openxmlformats.org/markup-compatibility/2006" xmlns:a14="http://schemas.microsoft.com/office/drawing/2010/main">
+          <mc:Choice Requires="a14">
+            <p:sp>
+              <p:nvSpPr>
+                <p:cNvPr id="39" name="ZoneTexte 38"/>
+                <p:cNvSpPr txBox="1"/>
+                <p:nvPr/>
+              </p:nvSpPr>
+              <p:spPr>
+                <a:xfrm>
+                  <a:off x="281511" y="4113076"/>
+                  <a:ext cx="901158" cy="261610"/>
+                </a:xfrm>
+                <a:prstGeom prst="rect">
+                  <a:avLst/>
+                </a:prstGeom>
+                <a:noFill/>
+              </p:spPr>
+              <p:txBody>
+                <a:bodyPr wrap="square" rtlCol="0">
+                  <a:spAutoFit/>
+                </a:bodyPr>
+                <a:lstStyle/>
+                <a:p>
+                  <a:r>
+                    <a:rPr lang="fr-FR" sz="1100" dirty="0" smtClean="0"/>
+                    <a:t>RSG </a:t>
+                  </a:r>
+                  <a14:m>
+                    <m:oMath xmlns:m="http://schemas.openxmlformats.org/officeDocument/2006/math">
+                      <m:r>
+                        <a:rPr lang="fr-FR" sz="1100" i="1" smtClean="0">
+                          <a:latin typeface="Cambria Math"/>
+                        </a:rPr>
+                        <m:t>𝐼</m:t>
+                      </m:r>
+                    </m:oMath>
+                  </a14:m>
+                  <a:endParaRPr lang="fr-FR" sz="1100" dirty="0"/>
+                </a:p>
+              </p:txBody>
+            </p:sp>
+          </mc:Choice>
+          <mc:Fallback xmlns="">
+            <p:sp>
+              <p:nvSpPr>
+                <p:cNvPr id="166" name="ZoneTexte 165"/>
+                <p:cNvSpPr txBox="1">
+                  <a:spLocks noRot="1" noChangeAspect="1" noMove="1" noResize="1" noEditPoints="1" noAdjustHandles="1" noChangeArrowheads="1" noChangeShapeType="1" noTextEdit="1"/>
+                </p:cNvSpPr>
+                <p:nvPr/>
+              </p:nvSpPr>
+              <p:spPr>
+                <a:xfrm>
+                  <a:off x="281511" y="4113076"/>
+                  <a:ext cx="901158" cy="261610"/>
+                </a:xfrm>
+                <a:prstGeom prst="rect">
+                  <a:avLst/>
+                </a:prstGeom>
+                <a:blipFill rotWithShape="1">
+                  <a:blip r:embed="rId16"/>
+                  <a:stretch>
+                    <a:fillRect b="-16279"/>
+                  </a:stretch>
+                </a:blipFill>
+              </p:spPr>
+              <p:txBody>
+                <a:bodyPr/>
+                <a:lstStyle/>
+                <a:p>
+                  <a:r>
+                    <a:rPr lang="fr-FR">
+                      <a:noFill/>
+                    </a:rPr>
+                    <a:t> </a:t>
+                  </a:r>
+                </a:p>
+              </p:txBody>
+            </p:sp>
+          </mc:Fallback>
+        </mc:AlternateContent>
+        <mc:AlternateContent xmlns:mc="http://schemas.openxmlformats.org/markup-compatibility/2006" xmlns:a14="http://schemas.microsoft.com/office/drawing/2010/main">
+          <mc:Choice Requires="a14">
+            <p:sp>
+              <p:nvSpPr>
+                <p:cNvPr id="40" name="ZoneTexte 39"/>
+                <p:cNvSpPr txBox="1"/>
+                <p:nvPr/>
+              </p:nvSpPr>
+              <p:spPr>
+                <a:xfrm>
+                  <a:off x="502490" y="4446286"/>
+                  <a:ext cx="901158" cy="261610"/>
+                </a:xfrm>
+                <a:prstGeom prst="rect">
+                  <a:avLst/>
+                </a:prstGeom>
+                <a:noFill/>
+              </p:spPr>
+              <p:txBody>
+                <a:bodyPr wrap="square" rtlCol="0">
+                  <a:spAutoFit/>
+                </a:bodyPr>
+                <a:lstStyle/>
+                <a:p>
+                  <a:r>
+                    <a:rPr lang="fr-FR" sz="1100" dirty="0" smtClean="0"/>
+                    <a:t>RSG </a:t>
+                  </a:r>
+                  <a14:m>
+                    <m:oMath xmlns:m="http://schemas.openxmlformats.org/officeDocument/2006/math">
+                      <m:r>
+                        <a:rPr lang="fr-FR" sz="1100" b="0" i="1" smtClean="0">
+                          <a:latin typeface="Cambria Math"/>
+                        </a:rPr>
+                        <m:t>𝐽</m:t>
+                      </m:r>
+                    </m:oMath>
+                  </a14:m>
+                  <a:endParaRPr lang="fr-FR" sz="1100" dirty="0"/>
+                </a:p>
+              </p:txBody>
+            </p:sp>
+          </mc:Choice>
+          <mc:Fallback xmlns="">
+            <p:sp>
+              <p:nvSpPr>
+                <p:cNvPr id="167" name="ZoneTexte 166"/>
+                <p:cNvSpPr txBox="1">
+                  <a:spLocks noRot="1" noChangeAspect="1" noMove="1" noResize="1" noEditPoints="1" noAdjustHandles="1" noChangeArrowheads="1" noChangeShapeType="1" noTextEdit="1"/>
+                </p:cNvSpPr>
+                <p:nvPr/>
+              </p:nvSpPr>
+              <p:spPr>
+                <a:xfrm>
+                  <a:off x="502490" y="4446286"/>
+                  <a:ext cx="901158" cy="261610"/>
+                </a:xfrm>
+                <a:prstGeom prst="rect">
+                  <a:avLst/>
+                </a:prstGeom>
+                <a:blipFill rotWithShape="1">
+                  <a:blip r:embed="rId17"/>
+                  <a:stretch>
+                    <a:fillRect b="-16279"/>
+                  </a:stretch>
+                </a:blipFill>
+              </p:spPr>
+              <p:txBody>
+                <a:bodyPr/>
+                <a:lstStyle/>
+                <a:p>
+                  <a:r>
+                    <a:rPr lang="fr-FR">
+                      <a:noFill/>
+                    </a:rPr>
+                    <a:t> </a:t>
+                  </a:r>
+                </a:p>
+              </p:txBody>
+            </p:sp>
+          </mc:Fallback>
+        </mc:AlternateContent>
+      </p:grpSp>
+      <p:sp>
+        <p:nvSpPr>
+          <p:cNvPr id="41" name="Arc 40"/>
+          <p:cNvSpPr/>
+          <p:nvPr/>
+        </p:nvSpPr>
+        <p:spPr>
+          <a:xfrm>
+            <a:off x="4309529" y="3020610"/>
+            <a:ext cx="1058775" cy="786432"/>
+          </a:xfrm>
+          <a:prstGeom prst="arc">
+            <a:avLst>
+              <a:gd name="adj1" fmla="val 17089227"/>
+              <a:gd name="adj2" fmla="val 4591650"/>
+            </a:avLst>
+          </a:prstGeom>
+          <a:ln>
+            <a:solidFill>
+              <a:srgbClr val="FF0000"/>
+            </a:solidFill>
+            <a:headEnd type="stealth" w="med" len="lg"/>
+            <a:tailEnd type="stealth" w="med" len="lg"/>
+          </a:ln>
+        </p:spPr>
+        <p:style>
+          <a:lnRef idx="1">
+            <a:schemeClr val="accent1"/>
+          </a:lnRef>
+          <a:fillRef idx="0">
+            <a:schemeClr val="accent1"/>
+          </a:fillRef>
+          <a:effectRef idx="0">
+            <a:schemeClr val="accent1"/>
+          </a:effectRef>
+          <a:fontRef idx="minor">
+            <a:schemeClr val="tx1"/>
+          </a:fontRef>
+        </p:style>
+        <p:txBody>
+          <a:bodyPr rtlCol="0" anchor="ctr"/>
+          <a:lstStyle/>
+          <a:p>
+            <a:pPr algn="ctr"/>
+            <a:endParaRPr lang="fr-FR"/>
+          </a:p>
+        </p:txBody>
+      </p:sp>
+    </p:spTree>
+    <p:extLst>
+      <p:ext uri="{BB962C8B-B14F-4D97-AF65-F5344CB8AC3E}">
+        <p14:creationId xmlns:p14="http://schemas.microsoft.com/office/powerpoint/2010/main" val="2490387428"/>
       </p:ext>
     </p:extLst>
   </p:cSld>
